--- a/Getting-Agents-to-Give-Up-Their-Secrets.pptx
+++ b/Getting-Agents-to-Give-Up-Their-Secrets.pptx
@@ -4951,7 +4951,7 @@
     <p:bg>
       <p:bgPr>
         <a:solidFill>
-          <a:srgbClr val="1A1A2E"/>
+          <a:srgbClr val="0F0F1A"/>
         </a:solidFill>
       </p:bgPr>
     </p:bg>
@@ -4971,7 +4971,29 @@
       </p:grpSpPr>
       <p:sp>
         <p:nvSpPr>
-          <p:cNvPr id="2" name="Text 0"/>
+          <p:cNvPr id="2" name="Shape 0"/>
+          <p:cNvSpPr/>
+          <p:nvPr/>
+        </p:nvSpPr>
+        <p:spPr>
+          <a:xfrm>
+            <a:off x="4572000" y="2286000"/>
+            <a:ext cx="7315200" cy="5486400"/>
+          </a:xfrm>
+          <a:prstGeom prst="ellipse">
+            <a:avLst/>
+          </a:prstGeom>
+          <a:solidFill>
+            <a:srgbClr val="00B4D8">
+              <a:alpha val="4000"/>
+            </a:srgbClr>
+          </a:solidFill>
+          <a:ln/>
+        </p:spPr>
+      </p:sp>
+      <p:sp>
+        <p:nvSpPr>
+          <p:cNvPr id="3" name="Text 1"/>
           <p:cNvSpPr/>
           <p:nvPr/>
         </p:nvSpPr>
@@ -5027,7 +5049,7 @@
       </p:sp>
       <p:sp>
         <p:nvSpPr>
-          <p:cNvPr id="3" name="Text 1"/>
+          <p:cNvPr id="4" name="Text 2"/>
           <p:cNvSpPr/>
           <p:nvPr/>
         </p:nvSpPr>
@@ -5066,7 +5088,7 @@
       </p:sp>
       <p:sp>
         <p:nvSpPr>
-          <p:cNvPr id="4" name="Shape 2"/>
+          <p:cNvPr id="5" name="Shape 3"/>
           <p:cNvSpPr/>
           <p:nvPr/>
         </p:nvSpPr>
@@ -5079,7 +5101,7 @@
             <a:avLst/>
           </a:prstGeom>
           <a:solidFill>
-            <a:srgbClr val="2A2A4E"/>
+            <a:srgbClr val="1A1A3E"/>
           </a:solidFill>
           <a:ln/>
           <a:effectLst>
@@ -5093,7 +5115,7 @@
       </p:sp>
       <p:sp>
         <p:nvSpPr>
-          <p:cNvPr id="5" name="Shape 3"/>
+          <p:cNvPr id="6" name="Shape 4"/>
           <p:cNvSpPr/>
           <p:nvPr/>
         </p:nvSpPr>
@@ -5113,7 +5135,7 @@
       </p:sp>
       <p:sp>
         <p:nvSpPr>
-          <p:cNvPr id="6" name="Text 4"/>
+          <p:cNvPr id="7" name="Text 5"/>
           <p:cNvSpPr/>
           <p:nvPr/>
         </p:nvSpPr>
@@ -5187,7 +5209,7 @@
     <p:bg>
       <p:bgPr>
         <a:solidFill>
-          <a:srgbClr val="F5F5F5"/>
+          <a:srgbClr val="F8F9FA"/>
         </a:solidFill>
       </p:bgPr>
     </p:bg>
@@ -5214,7 +5236,7 @@
         <p:spPr>
           <a:xfrm>
             <a:off x="457200" y="274320"/>
-            <a:ext cx="8229600" cy="548640"/>
+            <a:ext cx="8229600" cy="731520"/>
           </a:xfrm>
           <a:prstGeom prst="rect">
             <a:avLst/>
@@ -5230,9 +5252,9 @@
               <a:buNone/>
             </a:pPr>
             <a:r>
-              <a:rPr lang="en-US" sz="2800" b="1" dirty="0">
-                <a:solidFill>
-                  <a:srgbClr val="1E1E1E"/>
+              <a:rPr lang="en-US" sz="4000" b="1" dirty="0">
+                <a:solidFill>
+                  <a:srgbClr val="1E293B"/>
                 </a:solidFill>
                 <a:latin typeface="Georgia" pitchFamily="34" charset="0"/>
                 <a:ea typeface="Georgia" pitchFamily="34" charset="-122"/>
@@ -5240,7 +5262,7 @@
               </a:rPr>
               <a:t>Who Makes What</a:t>
             </a:r>
-            <a:endParaRPr lang="en-US" sz="2800" dirty="0"/>
+            <a:endParaRPr lang="en-US" sz="4000" dirty="0"/>
           </a:p>
         </p:txBody>
       </p:sp>
@@ -5558,7 +5580,7 @@
                       <a:r>
                         <a:rPr lang="en-US" sz="1200" dirty="0">
                           <a:solidFill>
-                            <a:srgbClr val="1E1E1E"/>
+                            <a:srgbClr val="1E293B"/>
                           </a:solidFill>
                           <a:latin typeface="Calibri" pitchFamily="34" charset="0"/>
                           <a:ea typeface="Calibri" pitchFamily="34" charset="-122"/>
@@ -5623,7 +5645,7 @@
                       <a:r>
                         <a:rPr lang="en-US" sz="1200" dirty="0">
                           <a:solidFill>
-                            <a:srgbClr val="1E1E1E"/>
+                            <a:srgbClr val="1E293B"/>
                           </a:solidFill>
                           <a:latin typeface="Calibri" pitchFamily="34" charset="0"/>
                           <a:ea typeface="Calibri" pitchFamily="34" charset="-122"/>
@@ -5688,7 +5710,7 @@
                       <a:r>
                         <a:rPr lang="en-US" sz="1200" dirty="0">
                           <a:solidFill>
-                            <a:srgbClr val="1E1E1E"/>
+                            <a:srgbClr val="1E293B"/>
                           </a:solidFill>
                           <a:latin typeface="Calibri" pitchFamily="34" charset="0"/>
                           <a:ea typeface="Calibri" pitchFamily="34" charset="-122"/>
@@ -5753,7 +5775,7 @@
                       <a:r>
                         <a:rPr lang="en-US" sz="1200" dirty="0">
                           <a:solidFill>
-                            <a:srgbClr val="1E1E1E"/>
+                            <a:srgbClr val="1E293B"/>
                           </a:solidFill>
                           <a:latin typeface="Calibri" pitchFamily="34" charset="0"/>
                           <a:ea typeface="Calibri" pitchFamily="34" charset="-122"/>
@@ -5820,7 +5842,7 @@
                       <a:r>
                         <a:rPr lang="en-US" sz="1200" dirty="0">
                           <a:solidFill>
-                            <a:srgbClr val="1E1E1E"/>
+                            <a:srgbClr val="1E293B"/>
                           </a:solidFill>
                           <a:latin typeface="Calibri" pitchFamily="34" charset="0"/>
                           <a:ea typeface="Calibri" pitchFamily="34" charset="-122"/>
@@ -5885,7 +5907,7 @@
                       <a:r>
                         <a:rPr lang="en-US" sz="1200" dirty="0">
                           <a:solidFill>
-                            <a:srgbClr val="1E1E1E"/>
+                            <a:srgbClr val="1E293B"/>
                           </a:solidFill>
                           <a:latin typeface="Calibri" pitchFamily="34" charset="0"/>
                           <a:ea typeface="Calibri" pitchFamily="34" charset="-122"/>
@@ -5950,7 +5972,7 @@
                       <a:r>
                         <a:rPr lang="en-US" sz="1200" dirty="0">
                           <a:solidFill>
-                            <a:srgbClr val="1E1E1E"/>
+                            <a:srgbClr val="1E293B"/>
                           </a:solidFill>
                           <a:latin typeface="Calibri" pitchFamily="34" charset="0"/>
                           <a:ea typeface="Calibri" pitchFamily="34" charset="-122"/>
@@ -6015,7 +6037,7 @@
                       <a:r>
                         <a:rPr lang="en-US" sz="1200" dirty="0">
                           <a:solidFill>
-                            <a:srgbClr val="1E1E1E"/>
+                            <a:srgbClr val="1E293B"/>
                           </a:solidFill>
                           <a:latin typeface="Calibri" pitchFamily="34" charset="0"/>
                           <a:ea typeface="Calibri" pitchFamily="34" charset="-122"/>
@@ -6082,7 +6104,7 @@
                       <a:r>
                         <a:rPr lang="en-US" sz="1200" dirty="0">
                           <a:solidFill>
-                            <a:srgbClr val="1E1E1E"/>
+                            <a:srgbClr val="1E293B"/>
                           </a:solidFill>
                           <a:latin typeface="Calibri" pitchFamily="34" charset="0"/>
                           <a:ea typeface="Calibri" pitchFamily="34" charset="-122"/>
@@ -6147,7 +6169,7 @@
                       <a:r>
                         <a:rPr lang="en-US" sz="1200" dirty="0">
                           <a:solidFill>
-                            <a:srgbClr val="1E1E1E"/>
+                            <a:srgbClr val="1E293B"/>
                           </a:solidFill>
                           <a:latin typeface="Calibri" pitchFamily="34" charset="0"/>
                           <a:ea typeface="Calibri" pitchFamily="34" charset="-122"/>
@@ -6212,7 +6234,7 @@
                       <a:r>
                         <a:rPr lang="en-US" sz="1200" dirty="0">
                           <a:solidFill>
-                            <a:srgbClr val="1E1E1E"/>
+                            <a:srgbClr val="1E293B"/>
                           </a:solidFill>
                           <a:latin typeface="Calibri" pitchFamily="34" charset="0"/>
                           <a:ea typeface="Calibri" pitchFamily="34" charset="-122"/>
@@ -6277,7 +6299,7 @@
                       <a:r>
                         <a:rPr lang="en-US" sz="1200" dirty="0">
                           <a:solidFill>
-                            <a:srgbClr val="1E1E1E"/>
+                            <a:srgbClr val="1E293B"/>
                           </a:solidFill>
                           <a:latin typeface="Calibri" pitchFamily="34" charset="0"/>
                           <a:ea typeface="Calibri" pitchFamily="34" charset="-122"/>
@@ -6344,7 +6366,7 @@
                       <a:r>
                         <a:rPr lang="en-US" sz="1200" dirty="0">
                           <a:solidFill>
-                            <a:srgbClr val="1E1E1E"/>
+                            <a:srgbClr val="1E293B"/>
                           </a:solidFill>
                           <a:latin typeface="Calibri" pitchFamily="34" charset="0"/>
                           <a:ea typeface="Calibri" pitchFamily="34" charset="-122"/>
@@ -6409,7 +6431,7 @@
                       <a:r>
                         <a:rPr lang="en-US" sz="1200" dirty="0">
                           <a:solidFill>
-                            <a:srgbClr val="1E1E1E"/>
+                            <a:srgbClr val="1E293B"/>
                           </a:solidFill>
                           <a:latin typeface="Calibri" pitchFamily="34" charset="0"/>
                           <a:ea typeface="Calibri" pitchFamily="34" charset="-122"/>
@@ -6474,7 +6496,7 @@
                       <a:r>
                         <a:rPr lang="en-US" sz="1200" dirty="0">
                           <a:solidFill>
-                            <a:srgbClr val="1E1E1E"/>
+                            <a:srgbClr val="1E293B"/>
                           </a:solidFill>
                           <a:latin typeface="Calibri" pitchFamily="34" charset="0"/>
                           <a:ea typeface="Calibri" pitchFamily="34" charset="-122"/>
@@ -6539,7 +6561,7 @@
                       <a:r>
                         <a:rPr lang="en-US" sz="1200" dirty="0">
                           <a:solidFill>
-                            <a:srgbClr val="1E1E1E"/>
+                            <a:srgbClr val="1E293B"/>
                           </a:solidFill>
                           <a:latin typeface="Calibri" pitchFamily="34" charset="0"/>
                           <a:ea typeface="Calibri" pitchFamily="34" charset="-122"/>
@@ -6612,7 +6634,7 @@
     <p:bg>
       <p:bgPr>
         <a:solidFill>
-          <a:srgbClr val="F5F5F5"/>
+          <a:srgbClr val="F8F9FA"/>
         </a:solidFill>
       </p:bgPr>
     </p:bg>
@@ -6639,7 +6661,7 @@
         <p:spPr>
           <a:xfrm>
             <a:off x="457200" y="274320"/>
-            <a:ext cx="8229600" cy="548640"/>
+            <a:ext cx="8229600" cy="731520"/>
           </a:xfrm>
           <a:prstGeom prst="rect">
             <a:avLst/>
@@ -6655,9 +6677,9 @@
               <a:buNone/>
             </a:pPr>
             <a:r>
-              <a:rPr lang="en-US" sz="2800" b="1" dirty="0">
-                <a:solidFill>
-                  <a:srgbClr val="1E1E1E"/>
+              <a:rPr lang="en-US" sz="4000" b="1" dirty="0">
+                <a:solidFill>
+                  <a:srgbClr val="1E293B"/>
                 </a:solidFill>
                 <a:latin typeface="Georgia" pitchFamily="34" charset="0"/>
                 <a:ea typeface="Georgia" pitchFamily="34" charset="-122"/>
@@ -6665,7 +6687,7 @@
               </a:rPr>
               <a:t>Where the Real Action Is</a:t>
             </a:r>
-            <a:endParaRPr lang="en-US" sz="2800" dirty="0"/>
+            <a:endParaRPr lang="en-US" sz="4000" dirty="0"/>
           </a:p>
         </p:txBody>
       </p:sp>
@@ -6677,7 +6699,7 @@
         </p:nvSpPr>
         <p:spPr>
           <a:xfrm>
-            <a:off x="457200" y="1005840"/>
+            <a:off x="457200" y="1097280"/>
             <a:ext cx="3886200" cy="3383280"/>
           </a:xfrm>
           <a:prstGeom prst="rect">
@@ -6704,7 +6726,7 @@
         </p:nvSpPr>
         <p:spPr>
           <a:xfrm>
-            <a:off x="640080" y="1097280"/>
+            <a:off x="640080" y="1188720"/>
             <a:ext cx="3520440" cy="320040"/>
           </a:xfrm>
           <a:prstGeom prst="rect">
@@ -6721,9 +6743,9 @@
               <a:buNone/>
             </a:pPr>
             <a:r>
-              <a:rPr lang="en-US" sz="1600" b="1" dirty="0">
-                <a:solidFill>
-                  <a:srgbClr val="4B5563"/>
+              <a:rPr lang="en-US" sz="1800" b="1" dirty="0">
+                <a:solidFill>
+                  <a:srgbClr val="64748B"/>
                 </a:solidFill>
                 <a:latin typeface="Georgia" pitchFamily="34" charset="0"/>
                 <a:ea typeface="Georgia" pitchFamily="34" charset="-122"/>
@@ -6731,7 +6753,7 @@
               </a:rPr>
               <a:t>LLM Side</a:t>
             </a:r>
-            <a:endParaRPr lang="en-US" sz="1600" dirty="0"/>
+            <a:endParaRPr lang="en-US" sz="1800" dirty="0"/>
           </a:p>
         </p:txBody>
       </p:sp>
@@ -6743,7 +6765,7 @@
         </p:nvSpPr>
         <p:spPr>
           <a:xfrm>
-            <a:off x="640080" y="1463040"/>
+            <a:off x="640080" y="1554480"/>
             <a:ext cx="3520440" cy="2743200"/>
           </a:xfrm>
           <a:prstGeom prst="rect">
@@ -6763,7 +6785,7 @@
             <a:r>
               <a:rPr lang="en-US" sz="1300" dirty="0">
                 <a:solidFill>
-                  <a:srgbClr val="4B5563"/>
+                  <a:srgbClr val="64748B"/>
                 </a:solidFill>
                 <a:latin typeface="Calibri" pitchFamily="34" charset="0"/>
                 <a:ea typeface="Calibri" pitchFamily="34" charset="-122"/>
@@ -6771,7 +6793,7 @@
               </a:rPr>
               <a:t>Costs $billions to train</a:t>
             </a:r>
-            <a:endParaRPr lang="en-US" sz="1400" dirty="0"/>
+            <a:endParaRPr lang="en-US" sz="1500" dirty="0"/>
           </a:p>
           <a:p>
             <a:pPr marL="342900" indent="-342900">
@@ -6781,7 +6803,7 @@
             <a:r>
               <a:rPr lang="en-US" sz="1300" dirty="0">
                 <a:solidFill>
-                  <a:srgbClr val="4B5563"/>
+                  <a:srgbClr val="64748B"/>
                 </a:solidFill>
                 <a:latin typeface="Calibri" pitchFamily="34" charset="0"/>
                 <a:ea typeface="Calibri" pitchFamily="34" charset="-122"/>
@@ -6789,7 +6811,7 @@
               </a:rPr>
               <a:t>Takes months per model</a:t>
             </a:r>
-            <a:endParaRPr lang="en-US" sz="1400" dirty="0"/>
+            <a:endParaRPr lang="en-US" sz="1500" dirty="0"/>
           </a:p>
           <a:p>
             <a:pPr marL="342900" indent="-342900">
@@ -6799,7 +6821,7 @@
             <a:r>
               <a:rPr lang="en-US" sz="1300" dirty="0">
                 <a:solidFill>
-                  <a:srgbClr val="4B5563"/>
+                  <a:srgbClr val="64748B"/>
                 </a:solidFill>
                 <a:latin typeface="Calibri" pitchFamily="34" charset="0"/>
                 <a:ea typeface="Calibri" pitchFamily="34" charset="-122"/>
@@ -6807,7 +6829,7 @@
               </a:rPr>
               <a:t>Only ~5 companies can do it</a:t>
             </a:r>
-            <a:endParaRPr lang="en-US" sz="1400" dirty="0"/>
+            <a:endParaRPr lang="en-US" sz="1500" dirty="0"/>
           </a:p>
           <a:p>
             <a:pPr marL="342900" indent="-342900">
@@ -6817,7 +6839,7 @@
             <a:r>
               <a:rPr lang="en-US" sz="1300" dirty="0">
                 <a:solidFill>
-                  <a:srgbClr val="4B5563"/>
+                  <a:srgbClr val="64748B"/>
                 </a:solidFill>
                 <a:latin typeface="Calibri" pitchFamily="34" charset="0"/>
                 <a:ea typeface="Calibri" pitchFamily="34" charset="-122"/>
@@ -6825,7 +6847,7 @@
               </a:rPr>
               <a:t>Innovation is slow and expensive</a:t>
             </a:r>
-            <a:endParaRPr lang="en-US" sz="1400" dirty="0"/>
+            <a:endParaRPr lang="en-US" sz="1500" dirty="0"/>
           </a:p>
         </p:txBody>
       </p:sp>
@@ -6837,7 +6859,7 @@
         </p:nvSpPr>
         <p:spPr>
           <a:xfrm>
-            <a:off x="4800600" y="1005840"/>
+            <a:off x="4800600" y="1097280"/>
             <a:ext cx="3886200" cy="3383280"/>
           </a:xfrm>
           <a:prstGeom prst="rect">
@@ -6864,7 +6886,7 @@
         </p:nvSpPr>
         <p:spPr>
           <a:xfrm>
-            <a:off x="4800600" y="1005840"/>
+            <a:off x="4800600" y="1097280"/>
             <a:ext cx="54864" cy="3383280"/>
           </a:xfrm>
           <a:prstGeom prst="rect">
@@ -6884,7 +6906,7 @@
         </p:nvSpPr>
         <p:spPr>
           <a:xfrm>
-            <a:off x="5029200" y="1097280"/>
+            <a:off x="5029200" y="1188720"/>
             <a:ext cx="3520440" cy="320040"/>
           </a:xfrm>
           <a:prstGeom prst="rect">
@@ -6901,7 +6923,7 @@
               <a:buNone/>
             </a:pPr>
             <a:r>
-              <a:rPr lang="en-US" sz="1600" b="1" dirty="0">
+              <a:rPr lang="en-US" sz="1800" b="1" dirty="0">
                 <a:solidFill>
                   <a:srgbClr val="00B4D8"/>
                 </a:solidFill>
@@ -6911,7 +6933,7 @@
               </a:rPr>
               <a:t>Agent / App Side</a:t>
             </a:r>
-            <a:endParaRPr lang="en-US" sz="1600" dirty="0"/>
+            <a:endParaRPr lang="en-US" sz="1800" dirty="0"/>
           </a:p>
         </p:txBody>
       </p:sp>
@@ -6923,7 +6945,7 @@
         </p:nvSpPr>
         <p:spPr>
           <a:xfrm>
-            <a:off x="5029200" y="1463040"/>
+            <a:off x="5029200" y="1554480"/>
             <a:ext cx="3520440" cy="2743200"/>
           </a:xfrm>
           <a:prstGeom prst="rect">
@@ -6943,7 +6965,7 @@
             <a:r>
               <a:rPr lang="en-US" sz="1300" b="1" dirty="0">
                 <a:solidFill>
-                  <a:srgbClr val="1E1E1E"/>
+                  <a:srgbClr val="1E293B"/>
                 </a:solidFill>
                 <a:latin typeface="Calibri" pitchFamily="34" charset="0"/>
                 <a:ea typeface="Calibri" pitchFamily="34" charset="-122"/>
@@ -6951,7 +6973,7 @@
               </a:rPr>
               <a:t>This is just software</a:t>
             </a:r>
-            <a:endParaRPr lang="en-US" sz="1400" dirty="0"/>
+            <a:endParaRPr lang="en-US" sz="1500" dirty="0"/>
           </a:p>
           <a:p>
             <a:pPr marL="342900" indent="-342900">
@@ -6961,7 +6983,7 @@
             <a:r>
               <a:rPr lang="en-US" sz="1300" b="1" dirty="0">
                 <a:solidFill>
-                  <a:srgbClr val="1E1E1E"/>
+                  <a:srgbClr val="1E293B"/>
                 </a:solidFill>
                 <a:latin typeface="Calibri" pitchFamily="34" charset="0"/>
                 <a:ea typeface="Calibri" pitchFamily="34" charset="-122"/>
@@ -6969,7 +6991,7 @@
               </a:rPr>
               <a:t>Innovation has exploded</a:t>
             </a:r>
-            <a:endParaRPr lang="en-US" sz="1400" dirty="0"/>
+            <a:endParaRPr lang="en-US" sz="1500" dirty="0"/>
           </a:p>
           <a:p>
             <a:pPr marL="342900" indent="-342900">
@@ -6979,7 +7001,7 @@
             <a:r>
               <a:rPr lang="en-US" sz="1300" b="1" dirty="0">
                 <a:solidFill>
-                  <a:srgbClr val="1E1E1E"/>
+                  <a:srgbClr val="1E293B"/>
                 </a:solidFill>
                 <a:latin typeface="Calibri" pitchFamily="34" charset="0"/>
                 <a:ea typeface="Calibri" pitchFamily="34" charset="-122"/>
@@ -6987,7 +7009,7 @@
               </a:rPr>
               <a:t>Anyone can build agents and apps</a:t>
             </a:r>
-            <a:endParaRPr lang="en-US" sz="1400" dirty="0"/>
+            <a:endParaRPr lang="en-US" sz="1500" dirty="0"/>
           </a:p>
           <a:p>
             <a:pPr marL="342900" indent="-342900">
@@ -6997,7 +7019,7 @@
             <a:r>
               <a:rPr lang="en-US" sz="1300" b="1" dirty="0">
                 <a:solidFill>
-                  <a:srgbClr val="1E1E1E"/>
+                  <a:srgbClr val="1E293B"/>
                 </a:solidFill>
                 <a:latin typeface="Calibri" pitchFamily="34" charset="0"/>
                 <a:ea typeface="Calibri" pitchFamily="34" charset="-122"/>
@@ -7005,7 +7027,7 @@
               </a:rPr>
               <a:t>New tools appear weekly</a:t>
             </a:r>
-            <a:endParaRPr lang="en-US" sz="1400" dirty="0"/>
+            <a:endParaRPr lang="en-US" sz="1500" dirty="0"/>
           </a:p>
         </p:txBody>
       </p:sp>
@@ -7036,7 +7058,7 @@
             <a:r>
               <a:rPr lang="en-US" sz="1100" i="1" dirty="0">
                 <a:solidFill>
-                  <a:srgbClr val="4B5563"/>
+                  <a:srgbClr val="64748B"/>
                 </a:solidFill>
                 <a:latin typeface="Calibri" pitchFamily="34" charset="0"/>
                 <a:ea typeface="Calibri" pitchFamily="34" charset="-122"/>
@@ -7062,7 +7084,7 @@
     <p:bg>
       <p:bgPr>
         <a:solidFill>
-          <a:srgbClr val="F5F5F5"/>
+          <a:srgbClr val="F8F9FA"/>
         </a:solidFill>
       </p:bgPr>
     </p:bg>
@@ -7089,7 +7111,7 @@
         <p:spPr>
           <a:xfrm>
             <a:off x="457200" y="274320"/>
-            <a:ext cx="8229600" cy="548640"/>
+            <a:ext cx="8229600" cy="731520"/>
           </a:xfrm>
           <a:prstGeom prst="rect">
             <a:avLst/>
@@ -7105,9 +7127,9 @@
               <a:buNone/>
             </a:pPr>
             <a:r>
-              <a:rPr lang="en-US" sz="2800" b="1" dirty="0">
-                <a:solidFill>
-                  <a:srgbClr val="1E1E1E"/>
+              <a:rPr lang="en-US" sz="4000" b="1" dirty="0">
+                <a:solidFill>
+                  <a:srgbClr val="1E293B"/>
                 </a:solidFill>
                 <a:latin typeface="Georgia" pitchFamily="34" charset="0"/>
                 <a:ea typeface="Georgia" pitchFamily="34" charset="-122"/>
@@ -7115,7 +7137,7 @@
               </a:rPr>
               <a:t>Software Engineering Was First</a:t>
             </a:r>
-            <a:endParaRPr lang="en-US" sz="2800" dirty="0"/>
+            <a:endParaRPr lang="en-US" sz="4000" dirty="0"/>
           </a:p>
         </p:txBody>
       </p:sp>
@@ -7127,7 +7149,7 @@
         </p:nvSpPr>
         <p:spPr>
           <a:xfrm>
-            <a:off x="457200" y="1005840"/>
+            <a:off x="457200" y="1097280"/>
             <a:ext cx="3886200" cy="3383280"/>
           </a:xfrm>
           <a:prstGeom prst="rect">
@@ -7154,7 +7176,7 @@
         </p:nvSpPr>
         <p:spPr>
           <a:xfrm>
-            <a:off x="457200" y="1005840"/>
+            <a:off x="457200" y="1097280"/>
             <a:ext cx="54864" cy="3383280"/>
           </a:xfrm>
           <a:prstGeom prst="rect">
@@ -7174,7 +7196,7 @@
         </p:nvSpPr>
         <p:spPr>
           <a:xfrm>
-            <a:off x="685800" y="1097280"/>
+            <a:off x="685800" y="1188720"/>
             <a:ext cx="3520440" cy="320040"/>
           </a:xfrm>
           <a:prstGeom prst="rect">
@@ -7191,9 +7213,9 @@
               <a:buNone/>
             </a:pPr>
             <a:r>
-              <a:rPr lang="en-US" sz="1600" b="1" dirty="0">
-                <a:solidFill>
-                  <a:srgbClr val="1E1E1E"/>
+              <a:rPr lang="en-US" sz="1800" b="1" dirty="0">
+                <a:solidFill>
+                  <a:srgbClr val="1E293B"/>
                 </a:solidFill>
                 <a:latin typeface="Georgia" pitchFamily="34" charset="0"/>
                 <a:ea typeface="Georgia" pitchFamily="34" charset="-122"/>
@@ -7201,7 +7223,7 @@
               </a:rPr>
               <a:t>The Headline</a:t>
             </a:r>
-            <a:endParaRPr lang="en-US" sz="1600" dirty="0"/>
+            <a:endParaRPr lang="en-US" sz="1800" dirty="0"/>
           </a:p>
         </p:txBody>
       </p:sp>
@@ -7213,7 +7235,7 @@
         </p:nvSpPr>
         <p:spPr>
           <a:xfrm>
-            <a:off x="685800" y="1463040"/>
+            <a:off x="685800" y="1554480"/>
             <a:ext cx="3520440" cy="2743200"/>
           </a:xfrm>
           <a:prstGeom prst="rect">
@@ -7240,7 +7262,7 @@
               </a:rPr>
               <a:t>41%</a:t>
             </a:r>
-            <a:endParaRPr lang="en-US" sz="1400" dirty="0"/>
+            <a:endParaRPr lang="en-US" sz="1500" dirty="0"/>
           </a:p>
           <a:p>
             <a:pPr indent="0" marL="0">
@@ -7249,7 +7271,7 @@
             <a:r>
               <a:rPr lang="en-US" sz="1400" dirty="0">
                 <a:solidFill>
-                  <a:srgbClr val="1E1E1E"/>
+                  <a:srgbClr val="1E293B"/>
                 </a:solidFill>
                 <a:latin typeface="Calibri" pitchFamily="34" charset="0"/>
                 <a:ea typeface="Calibri" pitchFamily="34" charset="-122"/>
@@ -7257,13 +7279,13 @@
               </a:rPr>
               <a:t>of all code is now AI-generated</a:t>
             </a:r>
-            <a:endParaRPr lang="en-US" sz="1400" dirty="0"/>
-          </a:p>
-          <a:p>
-            <a:pPr indent="0" marL="0">
-              <a:buNone/>
-            </a:pPr>
-            <a:endParaRPr lang="en-US" sz="1400" dirty="0"/>
+            <a:endParaRPr lang="en-US" sz="1500" dirty="0"/>
+          </a:p>
+          <a:p>
+            <a:pPr indent="0" marL="0">
+              <a:buNone/>
+            </a:pPr>
+            <a:endParaRPr lang="en-US" sz="1500" dirty="0"/>
           </a:p>
           <a:p>
             <a:pPr indent="0" marL="0">
@@ -7272,7 +7294,7 @@
             <a:r>
               <a:rPr lang="en-US" sz="1200" i="1" dirty="0">
                 <a:solidFill>
-                  <a:srgbClr val="4B5563"/>
+                  <a:srgbClr val="64748B"/>
                 </a:solidFill>
                 <a:latin typeface="Calibri" pitchFamily="34" charset="0"/>
                 <a:ea typeface="Calibri" pitchFamily="34" charset="-122"/>
@@ -7280,7 +7302,7 @@
               </a:rPr>
               <a:t>"Vibe coding" went from joke to industry practice in under a year</a:t>
             </a:r>
-            <a:endParaRPr lang="en-US" sz="1400" dirty="0"/>
+            <a:endParaRPr lang="en-US" sz="1500" dirty="0"/>
           </a:p>
         </p:txBody>
       </p:sp>
@@ -7292,7 +7314,7 @@
         </p:nvSpPr>
         <p:spPr>
           <a:xfrm>
-            <a:off x="4800600" y="1005840"/>
+            <a:off x="4800600" y="1097280"/>
             <a:ext cx="3886200" cy="3383280"/>
           </a:xfrm>
           <a:prstGeom prst="rect">
@@ -7319,7 +7341,7 @@
         </p:nvSpPr>
         <p:spPr>
           <a:xfrm>
-            <a:off x="4800600" y="1005840"/>
+            <a:off x="4800600" y="1097280"/>
             <a:ext cx="54864" cy="3383280"/>
           </a:xfrm>
           <a:prstGeom prst="rect">
@@ -7339,7 +7361,7 @@
         </p:nvSpPr>
         <p:spPr>
           <a:xfrm>
-            <a:off x="5029200" y="1097280"/>
+            <a:off x="5029200" y="1188720"/>
             <a:ext cx="3520440" cy="320040"/>
           </a:xfrm>
           <a:prstGeom prst="rect">
@@ -7356,9 +7378,9 @@
               <a:buNone/>
             </a:pPr>
             <a:r>
-              <a:rPr lang="en-US" sz="1600" b="1" dirty="0">
-                <a:solidFill>
-                  <a:srgbClr val="1E1E1E"/>
+              <a:rPr lang="en-US" sz="1800" b="1" dirty="0">
+                <a:solidFill>
+                  <a:srgbClr val="1E293B"/>
                 </a:solidFill>
                 <a:latin typeface="Georgia" pitchFamily="34" charset="0"/>
                 <a:ea typeface="Georgia" pitchFamily="34" charset="-122"/>
@@ -7366,7 +7388,7 @@
               </a:rPr>
               <a:t>The Twist</a:t>
             </a:r>
-            <a:endParaRPr lang="en-US" sz="1600" dirty="0"/>
+            <a:endParaRPr lang="en-US" sz="1800" dirty="0"/>
           </a:p>
         </p:txBody>
       </p:sp>
@@ -7378,7 +7400,7 @@
         </p:nvSpPr>
         <p:spPr>
           <a:xfrm>
-            <a:off x="5029200" y="1463040"/>
+            <a:off x="5029200" y="1554480"/>
             <a:ext cx="3520440" cy="2743200"/>
           </a:xfrm>
           <a:prstGeom prst="rect">
@@ -7397,7 +7419,7 @@
             <a:r>
               <a:rPr lang="en-US" sz="1300" dirty="0">
                 <a:solidFill>
-                  <a:srgbClr val="1E1E1E"/>
+                  <a:srgbClr val="1E293B"/>
                 </a:solidFill>
                 <a:latin typeface="Calibri" pitchFamily="34" charset="0"/>
                 <a:ea typeface="Calibri" pitchFamily="34" charset="-122"/>
@@ -7405,7 +7427,7 @@
               </a:rPr>
               <a:t>Developers who felt 20% faster actually took</a:t>
             </a:r>
-            <a:endParaRPr lang="en-US" sz="1400" dirty="0"/>
+            <a:endParaRPr lang="en-US" sz="1500" dirty="0"/>
           </a:p>
           <a:p>
             <a:pPr indent="0" marL="0">
@@ -7422,7 +7444,7 @@
               </a:rPr>
               <a:t>19% longer</a:t>
             </a:r>
-            <a:endParaRPr lang="en-US" sz="1400" dirty="0"/>
+            <a:endParaRPr lang="en-US" sz="1500" dirty="0"/>
           </a:p>
           <a:p>
             <a:pPr indent="0" marL="0">
@@ -7431,7 +7453,7 @@
             <a:r>
               <a:rPr lang="en-US" sz="1300" dirty="0">
                 <a:solidFill>
-                  <a:srgbClr val="1E1E1E"/>
+                  <a:srgbClr val="1E293B"/>
                 </a:solidFill>
                 <a:latin typeface="Calibri" pitchFamily="34" charset="0"/>
                 <a:ea typeface="Calibri" pitchFamily="34" charset="-122"/>
@@ -7439,13 +7461,13 @@
               </a:rPr>
               <a:t>once debugging and cleanup were included.</a:t>
             </a:r>
-            <a:endParaRPr lang="en-US" sz="1400" dirty="0"/>
-          </a:p>
-          <a:p>
-            <a:pPr indent="0" marL="0">
-              <a:buNone/>
-            </a:pPr>
-            <a:endParaRPr lang="en-US" sz="1400" dirty="0"/>
+            <a:endParaRPr lang="en-US" sz="1500" dirty="0"/>
+          </a:p>
+          <a:p>
+            <a:pPr indent="0" marL="0">
+              <a:buNone/>
+            </a:pPr>
+            <a:endParaRPr lang="en-US" sz="1500" dirty="0"/>
           </a:p>
           <a:p>
             <a:pPr indent="0" marL="0">
@@ -7454,7 +7476,7 @@
             <a:r>
               <a:rPr lang="en-US" sz="1200" i="1" dirty="0">
                 <a:solidFill>
-                  <a:srgbClr val="4B5563"/>
+                  <a:srgbClr val="64748B"/>
                 </a:solidFill>
                 <a:latin typeface="Calibri" pitchFamily="34" charset="0"/>
                 <a:ea typeface="Calibri" pitchFamily="34" charset="-122"/>
@@ -7462,7 +7484,7 @@
               </a:rPr>
               <a:t>The gap between 'uses AI tools' and 'uses AI tools well' is massive.</a:t>
             </a:r>
-            <a:endParaRPr lang="en-US" sz="1400" dirty="0"/>
+            <a:endParaRPr lang="en-US" sz="1500" dirty="0"/>
           </a:p>
         </p:txBody>
       </p:sp>
@@ -7493,7 +7515,7 @@
             <a:r>
               <a:rPr lang="en-US" sz="1100" i="1" dirty="0">
                 <a:solidFill>
-                  <a:srgbClr val="4B5563"/>
+                  <a:srgbClr val="64748B"/>
                 </a:solidFill>
                 <a:latin typeface="Calibri" pitchFamily="34" charset="0"/>
                 <a:ea typeface="Calibri" pitchFamily="34" charset="-122"/>
@@ -7532,7 +7554,7 @@
             <a:r>
               <a:rPr lang="en-US" sz="900" dirty="0">
                 <a:solidFill>
-                  <a:srgbClr val="4B5563"/>
+                  <a:srgbClr val="64748B"/>
                 </a:solidFill>
                 <a:latin typeface="Calibri" pitchFamily="34" charset="0"/>
                 <a:ea typeface="Calibri" pitchFamily="34" charset="-122"/>
@@ -7558,7 +7580,7 @@
     <p:bg>
       <p:bgPr>
         <a:solidFill>
-          <a:srgbClr val="F5F5F5"/>
+          <a:srgbClr val="F8F9FA"/>
         </a:solidFill>
       </p:bgPr>
     </p:bg>
@@ -7585,7 +7607,7 @@
         <p:spPr>
           <a:xfrm>
             <a:off x="457200" y="274320"/>
-            <a:ext cx="8229600" cy="548640"/>
+            <a:ext cx="8229600" cy="731520"/>
           </a:xfrm>
           <a:prstGeom prst="rect">
             <a:avLst/>
@@ -7601,9 +7623,9 @@
               <a:buNone/>
             </a:pPr>
             <a:r>
-              <a:rPr lang="en-US" sz="2800" b="1" dirty="0">
-                <a:solidFill>
-                  <a:srgbClr val="1E1E1E"/>
+              <a:rPr lang="en-US" sz="4000" b="1" dirty="0">
+                <a:solidFill>
+                  <a:srgbClr val="1E293B"/>
                 </a:solidFill>
                 <a:latin typeface="Georgia" pitchFamily="34" charset="0"/>
                 <a:ea typeface="Georgia" pitchFamily="34" charset="-122"/>
@@ -7611,7 +7633,7 @@
               </a:rPr>
               <a:t>Your Job Is Next</a:t>
             </a:r>
-            <a:endParaRPr lang="en-US" sz="2800" dirty="0"/>
+            <a:endParaRPr lang="en-US" sz="4000" dirty="0"/>
           </a:p>
         </p:txBody>
       </p:sp>
@@ -7708,7 +7730,7 @@
             <a:r>
               <a:rPr lang="en-US" sz="1600" dirty="0">
                 <a:solidFill>
-                  <a:srgbClr val="1E1E1E"/>
+                  <a:srgbClr val="1E293B"/>
                 </a:solidFill>
                 <a:latin typeface="Calibri" pitchFamily="34" charset="0"/>
                 <a:ea typeface="Calibri" pitchFamily="34" charset="-122"/>
@@ -7791,7 +7813,7 @@
             <a:r>
               <a:rPr lang="en-US" sz="1000" dirty="0">
                 <a:solidFill>
-                  <a:srgbClr val="1E1E1E"/>
+                  <a:srgbClr val="1E293B"/>
                 </a:solidFill>
                 <a:latin typeface="Calibri" pitchFamily="34" charset="0"/>
                 <a:ea typeface="Calibri" pitchFamily="34" charset="-122"/>
@@ -7857,7 +7879,7 @@
             <a:r>
               <a:rPr lang="en-US" sz="1000" dirty="0">
                 <a:solidFill>
-                  <a:srgbClr val="1E1E1E"/>
+                  <a:srgbClr val="1E293B"/>
                 </a:solidFill>
                 <a:latin typeface="Calibri" pitchFamily="34" charset="0"/>
                 <a:ea typeface="Calibri" pitchFamily="34" charset="-122"/>
@@ -7923,7 +7945,7 @@
             <a:r>
               <a:rPr lang="en-US" sz="1000" dirty="0">
                 <a:solidFill>
-                  <a:srgbClr val="1E1E1E"/>
+                  <a:srgbClr val="1E293B"/>
                 </a:solidFill>
                 <a:latin typeface="Calibri" pitchFamily="34" charset="0"/>
                 <a:ea typeface="Calibri" pitchFamily="34" charset="-122"/>
@@ -7989,7 +8011,7 @@
             <a:r>
               <a:rPr lang="en-US" sz="1000" dirty="0">
                 <a:solidFill>
-                  <a:srgbClr val="1E1E1E"/>
+                  <a:srgbClr val="1E293B"/>
                 </a:solidFill>
                 <a:latin typeface="Calibri" pitchFamily="34" charset="0"/>
                 <a:ea typeface="Calibri" pitchFamily="34" charset="-122"/>
@@ -8028,7 +8050,7 @@
             <a:r>
               <a:rPr lang="en-US" sz="1100" i="1" dirty="0">
                 <a:solidFill>
-                  <a:srgbClr val="4B5563"/>
+                  <a:srgbClr val="64748B"/>
                 </a:solidFill>
                 <a:latin typeface="Calibri" pitchFamily="34" charset="0"/>
                 <a:ea typeface="Calibri" pitchFamily="34" charset="-122"/>
@@ -8054,7 +8076,7 @@
     <p:bg>
       <p:bgPr>
         <a:solidFill>
-          <a:srgbClr val="1A1A2E"/>
+          <a:srgbClr val="0F0F1A"/>
         </a:solidFill>
       </p:bgPr>
     </p:bg>
@@ -8074,7 +8096,29 @@
       </p:grpSpPr>
       <p:sp>
         <p:nvSpPr>
-          <p:cNvPr id="2" name="Text 0"/>
+          <p:cNvPr id="2" name="Shape 0"/>
+          <p:cNvSpPr/>
+          <p:nvPr/>
+        </p:nvSpPr>
+        <p:spPr>
+          <a:xfrm>
+            <a:off x="4572000" y="2286000"/>
+            <a:ext cx="7315200" cy="5486400"/>
+          </a:xfrm>
+          <a:prstGeom prst="ellipse">
+            <a:avLst/>
+          </a:prstGeom>
+          <a:solidFill>
+            <a:srgbClr val="00B4D8">
+              <a:alpha val="4000"/>
+            </a:srgbClr>
+          </a:solidFill>
+          <a:ln/>
+        </p:spPr>
+      </p:sp>
+      <p:sp>
+        <p:nvSpPr>
+          <p:cNvPr id="3" name="Text 1"/>
           <p:cNvSpPr/>
           <p:nvPr/>
         </p:nvSpPr>
@@ -8097,9 +8141,9 @@
               <a:buNone/>
             </a:pPr>
             <a:r>
-              <a:rPr lang="en-US" sz="1400" b="1" dirty="0">
-                <a:solidFill>
-                  <a:srgbClr val="00B4D8"/>
+              <a:rPr lang="en-US" sz="1100" b="1" spc="400" kern="0" dirty="0">
+                <a:solidFill>
+                  <a:srgbClr val="94A3B8"/>
                 </a:solidFill>
                 <a:latin typeface="Calibri" pitchFamily="34" charset="0"/>
                 <a:ea typeface="Calibri" pitchFamily="34" charset="-122"/>
@@ -8107,13 +8151,13 @@
               </a:rPr>
               <a:t>LEVEL 2</a:t>
             </a:r>
-            <a:endParaRPr lang="en-US" sz="1400" dirty="0"/>
-          </a:p>
-        </p:txBody>
-      </p:sp>
-      <p:sp>
-        <p:nvSpPr>
-          <p:cNvPr id="3" name="Text 1"/>
+            <a:endParaRPr lang="en-US" sz="1100" dirty="0"/>
+          </a:p>
+        </p:txBody>
+      </p:sp>
+      <p:sp>
+        <p:nvSpPr>
+          <p:cNvPr id="4" name="Text 2"/>
           <p:cNvSpPr/>
           <p:nvPr/>
         </p:nvSpPr>
@@ -8136,7 +8180,7 @@
               <a:buNone/>
             </a:pPr>
             <a:r>
-              <a:rPr lang="en-US" sz="3600" b="1" dirty="0">
+              <a:rPr lang="en-US" sz="5400" b="1" dirty="0">
                 <a:solidFill>
                   <a:srgbClr val="FFFFFF"/>
                 </a:solidFill>
@@ -8146,13 +8190,13 @@
               </a:rPr>
               <a:t>Prompt Engineering</a:t>
             </a:r>
-            <a:endParaRPr lang="en-US" sz="3600" dirty="0"/>
-          </a:p>
-        </p:txBody>
-      </p:sp>
-      <p:sp>
-        <p:nvSpPr>
-          <p:cNvPr id="4" name="Text 2"/>
+            <a:endParaRPr lang="en-US" sz="5400" dirty="0"/>
+          </a:p>
+        </p:txBody>
+      </p:sp>
+      <p:sp>
+        <p:nvSpPr>
+          <p:cNvPr id="5" name="Text 3"/>
           <p:cNvSpPr/>
           <p:nvPr/>
         </p:nvSpPr>
@@ -8175,7 +8219,7 @@
               <a:buNone/>
             </a:pPr>
             <a:r>
-              <a:rPr lang="en-US" sz="1800" i="1" dirty="0">
+              <a:rPr lang="en-US" sz="2000" i="1" dirty="0">
                 <a:solidFill>
                   <a:srgbClr val="00B4D8"/>
                 </a:solidFill>
@@ -8185,13 +8229,13 @@
               </a:rPr>
               <a:t>or, How to Stop Getting Useless Answers</a:t>
             </a:r>
-            <a:endParaRPr lang="en-US" sz="1800" dirty="0"/>
-          </a:p>
-        </p:txBody>
-      </p:sp>
-      <p:sp>
-        <p:nvSpPr>
-          <p:cNvPr id="5" name="Text 3"/>
+            <a:endParaRPr lang="en-US" sz="2000" dirty="0"/>
+          </a:p>
+        </p:txBody>
+      </p:sp>
+      <p:sp>
+        <p:nvSpPr>
+          <p:cNvPr id="6" name="Text 4"/>
           <p:cNvSpPr/>
           <p:nvPr/>
         </p:nvSpPr>
@@ -8242,7 +8286,7 @@
     <p:bg>
       <p:bgPr>
         <a:solidFill>
-          <a:srgbClr val="F5F5F5"/>
+          <a:srgbClr val="F8F9FA"/>
         </a:solidFill>
       </p:bgPr>
     </p:bg>
@@ -8269,7 +8313,7 @@
         <p:spPr>
           <a:xfrm>
             <a:off x="457200" y="274320"/>
-            <a:ext cx="8229600" cy="548640"/>
+            <a:ext cx="8229600" cy="731520"/>
           </a:xfrm>
           <a:prstGeom prst="rect">
             <a:avLst/>
@@ -8285,9 +8329,9 @@
               <a:buNone/>
             </a:pPr>
             <a:r>
-              <a:rPr lang="en-US" sz="2800" b="1" dirty="0">
-                <a:solidFill>
-                  <a:srgbClr val="1E1E1E"/>
+              <a:rPr lang="en-US" sz="4000" b="1" dirty="0">
+                <a:solidFill>
+                  <a:srgbClr val="1E293B"/>
                 </a:solidFill>
                 <a:latin typeface="Georgia" pitchFamily="34" charset="0"/>
                 <a:ea typeface="Georgia" pitchFamily="34" charset="-122"/>
@@ -8295,7 +8339,7 @@
               </a:rPr>
               <a:t>The Task</a:t>
             </a:r>
-            <a:endParaRPr lang="en-US" sz="2800" dirty="0"/>
+            <a:endParaRPr lang="en-US" sz="4000" dirty="0"/>
           </a:p>
         </p:txBody>
       </p:sp>
@@ -8307,7 +8351,7 @@
         </p:nvSpPr>
         <p:spPr>
           <a:xfrm>
-            <a:off x="457200" y="1005840"/>
+            <a:off x="457200" y="1097280"/>
             <a:ext cx="3886200" cy="3383280"/>
           </a:xfrm>
           <a:prstGeom prst="rect">
@@ -8334,14 +8378,14 @@
         </p:nvSpPr>
         <p:spPr>
           <a:xfrm>
-            <a:off x="457200" y="1005840"/>
+            <a:off x="457200" y="1097280"/>
             <a:ext cx="54864" cy="3383280"/>
           </a:xfrm>
           <a:prstGeom prst="rect">
             <a:avLst/>
           </a:prstGeom>
           <a:solidFill>
-            <a:srgbClr val="4B5563"/>
+            <a:srgbClr val="64748B"/>
           </a:solidFill>
           <a:ln/>
         </p:spPr>
@@ -8354,7 +8398,7 @@
         </p:nvSpPr>
         <p:spPr>
           <a:xfrm>
-            <a:off x="685800" y="1097280"/>
+            <a:off x="685800" y="1188720"/>
             <a:ext cx="3520440" cy="320040"/>
           </a:xfrm>
           <a:prstGeom prst="rect">
@@ -8371,9 +8415,9 @@
               <a:buNone/>
             </a:pPr>
             <a:r>
-              <a:rPr lang="en-US" sz="1600" b="1" dirty="0">
-                <a:solidFill>
-                  <a:srgbClr val="1E1E1E"/>
+              <a:rPr lang="en-US" sz="1800" b="1" dirty="0">
+                <a:solidFill>
+                  <a:srgbClr val="1E293B"/>
                 </a:solidFill>
                 <a:latin typeface="Georgia" pitchFamily="34" charset="0"/>
                 <a:ea typeface="Georgia" pitchFamily="34" charset="-122"/>
@@ -8381,7 +8425,7 @@
               </a:rPr>
               <a:t>The Prompt</a:t>
             </a:r>
-            <a:endParaRPr lang="en-US" sz="1600" dirty="0"/>
+            <a:endParaRPr lang="en-US" sz="1800" dirty="0"/>
           </a:p>
         </p:txBody>
       </p:sp>
@@ -8393,7 +8437,7 @@
         </p:nvSpPr>
         <p:spPr>
           <a:xfrm>
-            <a:off x="685800" y="1463040"/>
+            <a:off x="685800" y="1554480"/>
             <a:ext cx="3520440" cy="2743200"/>
           </a:xfrm>
           <a:prstGeom prst="rect">
@@ -8409,7 +8453,7 @@
             <a:pPr indent="0" marL="0">
               <a:buNone/>
             </a:pPr>
-            <a:endParaRPr lang="en-US" sz="1400" dirty="0"/>
+            <a:endParaRPr lang="en-US" sz="1500" dirty="0"/>
           </a:p>
           <a:p>
             <a:pPr indent="0" marL="0">
@@ -8418,7 +8462,7 @@
             <a:r>
               <a:rPr lang="en-US" sz="1400" i="1" dirty="0">
                 <a:solidFill>
-                  <a:srgbClr val="1E1E1E"/>
+                  <a:srgbClr val="1E293B"/>
                 </a:solidFill>
                 <a:latin typeface="Calibri" pitchFamily="34" charset="0"/>
                 <a:ea typeface="Calibri" pitchFamily="34" charset="-122"/>
@@ -8426,7 +8470,7 @@
               </a:rPr>
               <a:t>"Write me a proposal for improving our onboarding process."</a:t>
             </a:r>
-            <a:endParaRPr lang="en-US" sz="1400" dirty="0"/>
+            <a:endParaRPr lang="en-US" sz="1500" dirty="0"/>
           </a:p>
         </p:txBody>
       </p:sp>
@@ -8438,7 +8482,7 @@
         </p:nvSpPr>
         <p:spPr>
           <a:xfrm>
-            <a:off x="4800600" y="1005840"/>
+            <a:off x="4800600" y="1097280"/>
             <a:ext cx="3886200" cy="3383280"/>
           </a:xfrm>
           <a:prstGeom prst="rect">
@@ -8465,7 +8509,7 @@
         </p:nvSpPr>
         <p:spPr>
           <a:xfrm>
-            <a:off x="4983480" y="1097280"/>
+            <a:off x="4983480" y="1188720"/>
             <a:ext cx="3520440" cy="320040"/>
           </a:xfrm>
           <a:prstGeom prst="rect">
@@ -8482,9 +8526,9 @@
               <a:buNone/>
             </a:pPr>
             <a:r>
-              <a:rPr lang="en-US" sz="1600" b="1" dirty="0">
-                <a:solidFill>
-                  <a:srgbClr val="1E1E1E"/>
+              <a:rPr lang="en-US" sz="1800" b="1" dirty="0">
+                <a:solidFill>
+                  <a:srgbClr val="1E293B"/>
                 </a:solidFill>
                 <a:latin typeface="Georgia" pitchFamily="34" charset="0"/>
                 <a:ea typeface="Georgia" pitchFamily="34" charset="-122"/>
@@ -8492,7 +8536,7 @@
               </a:rPr>
               <a:t>The Output</a:t>
             </a:r>
-            <a:endParaRPr lang="en-US" sz="1600" dirty="0"/>
+            <a:endParaRPr lang="en-US" sz="1800" dirty="0"/>
           </a:p>
         </p:txBody>
       </p:sp>
@@ -8504,7 +8548,7 @@
         </p:nvSpPr>
         <p:spPr>
           <a:xfrm>
-            <a:off x="4983480" y="1463040"/>
+            <a:off x="4983480" y="1554480"/>
             <a:ext cx="3520440" cy="2743200"/>
           </a:xfrm>
           <a:prstGeom prst="rect">
@@ -8523,7 +8567,7 @@
             <a:r>
               <a:rPr lang="en-US" sz="1300" i="1" dirty="0">
                 <a:solidFill>
-                  <a:srgbClr val="4B5563"/>
+                  <a:srgbClr val="64748B"/>
                 </a:solidFill>
                 <a:latin typeface="Calibri" pitchFamily="34" charset="0"/>
                 <a:ea typeface="Calibri" pitchFamily="34" charset="-122"/>
@@ -8531,7 +8575,7 @@
               </a:rPr>
               <a:t>Generic proposal with bland headers,</a:t>
             </a:r>
-            <a:endParaRPr lang="en-US" sz="1400" dirty="0"/>
+            <a:endParaRPr lang="en-US" sz="1500" dirty="0"/>
           </a:p>
           <a:p>
             <a:pPr indent="0" marL="0">
@@ -8540,7 +8584,7 @@
             <a:r>
               <a:rPr lang="en-US" sz="1300" i="1" dirty="0">
                 <a:solidFill>
-                  <a:srgbClr val="4B5563"/>
+                  <a:srgbClr val="64748B"/>
                 </a:solidFill>
                 <a:latin typeface="Calibri" pitchFamily="34" charset="0"/>
                 <a:ea typeface="Calibri" pitchFamily="34" charset="-122"/>
@@ -8548,7 +8592,7 @@
               </a:rPr>
               <a:t>placeholder content, no specifics,</a:t>
             </a:r>
-            <a:endParaRPr lang="en-US" sz="1400" dirty="0"/>
+            <a:endParaRPr lang="en-US" sz="1500" dirty="0"/>
           </a:p>
           <a:p>
             <a:pPr indent="0" marL="0">
@@ -8557,7 +8601,7 @@
             <a:r>
               <a:rPr lang="en-US" sz="1300" i="1" dirty="0">
                 <a:solidFill>
-                  <a:srgbClr val="4B5563"/>
+                  <a:srgbClr val="64748B"/>
                 </a:solidFill>
                 <a:latin typeface="Calibri" pitchFamily="34" charset="0"/>
                 <a:ea typeface="Calibri" pitchFamily="34" charset="-122"/>
@@ -8565,13 +8609,13 @@
               </a:rPr>
               <a:t>no awareness of your company...</a:t>
             </a:r>
-            <a:endParaRPr lang="en-US" sz="1400" dirty="0"/>
-          </a:p>
-          <a:p>
-            <a:pPr indent="0" marL="0">
-              <a:buNone/>
-            </a:pPr>
-            <a:endParaRPr lang="en-US" sz="1400" dirty="0"/>
+            <a:endParaRPr lang="en-US" sz="1500" dirty="0"/>
+          </a:p>
+          <a:p>
+            <a:pPr indent="0" marL="0">
+              <a:buNone/>
+            </a:pPr>
+            <a:endParaRPr lang="en-US" sz="1500" dirty="0"/>
           </a:p>
           <a:p>
             <a:pPr indent="0" marL="0">
@@ -8580,7 +8624,7 @@
             <a:r>
               <a:rPr lang="en-US" sz="1100" dirty="0">
                 <a:solidFill>
-                  <a:srgbClr val="4B5563"/>
+                  <a:srgbClr val="64748B"/>
                 </a:solidFill>
                 <a:latin typeface="Calibri" pitchFamily="34" charset="0"/>
                 <a:ea typeface="Calibri" pitchFamily="34" charset="-122"/>
@@ -8588,7 +8632,7 @@
               </a:rPr>
               <a:t>(truncated — you've seen this before)</a:t>
             </a:r>
-            <a:endParaRPr lang="en-US" sz="1400" dirty="0"/>
+            <a:endParaRPr lang="en-US" sz="1500" dirty="0"/>
           </a:p>
         </p:txBody>
       </p:sp>
@@ -8619,7 +8663,7 @@
             <a:r>
               <a:rPr lang="en-US" sz="1100" i="1" dirty="0">
                 <a:solidFill>
-                  <a:srgbClr val="4B5563"/>
+                  <a:srgbClr val="64748B"/>
                 </a:solidFill>
                 <a:latin typeface="Calibri" pitchFamily="34" charset="0"/>
                 <a:ea typeface="Calibri" pitchFamily="34" charset="-122"/>
@@ -8645,7 +8689,7 @@
     <p:bg>
       <p:bgPr>
         <a:solidFill>
-          <a:srgbClr val="F5F5F5"/>
+          <a:srgbClr val="F8F9FA"/>
         </a:solidFill>
       </p:bgPr>
     </p:bg>
@@ -8688,9 +8732,9 @@
               <a:buNone/>
             </a:pPr>
             <a:r>
-              <a:rPr lang="en-US" sz="2800" b="1" dirty="0">
-                <a:solidFill>
-                  <a:srgbClr val="1E1E1E"/>
+              <a:rPr lang="en-US" sz="3600" b="1" dirty="0">
+                <a:solidFill>
+                  <a:srgbClr val="1E293B"/>
                 </a:solidFill>
                 <a:latin typeface="Georgia" pitchFamily="34" charset="0"/>
                 <a:ea typeface="Georgia" pitchFamily="34" charset="-122"/>
@@ -8704,7 +8748,7 @@
             <a:r>
               <a:rPr lang="en-US" sz="1600" i="1" dirty="0">
                 <a:solidFill>
-                  <a:srgbClr val="4B5563"/>
+                  <a:srgbClr val="64748B"/>
                 </a:solidFill>
                 <a:latin typeface="Calibri" pitchFamily="34" charset="0"/>
                 <a:ea typeface="Calibri" pitchFamily="34" charset="-122"/>
@@ -8712,7 +8756,7 @@
               </a:rPr>
               <a:t> — vs. talking to a stranger</a:t>
             </a:r>
-            <a:endParaRPr lang="en-US" sz="2800" dirty="0"/>
+            <a:endParaRPr lang="en-US" sz="3600" dirty="0"/>
           </a:p>
         </p:txBody>
       </p:sp>
@@ -8829,7 +8873,7 @@
             <a:r>
               <a:rPr lang="en-US" sz="1300" i="1" dirty="0">
                 <a:solidFill>
-                  <a:srgbClr val="1E1E1E"/>
+                  <a:srgbClr val="1E293B"/>
                 </a:solidFill>
                 <a:latin typeface="Calibri" pitchFamily="34" charset="0"/>
                 <a:ea typeface="Calibri" pitchFamily="34" charset="-122"/>
@@ -8977,7 +9021,7 @@
             <a:r>
               <a:rPr lang="en-US" sz="1300" i="1" dirty="0">
                 <a:solidFill>
-                  <a:srgbClr val="1E1E1E"/>
+                  <a:srgbClr val="1E293B"/>
                 </a:solidFill>
                 <a:latin typeface="Calibri" pitchFamily="34" charset="0"/>
                 <a:ea typeface="Calibri" pitchFamily="34" charset="-122"/>
@@ -9000,7 +9044,7 @@
             <a:r>
               <a:rPr lang="en-US" sz="1300" i="1" dirty="0">
                 <a:solidFill>
-                  <a:srgbClr val="1E1E1E"/>
+                  <a:srgbClr val="1E293B"/>
                 </a:solidFill>
                 <a:latin typeface="Calibri" pitchFamily="34" charset="0"/>
                 <a:ea typeface="Calibri" pitchFamily="34" charset="-122"/>
@@ -9062,7 +9106,7 @@
             <a:r>
               <a:rPr lang="en-US" sz="1100" i="1" dirty="0">
                 <a:solidFill>
-                  <a:srgbClr val="4B5563"/>
+                  <a:srgbClr val="64748B"/>
                 </a:solidFill>
                 <a:latin typeface="Calibri" pitchFamily="34" charset="0"/>
                 <a:ea typeface="Calibri" pitchFamily="34" charset="-122"/>
@@ -9088,7 +9132,7 @@
     <p:bg>
       <p:bgPr>
         <a:solidFill>
-          <a:srgbClr val="F5F5F5"/>
+          <a:srgbClr val="F8F9FA"/>
         </a:solidFill>
       </p:bgPr>
     </p:bg>
@@ -9131,9 +9175,9 @@
               <a:buNone/>
             </a:pPr>
             <a:r>
-              <a:rPr lang="en-US" sz="2800" b="1" dirty="0">
-                <a:solidFill>
-                  <a:srgbClr val="1E1E1E"/>
+              <a:rPr lang="en-US" sz="3600" b="1" dirty="0">
+                <a:solidFill>
+                  <a:srgbClr val="1E293B"/>
                 </a:solidFill>
                 <a:latin typeface="Georgia" pitchFamily="34" charset="0"/>
                 <a:ea typeface="Georgia" pitchFamily="34" charset="-122"/>
@@ -9147,7 +9191,7 @@
             <a:r>
               <a:rPr lang="en-US" sz="1600" i="1" dirty="0">
                 <a:solidFill>
-                  <a:srgbClr val="4B5563"/>
+                  <a:srgbClr val="64748B"/>
                 </a:solidFill>
                 <a:latin typeface="Calibri" pitchFamily="34" charset="0"/>
                 <a:ea typeface="Calibri" pitchFamily="34" charset="-122"/>
@@ -9155,7 +9199,7 @@
               </a:rPr>
               <a:t> — vs. the vague ask</a:t>
             </a:r>
-            <a:endParaRPr lang="en-US" sz="2800" dirty="0"/>
+            <a:endParaRPr lang="en-US" sz="3600" dirty="0"/>
           </a:p>
         </p:txBody>
       </p:sp>
@@ -9272,7 +9316,7 @@
             <a:r>
               <a:rPr lang="en-US" sz="1300" i="1" dirty="0">
                 <a:solidFill>
-                  <a:srgbClr val="1E1E1E"/>
+                  <a:srgbClr val="1E293B"/>
                 </a:solidFill>
                 <a:latin typeface="Calibri" pitchFamily="34" charset="0"/>
                 <a:ea typeface="Calibri" pitchFamily="34" charset="-122"/>
@@ -9420,7 +9464,7 @@
             <a:r>
               <a:rPr lang="en-US" sz="1300" i="1" dirty="0">
                 <a:solidFill>
-                  <a:srgbClr val="1E1E1E"/>
+                  <a:srgbClr val="1E293B"/>
                 </a:solidFill>
                 <a:latin typeface="Calibri" pitchFamily="34" charset="0"/>
                 <a:ea typeface="Calibri" pitchFamily="34" charset="-122"/>
@@ -9482,7 +9526,7 @@
             <a:r>
               <a:rPr lang="en-US" sz="1100" i="1" dirty="0">
                 <a:solidFill>
-                  <a:srgbClr val="4B5563"/>
+                  <a:srgbClr val="64748B"/>
                 </a:solidFill>
                 <a:latin typeface="Calibri" pitchFamily="34" charset="0"/>
                 <a:ea typeface="Calibri" pitchFamily="34" charset="-122"/>
@@ -9508,7 +9552,7 @@
     <p:bg>
       <p:bgPr>
         <a:solidFill>
-          <a:srgbClr val="F5F5F5"/>
+          <a:srgbClr val="F8F9FA"/>
         </a:solidFill>
       </p:bgPr>
     </p:bg>
@@ -9551,9 +9595,9 @@
               <a:buNone/>
             </a:pPr>
             <a:r>
-              <a:rPr lang="en-US" sz="2800" b="1" dirty="0">
-                <a:solidFill>
-                  <a:srgbClr val="1E1E1E"/>
+              <a:rPr lang="en-US" sz="3600" b="1" dirty="0">
+                <a:solidFill>
+                  <a:srgbClr val="1E293B"/>
                 </a:solidFill>
                 <a:latin typeface="Georgia" pitchFamily="34" charset="0"/>
                 <a:ea typeface="Georgia" pitchFamily="34" charset="-122"/>
@@ -9567,7 +9611,7 @@
             <a:r>
               <a:rPr lang="en-US" sz="1600" i="1" dirty="0">
                 <a:solidFill>
-                  <a:srgbClr val="4B5563"/>
+                  <a:srgbClr val="64748B"/>
                 </a:solidFill>
                 <a:latin typeface="Calibri" pitchFamily="34" charset="0"/>
                 <a:ea typeface="Calibri" pitchFamily="34" charset="-122"/>
@@ -9575,7 +9619,7 @@
               </a:rPr>
               <a:t> — vs. the kitchen sink</a:t>
             </a:r>
-            <a:endParaRPr lang="en-US" sz="2800" dirty="0"/>
+            <a:endParaRPr lang="en-US" sz="3600" dirty="0"/>
           </a:p>
         </p:txBody>
       </p:sp>
@@ -9692,7 +9736,7 @@
             <a:r>
               <a:rPr lang="en-US" sz="1300" i="1" dirty="0">
                 <a:solidFill>
-                  <a:srgbClr val="1E1E1E"/>
+                  <a:srgbClr val="1E293B"/>
                 </a:solidFill>
                 <a:latin typeface="Calibri" pitchFamily="34" charset="0"/>
                 <a:ea typeface="Calibri" pitchFamily="34" charset="-122"/>
@@ -9840,7 +9884,7 @@
             <a:r>
               <a:rPr lang="en-US" sz="1300" i="1" dirty="0">
                 <a:solidFill>
-                  <a:srgbClr val="1E1E1E"/>
+                  <a:srgbClr val="1E293B"/>
                 </a:solidFill>
                 <a:latin typeface="Calibri" pitchFamily="34" charset="0"/>
                 <a:ea typeface="Calibri" pitchFamily="34" charset="-122"/>
@@ -9857,7 +9901,7 @@
             <a:r>
               <a:rPr lang="en-US" sz="1300" i="1" dirty="0">
                 <a:solidFill>
-                  <a:srgbClr val="1E1E1E"/>
+                  <a:srgbClr val="1E293B"/>
                 </a:solidFill>
                 <a:latin typeface="Calibri" pitchFamily="34" charset="0"/>
                 <a:ea typeface="Calibri" pitchFamily="34" charset="-122"/>
@@ -9874,7 +9918,7 @@
             <a:r>
               <a:rPr lang="en-US" sz="1300" i="1" dirty="0">
                 <a:solidFill>
-                  <a:srgbClr val="1E1E1E"/>
+                  <a:srgbClr val="1E293B"/>
                 </a:solidFill>
                 <a:latin typeface="Calibri" pitchFamily="34" charset="0"/>
                 <a:ea typeface="Calibri" pitchFamily="34" charset="-122"/>
@@ -9891,7 +9935,7 @@
             <a:r>
               <a:rPr lang="en-US" sz="1300" i="1" dirty="0">
                 <a:solidFill>
-                  <a:srgbClr val="1E1E1E"/>
+                  <a:srgbClr val="1E293B"/>
                 </a:solidFill>
                 <a:latin typeface="Calibri" pitchFamily="34" charset="0"/>
                 <a:ea typeface="Calibri" pitchFamily="34" charset="-122"/>
@@ -9908,7 +9952,7 @@
             <a:r>
               <a:rPr lang="en-US" sz="1300" i="1" dirty="0">
                 <a:solidFill>
-                  <a:srgbClr val="1E1E1E"/>
+                  <a:srgbClr val="1E293B"/>
                 </a:solidFill>
                 <a:latin typeface="Calibri" pitchFamily="34" charset="0"/>
                 <a:ea typeface="Calibri" pitchFamily="34" charset="-122"/>
@@ -9925,7 +9969,7 @@
             <a:r>
               <a:rPr lang="en-US" sz="1300" i="1" dirty="0">
                 <a:solidFill>
-                  <a:srgbClr val="1E1E1E"/>
+                  <a:srgbClr val="1E293B"/>
                 </a:solidFill>
                 <a:latin typeface="Calibri" pitchFamily="34" charset="0"/>
                 <a:ea typeface="Calibri" pitchFamily="34" charset="-122"/>
@@ -9987,7 +10031,7 @@
             <a:r>
               <a:rPr lang="en-US" sz="1100" i="1" dirty="0">
                 <a:solidFill>
-                  <a:srgbClr val="4B5563"/>
+                  <a:srgbClr val="64748B"/>
                 </a:solidFill>
                 <a:latin typeface="Calibri" pitchFamily="34" charset="0"/>
                 <a:ea typeface="Calibri" pitchFamily="34" charset="-122"/>
@@ -10026,7 +10070,7 @@
             <a:r>
               <a:rPr lang="en-US" sz="900" dirty="0">
                 <a:solidFill>
-                  <a:srgbClr val="4B5563"/>
+                  <a:srgbClr val="64748B"/>
                 </a:solidFill>
                 <a:latin typeface="Calibri" pitchFamily="34" charset="0"/>
                 <a:ea typeface="Calibri" pitchFamily="34" charset="-122"/>
@@ -10052,7 +10096,7 @@
     <p:bg>
       <p:bgPr>
         <a:solidFill>
-          <a:srgbClr val="F5F5F5"/>
+          <a:srgbClr val="F8F9FA"/>
         </a:solidFill>
       </p:bgPr>
     </p:bg>
@@ -10095,9 +10139,9 @@
               <a:buNone/>
             </a:pPr>
             <a:r>
-              <a:rPr lang="en-US" sz="2800" b="1" dirty="0">
-                <a:solidFill>
-                  <a:srgbClr val="1E1E1E"/>
+              <a:rPr lang="en-US" sz="3600" b="1" dirty="0">
+                <a:solidFill>
+                  <a:srgbClr val="1E293B"/>
                 </a:solidFill>
                 <a:latin typeface="Georgia" pitchFamily="34" charset="0"/>
                 <a:ea typeface="Georgia" pitchFamily="34" charset="-122"/>
@@ -10111,7 +10155,7 @@
             <a:r>
               <a:rPr lang="en-US" sz="1600" i="1" dirty="0">
                 <a:solidFill>
-                  <a:srgbClr val="4B5563"/>
+                  <a:srgbClr val="64748B"/>
                 </a:solidFill>
                 <a:latin typeface="Calibri" pitchFamily="34" charset="0"/>
                 <a:ea typeface="Calibri" pitchFamily="34" charset="-122"/>
@@ -10119,7 +10163,7 @@
               </a:rPr>
               <a:t> — vs. leading the witness</a:t>
             </a:r>
-            <a:endParaRPr lang="en-US" sz="2800" dirty="0"/>
+            <a:endParaRPr lang="en-US" sz="3600" dirty="0"/>
           </a:p>
         </p:txBody>
       </p:sp>
@@ -10236,7 +10280,7 @@
             <a:r>
               <a:rPr lang="en-US" sz="1300" i="1" dirty="0">
                 <a:solidFill>
-                  <a:srgbClr val="1E1E1E"/>
+                  <a:srgbClr val="1E293B"/>
                 </a:solidFill>
                 <a:latin typeface="Calibri" pitchFamily="34" charset="0"/>
                 <a:ea typeface="Calibri" pitchFamily="34" charset="-122"/>
@@ -10384,7 +10428,7 @@
             <a:r>
               <a:rPr lang="en-US" sz="1300" i="1" dirty="0">
                 <a:solidFill>
-                  <a:srgbClr val="1E1E1E"/>
+                  <a:srgbClr val="1E293B"/>
                 </a:solidFill>
                 <a:latin typeface="Calibri" pitchFamily="34" charset="0"/>
                 <a:ea typeface="Calibri" pitchFamily="34" charset="-122"/>
@@ -10446,7 +10490,7 @@
             <a:r>
               <a:rPr lang="en-US" sz="1100" i="1" dirty="0">
                 <a:solidFill>
-                  <a:srgbClr val="4B5563"/>
+                  <a:srgbClr val="64748B"/>
                 </a:solidFill>
                 <a:latin typeface="Calibri" pitchFamily="34" charset="0"/>
                 <a:ea typeface="Calibri" pitchFamily="34" charset="-122"/>
@@ -10485,7 +10529,7 @@
             <a:r>
               <a:rPr lang="en-US" sz="900" dirty="0">
                 <a:solidFill>
-                  <a:srgbClr val="4B5563"/>
+                  <a:srgbClr val="64748B"/>
                 </a:solidFill>
                 <a:latin typeface="Calibri" pitchFamily="34" charset="0"/>
                 <a:ea typeface="Calibri" pitchFamily="34" charset="-122"/>
@@ -10511,7 +10555,7 @@
     <p:bg>
       <p:bgPr>
         <a:solidFill>
-          <a:srgbClr val="F5F5F5"/>
+          <a:srgbClr val="F8F9FA"/>
         </a:solidFill>
       </p:bgPr>
     </p:bg>
@@ -10538,7 +10582,7 @@
         <p:spPr>
           <a:xfrm>
             <a:off x="457200" y="274320"/>
-            <a:ext cx="8229600" cy="548640"/>
+            <a:ext cx="8229600" cy="731520"/>
           </a:xfrm>
           <a:prstGeom prst="rect">
             <a:avLst/>
@@ -10554,9 +10598,9 @@
               <a:buNone/>
             </a:pPr>
             <a:r>
-              <a:rPr lang="en-US" sz="2800" b="1" dirty="0">
-                <a:solidFill>
-                  <a:srgbClr val="1E1E1E"/>
+              <a:rPr lang="en-US" sz="4000" b="1" dirty="0">
+                <a:solidFill>
+                  <a:srgbClr val="1E293B"/>
                 </a:solidFill>
                 <a:latin typeface="Georgia" pitchFamily="34" charset="0"/>
                 <a:ea typeface="Georgia" pitchFamily="34" charset="-122"/>
@@ -10564,7 +10608,7 @@
               </a:rPr>
               <a:t>Where Are You on the Spectrum?</a:t>
             </a:r>
-            <a:endParaRPr lang="en-US" sz="2800" dirty="0"/>
+            <a:endParaRPr lang="en-US" sz="4000" dirty="0"/>
           </a:p>
         </p:txBody>
       </p:sp>
@@ -10610,7 +10654,7 @@
             <a:avLst/>
           </a:prstGeom>
           <a:solidFill>
-            <a:srgbClr val="F5F5F5"/>
+            <a:srgbClr val="F8F9FA"/>
           </a:solidFill>
           <a:ln/>
         </p:spPr>
@@ -10705,7 +10749,7 @@
             <a:r>
               <a:rPr lang="en-US" sz="1100" dirty="0">
                 <a:solidFill>
-                  <a:srgbClr val="4B5563"/>
+                  <a:srgbClr val="64748B"/>
                 </a:solidFill>
                 <a:latin typeface="Calibri" pitchFamily="34" charset="0"/>
                 <a:ea typeface="Calibri" pitchFamily="34" charset="-122"/>
@@ -10722,7 +10766,7 @@
             <a:r>
               <a:rPr lang="en-US" sz="1100" dirty="0">
                 <a:solidFill>
-                  <a:srgbClr val="4B5563"/>
+                  <a:srgbClr val="64748B"/>
                 </a:solidFill>
                 <a:latin typeface="Calibri" pitchFamily="34" charset="0"/>
                 <a:ea typeface="Calibri" pitchFamily="34" charset="-122"/>
@@ -10776,7 +10820,7 @@
             <a:avLst/>
           </a:prstGeom>
           <a:solidFill>
-            <a:srgbClr val="F5F5F5"/>
+            <a:srgbClr val="F8F9FA"/>
           </a:solidFill>
           <a:ln/>
         </p:spPr>
@@ -10871,7 +10915,7 @@
             <a:r>
               <a:rPr lang="en-US" sz="1100" dirty="0">
                 <a:solidFill>
-                  <a:srgbClr val="4B5563"/>
+                  <a:srgbClr val="64748B"/>
                 </a:solidFill>
                 <a:latin typeface="Calibri" pitchFamily="34" charset="0"/>
                 <a:ea typeface="Calibri" pitchFamily="34" charset="-122"/>
@@ -10888,7 +10932,7 @@
             <a:r>
               <a:rPr lang="en-US" sz="1100" dirty="0">
                 <a:solidFill>
-                  <a:srgbClr val="4B5563"/>
+                  <a:srgbClr val="64748B"/>
                 </a:solidFill>
                 <a:latin typeface="Calibri" pitchFamily="34" charset="0"/>
                 <a:ea typeface="Calibri" pitchFamily="34" charset="-122"/>
@@ -10942,7 +10986,7 @@
             <a:avLst/>
           </a:prstGeom>
           <a:solidFill>
-            <a:srgbClr val="F5F5F5"/>
+            <a:srgbClr val="F8F9FA"/>
           </a:solidFill>
           <a:ln/>
         </p:spPr>
@@ -11037,7 +11081,7 @@
             <a:r>
               <a:rPr lang="en-US" sz="1100" dirty="0">
                 <a:solidFill>
-                  <a:srgbClr val="4B5563"/>
+                  <a:srgbClr val="64748B"/>
                 </a:solidFill>
                 <a:latin typeface="Calibri" pitchFamily="34" charset="0"/>
                 <a:ea typeface="Calibri" pitchFamily="34" charset="-122"/>
@@ -11054,7 +11098,7 @@
             <a:r>
               <a:rPr lang="en-US" sz="1100" dirty="0">
                 <a:solidFill>
-                  <a:srgbClr val="4B5563"/>
+                  <a:srgbClr val="64748B"/>
                 </a:solidFill>
                 <a:latin typeface="Calibri" pitchFamily="34" charset="0"/>
                 <a:ea typeface="Calibri" pitchFamily="34" charset="-122"/>
@@ -11108,7 +11152,7 @@
             <a:avLst/>
           </a:prstGeom>
           <a:solidFill>
-            <a:srgbClr val="F5F5F5"/>
+            <a:srgbClr val="F8F9FA"/>
           </a:solidFill>
           <a:ln/>
         </p:spPr>
@@ -11203,7 +11247,7 @@
             <a:r>
               <a:rPr lang="en-US" sz="1100" dirty="0">
                 <a:solidFill>
-                  <a:srgbClr val="4B5563"/>
+                  <a:srgbClr val="64748B"/>
                 </a:solidFill>
                 <a:latin typeface="Calibri" pitchFamily="34" charset="0"/>
                 <a:ea typeface="Calibri" pitchFamily="34" charset="-122"/>
@@ -11220,7 +11264,7 @@
             <a:r>
               <a:rPr lang="en-US" sz="1100" dirty="0">
                 <a:solidFill>
-                  <a:srgbClr val="4B5563"/>
+                  <a:srgbClr val="64748B"/>
                 </a:solidFill>
                 <a:latin typeface="Calibri" pitchFamily="34" charset="0"/>
                 <a:ea typeface="Calibri" pitchFamily="34" charset="-122"/>
@@ -11435,7 +11479,7 @@
             <a:r>
               <a:rPr lang="en-US" sz="1000" i="1" dirty="0">
                 <a:solidFill>
-                  <a:srgbClr val="4B5563"/>
+                  <a:srgbClr val="64748B"/>
                 </a:solidFill>
                 <a:latin typeface="Calibri" pitchFamily="34" charset="0"/>
                 <a:ea typeface="Calibri" pitchFamily="34" charset="-122"/>
@@ -11461,7 +11505,7 @@
     <p:bg>
       <p:bgPr>
         <a:solidFill>
-          <a:srgbClr val="F5F5F5"/>
+          <a:srgbClr val="F8F9FA"/>
         </a:solidFill>
       </p:bgPr>
     </p:bg>
@@ -11504,9 +11548,9 @@
               <a:buNone/>
             </a:pPr>
             <a:r>
-              <a:rPr lang="en-US" sz="2800" b="1" dirty="0">
-                <a:solidFill>
-                  <a:srgbClr val="1E1E1E"/>
+              <a:rPr lang="en-US" sz="3600" b="1" dirty="0">
+                <a:solidFill>
+                  <a:srgbClr val="1E293B"/>
                 </a:solidFill>
                 <a:latin typeface="Georgia" pitchFamily="34" charset="0"/>
                 <a:ea typeface="Georgia" pitchFamily="34" charset="-122"/>
@@ -11520,7 +11564,7 @@
             <a:r>
               <a:rPr lang="en-US" sz="1600" i="1" dirty="0">
                 <a:solidFill>
-                  <a:srgbClr val="4B5563"/>
+                  <a:srgbClr val="64748B"/>
                 </a:solidFill>
                 <a:latin typeface="Calibri" pitchFamily="34" charset="0"/>
                 <a:ea typeface="Calibri" pitchFamily="34" charset="-122"/>
@@ -11528,7 +11572,7 @@
               </a:rPr>
               <a:t> — vs. hoping for the best</a:t>
             </a:r>
-            <a:endParaRPr lang="en-US" sz="2800" dirty="0"/>
+            <a:endParaRPr lang="en-US" sz="3600" dirty="0"/>
           </a:p>
         </p:txBody>
       </p:sp>
@@ -11645,7 +11689,7 @@
             <a:r>
               <a:rPr lang="en-US" sz="1300" i="1" dirty="0">
                 <a:solidFill>
-                  <a:srgbClr val="1E1E1E"/>
+                  <a:srgbClr val="1E293B"/>
                 </a:solidFill>
                 <a:latin typeface="Calibri" pitchFamily="34" charset="0"/>
                 <a:ea typeface="Calibri" pitchFamily="34" charset="-122"/>
@@ -11668,7 +11712,7 @@
             <a:r>
               <a:rPr lang="en-US" sz="1300" i="1" dirty="0">
                 <a:solidFill>
-                  <a:srgbClr val="1E1E1E"/>
+                  <a:srgbClr val="1E293B"/>
                 </a:solidFill>
                 <a:latin typeface="Calibri" pitchFamily="34" charset="0"/>
                 <a:ea typeface="Calibri" pitchFamily="34" charset="-122"/>
@@ -11691,7 +11735,7 @@
             <a:r>
               <a:rPr lang="en-US" sz="1300" i="1" dirty="0">
                 <a:solidFill>
-                  <a:srgbClr val="1E1E1E"/>
+                  <a:srgbClr val="1E293B"/>
                 </a:solidFill>
                 <a:latin typeface="Calibri" pitchFamily="34" charset="0"/>
                 <a:ea typeface="Calibri" pitchFamily="34" charset="-122"/>
@@ -11839,7 +11883,7 @@
             <a:r>
               <a:rPr lang="en-US" sz="1300" i="1" dirty="0">
                 <a:solidFill>
-                  <a:srgbClr val="1E1E1E"/>
+                  <a:srgbClr val="1E293B"/>
                 </a:solidFill>
                 <a:latin typeface="Calibri" pitchFamily="34" charset="0"/>
                 <a:ea typeface="Calibri" pitchFamily="34" charset="-122"/>
@@ -11862,7 +11906,7 @@
             <a:r>
               <a:rPr lang="en-US" sz="1300" i="1" dirty="0">
                 <a:solidFill>
-                  <a:srgbClr val="1E1E1E"/>
+                  <a:srgbClr val="1E293B"/>
                 </a:solidFill>
                 <a:latin typeface="Calibri" pitchFamily="34" charset="0"/>
                 <a:ea typeface="Calibri" pitchFamily="34" charset="-122"/>
@@ -11924,7 +11968,7 @@
             <a:r>
               <a:rPr lang="en-US" sz="1100" i="1" dirty="0">
                 <a:solidFill>
-                  <a:srgbClr val="4B5563"/>
+                  <a:srgbClr val="64748B"/>
                 </a:solidFill>
                 <a:latin typeface="Calibri" pitchFamily="34" charset="0"/>
                 <a:ea typeface="Calibri" pitchFamily="34" charset="-122"/>
@@ -11950,7 +11994,7 @@
     <p:bg>
       <p:bgPr>
         <a:solidFill>
-          <a:srgbClr val="F5F5F5"/>
+          <a:srgbClr val="F8F9FA"/>
         </a:solidFill>
       </p:bgPr>
     </p:bg>
@@ -11977,7 +12021,7 @@
         <p:spPr>
           <a:xfrm>
             <a:off x="457200" y="274320"/>
-            <a:ext cx="8229600" cy="548640"/>
+            <a:ext cx="8229600" cy="731520"/>
           </a:xfrm>
           <a:prstGeom prst="rect">
             <a:avLst/>
@@ -11993,9 +12037,9 @@
               <a:buNone/>
             </a:pPr>
             <a:r>
-              <a:rPr lang="en-US" sz="2800" b="1" dirty="0">
-                <a:solidFill>
-                  <a:srgbClr val="1E1E1E"/>
+              <a:rPr lang="en-US" sz="4000" b="1" dirty="0">
+                <a:solidFill>
+                  <a:srgbClr val="1E293B"/>
                 </a:solidFill>
                 <a:latin typeface="Georgia" pitchFamily="34" charset="0"/>
                 <a:ea typeface="Georgia" pitchFamily="34" charset="-122"/>
@@ -12003,7 +12047,7 @@
               </a:rPr>
               <a:t>The 5x Prompt</a:t>
             </a:r>
-            <a:endParaRPr lang="en-US" sz="2800" dirty="0"/>
+            <a:endParaRPr lang="en-US" sz="4000" dirty="0"/>
           </a:p>
         </p:txBody>
       </p:sp>
@@ -12015,7 +12059,7 @@
         </p:nvSpPr>
         <p:spPr>
           <a:xfrm>
-            <a:off x="457200" y="1005840"/>
+            <a:off x="457200" y="1097280"/>
             <a:ext cx="3886200" cy="3383280"/>
           </a:xfrm>
           <a:prstGeom prst="rect">
@@ -12042,7 +12086,7 @@
         </p:nvSpPr>
         <p:spPr>
           <a:xfrm>
-            <a:off x="640080" y="1097280"/>
+            <a:off x="640080" y="1188720"/>
             <a:ext cx="3520440" cy="320040"/>
           </a:xfrm>
           <a:prstGeom prst="rect">
@@ -12059,9 +12103,9 @@
               <a:buNone/>
             </a:pPr>
             <a:r>
-              <a:rPr lang="en-US" sz="1600" b="1" dirty="0">
-                <a:solidFill>
-                  <a:srgbClr val="1E1E1E"/>
+              <a:rPr lang="en-US" sz="1800" b="1" dirty="0">
+                <a:solidFill>
+                  <a:srgbClr val="1E293B"/>
                 </a:solidFill>
                 <a:latin typeface="Georgia" pitchFamily="34" charset="0"/>
                 <a:ea typeface="Georgia" pitchFamily="34" charset="-122"/>
@@ -12069,7 +12113,7 @@
               </a:rPr>
               <a:t>Before</a:t>
             </a:r>
-            <a:endParaRPr lang="en-US" sz="1600" dirty="0"/>
+            <a:endParaRPr lang="en-US" sz="1800" dirty="0"/>
           </a:p>
         </p:txBody>
       </p:sp>
@@ -12081,7 +12125,7 @@
         </p:nvSpPr>
         <p:spPr>
           <a:xfrm>
-            <a:off x="640080" y="1463040"/>
+            <a:off x="640080" y="1554480"/>
             <a:ext cx="3520440" cy="2743200"/>
           </a:xfrm>
           <a:prstGeom prst="rect">
@@ -12097,7 +12141,7 @@
             <a:pPr indent="0" marL="0">
               <a:buNone/>
             </a:pPr>
-            <a:endParaRPr lang="en-US" sz="1400" dirty="0"/>
+            <a:endParaRPr lang="en-US" sz="1500" dirty="0"/>
           </a:p>
           <a:p>
             <a:pPr indent="0" marL="0">
@@ -12106,7 +12150,7 @@
             <a:r>
               <a:rPr lang="en-US" sz="1600" i="1" dirty="0">
                 <a:solidFill>
-                  <a:srgbClr val="4B5563"/>
+                  <a:srgbClr val="64748B"/>
                 </a:solidFill>
                 <a:latin typeface="Calibri" pitchFamily="34" charset="0"/>
                 <a:ea typeface="Calibri" pitchFamily="34" charset="-122"/>
@@ -12114,7 +12158,7 @@
               </a:rPr>
               <a:t>"Write me a proposal for improving our onboarding process."</a:t>
             </a:r>
-            <a:endParaRPr lang="en-US" sz="1400" dirty="0"/>
+            <a:endParaRPr lang="en-US" sz="1500" dirty="0"/>
           </a:p>
         </p:txBody>
       </p:sp>
@@ -12126,7 +12170,7 @@
         </p:nvSpPr>
         <p:spPr>
           <a:xfrm>
-            <a:off x="4800600" y="1005840"/>
+            <a:off x="4800600" y="1097280"/>
             <a:ext cx="3886200" cy="3383280"/>
           </a:xfrm>
           <a:prstGeom prst="rect">
@@ -12153,7 +12197,7 @@
         </p:nvSpPr>
         <p:spPr>
           <a:xfrm>
-            <a:off x="4800600" y="1005840"/>
+            <a:off x="4800600" y="1097280"/>
             <a:ext cx="54864" cy="3383280"/>
           </a:xfrm>
           <a:prstGeom prst="rect">
@@ -12173,7 +12217,7 @@
         </p:nvSpPr>
         <p:spPr>
           <a:xfrm>
-            <a:off x="5029200" y="1097280"/>
+            <a:off x="5029200" y="1188720"/>
             <a:ext cx="3520440" cy="320040"/>
           </a:xfrm>
           <a:prstGeom prst="rect">
@@ -12190,9 +12234,9 @@
               <a:buNone/>
             </a:pPr>
             <a:r>
-              <a:rPr lang="en-US" sz="1600" b="1" dirty="0">
-                <a:solidFill>
-                  <a:srgbClr val="1E1E1E"/>
+              <a:rPr lang="en-US" sz="1800" b="1" dirty="0">
+                <a:solidFill>
+                  <a:srgbClr val="1E293B"/>
                 </a:solidFill>
                 <a:latin typeface="Georgia" pitchFamily="34" charset="0"/>
                 <a:ea typeface="Georgia" pitchFamily="34" charset="-122"/>
@@ -12200,7 +12244,7 @@
               </a:rPr>
               <a:t>Final Prompt</a:t>
             </a:r>
-            <a:endParaRPr lang="en-US" sz="1600" dirty="0"/>
+            <a:endParaRPr lang="en-US" sz="1800" dirty="0"/>
           </a:p>
         </p:txBody>
       </p:sp>
@@ -12212,7 +12256,7 @@
         </p:nvSpPr>
         <p:spPr>
           <a:xfrm>
-            <a:off x="5029200" y="1463040"/>
+            <a:off x="5029200" y="1554480"/>
             <a:ext cx="3520440" cy="2743200"/>
           </a:xfrm>
           <a:prstGeom prst="rect">
@@ -12239,13 +12283,13 @@
               </a:rPr>
               <a:t>Role + Specificity + Structure + Keywords + Output Definition</a:t>
             </a:r>
-            <a:endParaRPr lang="en-US" sz="1400" dirty="0"/>
-          </a:p>
-          <a:p>
-            <a:pPr indent="0" marL="0">
-              <a:buNone/>
-            </a:pPr>
-            <a:endParaRPr lang="en-US" sz="1400" dirty="0"/>
+            <a:endParaRPr lang="en-US" sz="1500" dirty="0"/>
+          </a:p>
+          <a:p>
+            <a:pPr indent="0" marL="0">
+              <a:buNone/>
+            </a:pPr>
+            <a:endParaRPr lang="en-US" sz="1500" dirty="0"/>
           </a:p>
           <a:p>
             <a:pPr indent="0" marL="0">
@@ -12254,7 +12298,7 @@
             <a:r>
               <a:rPr lang="en-US" sz="1100" i="1" dirty="0">
                 <a:solidFill>
-                  <a:srgbClr val="1E1E1E"/>
+                  <a:srgbClr val="1E293B"/>
                 </a:solidFill>
                 <a:latin typeface="Calibri" pitchFamily="34" charset="0"/>
                 <a:ea typeface="Calibri" pitchFamily="34" charset="-122"/>
@@ -12262,7 +12306,7 @@
               </a:rPr>
               <a:t>"You are a senior HR operations consultant. Write a proposal for reducing onboarding from 4 to 2 weeks. Aimed at VP of People, leadership review format, under 2 pages. Structure: problem, solution, outcomes, resources, timeline. Be radically honest, challenge assumptions, flag uncertainty. One-page exec brief with bullets, data-driven language."</a:t>
             </a:r>
-            <a:endParaRPr lang="en-US" sz="1400" dirty="0"/>
+            <a:endParaRPr lang="en-US" sz="1500" dirty="0"/>
           </a:p>
         </p:txBody>
       </p:sp>
@@ -12293,7 +12337,7 @@
             <a:r>
               <a:rPr lang="en-US" sz="1100" i="1" dirty="0">
                 <a:solidFill>
-                  <a:srgbClr val="4B5563"/>
+                  <a:srgbClr val="64748B"/>
                 </a:solidFill>
                 <a:latin typeface="Calibri" pitchFamily="34" charset="0"/>
                 <a:ea typeface="Calibri" pitchFamily="34" charset="-122"/>
@@ -12319,7 +12363,7 @@
     <p:bg>
       <p:bgPr>
         <a:solidFill>
-          <a:srgbClr val="F5F5F5"/>
+          <a:srgbClr val="F8F9FA"/>
         </a:solidFill>
       </p:bgPr>
     </p:bg>
@@ -12346,7 +12390,7 @@
         <p:spPr>
           <a:xfrm>
             <a:off x="457200" y="274320"/>
-            <a:ext cx="8229600" cy="548640"/>
+            <a:ext cx="8229600" cy="731520"/>
           </a:xfrm>
           <a:prstGeom prst="rect">
             <a:avLst/>
@@ -12362,9 +12406,9 @@
               <a:buNone/>
             </a:pPr>
             <a:r>
-              <a:rPr lang="en-US" sz="2800" b="1" dirty="0">
-                <a:solidFill>
-                  <a:srgbClr val="1E1E1E"/>
+              <a:rPr lang="en-US" sz="4000" b="1" dirty="0">
+                <a:solidFill>
+                  <a:srgbClr val="1E293B"/>
                 </a:solidFill>
                 <a:latin typeface="Georgia" pitchFamily="34" charset="0"/>
                 <a:ea typeface="Georgia" pitchFamily="34" charset="-122"/>
@@ -12372,7 +12416,7 @@
               </a:rPr>
               <a:t>Same Prompt, Different Context</a:t>
             </a:r>
-            <a:endParaRPr lang="en-US" sz="2800" dirty="0"/>
+            <a:endParaRPr lang="en-US" sz="4000" dirty="0"/>
           </a:p>
         </p:txBody>
       </p:sp>
@@ -12384,7 +12428,7 @@
         </p:nvSpPr>
         <p:spPr>
           <a:xfrm>
-            <a:off x="457200" y="1005840"/>
+            <a:off x="457200" y="1097280"/>
             <a:ext cx="3886200" cy="3383280"/>
           </a:xfrm>
           <a:prstGeom prst="rect">
@@ -12411,7 +12455,7 @@
         </p:nvSpPr>
         <p:spPr>
           <a:xfrm>
-            <a:off x="640080" y="1097280"/>
+            <a:off x="640080" y="1188720"/>
             <a:ext cx="3520440" cy="320040"/>
           </a:xfrm>
           <a:prstGeom prst="rect">
@@ -12428,9 +12472,9 @@
               <a:buNone/>
             </a:pPr>
             <a:r>
-              <a:rPr lang="en-US" sz="1600" b="1" dirty="0">
-                <a:solidFill>
-                  <a:srgbClr val="1E1E1E"/>
+              <a:rPr lang="en-US" sz="1800" b="1" dirty="0">
+                <a:solidFill>
+                  <a:srgbClr val="1E293B"/>
                 </a:solidFill>
                 <a:latin typeface="Georgia" pitchFamily="34" charset="0"/>
                 <a:ea typeface="Georgia" pitchFamily="34" charset="-122"/>
@@ -12438,7 +12482,7 @@
               </a:rPr>
               <a:t>Level 2 Result</a:t>
             </a:r>
-            <a:endParaRPr lang="en-US" sz="1600" dirty="0"/>
+            <a:endParaRPr lang="en-US" sz="1800" dirty="0"/>
           </a:p>
         </p:txBody>
       </p:sp>
@@ -12450,7 +12494,7 @@
         </p:nvSpPr>
         <p:spPr>
           <a:xfrm>
-            <a:off x="640080" y="1463040"/>
+            <a:off x="640080" y="1554480"/>
             <a:ext cx="3520440" cy="2743200"/>
           </a:xfrm>
           <a:prstGeom prst="rect">
@@ -12469,7 +12513,7 @@
             <a:r>
               <a:rPr lang="en-US" sz="1300" dirty="0">
                 <a:solidFill>
-                  <a:srgbClr val="4B5563"/>
+                  <a:srgbClr val="64748B"/>
                 </a:solidFill>
                 <a:latin typeface="Calibri" pitchFamily="34" charset="0"/>
                 <a:ea typeface="Calibri" pitchFamily="34" charset="-122"/>
@@ -12477,13 +12521,13 @@
               </a:rPr>
               <a:t>Same well-crafted prompt from the 5x Prompt slide.</a:t>
             </a:r>
-            <a:endParaRPr lang="en-US" sz="1400" dirty="0"/>
-          </a:p>
-          <a:p>
-            <a:pPr indent="0" marL="0">
-              <a:buNone/>
-            </a:pPr>
-            <a:endParaRPr lang="en-US" sz="1400" dirty="0"/>
+            <a:endParaRPr lang="en-US" sz="1500" dirty="0"/>
+          </a:p>
+          <a:p>
+            <a:pPr indent="0" marL="0">
+              <a:buNone/>
+            </a:pPr>
+            <a:endParaRPr lang="en-US" sz="1500" dirty="0"/>
           </a:p>
           <a:p>
             <a:pPr indent="0" marL="0">
@@ -12492,7 +12536,7 @@
             <a:r>
               <a:rPr lang="en-US" sz="1300" i="1" dirty="0">
                 <a:solidFill>
-                  <a:srgbClr val="4B5563"/>
+                  <a:srgbClr val="64748B"/>
                 </a:solidFill>
                 <a:latin typeface="Calibri" pitchFamily="34" charset="0"/>
                 <a:ea typeface="Calibri" pitchFamily="34" charset="-122"/>
@@ -12500,7 +12544,7 @@
               </a:rPr>
               <a:t>Output is plausible but generic. Reads like it could be for any company.</a:t>
             </a:r>
-            <a:endParaRPr lang="en-US" sz="1400" dirty="0"/>
+            <a:endParaRPr lang="en-US" sz="1500" dirty="0"/>
           </a:p>
         </p:txBody>
       </p:sp>
@@ -12512,7 +12556,7 @@
         </p:nvSpPr>
         <p:spPr>
           <a:xfrm>
-            <a:off x="4800600" y="1005840"/>
+            <a:off x="4800600" y="1097280"/>
             <a:ext cx="3886200" cy="3383280"/>
           </a:xfrm>
           <a:prstGeom prst="rect">
@@ -12539,7 +12583,7 @@
         </p:nvSpPr>
         <p:spPr>
           <a:xfrm>
-            <a:off x="4800600" y="1005840"/>
+            <a:off x="4800600" y="1097280"/>
             <a:ext cx="54864" cy="3383280"/>
           </a:xfrm>
           <a:prstGeom prst="rect">
@@ -12559,7 +12603,7 @@
         </p:nvSpPr>
         <p:spPr>
           <a:xfrm>
-            <a:off x="5029200" y="1097280"/>
+            <a:off x="5029200" y="1188720"/>
             <a:ext cx="3520440" cy="320040"/>
           </a:xfrm>
           <a:prstGeom prst="rect">
@@ -12576,9 +12620,9 @@
               <a:buNone/>
             </a:pPr>
             <a:r>
-              <a:rPr lang="en-US" sz="1600" b="1" dirty="0">
-                <a:solidFill>
-                  <a:srgbClr val="1E1E1E"/>
+              <a:rPr lang="en-US" sz="1800" b="1" dirty="0">
+                <a:solidFill>
+                  <a:srgbClr val="1E293B"/>
                 </a:solidFill>
                 <a:latin typeface="Georgia" pitchFamily="34" charset="0"/>
                 <a:ea typeface="Georgia" pitchFamily="34" charset="-122"/>
@@ -12586,7 +12630,7 @@
               </a:rPr>
               <a:t>With Context</a:t>
             </a:r>
-            <a:endParaRPr lang="en-US" sz="1600" dirty="0"/>
+            <a:endParaRPr lang="en-US" sz="1800" dirty="0"/>
           </a:p>
         </p:txBody>
       </p:sp>
@@ -12598,7 +12642,7 @@
         </p:nvSpPr>
         <p:spPr>
           <a:xfrm>
-            <a:off x="5029200" y="1463040"/>
+            <a:off x="5029200" y="1554480"/>
             <a:ext cx="3520440" cy="2743200"/>
           </a:xfrm>
           <a:prstGeom prst="rect">
@@ -12617,7 +12661,7 @@
             <a:r>
               <a:rPr lang="en-US" sz="1300" dirty="0">
                 <a:solidFill>
-                  <a:srgbClr val="1E1E1E"/>
+                  <a:srgbClr val="1E293B"/>
                 </a:solidFill>
                 <a:latin typeface="Calibri" pitchFamily="34" charset="0"/>
                 <a:ea typeface="Calibri" pitchFamily="34" charset="-122"/>
@@ -12625,13 +12669,13 @@
               </a:rPr>
               <a:t>Same prompt + background info:</a:t>
             </a:r>
-            <a:endParaRPr lang="en-US" sz="1400" dirty="0"/>
-          </a:p>
-          <a:p>
-            <a:pPr indent="0" marL="0">
-              <a:buNone/>
-            </a:pPr>
-            <a:endParaRPr lang="en-US" sz="1400" dirty="0"/>
+            <a:endParaRPr lang="en-US" sz="1500" dirty="0"/>
+          </a:p>
+          <a:p>
+            <a:pPr indent="0" marL="0">
+              <a:buNone/>
+            </a:pPr>
+            <a:endParaRPr lang="en-US" sz="1500" dirty="0"/>
           </a:p>
           <a:p>
             <a:pPr indent="0" marL="0">
@@ -12640,7 +12684,7 @@
             <a:r>
               <a:rPr lang="en-US" sz="1200" dirty="0">
                 <a:solidFill>
-                  <a:srgbClr val="1E1E1E"/>
+                  <a:srgbClr val="1E293B"/>
                 </a:solidFill>
                 <a:latin typeface="Calibri" pitchFamily="34" charset="0"/>
                 <a:ea typeface="Calibri" pitchFamily="34" charset="-122"/>
@@ -12648,7 +12692,7 @@
               </a:rPr>
               <a:t>• Current onboarding stats</a:t>
             </a:r>
-            <a:endParaRPr lang="en-US" sz="1400" dirty="0"/>
+            <a:endParaRPr lang="en-US" sz="1500" dirty="0"/>
           </a:p>
           <a:p>
             <a:pPr indent="0" marL="0">
@@ -12657,7 +12701,7 @@
             <a:r>
               <a:rPr lang="en-US" sz="1200" dirty="0">
                 <a:solidFill>
-                  <a:srgbClr val="1E1E1E"/>
+                  <a:srgbClr val="1E293B"/>
                 </a:solidFill>
                 <a:latin typeface="Calibri" pitchFamily="34" charset="0"/>
                 <a:ea typeface="Calibri" pitchFamily="34" charset="-122"/>
@@ -12665,7 +12709,7 @@
               </a:rPr>
               <a:t>• Company size &amp; structure</a:t>
             </a:r>
-            <a:endParaRPr lang="en-US" sz="1400" dirty="0"/>
+            <a:endParaRPr lang="en-US" sz="1500" dirty="0"/>
           </a:p>
           <a:p>
             <a:pPr indent="0" marL="0">
@@ -12674,7 +12718,7 @@
             <a:r>
               <a:rPr lang="en-US" sz="1200" dirty="0">
                 <a:solidFill>
-                  <a:srgbClr val="1E1E1E"/>
+                  <a:srgbClr val="1E293B"/>
                 </a:solidFill>
                 <a:latin typeface="Calibri" pitchFamily="34" charset="0"/>
                 <a:ea typeface="Calibri" pitchFamily="34" charset="-122"/>
@@ -12682,7 +12726,7 @@
               </a:rPr>
               <a:t>• Known pain points</a:t>
             </a:r>
-            <a:endParaRPr lang="en-US" sz="1400" dirty="0"/>
+            <a:endParaRPr lang="en-US" sz="1500" dirty="0"/>
           </a:p>
           <a:p>
             <a:pPr indent="0" marL="0">
@@ -12691,7 +12735,7 @@
             <a:r>
               <a:rPr lang="en-US" sz="1200" dirty="0">
                 <a:solidFill>
-                  <a:srgbClr val="1E1E1E"/>
+                  <a:srgbClr val="1E293B"/>
                 </a:solidFill>
                 <a:latin typeface="Calibri" pitchFamily="34" charset="0"/>
                 <a:ea typeface="Calibri" pitchFamily="34" charset="-122"/>
@@ -12699,13 +12743,13 @@
               </a:rPr>
               <a:t>• Relevant policies</a:t>
             </a:r>
-            <a:endParaRPr lang="en-US" sz="1400" dirty="0"/>
-          </a:p>
-          <a:p>
-            <a:pPr indent="0" marL="0">
-              <a:buNone/>
-            </a:pPr>
-            <a:endParaRPr lang="en-US" sz="1400" dirty="0"/>
+            <a:endParaRPr lang="en-US" sz="1500" dirty="0"/>
+          </a:p>
+          <a:p>
+            <a:pPr indent="0" marL="0">
+              <a:buNone/>
+            </a:pPr>
+            <a:endParaRPr lang="en-US" sz="1500" dirty="0"/>
           </a:p>
           <a:p>
             <a:pPr indent="0" marL="0">
@@ -12722,7 +12766,7 @@
               </a:rPr>
               <a:t>Output sounds like someone who works here.</a:t>
             </a:r>
-            <a:endParaRPr lang="en-US" sz="1400" dirty="0"/>
+            <a:endParaRPr lang="en-US" sz="1500" dirty="0"/>
           </a:p>
         </p:txBody>
       </p:sp>
@@ -12753,7 +12797,7 @@
             <a:r>
               <a:rPr lang="en-US" sz="1100" i="1" dirty="0">
                 <a:solidFill>
-                  <a:srgbClr val="4B5563"/>
+                  <a:srgbClr val="64748B"/>
                 </a:solidFill>
                 <a:latin typeface="Calibri" pitchFamily="34" charset="0"/>
                 <a:ea typeface="Calibri" pitchFamily="34" charset="-122"/>
@@ -12792,7 +12836,7 @@
             <a:r>
               <a:rPr lang="en-US" sz="900" dirty="0">
                 <a:solidFill>
-                  <a:srgbClr val="4B5563"/>
+                  <a:srgbClr val="64748B"/>
                 </a:solidFill>
                 <a:latin typeface="Calibri" pitchFamily="34" charset="0"/>
                 <a:ea typeface="Calibri" pitchFamily="34" charset="-122"/>
@@ -12818,7 +12862,7 @@
     <p:bg>
       <p:bgPr>
         <a:solidFill>
-          <a:srgbClr val="F5F5F5"/>
+          <a:srgbClr val="F8F9FA"/>
         </a:solidFill>
       </p:bgPr>
     </p:bg>
@@ -12845,7 +12889,7 @@
         <p:spPr>
           <a:xfrm>
             <a:off x="457200" y="274320"/>
-            <a:ext cx="8229600" cy="548640"/>
+            <a:ext cx="8229600" cy="731520"/>
           </a:xfrm>
           <a:prstGeom prst="rect">
             <a:avLst/>
@@ -12861,9 +12905,9 @@
               <a:buNone/>
             </a:pPr>
             <a:r>
-              <a:rPr lang="en-US" sz="2800" b="1" dirty="0">
-                <a:solidFill>
-                  <a:srgbClr val="1E1E1E"/>
+              <a:rPr lang="en-US" sz="4000" b="1" dirty="0">
+                <a:solidFill>
+                  <a:srgbClr val="1E293B"/>
                 </a:solidFill>
                 <a:latin typeface="Georgia" pitchFamily="34" charset="0"/>
                 <a:ea typeface="Georgia" pitchFamily="34" charset="-122"/>
@@ -12871,7 +12915,7 @@
               </a:rPr>
               <a:t>Meet Your AI Colleague</a:t>
             </a:r>
-            <a:endParaRPr lang="en-US" sz="2800" dirty="0"/>
+            <a:endParaRPr lang="en-US" sz="4000" dirty="0"/>
           </a:p>
         </p:txBody>
       </p:sp>
@@ -13012,7 +13056,7 @@
             <a:r>
               <a:rPr lang="en-US" sz="1200" i="1" dirty="0">
                 <a:solidFill>
-                  <a:srgbClr val="4B5563"/>
+                  <a:srgbClr val="64748B"/>
                 </a:solidFill>
                 <a:latin typeface="Calibri" pitchFamily="34" charset="0"/>
                 <a:ea typeface="Calibri" pitchFamily="34" charset="-122"/>
@@ -13098,7 +13142,7 @@
             <a:r>
               <a:rPr lang="en-US" sz="1500" b="1" dirty="0">
                 <a:solidFill>
-                  <a:srgbClr val="1E1E1E"/>
+                  <a:srgbClr val="1E293B"/>
                 </a:solidFill>
                 <a:latin typeface="Calibri" pitchFamily="34" charset="0"/>
                 <a:ea typeface="Calibri" pitchFamily="34" charset="-122"/>
@@ -13121,7 +13165,7 @@
             <a:r>
               <a:rPr lang="en-US" sz="1400" i="1" dirty="0">
                 <a:solidFill>
-                  <a:srgbClr val="1E1E1E"/>
+                  <a:srgbClr val="1E293B"/>
                 </a:solidFill>
                 <a:latin typeface="Calibri" pitchFamily="34" charset="0"/>
                 <a:ea typeface="Calibri" pitchFamily="34" charset="-122"/>
@@ -13144,7 +13188,7 @@
             <a:r>
               <a:rPr lang="en-US" sz="1300" dirty="0">
                 <a:solidFill>
-                  <a:srgbClr val="4B5563"/>
+                  <a:srgbClr val="64748B"/>
                 </a:solidFill>
                 <a:latin typeface="Calibri" pitchFamily="34" charset="0"/>
                 <a:ea typeface="Calibri" pitchFamily="34" charset="-122"/>
@@ -13206,7 +13250,7 @@
             <a:r>
               <a:rPr lang="en-US" sz="1100" i="1" dirty="0">
                 <a:solidFill>
-                  <a:srgbClr val="4B5563"/>
+                  <a:srgbClr val="64748B"/>
                 </a:solidFill>
                 <a:latin typeface="Calibri" pitchFamily="34" charset="0"/>
                 <a:ea typeface="Calibri" pitchFamily="34" charset="-122"/>
@@ -13232,7 +13276,7 @@
     <p:bg>
       <p:bgPr>
         <a:solidFill>
-          <a:srgbClr val="F5F5F5"/>
+          <a:srgbClr val="F8F9FA"/>
         </a:solidFill>
       </p:bgPr>
     </p:bg>
@@ -13259,7 +13303,7 @@
         <p:spPr>
           <a:xfrm>
             <a:off x="457200" y="274320"/>
-            <a:ext cx="8229600" cy="548640"/>
+            <a:ext cx="8229600" cy="731520"/>
           </a:xfrm>
           <a:prstGeom prst="rect">
             <a:avLst/>
@@ -13275,9 +13319,9 @@
               <a:buNone/>
             </a:pPr>
             <a:r>
-              <a:rPr lang="en-US" sz="2800" b="1" dirty="0">
-                <a:solidFill>
-                  <a:srgbClr val="1E1E1E"/>
+              <a:rPr lang="en-US" sz="4000" b="1" dirty="0">
+                <a:solidFill>
+                  <a:srgbClr val="1E293B"/>
                 </a:solidFill>
                 <a:latin typeface="Georgia" pitchFamily="34" charset="0"/>
                 <a:ea typeface="Georgia" pitchFamily="34" charset="-122"/>
@@ -13285,7 +13329,7 @@
               </a:rPr>
               <a:t>The Attention Problem</a:t>
             </a:r>
-            <a:endParaRPr lang="en-US" sz="2800" dirty="0"/>
+            <a:endParaRPr lang="en-US" sz="4000" dirty="0"/>
           </a:p>
         </p:txBody>
       </p:sp>
@@ -13363,7 +13407,7 @@
             <a:r>
               <a:rPr lang="en-US" sz="1400" b="1" dirty="0">
                 <a:solidFill>
-                  <a:srgbClr val="1E1E1E"/>
+                  <a:srgbClr val="1E293B"/>
                 </a:solidFill>
                 <a:latin typeface="Georgia" pitchFamily="34" charset="0"/>
                 <a:ea typeface="Georgia" pitchFamily="34" charset="-122"/>
@@ -13402,7 +13446,7 @@
             <a:r>
               <a:rPr lang="en-US" sz="1200" dirty="0">
                 <a:solidFill>
-                  <a:srgbClr val="1E1E1E"/>
+                  <a:srgbClr val="1E293B"/>
                 </a:solidFill>
                 <a:latin typeface="Calibri" pitchFamily="34" charset="0"/>
                 <a:ea typeface="Calibri" pitchFamily="34" charset="-122"/>
@@ -13488,7 +13532,7 @@
             <a:r>
               <a:rPr lang="en-US" sz="1400" b="1" dirty="0">
                 <a:solidFill>
-                  <a:srgbClr val="1E1E1E"/>
+                  <a:srgbClr val="1E293B"/>
                 </a:solidFill>
                 <a:latin typeface="Georgia" pitchFamily="34" charset="0"/>
                 <a:ea typeface="Georgia" pitchFamily="34" charset="-122"/>
@@ -13527,7 +13571,7 @@
             <a:r>
               <a:rPr lang="en-US" sz="1200" dirty="0">
                 <a:solidFill>
-                  <a:srgbClr val="1E1E1E"/>
+                  <a:srgbClr val="1E293B"/>
                 </a:solidFill>
                 <a:latin typeface="Calibri" pitchFamily="34" charset="0"/>
                 <a:ea typeface="Calibri" pitchFamily="34" charset="-122"/>
@@ -13613,7 +13657,7 @@
             <a:r>
               <a:rPr lang="en-US" sz="1400" b="1" dirty="0">
                 <a:solidFill>
-                  <a:srgbClr val="1E1E1E"/>
+                  <a:srgbClr val="1E293B"/>
                 </a:solidFill>
                 <a:latin typeface="Georgia" pitchFamily="34" charset="0"/>
                 <a:ea typeface="Georgia" pitchFamily="34" charset="-122"/>
@@ -13652,7 +13696,7 @@
             <a:r>
               <a:rPr lang="en-US" sz="1200" dirty="0">
                 <a:solidFill>
-                  <a:srgbClr val="1E1E1E"/>
+                  <a:srgbClr val="1E293B"/>
                 </a:solidFill>
                 <a:latin typeface="Calibri" pitchFamily="34" charset="0"/>
                 <a:ea typeface="Calibri" pitchFamily="34" charset="-122"/>
@@ -13691,7 +13735,7 @@
             <a:r>
               <a:rPr lang="en-US" sz="1100" i="1" dirty="0">
                 <a:solidFill>
-                  <a:srgbClr val="4B5563"/>
+                  <a:srgbClr val="64748B"/>
                 </a:solidFill>
                 <a:latin typeface="Calibri" pitchFamily="34" charset="0"/>
                 <a:ea typeface="Calibri" pitchFamily="34" charset="-122"/>
@@ -13730,7 +13774,7 @@
             <a:r>
               <a:rPr lang="en-US" sz="900" dirty="0">
                 <a:solidFill>
-                  <a:srgbClr val="4B5563"/>
+                  <a:srgbClr val="64748B"/>
                 </a:solidFill>
                 <a:latin typeface="Calibri" pitchFamily="34" charset="0"/>
                 <a:ea typeface="Calibri" pitchFamily="34" charset="-122"/>
@@ -13756,7 +13800,7 @@
     <p:bg>
       <p:bgPr>
         <a:solidFill>
-          <a:srgbClr val="F5F5F5"/>
+          <a:srgbClr val="F8F9FA"/>
         </a:solidFill>
       </p:bgPr>
     </p:bg>
@@ -13783,7 +13827,7 @@
         <p:spPr>
           <a:xfrm>
             <a:off x="457200" y="274320"/>
-            <a:ext cx="8229600" cy="548640"/>
+            <a:ext cx="8229600" cy="731520"/>
           </a:xfrm>
           <a:prstGeom prst="rect">
             <a:avLst/>
@@ -13799,9 +13843,9 @@
               <a:buNone/>
             </a:pPr>
             <a:r>
-              <a:rPr lang="en-US" sz="2800" b="1" dirty="0">
-                <a:solidFill>
-                  <a:srgbClr val="1E1E1E"/>
+              <a:rPr lang="en-US" sz="4000" b="1" dirty="0">
+                <a:solidFill>
+                  <a:srgbClr val="1E293B"/>
                 </a:solidFill>
                 <a:latin typeface="Georgia" pitchFamily="34" charset="0"/>
                 <a:ea typeface="Georgia" pitchFamily="34" charset="-122"/>
@@ -13809,7 +13853,7 @@
               </a:rPr>
               <a:t>Let AI Tell You What It Needs</a:t>
             </a:r>
-            <a:endParaRPr lang="en-US" sz="2800" dirty="0"/>
+            <a:endParaRPr lang="en-US" sz="4000" dirty="0"/>
           </a:p>
         </p:txBody>
       </p:sp>
@@ -13821,7 +13865,7 @@
         </p:nvSpPr>
         <p:spPr>
           <a:xfrm>
-            <a:off x="457200" y="1005840"/>
+            <a:off x="457200" y="1097280"/>
             <a:ext cx="3886200" cy="3383280"/>
           </a:xfrm>
           <a:prstGeom prst="rect">
@@ -13848,7 +13892,7 @@
         </p:nvSpPr>
         <p:spPr>
           <a:xfrm>
-            <a:off x="457200" y="1005840"/>
+            <a:off x="457200" y="1097280"/>
             <a:ext cx="54864" cy="3383280"/>
           </a:xfrm>
           <a:prstGeom prst="rect">
@@ -13868,7 +13912,7 @@
         </p:nvSpPr>
         <p:spPr>
           <a:xfrm>
-            <a:off x="685800" y="1097280"/>
+            <a:off x="685800" y="1188720"/>
             <a:ext cx="3520440" cy="320040"/>
           </a:xfrm>
           <a:prstGeom prst="rect">
@@ -13885,9 +13929,9 @@
               <a:buNone/>
             </a:pPr>
             <a:r>
-              <a:rPr lang="en-US" sz="1600" b="1" dirty="0">
-                <a:solidFill>
-                  <a:srgbClr val="1E1E1E"/>
+              <a:rPr lang="en-US" sz="1800" b="1" dirty="0">
+                <a:solidFill>
+                  <a:srgbClr val="1E293B"/>
                 </a:solidFill>
                 <a:latin typeface="Georgia" pitchFamily="34" charset="0"/>
                 <a:ea typeface="Georgia" pitchFamily="34" charset="-122"/>
@@ -13895,7 +13939,7 @@
               </a:rPr>
               <a:t>The Prompt</a:t>
             </a:r>
-            <a:endParaRPr lang="en-US" sz="1600" dirty="0"/>
+            <a:endParaRPr lang="en-US" sz="1800" dirty="0"/>
           </a:p>
         </p:txBody>
       </p:sp>
@@ -13907,7 +13951,7 @@
         </p:nvSpPr>
         <p:spPr>
           <a:xfrm>
-            <a:off x="685800" y="1463040"/>
+            <a:off x="685800" y="1554480"/>
             <a:ext cx="3520440" cy="2743200"/>
           </a:xfrm>
           <a:prstGeom prst="rect">
@@ -13923,7 +13967,7 @@
             <a:pPr indent="0" marL="0">
               <a:buNone/>
             </a:pPr>
-            <a:endParaRPr lang="en-US" sz="1400" dirty="0"/>
+            <a:endParaRPr lang="en-US" sz="1500" dirty="0"/>
           </a:p>
           <a:p>
             <a:pPr indent="0" marL="0">
@@ -13932,7 +13976,7 @@
             <a:r>
               <a:rPr lang="en-US" sz="1400" i="1" dirty="0">
                 <a:solidFill>
-                  <a:srgbClr val="1E1E1E"/>
+                  <a:srgbClr val="1E293B"/>
                 </a:solidFill>
                 <a:latin typeface="Calibri" pitchFamily="34" charset="0"/>
                 <a:ea typeface="Calibri" pitchFamily="34" charset="-122"/>
@@ -13940,7 +13984,7 @@
               </a:rPr>
               <a:t>"Before you start, ask me clarifying questions about anything you'd need to know to write an excellent proposal."</a:t>
             </a:r>
-            <a:endParaRPr lang="en-US" sz="1400" dirty="0"/>
+            <a:endParaRPr lang="en-US" sz="1500" dirty="0"/>
           </a:p>
         </p:txBody>
       </p:sp>
@@ -13952,7 +13996,7 @@
         </p:nvSpPr>
         <p:spPr>
           <a:xfrm>
-            <a:off x="4800600" y="1005840"/>
+            <a:off x="4800600" y="1097280"/>
             <a:ext cx="3886200" cy="3383280"/>
           </a:xfrm>
           <a:prstGeom prst="rect">
@@ -13979,7 +14023,7 @@
         </p:nvSpPr>
         <p:spPr>
           <a:xfrm>
-            <a:off x="4800600" y="1005840"/>
+            <a:off x="4800600" y="1097280"/>
             <a:ext cx="54864" cy="3383280"/>
           </a:xfrm>
           <a:prstGeom prst="rect">
@@ -13999,7 +14043,7 @@
         </p:nvSpPr>
         <p:spPr>
           <a:xfrm>
-            <a:off x="5029200" y="1097280"/>
+            <a:off x="5029200" y="1188720"/>
             <a:ext cx="3520440" cy="320040"/>
           </a:xfrm>
           <a:prstGeom prst="rect">
@@ -14016,9 +14060,9 @@
               <a:buNone/>
             </a:pPr>
             <a:r>
-              <a:rPr lang="en-US" sz="1600" b="1" dirty="0">
-                <a:solidFill>
-                  <a:srgbClr val="1E1E1E"/>
+              <a:rPr lang="en-US" sz="1800" b="1" dirty="0">
+                <a:solidFill>
+                  <a:srgbClr val="1E293B"/>
                 </a:solidFill>
                 <a:latin typeface="Georgia" pitchFamily="34" charset="0"/>
                 <a:ea typeface="Georgia" pitchFamily="34" charset="-122"/>
@@ -14026,7 +14070,7 @@
               </a:rPr>
               <a:t>AI's Questions</a:t>
             </a:r>
-            <a:endParaRPr lang="en-US" sz="1600" dirty="0"/>
+            <a:endParaRPr lang="en-US" sz="1800" dirty="0"/>
           </a:p>
         </p:txBody>
       </p:sp>
@@ -14038,7 +14082,7 @@
         </p:nvSpPr>
         <p:spPr>
           <a:xfrm>
-            <a:off x="5029200" y="1463040"/>
+            <a:off x="5029200" y="1554480"/>
             <a:ext cx="3520440" cy="2743200"/>
           </a:xfrm>
           <a:prstGeom prst="rect">
@@ -14057,7 +14101,7 @@
             <a:r>
               <a:rPr lang="en-US" sz="1200" dirty="0">
                 <a:solidFill>
-                  <a:srgbClr val="1E1E1E"/>
+                  <a:srgbClr val="1E293B"/>
                 </a:solidFill>
                 <a:latin typeface="Calibri" pitchFamily="34" charset="0"/>
                 <a:ea typeface="Calibri" pitchFamily="34" charset="-122"/>
@@ -14065,7 +14109,7 @@
               </a:rPr>
               <a:t>• What's the current onboarding timeline?</a:t>
             </a:r>
-            <a:endParaRPr lang="en-US" sz="1400" dirty="0"/>
+            <a:endParaRPr lang="en-US" sz="1500" dirty="0"/>
           </a:p>
           <a:p>
             <a:pPr indent="0" marL="0">
@@ -14074,7 +14118,7 @@
             <a:r>
               <a:rPr lang="en-US" sz="1200" dirty="0">
                 <a:solidFill>
-                  <a:srgbClr val="1E1E1E"/>
+                  <a:srgbClr val="1E293B"/>
                 </a:solidFill>
                 <a:latin typeface="Calibri" pitchFamily="34" charset="0"/>
                 <a:ea typeface="Calibri" pitchFamily="34" charset="-122"/>
@@ -14082,7 +14126,7 @@
               </a:rPr>
               <a:t>• Budget constraints?</a:t>
             </a:r>
-            <a:endParaRPr lang="en-US" sz="1400" dirty="0"/>
+            <a:endParaRPr lang="en-US" sz="1500" dirty="0"/>
           </a:p>
           <a:p>
             <a:pPr indent="0" marL="0">
@@ -14091,7 +14135,7 @@
             <a:r>
               <a:rPr lang="en-US" sz="1200" dirty="0">
                 <a:solidFill>
-                  <a:srgbClr val="1E1E1E"/>
+                  <a:srgbClr val="1E293B"/>
                 </a:solidFill>
                 <a:latin typeface="Calibri" pitchFamily="34" charset="0"/>
                 <a:ea typeface="Calibri" pitchFamily="34" charset="-122"/>
@@ -14099,7 +14143,7 @@
               </a:rPr>
               <a:t>• Key stakeholder concerns?</a:t>
             </a:r>
-            <a:endParaRPr lang="en-US" sz="1400" dirty="0"/>
+            <a:endParaRPr lang="en-US" sz="1500" dirty="0"/>
           </a:p>
           <a:p>
             <a:pPr indent="0" marL="0">
@@ -14108,7 +14152,7 @@
             <a:r>
               <a:rPr lang="en-US" sz="1200" dirty="0">
                 <a:solidFill>
-                  <a:srgbClr val="1E1E1E"/>
+                  <a:srgbClr val="1E293B"/>
                 </a:solidFill>
                 <a:latin typeface="Calibri" pitchFamily="34" charset="0"/>
                 <a:ea typeface="Calibri" pitchFamily="34" charset="-122"/>
@@ -14116,7 +14160,7 @@
               </a:rPr>
               <a:t>• Success metrics you'll be measured on?</a:t>
             </a:r>
-            <a:endParaRPr lang="en-US" sz="1400" dirty="0"/>
+            <a:endParaRPr lang="en-US" sz="1500" dirty="0"/>
           </a:p>
           <a:p>
             <a:pPr indent="0" marL="0">
@@ -14125,7 +14169,7 @@
             <a:r>
               <a:rPr lang="en-US" sz="1200" dirty="0">
                 <a:solidFill>
-                  <a:srgbClr val="1E1E1E"/>
+                  <a:srgbClr val="1E293B"/>
                 </a:solidFill>
                 <a:latin typeface="Calibri" pitchFamily="34" charset="0"/>
                 <a:ea typeface="Calibri" pitchFamily="34" charset="-122"/>
@@ -14133,13 +14177,13 @@
               </a:rPr>
               <a:t>• Previous failed attempts?</a:t>
             </a:r>
-            <a:endParaRPr lang="en-US" sz="1400" dirty="0"/>
-          </a:p>
-          <a:p>
-            <a:pPr indent="0" marL="0">
-              <a:buNone/>
-            </a:pPr>
-            <a:endParaRPr lang="en-US" sz="1400" dirty="0"/>
+            <a:endParaRPr lang="en-US" sz="1500" dirty="0"/>
+          </a:p>
+          <a:p>
+            <a:pPr indent="0" marL="0">
+              <a:buNone/>
+            </a:pPr>
+            <a:endParaRPr lang="en-US" sz="1500" dirty="0"/>
           </a:p>
           <a:p>
             <a:pPr indent="0" marL="0">
@@ -14156,7 +14200,7 @@
               </a:rPr>
               <a:t>The AI does context engineering for you.</a:t>
             </a:r>
-            <a:endParaRPr lang="en-US" sz="1400" dirty="0"/>
+            <a:endParaRPr lang="en-US" sz="1500" dirty="0"/>
           </a:p>
         </p:txBody>
       </p:sp>
@@ -14187,7 +14231,7 @@
             <a:r>
               <a:rPr lang="en-US" sz="1100" i="1" dirty="0">
                 <a:solidFill>
-                  <a:srgbClr val="4B5563"/>
+                  <a:srgbClr val="64748B"/>
                 </a:solidFill>
                 <a:latin typeface="Calibri" pitchFamily="34" charset="0"/>
                 <a:ea typeface="Calibri" pitchFamily="34" charset="-122"/>
@@ -14226,7 +14270,7 @@
             <a:r>
               <a:rPr lang="en-US" sz="900" dirty="0">
                 <a:solidFill>
-                  <a:srgbClr val="4B5563"/>
+                  <a:srgbClr val="64748B"/>
                 </a:solidFill>
                 <a:latin typeface="Calibri" pitchFamily="34" charset="0"/>
                 <a:ea typeface="Calibri" pitchFamily="34" charset="-122"/>
@@ -14252,7 +14296,7 @@
     <p:bg>
       <p:bgPr>
         <a:solidFill>
-          <a:srgbClr val="F5F5F5"/>
+          <a:srgbClr val="F8F9FA"/>
         </a:solidFill>
       </p:bgPr>
     </p:bg>
@@ -14297,7 +14341,7 @@
             <a:r>
               <a:rPr lang="en-US" sz="2600" b="1" dirty="0">
                 <a:solidFill>
-                  <a:srgbClr val="1E1E1E"/>
+                  <a:srgbClr val="1E293B"/>
                 </a:solidFill>
                 <a:latin typeface="Georgia" pitchFamily="34" charset="0"/>
                 <a:ea typeface="Georgia" pitchFamily="34" charset="-122"/>
@@ -14314,7 +14358,7 @@
             <a:r>
               <a:rPr lang="en-US" sz="2600" b="1" dirty="0">
                 <a:solidFill>
-                  <a:srgbClr val="1E1E1E"/>
+                  <a:srgbClr val="1E293B"/>
                 </a:solidFill>
                 <a:latin typeface="Georgia" pitchFamily="34" charset="0"/>
                 <a:ea typeface="Georgia" pitchFamily="34" charset="-122"/>
@@ -14353,7 +14397,7 @@
             <a:r>
               <a:rPr lang="en-US" sz="1500" i="1" dirty="0">
                 <a:solidFill>
-                  <a:srgbClr val="4B5563"/>
+                  <a:srgbClr val="64748B"/>
                 </a:solidFill>
                 <a:latin typeface="Calibri" pitchFamily="34" charset="0"/>
                 <a:ea typeface="Calibri" pitchFamily="34" charset="-122"/>
@@ -14370,7 +14414,7 @@
             <a:r>
               <a:rPr lang="en-US" sz="1500" i="1" dirty="0">
                 <a:solidFill>
-                  <a:srgbClr val="4B5563"/>
+                  <a:srgbClr val="64748B"/>
                 </a:solidFill>
                 <a:latin typeface="Calibri" pitchFamily="34" charset="0"/>
                 <a:ea typeface="Calibri" pitchFamily="34" charset="-122"/>
@@ -14470,7 +14514,7 @@
             <a:r>
               <a:rPr lang="en-US" sz="1200" dirty="0">
                 <a:solidFill>
-                  <a:srgbClr val="1E1E1E"/>
+                  <a:srgbClr val="1E293B"/>
                 </a:solidFill>
                 <a:latin typeface="Calibri" pitchFamily="34" charset="0"/>
                 <a:ea typeface="Calibri" pitchFamily="34" charset="-122"/>
@@ -14498,7 +14542,7 @@
             <a:r>
               <a:rPr lang="en-US" sz="1200" dirty="0">
                 <a:solidFill>
-                  <a:srgbClr val="1E1E1E"/>
+                  <a:srgbClr val="1E293B"/>
                 </a:solidFill>
                 <a:latin typeface="Calibri" pitchFamily="34" charset="0"/>
                 <a:ea typeface="Calibri" pitchFamily="34" charset="-122"/>
@@ -14537,7 +14581,7 @@
             <a:r>
               <a:rPr lang="en-US" sz="900" dirty="0">
                 <a:solidFill>
-                  <a:srgbClr val="4B5563"/>
+                  <a:srgbClr val="64748B"/>
                 </a:solidFill>
                 <a:latin typeface="Calibri" pitchFamily="34" charset="0"/>
                 <a:ea typeface="Calibri" pitchFamily="34" charset="-122"/>
@@ -14563,7 +14607,7 @@
     <p:bg>
       <p:bgPr>
         <a:solidFill>
-          <a:srgbClr val="F5F5F5"/>
+          <a:srgbClr val="F8F9FA"/>
         </a:solidFill>
       </p:bgPr>
     </p:bg>
@@ -14590,7 +14634,7 @@
         <p:spPr>
           <a:xfrm>
             <a:off x="457200" y="274320"/>
-            <a:ext cx="8229600" cy="548640"/>
+            <a:ext cx="8229600" cy="731520"/>
           </a:xfrm>
           <a:prstGeom prst="rect">
             <a:avLst/>
@@ -14606,9 +14650,9 @@
               <a:buNone/>
             </a:pPr>
             <a:r>
-              <a:rPr lang="en-US" sz="2800" b="1" dirty="0">
-                <a:solidFill>
-                  <a:srgbClr val="1E1E1E"/>
+              <a:rPr lang="en-US" sz="4000" b="1" dirty="0">
+                <a:solidFill>
+                  <a:srgbClr val="1E293B"/>
                 </a:solidFill>
                 <a:latin typeface="Georgia" pitchFamily="34" charset="0"/>
                 <a:ea typeface="Georgia" pitchFamily="34" charset="-122"/>
@@ -14616,7 +14660,7 @@
               </a:rPr>
               <a:t>The Copy-Paste Trap</a:t>
             </a:r>
-            <a:endParaRPr lang="en-US" sz="2800" dirty="0"/>
+            <a:endParaRPr lang="en-US" sz="4000" dirty="0"/>
           </a:p>
         </p:txBody>
       </p:sp>
@@ -14706,7 +14750,7 @@
             <a:r>
               <a:rPr lang="en-US" sz="1400" dirty="0">
                 <a:solidFill>
-                  <a:srgbClr val="1E1E1E"/>
+                  <a:srgbClr val="1E293B"/>
                 </a:solidFill>
                 <a:latin typeface="Calibri" pitchFamily="34" charset="0"/>
                 <a:ea typeface="Calibri" pitchFamily="34" charset="-122"/>
@@ -14745,7 +14789,7 @@
             <a:r>
               <a:rPr lang="en-US" sz="1400" dirty="0">
                 <a:solidFill>
-                  <a:srgbClr val="4B5563"/>
+                  <a:srgbClr val="64748B"/>
                 </a:solidFill>
                 <a:latin typeface="Calibri" pitchFamily="34" charset="0"/>
                 <a:ea typeface="Calibri" pitchFamily="34" charset="-122"/>
@@ -14843,7 +14887,7 @@
             <a:r>
               <a:rPr lang="en-US" sz="1400" dirty="0">
                 <a:solidFill>
-                  <a:srgbClr val="1E1E1E"/>
+                  <a:srgbClr val="1E293B"/>
                 </a:solidFill>
                 <a:latin typeface="Calibri" pitchFamily="34" charset="0"/>
                 <a:ea typeface="Calibri" pitchFamily="34" charset="-122"/>
@@ -14882,7 +14926,7 @@
             <a:r>
               <a:rPr lang="en-US" sz="1400" dirty="0">
                 <a:solidFill>
-                  <a:srgbClr val="4B5563"/>
+                  <a:srgbClr val="64748B"/>
                 </a:solidFill>
                 <a:latin typeface="Calibri" pitchFamily="34" charset="0"/>
                 <a:ea typeface="Calibri" pitchFamily="34" charset="-122"/>
@@ -14980,7 +15024,7 @@
             <a:r>
               <a:rPr lang="en-US" sz="1400" dirty="0">
                 <a:solidFill>
-                  <a:srgbClr val="1E1E1E"/>
+                  <a:srgbClr val="1E293B"/>
                 </a:solidFill>
                 <a:latin typeface="Calibri" pitchFamily="34" charset="0"/>
                 <a:ea typeface="Calibri" pitchFamily="34" charset="-122"/>
@@ -15019,7 +15063,7 @@
             <a:r>
               <a:rPr lang="en-US" sz="1400" dirty="0">
                 <a:solidFill>
-                  <a:srgbClr val="4B5563"/>
+                  <a:srgbClr val="64748B"/>
                 </a:solidFill>
                 <a:latin typeface="Calibri" pitchFamily="34" charset="0"/>
                 <a:ea typeface="Calibri" pitchFamily="34" charset="-122"/>
@@ -15117,7 +15161,7 @@
             <a:r>
               <a:rPr lang="en-US" sz="1400" dirty="0">
                 <a:solidFill>
-                  <a:srgbClr val="1E1E1E"/>
+                  <a:srgbClr val="1E293B"/>
                 </a:solidFill>
                 <a:latin typeface="Calibri" pitchFamily="34" charset="0"/>
                 <a:ea typeface="Calibri" pitchFamily="34" charset="-122"/>
@@ -15227,7 +15271,7 @@
             <a:r>
               <a:rPr lang="en-US" sz="1200" dirty="0">
                 <a:solidFill>
-                  <a:srgbClr val="1E1E1E"/>
+                  <a:srgbClr val="1E293B"/>
                 </a:solidFill>
                 <a:latin typeface="Calibri" pitchFamily="34" charset="0"/>
                 <a:ea typeface="Calibri" pitchFamily="34" charset="-122"/>
@@ -15245,7 +15289,7 @@
             <a:r>
               <a:rPr lang="en-US" sz="1200" dirty="0">
                 <a:solidFill>
-                  <a:srgbClr val="1E1E1E"/>
+                  <a:srgbClr val="1E293B"/>
                 </a:solidFill>
                 <a:latin typeface="Calibri" pitchFamily="34" charset="0"/>
                 <a:ea typeface="Calibri" pitchFamily="34" charset="-122"/>
@@ -15263,7 +15307,7 @@
             <a:r>
               <a:rPr lang="en-US" sz="1200" dirty="0">
                 <a:solidFill>
-                  <a:srgbClr val="1E1E1E"/>
+                  <a:srgbClr val="1E293B"/>
                 </a:solidFill>
                 <a:latin typeface="Calibri" pitchFamily="34" charset="0"/>
                 <a:ea typeface="Calibri" pitchFamily="34" charset="-122"/>
@@ -15302,7 +15346,7 @@
             <a:r>
               <a:rPr lang="en-US" sz="1100" i="1" dirty="0">
                 <a:solidFill>
-                  <a:srgbClr val="4B5563"/>
+                  <a:srgbClr val="64748B"/>
                 </a:solidFill>
                 <a:latin typeface="Calibri" pitchFamily="34" charset="0"/>
                 <a:ea typeface="Calibri" pitchFamily="34" charset="-122"/>
@@ -15328,7 +15372,7 @@
     <p:bg>
       <p:bgPr>
         <a:solidFill>
-          <a:srgbClr val="F5F5F5"/>
+          <a:srgbClr val="F8F9FA"/>
         </a:solidFill>
       </p:bgPr>
     </p:bg>
@@ -15355,7 +15399,7 @@
         <p:spPr>
           <a:xfrm>
             <a:off x="457200" y="274320"/>
-            <a:ext cx="8229600" cy="548640"/>
+            <a:ext cx="8229600" cy="731520"/>
           </a:xfrm>
           <a:prstGeom prst="rect">
             <a:avLst/>
@@ -15371,9 +15415,9 @@
               <a:buNone/>
             </a:pPr>
             <a:r>
-              <a:rPr lang="en-US" sz="2800" b="1" dirty="0">
-                <a:solidFill>
-                  <a:srgbClr val="1E1E1E"/>
+              <a:rPr lang="en-US" sz="4000" b="1" dirty="0">
+                <a:solidFill>
+                  <a:srgbClr val="1E293B"/>
                 </a:solidFill>
                 <a:latin typeface="Georgia" pitchFamily="34" charset="0"/>
                 <a:ea typeface="Georgia" pitchFamily="34" charset="-122"/>
@@ -15381,7 +15425,7 @@
               </a:rPr>
               <a:t>Hand Dory the Keys</a:t>
             </a:r>
-            <a:endParaRPr lang="en-US" sz="2800" dirty="0"/>
+            <a:endParaRPr lang="en-US" sz="4000" dirty="0"/>
           </a:p>
         </p:txBody>
       </p:sp>
@@ -15471,7 +15515,7 @@
             <a:r>
               <a:rPr lang="en-US" sz="1400" dirty="0">
                 <a:solidFill>
-                  <a:srgbClr val="1E1E1E"/>
+                  <a:srgbClr val="1E293B"/>
                 </a:solidFill>
                 <a:latin typeface="Calibri" pitchFamily="34" charset="0"/>
                 <a:ea typeface="Calibri" pitchFamily="34" charset="-122"/>
@@ -15510,7 +15554,7 @@
             <a:r>
               <a:rPr lang="en-US" sz="1400" dirty="0">
                 <a:solidFill>
-                  <a:srgbClr val="4B5563"/>
+                  <a:srgbClr val="64748B"/>
                 </a:solidFill>
                 <a:latin typeface="Calibri" pitchFamily="34" charset="0"/>
                 <a:ea typeface="Calibri" pitchFamily="34" charset="-122"/>
@@ -15608,7 +15652,7 @@
             <a:r>
               <a:rPr lang="en-US" sz="1400" dirty="0">
                 <a:solidFill>
-                  <a:srgbClr val="1E1E1E"/>
+                  <a:srgbClr val="1E293B"/>
                 </a:solidFill>
                 <a:latin typeface="Calibri" pitchFamily="34" charset="0"/>
                 <a:ea typeface="Calibri" pitchFamily="34" charset="-122"/>
@@ -15647,7 +15691,7 @@
             <a:r>
               <a:rPr lang="en-US" sz="1400" dirty="0">
                 <a:solidFill>
-                  <a:srgbClr val="4B5563"/>
+                  <a:srgbClr val="64748B"/>
                 </a:solidFill>
                 <a:latin typeface="Calibri" pitchFamily="34" charset="0"/>
                 <a:ea typeface="Calibri" pitchFamily="34" charset="-122"/>
@@ -15745,7 +15789,7 @@
             <a:r>
               <a:rPr lang="en-US" sz="1400" dirty="0">
                 <a:solidFill>
-                  <a:srgbClr val="1E1E1E"/>
+                  <a:srgbClr val="1E293B"/>
                 </a:solidFill>
                 <a:latin typeface="Calibri" pitchFamily="34" charset="0"/>
                 <a:ea typeface="Calibri" pitchFamily="34" charset="-122"/>
@@ -15784,7 +15828,7 @@
             <a:r>
               <a:rPr lang="en-US" sz="1400" dirty="0">
                 <a:solidFill>
-                  <a:srgbClr val="4B5563"/>
+                  <a:srgbClr val="64748B"/>
                 </a:solidFill>
                 <a:latin typeface="Calibri" pitchFamily="34" charset="0"/>
                 <a:ea typeface="Calibri" pitchFamily="34" charset="-122"/>
@@ -15882,7 +15926,7 @@
             <a:r>
               <a:rPr lang="en-US" sz="1400" dirty="0">
                 <a:solidFill>
-                  <a:srgbClr val="1E1E1E"/>
+                  <a:srgbClr val="1E293B"/>
                 </a:solidFill>
                 <a:latin typeface="Calibri" pitchFamily="34" charset="0"/>
                 <a:ea typeface="Calibri" pitchFamily="34" charset="-122"/>
@@ -15968,7 +16012,7 @@
             <a:r>
               <a:rPr lang="en-US" sz="1300" b="1" dirty="0">
                 <a:solidFill>
-                  <a:srgbClr val="1E1E1E"/>
+                  <a:srgbClr val="1E293B"/>
                 </a:solidFill>
                 <a:latin typeface="Calibri" pitchFamily="34" charset="0"/>
                 <a:ea typeface="Calibri" pitchFamily="34" charset="-122"/>
@@ -16014,7 +16058,7 @@
             <a:r>
               <a:rPr lang="en-US" sz="1200" dirty="0">
                 <a:solidFill>
-                  <a:srgbClr val="1E1E1E"/>
+                  <a:srgbClr val="1E293B"/>
                 </a:solidFill>
                 <a:latin typeface="Calibri" pitchFamily="34" charset="0"/>
                 <a:ea typeface="Calibri" pitchFamily="34" charset="-122"/>
@@ -16076,7 +16120,7 @@
             <a:r>
               <a:rPr lang="en-US" sz="1100" i="1" dirty="0">
                 <a:solidFill>
-                  <a:srgbClr val="4B5563"/>
+                  <a:srgbClr val="64748B"/>
                 </a:solidFill>
                 <a:latin typeface="Calibri" pitchFamily="34" charset="0"/>
                 <a:ea typeface="Calibri" pitchFamily="34" charset="-122"/>
@@ -16102,7 +16146,7 @@
     <p:bg>
       <p:bgPr>
         <a:solidFill>
-          <a:srgbClr val="F5F5F5"/>
+          <a:srgbClr val="F8F9FA"/>
         </a:solidFill>
       </p:bgPr>
     </p:bg>
@@ -16129,7 +16173,7 @@
         <p:spPr>
           <a:xfrm>
             <a:off x="457200" y="274320"/>
-            <a:ext cx="8229600" cy="548640"/>
+            <a:ext cx="8229600" cy="731520"/>
           </a:xfrm>
           <a:prstGeom prst="rect">
             <a:avLst/>
@@ -16145,9 +16189,9 @@
               <a:buNone/>
             </a:pPr>
             <a:r>
-              <a:rPr lang="en-US" sz="2800" b="1" dirty="0">
-                <a:solidFill>
-                  <a:srgbClr val="1E1E1E"/>
+              <a:rPr lang="en-US" sz="4000" b="1" dirty="0">
+                <a:solidFill>
+                  <a:srgbClr val="1E293B"/>
                 </a:solidFill>
                 <a:latin typeface="Georgia" pitchFamily="34" charset="0"/>
                 <a:ea typeface="Georgia" pitchFamily="34" charset="-122"/>
@@ -16155,7 +16199,7 @@
               </a:rPr>
               <a:t>Connections Are Everything</a:t>
             </a:r>
-            <a:endParaRPr lang="en-US" sz="2800" dirty="0"/>
+            <a:endParaRPr lang="en-US" sz="4000" dirty="0"/>
           </a:p>
         </p:txBody>
       </p:sp>
@@ -16257,7 +16301,7 @@
             <a:r>
               <a:rPr lang="en-US" sz="1300" b="1" dirty="0">
                 <a:solidFill>
-                  <a:srgbClr val="1E1E1E"/>
+                  <a:srgbClr val="1E293B"/>
                 </a:solidFill>
                 <a:latin typeface="Calibri" pitchFamily="34" charset="0"/>
                 <a:ea typeface="Calibri" pitchFamily="34" charset="-122"/>
@@ -16296,7 +16340,7 @@
             <a:r>
               <a:rPr lang="en-US" sz="1100" dirty="0">
                 <a:solidFill>
-                  <a:srgbClr val="4B5563"/>
+                  <a:srgbClr val="64748B"/>
                 </a:solidFill>
                 <a:latin typeface="Calibri" pitchFamily="34" charset="0"/>
                 <a:ea typeface="Calibri" pitchFamily="34" charset="-122"/>
@@ -16406,7 +16450,7 @@
             <a:r>
               <a:rPr lang="en-US" sz="1300" b="1" dirty="0">
                 <a:solidFill>
-                  <a:srgbClr val="1E1E1E"/>
+                  <a:srgbClr val="1E293B"/>
                 </a:solidFill>
                 <a:latin typeface="Calibri" pitchFamily="34" charset="0"/>
                 <a:ea typeface="Calibri" pitchFamily="34" charset="-122"/>
@@ -16445,7 +16489,7 @@
             <a:r>
               <a:rPr lang="en-US" sz="1100" dirty="0">
                 <a:solidFill>
-                  <a:srgbClr val="4B5563"/>
+                  <a:srgbClr val="64748B"/>
                 </a:solidFill>
                 <a:latin typeface="Calibri" pitchFamily="34" charset="0"/>
                 <a:ea typeface="Calibri" pitchFamily="34" charset="-122"/>
@@ -16555,7 +16599,7 @@
             <a:r>
               <a:rPr lang="en-US" sz="1300" b="1" dirty="0">
                 <a:solidFill>
-                  <a:srgbClr val="1E1E1E"/>
+                  <a:srgbClr val="1E293B"/>
                 </a:solidFill>
                 <a:latin typeface="Calibri" pitchFamily="34" charset="0"/>
                 <a:ea typeface="Calibri" pitchFamily="34" charset="-122"/>
@@ -16594,7 +16638,7 @@
             <a:r>
               <a:rPr lang="en-US" sz="1100" dirty="0">
                 <a:solidFill>
-                  <a:srgbClr val="4B5563"/>
+                  <a:srgbClr val="64748B"/>
                 </a:solidFill>
                 <a:latin typeface="Calibri" pitchFamily="34" charset="0"/>
                 <a:ea typeface="Calibri" pitchFamily="34" charset="-122"/>
@@ -16704,7 +16748,7 @@
             <a:r>
               <a:rPr lang="en-US" sz="1300" b="1" dirty="0">
                 <a:solidFill>
-                  <a:srgbClr val="1E1E1E"/>
+                  <a:srgbClr val="1E293B"/>
                 </a:solidFill>
                 <a:latin typeface="Calibri" pitchFamily="34" charset="0"/>
                 <a:ea typeface="Calibri" pitchFamily="34" charset="-122"/>
@@ -16743,7 +16787,7 @@
             <a:r>
               <a:rPr lang="en-US" sz="1100" dirty="0">
                 <a:solidFill>
-                  <a:srgbClr val="4B5563"/>
+                  <a:srgbClr val="64748B"/>
                 </a:solidFill>
                 <a:latin typeface="Calibri" pitchFamily="34" charset="0"/>
                 <a:ea typeface="Calibri" pitchFamily="34" charset="-122"/>
@@ -16853,7 +16897,7 @@
             <a:r>
               <a:rPr lang="en-US" sz="1300" b="1" dirty="0">
                 <a:solidFill>
-                  <a:srgbClr val="1E1E1E"/>
+                  <a:srgbClr val="1E293B"/>
                 </a:solidFill>
                 <a:latin typeface="Calibri" pitchFamily="34" charset="0"/>
                 <a:ea typeface="Calibri" pitchFamily="34" charset="-122"/>
@@ -16892,7 +16936,7 @@
             <a:r>
               <a:rPr lang="en-US" sz="1100" dirty="0">
                 <a:solidFill>
-                  <a:srgbClr val="4B5563"/>
+                  <a:srgbClr val="64748B"/>
                 </a:solidFill>
                 <a:latin typeface="Calibri" pitchFamily="34" charset="0"/>
                 <a:ea typeface="Calibri" pitchFamily="34" charset="-122"/>
@@ -17002,7 +17046,7 @@
             <a:r>
               <a:rPr lang="en-US" sz="1300" b="1" dirty="0">
                 <a:solidFill>
-                  <a:srgbClr val="1E1E1E"/>
+                  <a:srgbClr val="1E293B"/>
                 </a:solidFill>
                 <a:latin typeface="Calibri" pitchFamily="34" charset="0"/>
                 <a:ea typeface="Calibri" pitchFamily="34" charset="-122"/>
@@ -17041,7 +17085,7 @@
             <a:r>
               <a:rPr lang="en-US" sz="1100" dirty="0">
                 <a:solidFill>
-                  <a:srgbClr val="4B5563"/>
+                  <a:srgbClr val="64748B"/>
                 </a:solidFill>
                 <a:latin typeface="Calibri" pitchFamily="34" charset="0"/>
                 <a:ea typeface="Calibri" pitchFamily="34" charset="-122"/>
@@ -17080,7 +17124,7 @@
             <a:r>
               <a:rPr lang="en-US" sz="1100" i="1" dirty="0">
                 <a:solidFill>
-                  <a:srgbClr val="4B5563"/>
+                  <a:srgbClr val="64748B"/>
                 </a:solidFill>
                 <a:latin typeface="Calibri" pitchFamily="34" charset="0"/>
                 <a:ea typeface="Calibri" pitchFamily="34" charset="-122"/>
@@ -17106,7 +17150,7 @@
     <p:bg>
       <p:bgPr>
         <a:solidFill>
-          <a:srgbClr val="F5F5F5"/>
+          <a:srgbClr val="F8F9FA"/>
         </a:solidFill>
       </p:bgPr>
     </p:bg>
@@ -17133,7 +17177,7 @@
         <p:spPr>
           <a:xfrm>
             <a:off x="457200" y="274320"/>
-            <a:ext cx="8229600" cy="548640"/>
+            <a:ext cx="8229600" cy="731520"/>
           </a:xfrm>
           <a:prstGeom prst="rect">
             <a:avLst/>
@@ -17149,9 +17193,9 @@
               <a:buNone/>
             </a:pPr>
             <a:r>
-              <a:rPr lang="en-US" sz="2800" b="1" dirty="0">
-                <a:solidFill>
-                  <a:srgbClr val="1E1E1E"/>
+              <a:rPr lang="en-US" sz="4000" b="1" dirty="0">
+                <a:solidFill>
+                  <a:srgbClr val="1E293B"/>
                 </a:solidFill>
                 <a:latin typeface="Georgia" pitchFamily="34" charset="0"/>
                 <a:ea typeface="Georgia" pitchFamily="34" charset="-122"/>
@@ -17159,7 +17203,7 @@
               </a:rPr>
               <a:t>Most People Are Still in the Shallow End</a:t>
             </a:r>
-            <a:endParaRPr lang="en-US" sz="2800" dirty="0"/>
+            <a:endParaRPr lang="en-US" sz="4000" dirty="0"/>
           </a:p>
         </p:txBody>
       </p:sp>
@@ -17256,7 +17300,7 @@
             <a:r>
               <a:rPr lang="en-US" sz="1800" dirty="0">
                 <a:solidFill>
-                  <a:srgbClr val="1E1E1E"/>
+                  <a:srgbClr val="1E293B"/>
                 </a:solidFill>
                 <a:latin typeface="Calibri" pitchFamily="34" charset="0"/>
                 <a:ea typeface="Calibri" pitchFamily="34" charset="-122"/>
@@ -17357,7 +17401,7 @@
             <a:r>
               <a:rPr lang="en-US" sz="1300" i="1" dirty="0">
                 <a:solidFill>
-                  <a:srgbClr val="4B5563"/>
+                  <a:srgbClr val="64748B"/>
                 </a:solidFill>
                 <a:latin typeface="Calibri" pitchFamily="34" charset="0"/>
                 <a:ea typeface="Calibri" pitchFamily="34" charset="-122"/>
@@ -17396,7 +17440,7 @@
             <a:r>
               <a:rPr lang="en-US" sz="1100" i="1" dirty="0">
                 <a:solidFill>
-                  <a:srgbClr val="4B5563"/>
+                  <a:srgbClr val="64748B"/>
                 </a:solidFill>
                 <a:latin typeface="Calibri" pitchFamily="34" charset="0"/>
                 <a:ea typeface="Calibri" pitchFamily="34" charset="-122"/>
@@ -17422,7 +17466,7 @@
     <p:bg>
       <p:bgPr>
         <a:solidFill>
-          <a:srgbClr val="F5F5F5"/>
+          <a:srgbClr val="F8F9FA"/>
         </a:solidFill>
       </p:bgPr>
     </p:bg>
@@ -17449,7 +17493,7 @@
         <p:spPr>
           <a:xfrm>
             <a:off x="457200" y="274320"/>
-            <a:ext cx="8229600" cy="548640"/>
+            <a:ext cx="8229600" cy="731520"/>
           </a:xfrm>
           <a:prstGeom prst="rect">
             <a:avLst/>
@@ -17465,9 +17509,9 @@
               <a:buNone/>
             </a:pPr>
             <a:r>
-              <a:rPr lang="en-US" sz="2800" b="1" dirty="0">
-                <a:solidFill>
-                  <a:srgbClr val="1E1E1E"/>
+              <a:rPr lang="en-US" sz="4000" b="1" dirty="0">
+                <a:solidFill>
+                  <a:srgbClr val="1E293B"/>
                 </a:solidFill>
                 <a:latin typeface="Georgia" pitchFamily="34" charset="0"/>
                 <a:ea typeface="Georgia" pitchFamily="34" charset="-122"/>
@@ -17475,7 +17519,7 @@
               </a:rPr>
               <a:t>The Proposal — With Connections</a:t>
             </a:r>
-            <a:endParaRPr lang="en-US" sz="2800" dirty="0"/>
+            <a:endParaRPr lang="en-US" sz="4000" dirty="0"/>
           </a:p>
         </p:txBody>
       </p:sp>
@@ -17487,7 +17531,7 @@
         </p:nvSpPr>
         <p:spPr>
           <a:xfrm>
-            <a:off x="457200" y="1005840"/>
+            <a:off x="457200" y="1097280"/>
             <a:ext cx="3886200" cy="3383280"/>
           </a:xfrm>
           <a:prstGeom prst="rect">
@@ -17514,7 +17558,7 @@
         </p:nvSpPr>
         <p:spPr>
           <a:xfrm>
-            <a:off x="457200" y="1005840"/>
+            <a:off x="457200" y="1097280"/>
             <a:ext cx="54864" cy="3383280"/>
           </a:xfrm>
           <a:prstGeom prst="rect">
@@ -17534,7 +17578,7 @@
         </p:nvSpPr>
         <p:spPr>
           <a:xfrm>
-            <a:off x="685800" y="1097280"/>
+            <a:off x="685800" y="1188720"/>
             <a:ext cx="3520440" cy="320040"/>
           </a:xfrm>
           <a:prstGeom prst="rect">
@@ -17551,9 +17595,9 @@
               <a:buNone/>
             </a:pPr>
             <a:r>
-              <a:rPr lang="en-US" sz="1600" b="1" dirty="0">
-                <a:solidFill>
-                  <a:srgbClr val="1E1E1E"/>
+              <a:rPr lang="en-US" sz="1800" b="1" dirty="0">
+                <a:solidFill>
+                  <a:srgbClr val="1E293B"/>
                 </a:solidFill>
                 <a:latin typeface="Georgia" pitchFamily="34" charset="0"/>
                 <a:ea typeface="Georgia" pitchFamily="34" charset="-122"/>
@@ -17561,7 +17605,7 @@
               </a:rPr>
               <a:t>Without Connections</a:t>
             </a:r>
-            <a:endParaRPr lang="en-US" sz="1600" dirty="0"/>
+            <a:endParaRPr lang="en-US" sz="1800" dirty="0"/>
           </a:p>
         </p:txBody>
       </p:sp>
@@ -17573,7 +17617,7 @@
         </p:nvSpPr>
         <p:spPr>
           <a:xfrm>
-            <a:off x="685800" y="1463040"/>
+            <a:off x="685800" y="1554480"/>
             <a:ext cx="3520440" cy="2743200"/>
           </a:xfrm>
           <a:prstGeom prst="rect">
@@ -17592,7 +17636,7 @@
             <a:r>
               <a:rPr lang="en-US" sz="1200" dirty="0">
                 <a:solidFill>
-                  <a:srgbClr val="1E1E1E"/>
+                  <a:srgbClr val="1E293B"/>
                 </a:solidFill>
                 <a:latin typeface="Calibri" pitchFamily="34" charset="0"/>
                 <a:ea typeface="Calibri" pitchFamily="34" charset="-122"/>
@@ -17600,7 +17644,7 @@
               </a:rPr>
               <a:t>• Copy-paste HR handbook, survey results, team structure</a:t>
             </a:r>
-            <a:endParaRPr lang="en-US" sz="1400" dirty="0"/>
+            <a:endParaRPr lang="en-US" sz="1500" dirty="0"/>
           </a:p>
           <a:p>
             <a:pPr indent="0" marL="0">
@@ -17609,7 +17653,7 @@
             <a:r>
               <a:rPr lang="en-US" sz="1200" dirty="0">
                 <a:solidFill>
-                  <a:srgbClr val="1E1E1E"/>
+                  <a:srgbClr val="1E293B"/>
                 </a:solidFill>
                 <a:latin typeface="Calibri" pitchFamily="34" charset="0"/>
                 <a:ea typeface="Calibri" pitchFamily="34" charset="-122"/>
@@ -17617,7 +17661,7 @@
               </a:rPr>
               <a:t>• Forget the budget memo</a:t>
             </a:r>
-            <a:endParaRPr lang="en-US" sz="1400" dirty="0"/>
+            <a:endParaRPr lang="en-US" sz="1500" dirty="0"/>
           </a:p>
           <a:p>
             <a:pPr indent="0" marL="0">
@@ -17626,7 +17670,7 @@
             <a:r>
               <a:rPr lang="en-US" sz="1200" dirty="0">
                 <a:solidFill>
-                  <a:srgbClr val="1E1E1E"/>
+                  <a:srgbClr val="1E293B"/>
                 </a:solidFill>
                 <a:latin typeface="Calibri" pitchFamily="34" charset="0"/>
                 <a:ea typeface="Calibri" pitchFamily="34" charset="-122"/>
@@ -17634,7 +17678,7 @@
               </a:rPr>
               <a:t>• Proposal misses cost constraints</a:t>
             </a:r>
-            <a:endParaRPr lang="en-US" sz="1400" dirty="0"/>
+            <a:endParaRPr lang="en-US" sz="1500" dirty="0"/>
           </a:p>
           <a:p>
             <a:pPr indent="0" marL="0">
@@ -17651,7 +17695,7 @@
               </a:rPr>
               <a:t>• VP asks about it — too late</a:t>
             </a:r>
-            <a:endParaRPr lang="en-US" sz="1400" dirty="0"/>
+            <a:endParaRPr lang="en-US" sz="1500" dirty="0"/>
           </a:p>
         </p:txBody>
       </p:sp>
@@ -17663,7 +17707,7 @@
         </p:nvSpPr>
         <p:spPr>
           <a:xfrm>
-            <a:off x="4800600" y="1005840"/>
+            <a:off x="4800600" y="1097280"/>
             <a:ext cx="3886200" cy="3383280"/>
           </a:xfrm>
           <a:prstGeom prst="rect">
@@ -17690,7 +17734,7 @@
         </p:nvSpPr>
         <p:spPr>
           <a:xfrm>
-            <a:off x="4800600" y="1005840"/>
+            <a:off x="4800600" y="1097280"/>
             <a:ext cx="54864" cy="3383280"/>
           </a:xfrm>
           <a:prstGeom prst="rect">
@@ -17710,7 +17754,7 @@
         </p:nvSpPr>
         <p:spPr>
           <a:xfrm>
-            <a:off x="5029200" y="1097280"/>
+            <a:off x="5029200" y="1188720"/>
             <a:ext cx="3520440" cy="320040"/>
           </a:xfrm>
           <a:prstGeom prst="rect">
@@ -17727,9 +17771,9 @@
               <a:buNone/>
             </a:pPr>
             <a:r>
-              <a:rPr lang="en-US" sz="1600" b="1" dirty="0">
-                <a:solidFill>
-                  <a:srgbClr val="1E1E1E"/>
+              <a:rPr lang="en-US" sz="1800" b="1" dirty="0">
+                <a:solidFill>
+                  <a:srgbClr val="1E293B"/>
                 </a:solidFill>
                 <a:latin typeface="Georgia" pitchFamily="34" charset="0"/>
                 <a:ea typeface="Georgia" pitchFamily="34" charset="-122"/>
@@ -17737,7 +17781,7 @@
               </a:rPr>
               <a:t>With Connections</a:t>
             </a:r>
-            <a:endParaRPr lang="en-US" sz="1600" dirty="0"/>
+            <a:endParaRPr lang="en-US" sz="1800" dirty="0"/>
           </a:p>
         </p:txBody>
       </p:sp>
@@ -17749,7 +17793,7 @@
         </p:nvSpPr>
         <p:spPr>
           <a:xfrm>
-            <a:off x="5029200" y="1463040"/>
+            <a:off x="5029200" y="1554480"/>
             <a:ext cx="3520440" cy="2743200"/>
           </a:xfrm>
           <a:prstGeom prst="rect">
@@ -17768,7 +17812,7 @@
             <a:r>
               <a:rPr lang="en-US" sz="1200" dirty="0">
                 <a:solidFill>
-                  <a:srgbClr val="1E1E1E"/>
+                  <a:srgbClr val="1E293B"/>
                 </a:solidFill>
                 <a:latin typeface="Calibri" pitchFamily="34" charset="0"/>
                 <a:ea typeface="Calibri" pitchFamily="34" charset="-122"/>
@@ -17776,7 +17820,7 @@
               </a:rPr>
               <a:t>• Agent reads HR system directly</a:t>
             </a:r>
-            <a:endParaRPr lang="en-US" sz="1400" dirty="0"/>
+            <a:endParaRPr lang="en-US" sz="1500" dirty="0"/>
           </a:p>
           <a:p>
             <a:pPr indent="0" marL="0">
@@ -17785,7 +17829,7 @@
             <a:r>
               <a:rPr lang="en-US" sz="1200" dirty="0">
                 <a:solidFill>
-                  <a:srgbClr val="1E1E1E"/>
+                  <a:srgbClr val="1E293B"/>
                 </a:solidFill>
                 <a:latin typeface="Calibri" pitchFamily="34" charset="0"/>
                 <a:ea typeface="Calibri" pitchFamily="34" charset="-122"/>
@@ -17793,7 +17837,7 @@
               </a:rPr>
               <a:t>• Pulls survey data automatically</a:t>
             </a:r>
-            <a:endParaRPr lang="en-US" sz="1400" dirty="0"/>
+            <a:endParaRPr lang="en-US" sz="1500" dirty="0"/>
           </a:p>
           <a:p>
             <a:pPr indent="0" marL="0">
@@ -17802,7 +17846,7 @@
             <a:r>
               <a:rPr lang="en-US" sz="1200" dirty="0">
                 <a:solidFill>
-                  <a:srgbClr val="1E1E1E"/>
+                  <a:srgbClr val="1E293B"/>
                 </a:solidFill>
                 <a:latin typeface="Calibri" pitchFamily="34" charset="0"/>
                 <a:ea typeface="Calibri" pitchFamily="34" charset="-122"/>
@@ -17810,7 +17854,7 @@
               </a:rPr>
               <a:t>• Finds the budget memo you forgot</a:t>
             </a:r>
-            <a:endParaRPr lang="en-US" sz="1400" dirty="0"/>
+            <a:endParaRPr lang="en-US" sz="1500" dirty="0"/>
           </a:p>
           <a:p>
             <a:pPr indent="0" marL="0">
@@ -17827,7 +17871,7 @@
               </a:rPr>
               <a:t>• Flags a policy constraint you didn't know existed</a:t>
             </a:r>
-            <a:endParaRPr lang="en-US" sz="1400" dirty="0"/>
+            <a:endParaRPr lang="en-US" sz="1500" dirty="0"/>
           </a:p>
         </p:txBody>
       </p:sp>
@@ -17858,7 +17902,7 @@
             <a:r>
               <a:rPr lang="en-US" sz="1100" i="1" dirty="0">
                 <a:solidFill>
-                  <a:srgbClr val="4B5563"/>
+                  <a:srgbClr val="64748B"/>
                 </a:solidFill>
                 <a:latin typeface="Calibri" pitchFamily="34" charset="0"/>
                 <a:ea typeface="Calibri" pitchFamily="34" charset="-122"/>
@@ -17884,7 +17928,7 @@
     <p:bg>
       <p:bgPr>
         <a:solidFill>
-          <a:srgbClr val="F5F5F5"/>
+          <a:srgbClr val="F8F9FA"/>
         </a:solidFill>
       </p:bgPr>
     </p:bg>
@@ -17911,7 +17955,7 @@
         <p:spPr>
           <a:xfrm>
             <a:off x="457200" y="274320"/>
-            <a:ext cx="8229600" cy="548640"/>
+            <a:ext cx="8229600" cy="731520"/>
           </a:xfrm>
           <a:prstGeom prst="rect">
             <a:avLst/>
@@ -17927,9 +17971,9 @@
               <a:buNone/>
             </a:pPr>
             <a:r>
-              <a:rPr lang="en-US" sz="2800" b="1" dirty="0">
-                <a:solidFill>
-                  <a:srgbClr val="1E1E1E"/>
+              <a:rPr lang="en-US" sz="4000" b="1" dirty="0">
+                <a:solidFill>
+                  <a:srgbClr val="1E293B"/>
                 </a:solidFill>
                 <a:latin typeface="Georgia" pitchFamily="34" charset="0"/>
                 <a:ea typeface="Georgia" pitchFamily="34" charset="-122"/>
@@ -17937,7 +17981,7 @@
               </a:rPr>
               <a:t>Trust, But Verify</a:t>
             </a:r>
-            <a:endParaRPr lang="en-US" sz="2800" dirty="0"/>
+            <a:endParaRPr lang="en-US" sz="4000" dirty="0"/>
           </a:p>
         </p:txBody>
       </p:sp>
@@ -17972,7 +18016,7 @@
             <a:r>
               <a:rPr lang="en-US" sz="1800" b="1" dirty="0">
                 <a:solidFill>
-                  <a:srgbClr val="1E1E1E"/>
+                  <a:srgbClr val="1E293B"/>
                 </a:solidFill>
                 <a:latin typeface="Calibri" pitchFamily="34" charset="0"/>
                 <a:ea typeface="Calibri" pitchFamily="34" charset="-122"/>
@@ -17989,7 +18033,7 @@
             <a:r>
               <a:rPr lang="en-US" sz="1800" dirty="0">
                 <a:solidFill>
-                  <a:srgbClr val="1E1E1E"/>
+                  <a:srgbClr val="1E293B"/>
                 </a:solidFill>
                 <a:latin typeface="Calibri" pitchFamily="34" charset="0"/>
                 <a:ea typeface="Calibri" pitchFamily="34" charset="-122"/>
@@ -18010,7 +18054,7 @@
             <a:r>
               <a:rPr lang="en-US" sz="1800" b="1" dirty="0">
                 <a:solidFill>
-                  <a:srgbClr val="1E1E1E"/>
+                  <a:srgbClr val="1E293B"/>
                 </a:solidFill>
                 <a:latin typeface="Calibri" pitchFamily="34" charset="0"/>
                 <a:ea typeface="Calibri" pitchFamily="34" charset="-122"/>
@@ -18027,7 +18071,7 @@
             <a:r>
               <a:rPr lang="en-US" sz="1800" dirty="0">
                 <a:solidFill>
-                  <a:srgbClr val="1E1E1E"/>
+                  <a:srgbClr val="1E293B"/>
                 </a:solidFill>
                 <a:latin typeface="Calibri" pitchFamily="34" charset="0"/>
                 <a:ea typeface="Calibri" pitchFamily="34" charset="-122"/>
@@ -18048,7 +18092,7 @@
             <a:r>
               <a:rPr lang="en-US" sz="1800" b="1" dirty="0">
                 <a:solidFill>
-                  <a:srgbClr val="1E1E1E"/>
+                  <a:srgbClr val="1E293B"/>
                 </a:solidFill>
                 <a:latin typeface="Calibri" pitchFamily="34" charset="0"/>
                 <a:ea typeface="Calibri" pitchFamily="34" charset="-122"/>
@@ -18065,7 +18109,7 @@
             <a:r>
               <a:rPr lang="en-US" sz="1800" dirty="0">
                 <a:solidFill>
-                  <a:srgbClr val="1E1E1E"/>
+                  <a:srgbClr val="1E293B"/>
                 </a:solidFill>
                 <a:latin typeface="Calibri" pitchFamily="34" charset="0"/>
                 <a:ea typeface="Calibri" pitchFamily="34" charset="-122"/>
@@ -18104,7 +18148,7 @@
             <a:r>
               <a:rPr lang="en-US" sz="1100" i="1" dirty="0">
                 <a:solidFill>
-                  <a:srgbClr val="4B5563"/>
+                  <a:srgbClr val="64748B"/>
                 </a:solidFill>
                 <a:latin typeface="Calibri" pitchFamily="34" charset="0"/>
                 <a:ea typeface="Calibri" pitchFamily="34" charset="-122"/>
@@ -18130,7 +18174,7 @@
     <p:bg>
       <p:bgPr>
         <a:solidFill>
-          <a:srgbClr val="F5F5F5"/>
+          <a:srgbClr val="F8F9FA"/>
         </a:solidFill>
       </p:bgPr>
     </p:bg>
@@ -18157,7 +18201,7 @@
         <p:spPr>
           <a:xfrm>
             <a:off x="457200" y="274320"/>
-            <a:ext cx="8229600" cy="548640"/>
+            <a:ext cx="8229600" cy="731520"/>
           </a:xfrm>
           <a:prstGeom prst="rect">
             <a:avLst/>
@@ -18173,9 +18217,9 @@
               <a:buNone/>
             </a:pPr>
             <a:r>
-              <a:rPr lang="en-US" sz="2800" b="1" dirty="0">
-                <a:solidFill>
-                  <a:srgbClr val="1E1E1E"/>
+              <a:rPr lang="en-US" sz="4000" b="1" dirty="0">
+                <a:solidFill>
+                  <a:srgbClr val="1E293B"/>
                 </a:solidFill>
                 <a:latin typeface="Georgia" pitchFamily="34" charset="0"/>
                 <a:ea typeface="Georgia" pitchFamily="34" charset="-122"/>
@@ -18183,7 +18227,7 @@
               </a:rPr>
               <a:t>When to Keep Your Hands on the Wheel</a:t>
             </a:r>
-            <a:endParaRPr lang="en-US" sz="2800" dirty="0"/>
+            <a:endParaRPr lang="en-US" sz="4000" dirty="0"/>
           </a:p>
         </p:txBody>
       </p:sp>
@@ -18218,7 +18262,7 @@
             <a:r>
               <a:rPr lang="en-US" sz="1500" b="1" dirty="0">
                 <a:solidFill>
-                  <a:srgbClr val="1E1E1E"/>
+                  <a:srgbClr val="1E293B"/>
                 </a:solidFill>
                 <a:latin typeface="Calibri" pitchFamily="34" charset="0"/>
                 <a:ea typeface="Calibri" pitchFamily="34" charset="-122"/>
@@ -18235,7 +18279,7 @@
             <a:r>
               <a:rPr lang="en-US" sz="1500" dirty="0">
                 <a:solidFill>
-                  <a:srgbClr val="1E1E1E"/>
+                  <a:srgbClr val="1E293B"/>
                 </a:solidFill>
                 <a:latin typeface="Calibri" pitchFamily="34" charset="0"/>
                 <a:ea typeface="Calibri" pitchFamily="34" charset="-122"/>
@@ -18256,7 +18300,7 @@
             <a:r>
               <a:rPr lang="en-US" sz="1500" b="1" dirty="0">
                 <a:solidFill>
-                  <a:srgbClr val="1E1E1E"/>
+                  <a:srgbClr val="1E293B"/>
                 </a:solidFill>
                 <a:latin typeface="Calibri" pitchFamily="34" charset="0"/>
                 <a:ea typeface="Calibri" pitchFamily="34" charset="-122"/>
@@ -18273,7 +18317,7 @@
             <a:r>
               <a:rPr lang="en-US" sz="1500" dirty="0">
                 <a:solidFill>
-                  <a:srgbClr val="1E1E1E"/>
+                  <a:srgbClr val="1E293B"/>
                 </a:solidFill>
                 <a:latin typeface="Calibri" pitchFamily="34" charset="0"/>
                 <a:ea typeface="Calibri" pitchFamily="34" charset="-122"/>
@@ -18294,7 +18338,7 @@
             <a:r>
               <a:rPr lang="en-US" sz="1500" b="1" dirty="0">
                 <a:solidFill>
-                  <a:srgbClr val="1E1E1E"/>
+                  <a:srgbClr val="1E293B"/>
                 </a:solidFill>
                 <a:latin typeface="Calibri" pitchFamily="34" charset="0"/>
                 <a:ea typeface="Calibri" pitchFamily="34" charset="-122"/>
@@ -18321,7 +18365,7 @@
             <a:r>
               <a:rPr lang="en-US" sz="1500" b="1" dirty="0">
                 <a:solidFill>
-                  <a:srgbClr val="1E1E1E"/>
+                  <a:srgbClr val="1E293B"/>
                 </a:solidFill>
                 <a:latin typeface="Calibri" pitchFamily="34" charset="0"/>
                 <a:ea typeface="Calibri" pitchFamily="34" charset="-122"/>
@@ -18338,7 +18382,7 @@
             <a:r>
               <a:rPr lang="en-US" sz="1500" dirty="0">
                 <a:solidFill>
-                  <a:srgbClr val="1E1E1E"/>
+                  <a:srgbClr val="1E293B"/>
                 </a:solidFill>
                 <a:latin typeface="Calibri" pitchFamily="34" charset="0"/>
                 <a:ea typeface="Calibri" pitchFamily="34" charset="-122"/>
@@ -18377,7 +18421,7 @@
             <a:r>
               <a:rPr lang="en-US" sz="1100" i="1" dirty="0">
                 <a:solidFill>
-                  <a:srgbClr val="4B5563"/>
+                  <a:srgbClr val="64748B"/>
                 </a:solidFill>
                 <a:latin typeface="Calibri" pitchFamily="34" charset="0"/>
                 <a:ea typeface="Calibri" pitchFamily="34" charset="-122"/>
@@ -18477,7 +18521,7 @@
             <a:r>
               <a:rPr lang="en-US" sz="1200" dirty="0">
                 <a:solidFill>
-                  <a:srgbClr val="1E1E1E"/>
+                  <a:srgbClr val="1E293B"/>
                 </a:solidFill>
                 <a:latin typeface="Calibri" pitchFamily="34" charset="0"/>
                 <a:ea typeface="Calibri" pitchFamily="34" charset="-122"/>
@@ -18505,7 +18549,7 @@
             <a:r>
               <a:rPr lang="en-US" sz="1200" dirty="0">
                 <a:solidFill>
-                  <a:srgbClr val="1E1E1E"/>
+                  <a:srgbClr val="1E293B"/>
                 </a:solidFill>
                 <a:latin typeface="Calibri" pitchFamily="34" charset="0"/>
                 <a:ea typeface="Calibri" pitchFamily="34" charset="-122"/>
@@ -18531,7 +18575,7 @@
     <p:bg>
       <p:bgPr>
         <a:solidFill>
-          <a:srgbClr val="F5F5F5"/>
+          <a:srgbClr val="F8F9FA"/>
         </a:solidFill>
       </p:bgPr>
     </p:bg>
@@ -18558,7 +18602,7 @@
         <p:spPr>
           <a:xfrm>
             <a:off x="457200" y="274320"/>
-            <a:ext cx="8229600" cy="548640"/>
+            <a:ext cx="8229600" cy="731520"/>
           </a:xfrm>
           <a:prstGeom prst="rect">
             <a:avLst/>
@@ -18574,9 +18618,9 @@
               <a:buNone/>
             </a:pPr>
             <a:r>
-              <a:rPr lang="en-US" sz="2800" b="1" dirty="0">
-                <a:solidFill>
-                  <a:srgbClr val="1E1E1E"/>
+              <a:rPr lang="en-US" sz="4000" b="1" dirty="0">
+                <a:solidFill>
+                  <a:srgbClr val="1E293B"/>
                 </a:solidFill>
                 <a:latin typeface="Georgia" pitchFamily="34" charset="0"/>
                 <a:ea typeface="Georgia" pitchFamily="34" charset="-122"/>
@@ -18584,7 +18628,7 @@
               </a:rPr>
               <a:t>One Chef vs. A Kitchen Brigade</a:t>
             </a:r>
-            <a:endParaRPr lang="en-US" sz="2800" dirty="0"/>
+            <a:endParaRPr lang="en-US" sz="4000" dirty="0"/>
           </a:p>
         </p:txBody>
       </p:sp>
@@ -18596,7 +18640,7 @@
         </p:nvSpPr>
         <p:spPr>
           <a:xfrm>
-            <a:off x="457200" y="1005840"/>
+            <a:off x="457200" y="1097280"/>
             <a:ext cx="3886200" cy="3383280"/>
           </a:xfrm>
           <a:prstGeom prst="rect">
@@ -18623,7 +18667,7 @@
         </p:nvSpPr>
         <p:spPr>
           <a:xfrm>
-            <a:off x="640080" y="1097280"/>
+            <a:off x="640080" y="1188720"/>
             <a:ext cx="3520440" cy="320040"/>
           </a:xfrm>
           <a:prstGeom prst="rect">
@@ -18640,9 +18684,9 @@
               <a:buNone/>
             </a:pPr>
             <a:r>
-              <a:rPr lang="en-US" sz="1600" b="1" dirty="0">
-                <a:solidFill>
-                  <a:srgbClr val="1E1E1E"/>
+              <a:rPr lang="en-US" sz="1800" b="1" dirty="0">
+                <a:solidFill>
+                  <a:srgbClr val="1E293B"/>
                 </a:solidFill>
                 <a:latin typeface="Georgia" pitchFamily="34" charset="0"/>
                 <a:ea typeface="Georgia" pitchFamily="34" charset="-122"/>
@@ -18650,7 +18694,7 @@
               </a:rPr>
               <a:t>Level 4: One Chef</a:t>
             </a:r>
-            <a:endParaRPr lang="en-US" sz="1600" dirty="0"/>
+            <a:endParaRPr lang="en-US" sz="1800" dirty="0"/>
           </a:p>
         </p:txBody>
       </p:sp>
@@ -18662,7 +18706,7 @@
         </p:nvSpPr>
         <p:spPr>
           <a:xfrm>
-            <a:off x="640080" y="1463040"/>
+            <a:off x="640080" y="1554480"/>
             <a:ext cx="3520440" cy="2743200"/>
           </a:xfrm>
           <a:prstGeom prst="rect">
@@ -18681,7 +18725,7 @@
             <a:r>
               <a:rPr lang="en-US" sz="1400" dirty="0">
                 <a:solidFill>
-                  <a:srgbClr val="1E1E1E"/>
+                  <a:srgbClr val="1E293B"/>
                 </a:solidFill>
                 <a:latin typeface="Calibri" pitchFamily="34" charset="0"/>
                 <a:ea typeface="Calibri" pitchFamily="34" charset="-122"/>
@@ -18689,13 +18733,13 @@
               </a:rPr>
               <a:t>Single chef, everything solo.</a:t>
             </a:r>
-            <a:endParaRPr lang="en-US" sz="1400" dirty="0"/>
-          </a:p>
-          <a:p>
-            <a:pPr indent="0" marL="0">
-              <a:buNone/>
-            </a:pPr>
-            <a:endParaRPr lang="en-US" sz="1400" dirty="0"/>
+            <a:endParaRPr lang="en-US" sz="1500" dirty="0"/>
+          </a:p>
+          <a:p>
+            <a:pPr indent="0" marL="0">
+              <a:buNone/>
+            </a:pPr>
+            <a:endParaRPr lang="en-US" sz="1500" dirty="0"/>
           </a:p>
           <a:p>
             <a:pPr indent="0" marL="0">
@@ -18704,7 +18748,7 @@
             <a:r>
               <a:rPr lang="en-US" sz="1300" i="1" dirty="0">
                 <a:solidFill>
-                  <a:srgbClr val="4B5563"/>
+                  <a:srgbClr val="64748B"/>
                 </a:solidFill>
                 <a:latin typeface="Calibri" pitchFamily="34" charset="0"/>
                 <a:ea typeface="Calibri" pitchFamily="34" charset="-122"/>
@@ -18712,7 +18756,7 @@
               </a:rPr>
               <a:t>Works for single tasks. But a 10-course dinner alone = burnout, mistakes, forgotten appetizer.</a:t>
             </a:r>
-            <a:endParaRPr lang="en-US" sz="1400" dirty="0"/>
+            <a:endParaRPr lang="en-US" sz="1500" dirty="0"/>
           </a:p>
         </p:txBody>
       </p:sp>
@@ -18724,7 +18768,7 @@
         </p:nvSpPr>
         <p:spPr>
           <a:xfrm>
-            <a:off x="4800600" y="1005840"/>
+            <a:off x="4800600" y="1097280"/>
             <a:ext cx="3886200" cy="3383280"/>
           </a:xfrm>
           <a:prstGeom prst="rect">
@@ -18751,7 +18795,7 @@
         </p:nvSpPr>
         <p:spPr>
           <a:xfrm>
-            <a:off x="4800600" y="1005840"/>
+            <a:off x="4800600" y="1097280"/>
             <a:ext cx="54864" cy="3383280"/>
           </a:xfrm>
           <a:prstGeom prst="rect">
@@ -18771,7 +18815,7 @@
         </p:nvSpPr>
         <p:spPr>
           <a:xfrm>
-            <a:off x="5029200" y="1097280"/>
+            <a:off x="5029200" y="1188720"/>
             <a:ext cx="3520440" cy="320040"/>
           </a:xfrm>
           <a:prstGeom prst="rect">
@@ -18788,9 +18832,9 @@
               <a:buNone/>
             </a:pPr>
             <a:r>
-              <a:rPr lang="en-US" sz="1600" b="1" dirty="0">
-                <a:solidFill>
-                  <a:srgbClr val="1E1E1E"/>
+              <a:rPr lang="en-US" sz="1800" b="1" dirty="0">
+                <a:solidFill>
+                  <a:srgbClr val="1E293B"/>
                 </a:solidFill>
                 <a:latin typeface="Georgia" pitchFamily="34" charset="0"/>
                 <a:ea typeface="Georgia" pitchFamily="34" charset="-122"/>
@@ -18798,7 +18842,7 @@
               </a:rPr>
               <a:t>Level 5: Kitchen Brigade</a:t>
             </a:r>
-            <a:endParaRPr lang="en-US" sz="1600" dirty="0"/>
+            <a:endParaRPr lang="en-US" sz="1800" dirty="0"/>
           </a:p>
         </p:txBody>
       </p:sp>
@@ -18810,7 +18854,7 @@
         </p:nvSpPr>
         <p:spPr>
           <a:xfrm>
-            <a:off x="5029200" y="1463040"/>
+            <a:off x="5029200" y="1554480"/>
             <a:ext cx="3520440" cy="2743200"/>
           </a:xfrm>
           <a:prstGeom prst="rect">
@@ -18829,7 +18873,7 @@
             <a:r>
               <a:rPr lang="en-US" sz="1400" b="1" dirty="0">
                 <a:solidFill>
-                  <a:srgbClr val="1E1E1E"/>
+                  <a:srgbClr val="1E293B"/>
                 </a:solidFill>
                 <a:latin typeface="Calibri" pitchFamily="34" charset="0"/>
                 <a:ea typeface="Calibri" pitchFamily="34" charset="-122"/>
@@ -18837,13 +18881,13 @@
               </a:rPr>
               <a:t>Multiple chefs at stations.</a:t>
             </a:r>
-            <a:endParaRPr lang="en-US" sz="1400" dirty="0"/>
-          </a:p>
-          <a:p>
-            <a:pPr indent="0" marL="0">
-              <a:buNone/>
-            </a:pPr>
-            <a:endParaRPr lang="en-US" sz="1400" dirty="0"/>
+            <a:endParaRPr lang="en-US" sz="1500" dirty="0"/>
+          </a:p>
+          <a:p>
+            <a:pPr indent="0" marL="0">
+              <a:buNone/>
+            </a:pPr>
+            <a:endParaRPr lang="en-US" sz="1500" dirty="0"/>
           </a:p>
           <a:p>
             <a:pPr indent="0" marL="0">
@@ -18852,7 +18896,7 @@
             <a:r>
               <a:rPr lang="en-US" sz="1300" i="1" dirty="0">
                 <a:solidFill>
-                  <a:srgbClr val="1E1E1E"/>
+                  <a:srgbClr val="1E293B"/>
                 </a:solidFill>
                 <a:latin typeface="Calibri" pitchFamily="34" charset="0"/>
                 <a:ea typeface="Calibri" pitchFamily="34" charset="-122"/>
@@ -18860,7 +18904,7 @@
               </a:rPr>
               <a:t>A classroom of Dorys, each doing one focused step. Each fresh, focused, brilliant at one thing.</a:t>
             </a:r>
-            <a:endParaRPr lang="en-US" sz="1400" dirty="0"/>
+            <a:endParaRPr lang="en-US" sz="1500" dirty="0"/>
           </a:p>
         </p:txBody>
       </p:sp>
@@ -18891,7 +18935,7 @@
             <a:r>
               <a:rPr lang="en-US" sz="1100" i="1" dirty="0">
                 <a:solidFill>
-                  <a:srgbClr val="4B5563"/>
+                  <a:srgbClr val="64748B"/>
                 </a:solidFill>
                 <a:latin typeface="Calibri" pitchFamily="34" charset="0"/>
                 <a:ea typeface="Calibri" pitchFamily="34" charset="-122"/>
@@ -18917,7 +18961,7 @@
     <p:bg>
       <p:bgPr>
         <a:solidFill>
-          <a:srgbClr val="F5F5F5"/>
+          <a:srgbClr val="F8F9FA"/>
         </a:solidFill>
       </p:bgPr>
     </p:bg>
@@ -18944,7 +18988,7 @@
         <p:spPr>
           <a:xfrm>
             <a:off x="457200" y="274320"/>
-            <a:ext cx="8229600" cy="548640"/>
+            <a:ext cx="8229600" cy="731520"/>
           </a:xfrm>
           <a:prstGeom prst="rect">
             <a:avLst/>
@@ -18960,9 +19004,9 @@
               <a:buNone/>
             </a:pPr>
             <a:r>
-              <a:rPr lang="en-US" sz="2800" b="1" dirty="0">
-                <a:solidFill>
-                  <a:srgbClr val="1E1E1E"/>
+              <a:rPr lang="en-US" sz="4000" b="1" dirty="0">
+                <a:solidFill>
+                  <a:srgbClr val="1E293B"/>
                 </a:solidFill>
                 <a:latin typeface="Georgia" pitchFamily="34" charset="0"/>
                 <a:ea typeface="Georgia" pitchFamily="34" charset="-122"/>
@@ -18970,7 +19014,7 @@
               </a:rPr>
               <a:t>Prompt Chaining</a:t>
             </a:r>
-            <a:endParaRPr lang="en-US" sz="2800" dirty="0"/>
+            <a:endParaRPr lang="en-US" sz="4000" dirty="0"/>
           </a:p>
         </p:txBody>
       </p:sp>
@@ -19355,7 +19399,7 @@
             <a:r>
               <a:rPr lang="en-US" sz="800" i="1" dirty="0">
                 <a:solidFill>
-                  <a:srgbClr val="4B5563"/>
+                  <a:srgbClr val="64748B"/>
                 </a:solidFill>
                 <a:latin typeface="Calibri" pitchFamily="34" charset="0"/>
                 <a:ea typeface="Calibri" pitchFamily="34" charset="-122"/>
@@ -19372,7 +19416,7 @@
             <a:r>
               <a:rPr lang="en-US" sz="800" i="1" dirty="0">
                 <a:solidFill>
-                  <a:srgbClr val="4B5563"/>
+                  <a:srgbClr val="64748B"/>
                 </a:solidFill>
                 <a:latin typeface="Calibri" pitchFamily="34" charset="0"/>
                 <a:ea typeface="Calibri" pitchFamily="34" charset="-122"/>
@@ -19450,7 +19494,7 @@
             <a:r>
               <a:rPr lang="en-US" sz="800" i="1" dirty="0">
                 <a:solidFill>
-                  <a:srgbClr val="4B5563"/>
+                  <a:srgbClr val="64748B"/>
                 </a:solidFill>
                 <a:latin typeface="Calibri" pitchFamily="34" charset="0"/>
                 <a:ea typeface="Calibri" pitchFamily="34" charset="-122"/>
@@ -19467,7 +19511,7 @@
             <a:r>
               <a:rPr lang="en-US" sz="800" i="1" dirty="0">
                 <a:solidFill>
-                  <a:srgbClr val="4B5563"/>
+                  <a:srgbClr val="64748B"/>
                 </a:solidFill>
                 <a:latin typeface="Calibri" pitchFamily="34" charset="0"/>
                 <a:ea typeface="Calibri" pitchFamily="34" charset="-122"/>
@@ -19545,7 +19589,7 @@
             <a:r>
               <a:rPr lang="en-US" sz="800" i="1" dirty="0">
                 <a:solidFill>
-                  <a:srgbClr val="4B5563"/>
+                  <a:srgbClr val="64748B"/>
                 </a:solidFill>
                 <a:latin typeface="Calibri" pitchFamily="34" charset="0"/>
                 <a:ea typeface="Calibri" pitchFamily="34" charset="-122"/>
@@ -19562,7 +19606,7 @@
             <a:r>
               <a:rPr lang="en-US" sz="800" i="1" dirty="0">
                 <a:solidFill>
-                  <a:srgbClr val="4B5563"/>
+                  <a:srgbClr val="64748B"/>
                 </a:solidFill>
                 <a:latin typeface="Calibri" pitchFamily="34" charset="0"/>
                 <a:ea typeface="Calibri" pitchFamily="34" charset="-122"/>
@@ -19648,7 +19692,7 @@
             <a:r>
               <a:rPr lang="en-US" sz="1200" b="1" dirty="0">
                 <a:solidFill>
-                  <a:srgbClr val="1E1E1E"/>
+                  <a:srgbClr val="1E293B"/>
                 </a:solidFill>
                 <a:latin typeface="Calibri" pitchFamily="34" charset="0"/>
                 <a:ea typeface="Calibri" pitchFamily="34" charset="-122"/>
@@ -19687,7 +19731,7 @@
             <a:r>
               <a:rPr lang="en-US" sz="1100" dirty="0">
                 <a:solidFill>
-                  <a:srgbClr val="4B5563"/>
+                  <a:srgbClr val="64748B"/>
                 </a:solidFill>
                 <a:latin typeface="Calibri" pitchFamily="34" charset="0"/>
                 <a:ea typeface="Calibri" pitchFamily="34" charset="-122"/>
@@ -19773,7 +19817,7 @@
             <a:r>
               <a:rPr lang="en-US" sz="1200" b="1" dirty="0">
                 <a:solidFill>
-                  <a:srgbClr val="1E1E1E"/>
+                  <a:srgbClr val="1E293B"/>
                 </a:solidFill>
                 <a:latin typeface="Calibri" pitchFamily="34" charset="0"/>
                 <a:ea typeface="Calibri" pitchFamily="34" charset="-122"/>
@@ -19812,7 +19856,7 @@
             <a:r>
               <a:rPr lang="en-US" sz="1100" dirty="0">
                 <a:solidFill>
-                  <a:srgbClr val="4B5563"/>
+                  <a:srgbClr val="64748B"/>
                 </a:solidFill>
                 <a:latin typeface="Calibri" pitchFamily="34" charset="0"/>
                 <a:ea typeface="Calibri" pitchFamily="34" charset="-122"/>
@@ -19898,7 +19942,7 @@
             <a:r>
               <a:rPr lang="en-US" sz="1200" b="1" dirty="0">
                 <a:solidFill>
-                  <a:srgbClr val="1E1E1E"/>
+                  <a:srgbClr val="1E293B"/>
                 </a:solidFill>
                 <a:latin typeface="Calibri" pitchFamily="34" charset="0"/>
                 <a:ea typeface="Calibri" pitchFamily="34" charset="-122"/>
@@ -19937,7 +19981,7 @@
             <a:r>
               <a:rPr lang="en-US" sz="1100" dirty="0">
                 <a:solidFill>
-                  <a:srgbClr val="4B5563"/>
+                  <a:srgbClr val="64748B"/>
                 </a:solidFill>
                 <a:latin typeface="Calibri" pitchFamily="34" charset="0"/>
                 <a:ea typeface="Calibri" pitchFamily="34" charset="-122"/>
@@ -20063,7 +20107,7 @@
     <p:bg>
       <p:bgPr>
         <a:solidFill>
-          <a:srgbClr val="F5F5F5"/>
+          <a:srgbClr val="0F0F1A"/>
         </a:solidFill>
       </p:bgPr>
     </p:bg>
@@ -20083,7 +20127,29 @@
       </p:grpSpPr>
       <p:sp>
         <p:nvSpPr>
-          <p:cNvPr id="2" name="Text 0"/>
+          <p:cNvPr id="2" name="Shape 0"/>
+          <p:cNvSpPr/>
+          <p:nvPr/>
+        </p:nvSpPr>
+        <p:spPr>
+          <a:xfrm>
+            <a:off x="4572000" y="2286000"/>
+            <a:ext cx="7315200" cy="5486400"/>
+          </a:xfrm>
+          <a:prstGeom prst="ellipse">
+            <a:avLst/>
+          </a:prstGeom>
+          <a:solidFill>
+            <a:srgbClr val="00B4D8">
+              <a:alpha val="4000"/>
+            </a:srgbClr>
+          </a:solidFill>
+          <a:ln/>
+        </p:spPr>
+      </p:sp>
+      <p:sp>
+        <p:nvSpPr>
+          <p:cNvPr id="3" name="Text 1"/>
           <p:cNvSpPr/>
           <p:nvPr/>
         </p:nvSpPr>
@@ -20108,7 +20174,7 @@
             <a:r>
               <a:rPr lang="en-US" sz="2400" b="1" dirty="0">
                 <a:solidFill>
-                  <a:srgbClr val="1E1E1E"/>
+                  <a:srgbClr val="E0E4E8"/>
                 </a:solidFill>
                 <a:latin typeface="Georgia" pitchFamily="34" charset="0"/>
                 <a:ea typeface="Georgia" pitchFamily="34" charset="-122"/>
@@ -20125,7 +20191,7 @@
             <a:r>
               <a:rPr lang="en-US" sz="2400" b="1" dirty="0">
                 <a:solidFill>
-                  <a:srgbClr val="1E1E1E"/>
+                  <a:srgbClr val="E0E4E8"/>
                 </a:solidFill>
                 <a:latin typeface="Georgia" pitchFamily="34" charset="0"/>
                 <a:ea typeface="Georgia" pitchFamily="34" charset="-122"/>
@@ -20142,7 +20208,7 @@
             <a:r>
               <a:rPr lang="en-US" sz="2400" b="1" dirty="0">
                 <a:solidFill>
-                  <a:srgbClr val="1E1E1E"/>
+                  <a:srgbClr val="E0E4E8"/>
                 </a:solidFill>
                 <a:latin typeface="Georgia" pitchFamily="34" charset="0"/>
                 <a:ea typeface="Georgia" pitchFamily="34" charset="-122"/>
@@ -20156,7 +20222,7 @@
       </p:sp>
       <p:sp>
         <p:nvSpPr>
-          <p:cNvPr id="3" name="Text 1"/>
+          <p:cNvPr id="4" name="Text 2"/>
           <p:cNvSpPr/>
           <p:nvPr/>
         </p:nvSpPr>
@@ -20179,9 +20245,9 @@
               <a:buNone/>
             </a:pPr>
             <a:r>
-              <a:rPr lang="en-US" sz="1500" i="1" dirty="0">
-                <a:solidFill>
-                  <a:srgbClr val="4B5563"/>
+              <a:rPr lang="en-US" sz="1600" i="1" dirty="0">
+                <a:solidFill>
+                  <a:srgbClr val="94A3B8"/>
                 </a:solidFill>
                 <a:latin typeface="Calibri" pitchFamily="34" charset="0"/>
                 <a:ea typeface="Calibri" pitchFamily="34" charset="-122"/>
@@ -20189,7 +20255,7 @@
               </a:rPr>
               <a:t>Each agent does one thing well. The chain does everything well.</a:t>
             </a:r>
-            <a:endParaRPr lang="en-US" sz="1500" dirty="0"/>
+            <a:endParaRPr lang="en-US" sz="1600" dirty="0"/>
           </a:p>
         </p:txBody>
       </p:sp>
@@ -20207,7 +20273,7 @@
     <p:bg>
       <p:bgPr>
         <a:solidFill>
-          <a:srgbClr val="F5F5F5"/>
+          <a:srgbClr val="F8F9FA"/>
         </a:solidFill>
       </p:bgPr>
     </p:bg>
@@ -20234,7 +20300,7 @@
         <p:spPr>
           <a:xfrm>
             <a:off x="457200" y="274320"/>
-            <a:ext cx="8229600" cy="548640"/>
+            <a:ext cx="8229600" cy="731520"/>
           </a:xfrm>
           <a:prstGeom prst="rect">
             <a:avLst/>
@@ -20250,9 +20316,9 @@
               <a:buNone/>
             </a:pPr>
             <a:r>
-              <a:rPr lang="en-US" sz="2800" b="1" dirty="0">
-                <a:solidFill>
-                  <a:srgbClr val="1E1E1E"/>
+              <a:rPr lang="en-US" sz="4000" b="1" dirty="0">
+                <a:solidFill>
+                  <a:srgbClr val="1E293B"/>
                 </a:solidFill>
                 <a:latin typeface="Georgia" pitchFamily="34" charset="0"/>
                 <a:ea typeface="Georgia" pitchFamily="34" charset="-122"/>
@@ -20260,7 +20326,7 @@
               </a:rPr>
               <a:t>Skills: Every Chef's Playbook</a:t>
             </a:r>
-            <a:endParaRPr lang="en-US" sz="2800" dirty="0"/>
+            <a:endParaRPr lang="en-US" sz="4000" dirty="0"/>
           </a:p>
         </p:txBody>
       </p:sp>
@@ -20391,7 +20457,7 @@
             <a:r>
               <a:rPr lang="en-US" sz="1300" dirty="0">
                 <a:solidFill>
-                  <a:srgbClr val="1E1E1E"/>
+                  <a:srgbClr val="1E293B"/>
                 </a:solidFill>
                 <a:latin typeface="Calibri" pitchFamily="34" charset="0"/>
                 <a:ea typeface="Calibri" pitchFamily="34" charset="-122"/>
@@ -20481,7 +20547,7 @@
             <a:r>
               <a:rPr lang="en-US" sz="1200" dirty="0">
                 <a:solidFill>
-                  <a:srgbClr val="1E1E1E"/>
+                  <a:srgbClr val="1E293B"/>
                 </a:solidFill>
                 <a:latin typeface="Calibri" pitchFamily="34" charset="0"/>
                 <a:ea typeface="Calibri" pitchFamily="34" charset="-122"/>
@@ -20498,7 +20564,7 @@
             <a:r>
               <a:rPr lang="en-US" sz="1200" dirty="0">
                 <a:solidFill>
-                  <a:srgbClr val="1E1E1E"/>
+                  <a:srgbClr val="1E293B"/>
                 </a:solidFill>
                 <a:latin typeface="Calibri" pitchFamily="34" charset="0"/>
                 <a:ea typeface="Calibri" pitchFamily="34" charset="-122"/>
@@ -20599,7 +20665,7 @@
             <a:r>
               <a:rPr lang="en-US" sz="900" dirty="0">
                 <a:solidFill>
-                  <a:srgbClr val="4B5563"/>
+                  <a:srgbClr val="64748B"/>
                 </a:solidFill>
                 <a:latin typeface="Calibri" pitchFamily="34" charset="0"/>
                 <a:ea typeface="Calibri" pitchFamily="34" charset="-122"/>
@@ -20625,7 +20691,7 @@
     <p:bg>
       <p:bgPr>
         <a:solidFill>
-          <a:srgbClr val="F5F5F5"/>
+          <a:srgbClr val="F8F9FA"/>
         </a:solidFill>
       </p:bgPr>
     </p:bg>
@@ -20652,7 +20718,7 @@
         <p:spPr>
           <a:xfrm>
             <a:off x="457200" y="274320"/>
-            <a:ext cx="8229600" cy="548640"/>
+            <a:ext cx="8229600" cy="731520"/>
           </a:xfrm>
           <a:prstGeom prst="rect">
             <a:avLst/>
@@ -20668,9 +20734,9 @@
               <a:buNone/>
             </a:pPr>
             <a:r>
-              <a:rPr lang="en-US" sz="2800" b="1" dirty="0">
-                <a:solidFill>
-                  <a:srgbClr val="1E1E1E"/>
+              <a:rPr lang="en-US" sz="4000" b="1" dirty="0">
+                <a:solidFill>
+                  <a:srgbClr val="1E293B"/>
                 </a:solidFill>
                 <a:latin typeface="Georgia" pitchFamily="34" charset="0"/>
                 <a:ea typeface="Georgia" pitchFamily="34" charset="-122"/>
@@ -20678,7 +20744,7 @@
               </a:rPr>
               <a:t>Skills in Action</a:t>
             </a:r>
-            <a:endParaRPr lang="en-US" sz="2800" dirty="0"/>
+            <a:endParaRPr lang="en-US" sz="4000" dirty="0"/>
           </a:p>
         </p:txBody>
       </p:sp>
@@ -20756,7 +20822,7 @@
             <a:r>
               <a:rPr lang="en-US" sz="1400" b="1" dirty="0">
                 <a:solidFill>
-                  <a:srgbClr val="1E1E1E"/>
+                  <a:srgbClr val="1E293B"/>
                 </a:solidFill>
                 <a:latin typeface="Georgia" pitchFamily="34" charset="0"/>
                 <a:ea typeface="Georgia" pitchFamily="34" charset="-122"/>
@@ -20773,7 +20839,7 @@
             <a:r>
               <a:rPr lang="en-US" sz="1400" b="1" dirty="0">
                 <a:solidFill>
-                  <a:srgbClr val="1E1E1E"/>
+                  <a:srgbClr val="1E293B"/>
                 </a:solidFill>
                 <a:latin typeface="Georgia" pitchFamily="34" charset="0"/>
                 <a:ea typeface="Georgia" pitchFamily="34" charset="-122"/>
@@ -20812,7 +20878,7 @@
             <a:r>
               <a:rPr lang="en-US" sz="1200" dirty="0">
                 <a:solidFill>
-                  <a:srgbClr val="1E1E1E"/>
+                  <a:srgbClr val="1E293B"/>
                 </a:solidFill>
                 <a:latin typeface="Calibri" pitchFamily="34" charset="0"/>
                 <a:ea typeface="Calibri" pitchFamily="34" charset="-122"/>
@@ -20835,7 +20901,7 @@
             <a:r>
               <a:rPr lang="en-US" sz="1200" dirty="0">
                 <a:solidFill>
-                  <a:srgbClr val="1E1E1E"/>
+                  <a:srgbClr val="1E293B"/>
                 </a:solidFill>
                 <a:latin typeface="Calibri" pitchFamily="34" charset="0"/>
                 <a:ea typeface="Calibri" pitchFamily="34" charset="-122"/>
@@ -20921,7 +20987,7 @@
             <a:r>
               <a:rPr lang="en-US" sz="1400" b="1" dirty="0">
                 <a:solidFill>
-                  <a:srgbClr val="1E1E1E"/>
+                  <a:srgbClr val="1E293B"/>
                 </a:solidFill>
                 <a:latin typeface="Georgia" pitchFamily="34" charset="0"/>
                 <a:ea typeface="Georgia" pitchFamily="34" charset="-122"/>
@@ -20938,7 +21004,7 @@
             <a:r>
               <a:rPr lang="en-US" sz="1400" b="1" dirty="0">
                 <a:solidFill>
-                  <a:srgbClr val="1E1E1E"/>
+                  <a:srgbClr val="1E293B"/>
                 </a:solidFill>
                 <a:latin typeface="Georgia" pitchFamily="34" charset="0"/>
                 <a:ea typeface="Georgia" pitchFamily="34" charset="-122"/>
@@ -20977,7 +21043,7 @@
             <a:r>
               <a:rPr lang="en-US" sz="1200" dirty="0">
                 <a:solidFill>
-                  <a:srgbClr val="1E1E1E"/>
+                  <a:srgbClr val="1E293B"/>
                 </a:solidFill>
                 <a:latin typeface="Calibri" pitchFamily="34" charset="0"/>
                 <a:ea typeface="Calibri" pitchFamily="34" charset="-122"/>
@@ -21000,7 +21066,7 @@
             <a:r>
               <a:rPr lang="en-US" sz="1200" dirty="0">
                 <a:solidFill>
-                  <a:srgbClr val="1E1E1E"/>
+                  <a:srgbClr val="1E293B"/>
                 </a:solidFill>
                 <a:latin typeface="Calibri" pitchFamily="34" charset="0"/>
                 <a:ea typeface="Calibri" pitchFamily="34" charset="-122"/>
@@ -21086,7 +21152,7 @@
             <a:r>
               <a:rPr lang="en-US" sz="1400" b="1" dirty="0">
                 <a:solidFill>
-                  <a:srgbClr val="1E1E1E"/>
+                  <a:srgbClr val="1E293B"/>
                 </a:solidFill>
                 <a:latin typeface="Georgia" pitchFamily="34" charset="0"/>
                 <a:ea typeface="Georgia" pitchFamily="34" charset="-122"/>
@@ -21103,7 +21169,7 @@
             <a:r>
               <a:rPr lang="en-US" sz="1400" b="1" dirty="0">
                 <a:solidFill>
-                  <a:srgbClr val="1E1E1E"/>
+                  <a:srgbClr val="1E293B"/>
                 </a:solidFill>
                 <a:latin typeface="Georgia" pitchFamily="34" charset="0"/>
                 <a:ea typeface="Georgia" pitchFamily="34" charset="-122"/>
@@ -21142,7 +21208,7 @@
             <a:r>
               <a:rPr lang="en-US" sz="1200" dirty="0">
                 <a:solidFill>
-                  <a:srgbClr val="1E1E1E"/>
+                  <a:srgbClr val="1E293B"/>
                 </a:solidFill>
                 <a:latin typeface="Calibri" pitchFamily="34" charset="0"/>
                 <a:ea typeface="Calibri" pitchFamily="34" charset="-122"/>
@@ -21165,7 +21231,7 @@
             <a:r>
               <a:rPr lang="en-US" sz="1200" dirty="0">
                 <a:solidFill>
-                  <a:srgbClr val="1E1E1E"/>
+                  <a:srgbClr val="1E293B"/>
                 </a:solidFill>
                 <a:latin typeface="Calibri" pitchFamily="34" charset="0"/>
                 <a:ea typeface="Calibri" pitchFamily="34" charset="-122"/>
@@ -21204,7 +21270,7 @@
             <a:r>
               <a:rPr lang="en-US" sz="1100" i="1" dirty="0">
                 <a:solidFill>
-                  <a:srgbClr val="4B5563"/>
+                  <a:srgbClr val="64748B"/>
                 </a:solidFill>
                 <a:latin typeface="Calibri" pitchFamily="34" charset="0"/>
                 <a:ea typeface="Calibri" pitchFamily="34" charset="-122"/>
@@ -21230,7 +21296,7 @@
     <p:bg>
       <p:bgPr>
         <a:solidFill>
-          <a:srgbClr val="F5F5F5"/>
+          <a:srgbClr val="F8F9FA"/>
         </a:solidFill>
       </p:bgPr>
     </p:bg>
@@ -21257,7 +21323,7 @@
         <p:spPr>
           <a:xfrm>
             <a:off x="457200" y="274320"/>
-            <a:ext cx="8229600" cy="548640"/>
+            <a:ext cx="8229600" cy="731520"/>
           </a:xfrm>
           <a:prstGeom prst="rect">
             <a:avLst/>
@@ -21273,9 +21339,9 @@
               <a:buNone/>
             </a:pPr>
             <a:r>
-              <a:rPr lang="en-US" sz="2800" b="1" dirty="0">
-                <a:solidFill>
-                  <a:srgbClr val="1E1E1E"/>
+              <a:rPr lang="en-US" sz="4000" b="1" dirty="0">
+                <a:solidFill>
+                  <a:srgbClr val="1E293B"/>
                 </a:solidFill>
                 <a:latin typeface="Georgia" pitchFamily="34" charset="0"/>
                 <a:ea typeface="Georgia" pitchFamily="34" charset="-122"/>
@@ -21283,7 +21349,7 @@
               </a:rPr>
               <a:t>Why Skills Change Everything</a:t>
             </a:r>
-            <a:endParaRPr lang="en-US" sz="2800" dirty="0"/>
+            <a:endParaRPr lang="en-US" sz="4000" dirty="0"/>
           </a:p>
         </p:txBody>
       </p:sp>
@@ -21318,7 +21384,7 @@
             <a:r>
               <a:rPr lang="en-US" sz="1800" b="1" dirty="0">
                 <a:solidFill>
-                  <a:srgbClr val="1E1E1E"/>
+                  <a:srgbClr val="1E293B"/>
                 </a:solidFill>
                 <a:latin typeface="Calibri" pitchFamily="34" charset="0"/>
                 <a:ea typeface="Calibri" pitchFamily="34" charset="-122"/>
@@ -21335,7 +21401,7 @@
             <a:r>
               <a:rPr lang="en-US" sz="1800" dirty="0">
                 <a:solidFill>
-                  <a:srgbClr val="1E1E1E"/>
+                  <a:srgbClr val="1E293B"/>
                 </a:solidFill>
                 <a:latin typeface="Calibri" pitchFamily="34" charset="0"/>
                 <a:ea typeface="Calibri" pitchFamily="34" charset="-122"/>
@@ -21356,7 +21422,7 @@
             <a:r>
               <a:rPr lang="en-US" sz="1800" b="1" dirty="0">
                 <a:solidFill>
-                  <a:srgbClr val="1E1E1E"/>
+                  <a:srgbClr val="1E293B"/>
                 </a:solidFill>
                 <a:latin typeface="Calibri" pitchFamily="34" charset="0"/>
                 <a:ea typeface="Calibri" pitchFamily="34" charset="-122"/>
@@ -21373,7 +21439,7 @@
             <a:r>
               <a:rPr lang="en-US" sz="1800" dirty="0">
                 <a:solidFill>
-                  <a:srgbClr val="1E1E1E"/>
+                  <a:srgbClr val="1E293B"/>
                 </a:solidFill>
                 <a:latin typeface="Calibri" pitchFamily="34" charset="0"/>
                 <a:ea typeface="Calibri" pitchFamily="34" charset="-122"/>
@@ -21394,7 +21460,7 @@
             <a:r>
               <a:rPr lang="en-US" sz="1800" b="1" dirty="0">
                 <a:solidFill>
-                  <a:srgbClr val="1E1E1E"/>
+                  <a:srgbClr val="1E293B"/>
                 </a:solidFill>
                 <a:latin typeface="Calibri" pitchFamily="34" charset="0"/>
                 <a:ea typeface="Calibri" pitchFamily="34" charset="-122"/>
@@ -21411,7 +21477,7 @@
             <a:r>
               <a:rPr lang="en-US" sz="1800" dirty="0">
                 <a:solidFill>
-                  <a:srgbClr val="1E1E1E"/>
+                  <a:srgbClr val="1E293B"/>
                 </a:solidFill>
                 <a:latin typeface="Calibri" pitchFamily="34" charset="0"/>
                 <a:ea typeface="Calibri" pitchFamily="34" charset="-122"/>
@@ -21432,7 +21498,7 @@
             <a:r>
               <a:rPr lang="en-US" sz="1800" b="1" dirty="0">
                 <a:solidFill>
-                  <a:srgbClr val="1E1E1E"/>
+                  <a:srgbClr val="1E293B"/>
                 </a:solidFill>
                 <a:latin typeface="Calibri" pitchFamily="34" charset="0"/>
                 <a:ea typeface="Calibri" pitchFamily="34" charset="-122"/>
@@ -21449,7 +21515,7 @@
             <a:r>
               <a:rPr lang="en-US" sz="1800" dirty="0">
                 <a:solidFill>
-                  <a:srgbClr val="1E1E1E"/>
+                  <a:srgbClr val="1E293B"/>
                 </a:solidFill>
                 <a:latin typeface="Calibri" pitchFamily="34" charset="0"/>
                 <a:ea typeface="Calibri" pitchFamily="34" charset="-122"/>
@@ -21514,7 +21580,7 @@
     <p:bg>
       <p:bgPr>
         <a:solidFill>
-          <a:srgbClr val="F5F5F5"/>
+          <a:srgbClr val="0F0F1A"/>
         </a:solidFill>
       </p:bgPr>
     </p:bg>
@@ -21534,14 +21600,36 @@
       </p:grpSpPr>
       <p:sp>
         <p:nvSpPr>
-          <p:cNvPr id="2" name="Text 0"/>
+          <p:cNvPr id="2" name="Shape 0"/>
+          <p:cNvSpPr/>
+          <p:nvPr/>
+        </p:nvSpPr>
+        <p:spPr>
+          <a:xfrm>
+            <a:off x="4572000" y="2286000"/>
+            <a:ext cx="7315200" cy="5486400"/>
+          </a:xfrm>
+          <a:prstGeom prst="ellipse">
+            <a:avLst/>
+          </a:prstGeom>
+          <a:solidFill>
+            <a:srgbClr val="00B4D8">
+              <a:alpha val="4000"/>
+            </a:srgbClr>
+          </a:solidFill>
+          <a:ln/>
+        </p:spPr>
+      </p:sp>
+      <p:sp>
+        <p:nvSpPr>
+          <p:cNvPr id="3" name="Text 1"/>
           <p:cNvSpPr/>
           <p:nvPr/>
         </p:nvSpPr>
         <p:spPr>
           <a:xfrm>
             <a:off x="457200" y="274320"/>
-            <a:ext cx="8229600" cy="548640"/>
+            <a:ext cx="8229600" cy="731520"/>
           </a:xfrm>
           <a:prstGeom prst="rect">
             <a:avLst/>
@@ -21557,9 +21645,9 @@
               <a:buNone/>
             </a:pPr>
             <a:r>
-              <a:rPr lang="en-US" sz="2800" b="1" dirty="0">
-                <a:solidFill>
-                  <a:srgbClr val="1E1E1E"/>
+              <a:rPr lang="en-US" sz="4000" b="1" dirty="0">
+                <a:solidFill>
+                  <a:srgbClr val="FFFFFF"/>
                 </a:solidFill>
                 <a:latin typeface="Georgia" pitchFamily="34" charset="0"/>
                 <a:ea typeface="Georgia" pitchFamily="34" charset="-122"/>
@@ -21567,13 +21655,13 @@
               </a:rPr>
               <a:t>Same Concept, Many Names</a:t>
             </a:r>
-            <a:endParaRPr lang="en-US" sz="2800" dirty="0"/>
-          </a:p>
-        </p:txBody>
-      </p:sp>
-      <p:sp>
-        <p:nvSpPr>
-          <p:cNvPr id="3" name="Text 1"/>
+            <a:endParaRPr lang="en-US" sz="4000" dirty="0"/>
+          </a:p>
+        </p:txBody>
+      </p:sp>
+      <p:sp>
+        <p:nvSpPr>
+          <p:cNvPr id="4" name="Text 2"/>
           <p:cNvSpPr/>
           <p:nvPr/>
         </p:nvSpPr>
@@ -21598,7 +21686,7 @@
             <a:r>
               <a:rPr lang="en-US" sz="2200" b="1" dirty="0">
                 <a:solidFill>
-                  <a:srgbClr val="1E1E1E"/>
+                  <a:srgbClr val="E0E4E8"/>
                 </a:solidFill>
                 <a:latin typeface="Georgia" pitchFamily="34" charset="0"/>
                 <a:ea typeface="Georgia" pitchFamily="34" charset="-122"/>
@@ -21615,7 +21703,7 @@
             <a:r>
               <a:rPr lang="en-US" sz="2200" b="1" dirty="0">
                 <a:solidFill>
-                  <a:srgbClr val="1E1E1E"/>
+                  <a:srgbClr val="E0E4E8"/>
                 </a:solidFill>
                 <a:latin typeface="Georgia" pitchFamily="34" charset="0"/>
                 <a:ea typeface="Georgia" pitchFamily="34" charset="-122"/>
@@ -21629,7 +21717,7 @@
       </p:sp>
       <p:sp>
         <p:nvSpPr>
-          <p:cNvPr id="4" name="Text 2"/>
+          <p:cNvPr id="5" name="Text 3"/>
           <p:cNvSpPr/>
           <p:nvPr/>
         </p:nvSpPr>
@@ -21652,9 +21740,9 @@
               <a:buNone/>
             </a:pPr>
             <a:r>
-              <a:rPr lang="en-US" sz="1500" i="1" dirty="0">
-                <a:solidFill>
-                  <a:srgbClr val="4B5563"/>
+              <a:rPr lang="en-US" sz="1600" i="1" dirty="0">
+                <a:solidFill>
+                  <a:srgbClr val="94A3B8"/>
                 </a:solidFill>
                 <a:latin typeface="Calibri" pitchFamily="34" charset="0"/>
                 <a:ea typeface="Calibri" pitchFamily="34" charset="-122"/>
@@ -21662,22 +21750,22 @@
               </a:rPr>
               <a:t>Whether triggered by you, the app, or the AI itself differs across tools. The principle is identical.</a:t>
             </a:r>
-            <a:endParaRPr lang="en-US" sz="1500" dirty="0"/>
+            <a:endParaRPr lang="en-US" sz="1600" dirty="0"/>
           </a:p>
           <a:p>
             <a:pPr algn="ctr" indent="0" marL="0">
               <a:buNone/>
             </a:pPr>
-            <a:endParaRPr lang="en-US" sz="1500" dirty="0"/>
+            <a:endParaRPr lang="en-US" sz="1600" dirty="0"/>
           </a:p>
           <a:p>
             <a:pPr algn="ctr" indent="0" marL="0">
               <a:buNone/>
             </a:pPr>
             <a:r>
-              <a:rPr lang="en-US" sz="1500" i="1" dirty="0">
-                <a:solidFill>
-                  <a:srgbClr val="4B5563"/>
+              <a:rPr lang="en-US" sz="1600" i="1" dirty="0">
+                <a:solidFill>
+                  <a:srgbClr val="94A3B8"/>
                 </a:solidFill>
                 <a:latin typeface="Calibri" pitchFamily="34" charset="0"/>
                 <a:ea typeface="Calibri" pitchFamily="34" charset="-122"/>
@@ -21685,7 +21773,7 @@
               </a:rPr>
               <a:t>If your tool has a way to save reusable instructions, use it. That's a skill.</a:t>
             </a:r>
-            <a:endParaRPr lang="en-US" sz="1500" dirty="0"/>
+            <a:endParaRPr lang="en-US" sz="1600" dirty="0"/>
           </a:p>
         </p:txBody>
       </p:sp>
@@ -21703,7 +21791,7 @@
     <p:bg>
       <p:bgPr>
         <a:solidFill>
-          <a:srgbClr val="F5F5F5"/>
+          <a:srgbClr val="F8F9FA"/>
         </a:solidFill>
       </p:bgPr>
     </p:bg>
@@ -21730,7 +21818,7 @@
         <p:spPr>
           <a:xfrm>
             <a:off x="457200" y="274320"/>
-            <a:ext cx="8229600" cy="548640"/>
+            <a:ext cx="8229600" cy="731520"/>
           </a:xfrm>
           <a:prstGeom prst="rect">
             <a:avLst/>
@@ -21746,9 +21834,9 @@
               <a:buNone/>
             </a:pPr>
             <a:r>
-              <a:rPr lang="en-US" sz="2800" b="1" dirty="0">
-                <a:solidFill>
-                  <a:srgbClr val="1E1E1E"/>
+              <a:rPr lang="en-US" sz="4000" b="1" dirty="0">
+                <a:solidFill>
+                  <a:srgbClr val="1E293B"/>
                 </a:solidFill>
                 <a:latin typeface="Georgia" pitchFamily="34" charset="0"/>
                 <a:ea typeface="Georgia" pitchFamily="34" charset="-122"/>
@@ -21756,7 +21844,7 @@
               </a:rPr>
               <a:t>We've Seen This Movie Before</a:t>
             </a:r>
-            <a:endParaRPr lang="en-US" sz="2800" dirty="0"/>
+            <a:endParaRPr lang="en-US" sz="4000" dirty="0"/>
           </a:p>
         </p:txBody>
       </p:sp>
@@ -21830,7 +21918,7 @@
             <a:r>
               <a:rPr lang="en-US" sz="1200" dirty="0">
                 <a:solidFill>
-                  <a:srgbClr val="4B5563"/>
+                  <a:srgbClr val="64748B"/>
                 </a:solidFill>
                 <a:latin typeface="Calibri" pitchFamily="34" charset="0"/>
                 <a:ea typeface="Calibri" pitchFamily="34" charset="-122"/>
@@ -21869,7 +21957,7 @@
             <a:r>
               <a:rPr lang="en-US" sz="1600" b="1" dirty="0">
                 <a:solidFill>
-                  <a:srgbClr val="1E1E1E"/>
+                  <a:srgbClr val="1E293B"/>
                 </a:solidFill>
                 <a:latin typeface="Georgia" pitchFamily="34" charset="0"/>
                 <a:ea typeface="Georgia" pitchFamily="34" charset="-122"/>
@@ -21908,7 +21996,7 @@
             <a:r>
               <a:rPr lang="en-US" sz="1100" dirty="0">
                 <a:solidFill>
-                  <a:srgbClr val="1E1E1E"/>
+                  <a:srgbClr val="1E293B"/>
                 </a:solidFill>
                 <a:latin typeface="Calibri" pitchFamily="34" charset="0"/>
                 <a:ea typeface="Calibri" pitchFamily="34" charset="-122"/>
@@ -21925,7 +22013,7 @@
             <a:r>
               <a:rPr lang="en-US" sz="1100" dirty="0">
                 <a:solidFill>
-                  <a:srgbClr val="1E1E1E"/>
+                  <a:srgbClr val="1E293B"/>
                 </a:solidFill>
                 <a:latin typeface="Calibri" pitchFamily="34" charset="0"/>
                 <a:ea typeface="Calibri" pitchFamily="34" charset="-122"/>
@@ -21964,7 +22052,7 @@
             <a:r>
               <a:rPr lang="en-US" sz="900" i="1" dirty="0">
                 <a:solidFill>
-                  <a:srgbClr val="4B5563"/>
+                  <a:srgbClr val="64748B"/>
                 </a:solidFill>
                 <a:latin typeface="Calibri" pitchFamily="34" charset="0"/>
                 <a:ea typeface="Calibri" pitchFamily="34" charset="-122"/>
@@ -22023,7 +22111,7 @@
             <a:r>
               <a:rPr lang="en-US" sz="1200" dirty="0">
                 <a:solidFill>
-                  <a:srgbClr val="4B5563"/>
+                  <a:srgbClr val="64748B"/>
                 </a:solidFill>
                 <a:latin typeface="Calibri" pitchFamily="34" charset="0"/>
                 <a:ea typeface="Calibri" pitchFamily="34" charset="-122"/>
@@ -22062,7 +22150,7 @@
             <a:r>
               <a:rPr lang="en-US" sz="1600" b="1" dirty="0">
                 <a:solidFill>
-                  <a:srgbClr val="1E1E1E"/>
+                  <a:srgbClr val="1E293B"/>
                 </a:solidFill>
                 <a:latin typeface="Georgia" pitchFamily="34" charset="0"/>
                 <a:ea typeface="Georgia" pitchFamily="34" charset="-122"/>
@@ -22101,7 +22189,7 @@
             <a:r>
               <a:rPr lang="en-US" sz="1100" dirty="0">
                 <a:solidFill>
-                  <a:srgbClr val="1E1E1E"/>
+                  <a:srgbClr val="1E293B"/>
                 </a:solidFill>
                 <a:latin typeface="Calibri" pitchFamily="34" charset="0"/>
                 <a:ea typeface="Calibri" pitchFamily="34" charset="-122"/>
@@ -22118,7 +22206,7 @@
             <a:r>
               <a:rPr lang="en-US" sz="1100" dirty="0">
                 <a:solidFill>
-                  <a:srgbClr val="1E1E1E"/>
+                  <a:srgbClr val="1E293B"/>
                 </a:solidFill>
                 <a:latin typeface="Calibri" pitchFamily="34" charset="0"/>
                 <a:ea typeface="Calibri" pitchFamily="34" charset="-122"/>
@@ -22157,7 +22245,7 @@
             <a:r>
               <a:rPr lang="en-US" sz="900" i="1" dirty="0">
                 <a:solidFill>
-                  <a:srgbClr val="4B5563"/>
+                  <a:srgbClr val="64748B"/>
                 </a:solidFill>
                 <a:latin typeface="Calibri" pitchFamily="34" charset="0"/>
                 <a:ea typeface="Calibri" pitchFamily="34" charset="-122"/>
@@ -22216,7 +22304,7 @@
             <a:r>
               <a:rPr lang="en-US" sz="1200" dirty="0">
                 <a:solidFill>
-                  <a:srgbClr val="4B5563"/>
+                  <a:srgbClr val="64748B"/>
                 </a:solidFill>
                 <a:latin typeface="Calibri" pitchFamily="34" charset="0"/>
                 <a:ea typeface="Calibri" pitchFamily="34" charset="-122"/>
@@ -22255,7 +22343,7 @@
             <a:r>
               <a:rPr lang="en-US" sz="1600" b="1" dirty="0">
                 <a:solidFill>
-                  <a:srgbClr val="1E1E1E"/>
+                  <a:srgbClr val="1E293B"/>
                 </a:solidFill>
                 <a:latin typeface="Georgia" pitchFamily="34" charset="0"/>
                 <a:ea typeface="Georgia" pitchFamily="34" charset="-122"/>
@@ -22294,7 +22382,7 @@
             <a:r>
               <a:rPr lang="en-US" sz="1100" i="1" dirty="0">
                 <a:solidFill>
-                  <a:srgbClr val="4B5563"/>
+                  <a:srgbClr val="64748B"/>
                 </a:solidFill>
                 <a:latin typeface="Calibri" pitchFamily="34" charset="0"/>
                 <a:ea typeface="Calibri" pitchFamily="34" charset="-122"/>
@@ -22311,7 +22399,7 @@
             <a:r>
               <a:rPr lang="en-US" sz="1100" i="1" dirty="0">
                 <a:solidFill>
-                  <a:srgbClr val="4B5563"/>
+                  <a:srgbClr val="64748B"/>
                 </a:solidFill>
                 <a:latin typeface="Calibri" pitchFamily="34" charset="0"/>
                 <a:ea typeface="Calibri" pitchFamily="34" charset="-122"/>
@@ -22370,7 +22458,7 @@
             <a:r>
               <a:rPr lang="en-US" sz="1200" dirty="0">
                 <a:solidFill>
-                  <a:srgbClr val="4B5563"/>
+                  <a:srgbClr val="64748B"/>
                 </a:solidFill>
                 <a:latin typeface="Calibri" pitchFamily="34" charset="0"/>
                 <a:ea typeface="Calibri" pitchFamily="34" charset="-122"/>
@@ -22409,7 +22497,7 @@
             <a:r>
               <a:rPr lang="en-US" sz="1600" b="1" dirty="0">
                 <a:solidFill>
-                  <a:srgbClr val="1E1E1E"/>
+                  <a:srgbClr val="1E293B"/>
                 </a:solidFill>
                 <a:latin typeface="Georgia" pitchFamily="34" charset="0"/>
                 <a:ea typeface="Georgia" pitchFamily="34" charset="-122"/>
@@ -22448,7 +22536,7 @@
             <a:r>
               <a:rPr lang="en-US" sz="1100" dirty="0">
                 <a:solidFill>
-                  <a:srgbClr val="1E1E1E"/>
+                  <a:srgbClr val="1E293B"/>
                 </a:solidFill>
                 <a:latin typeface="Calibri" pitchFamily="34" charset="0"/>
                 <a:ea typeface="Calibri" pitchFamily="34" charset="-122"/>
@@ -22465,7 +22553,7 @@
             <a:r>
               <a:rPr lang="en-US" sz="1100" dirty="0">
                 <a:solidFill>
-                  <a:srgbClr val="1E1E1E"/>
+                  <a:srgbClr val="1E293B"/>
                 </a:solidFill>
                 <a:latin typeface="Calibri" pitchFamily="34" charset="0"/>
                 <a:ea typeface="Calibri" pitchFamily="34" charset="-122"/>
@@ -22504,7 +22592,7 @@
             <a:r>
               <a:rPr lang="en-US" sz="900" i="1" dirty="0">
                 <a:solidFill>
-                  <a:srgbClr val="4B5563"/>
+                  <a:srgbClr val="64748B"/>
                 </a:solidFill>
                 <a:latin typeface="Calibri" pitchFamily="34" charset="0"/>
                 <a:ea typeface="Calibri" pitchFamily="34" charset="-122"/>
@@ -22543,7 +22631,7 @@
             <a:r>
               <a:rPr lang="en-US" sz="1100" i="1" dirty="0">
                 <a:solidFill>
-                  <a:srgbClr val="4B5563"/>
+                  <a:srgbClr val="64748B"/>
                 </a:solidFill>
                 <a:latin typeface="Calibri" pitchFamily="34" charset="0"/>
                 <a:ea typeface="Calibri" pitchFamily="34" charset="-122"/>
@@ -22569,7 +22657,7 @@
     <p:bg>
       <p:bgPr>
         <a:solidFill>
-          <a:srgbClr val="F5F5F5"/>
+          <a:srgbClr val="F8F9FA"/>
         </a:solidFill>
       </p:bgPr>
     </p:bg>
@@ -22596,7 +22684,7 @@
         <p:spPr>
           <a:xfrm>
             <a:off x="457200" y="274320"/>
-            <a:ext cx="8229600" cy="548640"/>
+            <a:ext cx="8229600" cy="731520"/>
           </a:xfrm>
           <a:prstGeom prst="rect">
             <a:avLst/>
@@ -22612,9 +22700,9 @@
               <a:buNone/>
             </a:pPr>
             <a:r>
-              <a:rPr lang="en-US" sz="2800" b="1" dirty="0">
-                <a:solidFill>
-                  <a:srgbClr val="1E1E1E"/>
+              <a:rPr lang="en-US" sz="4000" b="1" dirty="0">
+                <a:solidFill>
+                  <a:srgbClr val="1E293B"/>
                 </a:solidFill>
                 <a:latin typeface="Georgia" pitchFamily="34" charset="0"/>
                 <a:ea typeface="Georgia" pitchFamily="34" charset="-122"/>
@@ -22622,7 +22710,7 @@
               </a:rPr>
               <a:t>GPS, Not Directions</a:t>
             </a:r>
-            <a:endParaRPr lang="en-US" sz="2800" dirty="0"/>
+            <a:endParaRPr lang="en-US" sz="4000" dirty="0"/>
           </a:p>
         </p:txBody>
       </p:sp>
@@ -22634,7 +22722,7 @@
         </p:nvSpPr>
         <p:spPr>
           <a:xfrm>
-            <a:off x="457200" y="1005840"/>
+            <a:off x="457200" y="1097280"/>
             <a:ext cx="3886200" cy="3383280"/>
           </a:xfrm>
           <a:prstGeom prst="rect">
@@ -22661,7 +22749,7 @@
         </p:nvSpPr>
         <p:spPr>
           <a:xfrm>
-            <a:off x="640080" y="1097280"/>
+            <a:off x="640080" y="1188720"/>
             <a:ext cx="3520440" cy="320040"/>
           </a:xfrm>
           <a:prstGeom prst="rect">
@@ -22678,9 +22766,9 @@
               <a:buNone/>
             </a:pPr>
             <a:r>
-              <a:rPr lang="en-US" sz="1600" b="1" dirty="0">
-                <a:solidFill>
-                  <a:srgbClr val="1E1E1E"/>
+              <a:rPr lang="en-US" sz="1800" b="1" dirty="0">
+                <a:solidFill>
+                  <a:srgbClr val="1E293B"/>
                 </a:solidFill>
                 <a:latin typeface="Georgia" pitchFamily="34" charset="0"/>
                 <a:ea typeface="Georgia" pitchFamily="34" charset="-122"/>
@@ -22688,7 +22776,7 @@
               </a:rPr>
               <a:t>Prompt Engineering</a:t>
             </a:r>
-            <a:endParaRPr lang="en-US" sz="1600" dirty="0"/>
+            <a:endParaRPr lang="en-US" sz="1800" dirty="0"/>
           </a:p>
         </p:txBody>
       </p:sp>
@@ -22700,7 +22788,7 @@
         </p:nvSpPr>
         <p:spPr>
           <a:xfrm>
-            <a:off x="640080" y="1463040"/>
+            <a:off x="640080" y="1554480"/>
             <a:ext cx="3520440" cy="2743200"/>
           </a:xfrm>
           <a:prstGeom prst="rect">
@@ -22719,7 +22807,7 @@
             <a:r>
               <a:rPr lang="en-US" sz="1400" dirty="0">
                 <a:solidFill>
-                  <a:srgbClr val="1E1E1E"/>
+                  <a:srgbClr val="1E293B"/>
                 </a:solidFill>
                 <a:latin typeface="Calibri" pitchFamily="34" charset="0"/>
                 <a:ea typeface="Calibri" pitchFamily="34" charset="-122"/>
@@ -22727,13 +22815,13 @@
               </a:rPr>
               <a:t>Giving directions for each individual trip.</a:t>
             </a:r>
-            <a:endParaRPr lang="en-US" sz="1400" dirty="0"/>
-          </a:p>
-          <a:p>
-            <a:pPr indent="0" marL="0">
-              <a:buNone/>
-            </a:pPr>
-            <a:endParaRPr lang="en-US" sz="1400" dirty="0"/>
+            <a:endParaRPr lang="en-US" sz="1500" dirty="0"/>
+          </a:p>
+          <a:p>
+            <a:pPr indent="0" marL="0">
+              <a:buNone/>
+            </a:pPr>
+            <a:endParaRPr lang="en-US" sz="1500" dirty="0"/>
           </a:p>
           <a:p>
             <a:pPr indent="0" marL="0">
@@ -22742,7 +22830,7 @@
             <a:r>
               <a:rPr lang="en-US" sz="1400" i="1" dirty="0">
                 <a:solidFill>
-                  <a:srgbClr val="4B5563"/>
+                  <a:srgbClr val="64748B"/>
                 </a:solidFill>
                 <a:latin typeface="Calibri" pitchFamily="34" charset="0"/>
                 <a:ea typeface="Calibri" pitchFamily="34" charset="-122"/>
@@ -22750,13 +22838,13 @@
               </a:rPr>
               <a:t>Effort every time.</a:t>
             </a:r>
-            <a:endParaRPr lang="en-US" sz="1400" dirty="0"/>
-          </a:p>
-          <a:p>
-            <a:pPr indent="0" marL="0">
-              <a:buNone/>
-            </a:pPr>
-            <a:endParaRPr lang="en-US" sz="1400" dirty="0"/>
+            <a:endParaRPr lang="en-US" sz="1500" dirty="0"/>
+          </a:p>
+          <a:p>
+            <a:pPr indent="0" marL="0">
+              <a:buNone/>
+            </a:pPr>
+            <a:endParaRPr lang="en-US" sz="1500" dirty="0"/>
           </a:p>
           <a:p>
             <a:pPr indent="0" marL="0">
@@ -22773,7 +22861,7 @@
               </a:rPr>
               <a:t>Doesn't compound.</a:t>
             </a:r>
-            <a:endParaRPr lang="en-US" sz="1400" dirty="0"/>
+            <a:endParaRPr lang="en-US" sz="1500" dirty="0"/>
           </a:p>
         </p:txBody>
       </p:sp>
@@ -22785,7 +22873,7 @@
         </p:nvSpPr>
         <p:spPr>
           <a:xfrm>
-            <a:off x="4800600" y="1005840"/>
+            <a:off x="4800600" y="1097280"/>
             <a:ext cx="3886200" cy="3383280"/>
           </a:xfrm>
           <a:prstGeom prst="rect">
@@ -22812,7 +22900,7 @@
         </p:nvSpPr>
         <p:spPr>
           <a:xfrm>
-            <a:off x="4800600" y="1005840"/>
+            <a:off x="4800600" y="1097280"/>
             <a:ext cx="54864" cy="3383280"/>
           </a:xfrm>
           <a:prstGeom prst="rect">
@@ -22832,7 +22920,7 @@
         </p:nvSpPr>
         <p:spPr>
           <a:xfrm>
-            <a:off x="5029200" y="1097280"/>
+            <a:off x="5029200" y="1188720"/>
             <a:ext cx="3520440" cy="320040"/>
           </a:xfrm>
           <a:prstGeom prst="rect">
@@ -22849,9 +22937,9 @@
               <a:buNone/>
             </a:pPr>
             <a:r>
-              <a:rPr lang="en-US" sz="1600" b="1" dirty="0">
-                <a:solidFill>
-                  <a:srgbClr val="1E1E1E"/>
+              <a:rPr lang="en-US" sz="1800" b="1" dirty="0">
+                <a:solidFill>
+                  <a:srgbClr val="1E293B"/>
                 </a:solidFill>
                 <a:latin typeface="Georgia" pitchFamily="34" charset="0"/>
                 <a:ea typeface="Georgia" pitchFamily="34" charset="-122"/>
@@ -22859,7 +22947,7 @@
               </a:rPr>
               <a:t>Context Engineering + Skills</a:t>
             </a:r>
-            <a:endParaRPr lang="en-US" sz="1600" dirty="0"/>
+            <a:endParaRPr lang="en-US" sz="1800" dirty="0"/>
           </a:p>
         </p:txBody>
       </p:sp>
@@ -22871,7 +22959,7 @@
         </p:nvSpPr>
         <p:spPr>
           <a:xfrm>
-            <a:off x="5029200" y="1463040"/>
+            <a:off x="5029200" y="1554480"/>
             <a:ext cx="3520440" cy="2743200"/>
           </a:xfrm>
           <a:prstGeom prst="rect">
@@ -22890,7 +22978,7 @@
             <a:r>
               <a:rPr lang="en-US" sz="1400" dirty="0">
                 <a:solidFill>
-                  <a:srgbClr val="1E1E1E"/>
+                  <a:srgbClr val="1E293B"/>
                 </a:solidFill>
                 <a:latin typeface="Calibri" pitchFamily="34" charset="0"/>
                 <a:ea typeface="Calibri" pitchFamily="34" charset="-122"/>
@@ -22898,13 +22986,13 @@
               </a:rPr>
               <a:t>Programming a GPS with home, office, preferences, traffic patterns.</a:t>
             </a:r>
-            <a:endParaRPr lang="en-US" sz="1400" dirty="0"/>
-          </a:p>
-          <a:p>
-            <a:pPr indent="0" marL="0">
-              <a:buNone/>
-            </a:pPr>
-            <a:endParaRPr lang="en-US" sz="1400" dirty="0"/>
+            <a:endParaRPr lang="en-US" sz="1500" dirty="0"/>
+          </a:p>
+          <a:p>
+            <a:pPr indent="0" marL="0">
+              <a:buNone/>
+            </a:pPr>
+            <a:endParaRPr lang="en-US" sz="1500" dirty="0"/>
           </a:p>
           <a:p>
             <a:pPr indent="0" marL="0">
@@ -22921,13 +23009,13 @@
               </a:rPr>
               <a:t>Gets smarter the more you invest.</a:t>
             </a:r>
-            <a:endParaRPr lang="en-US" sz="1400" dirty="0"/>
-          </a:p>
-          <a:p>
-            <a:pPr indent="0" marL="0">
-              <a:buNone/>
-            </a:pPr>
-            <a:endParaRPr lang="en-US" sz="1400" dirty="0"/>
+            <a:endParaRPr lang="en-US" sz="1500" dirty="0"/>
+          </a:p>
+          <a:p>
+            <a:pPr indent="0" marL="0">
+              <a:buNone/>
+            </a:pPr>
+            <a:endParaRPr lang="en-US" sz="1500" dirty="0"/>
           </a:p>
           <a:p>
             <a:pPr indent="0" marL="0">
@@ -22944,7 +23032,7 @@
               </a:rPr>
               <a:t>Compounds permanently.</a:t>
             </a:r>
-            <a:endParaRPr lang="en-US" sz="1400" dirty="0"/>
+            <a:endParaRPr lang="en-US" sz="1500" dirty="0"/>
           </a:p>
         </p:txBody>
       </p:sp>
@@ -22975,7 +23063,7 @@
             <a:r>
               <a:rPr lang="en-US" sz="1100" i="1" dirty="0">
                 <a:solidFill>
-                  <a:srgbClr val="4B5563"/>
+                  <a:srgbClr val="64748B"/>
                 </a:solidFill>
                 <a:latin typeface="Calibri" pitchFamily="34" charset="0"/>
                 <a:ea typeface="Calibri" pitchFamily="34" charset="-122"/>
@@ -23001,7 +23089,7 @@
     <p:bg>
       <p:bgPr>
         <a:solidFill>
-          <a:srgbClr val="F5F5F5"/>
+          <a:srgbClr val="F8F9FA"/>
         </a:solidFill>
       </p:bgPr>
     </p:bg>
@@ -23028,7 +23116,7 @@
         <p:spPr>
           <a:xfrm>
             <a:off x="457200" y="274320"/>
-            <a:ext cx="8229600" cy="548640"/>
+            <a:ext cx="8229600" cy="731520"/>
           </a:xfrm>
           <a:prstGeom prst="rect">
             <a:avLst/>
@@ -23044,9 +23132,9 @@
               <a:buNone/>
             </a:pPr>
             <a:r>
-              <a:rPr lang="en-US" sz="2800" b="1" dirty="0">
-                <a:solidFill>
-                  <a:srgbClr val="1E1E1E"/>
+              <a:rPr lang="en-US" sz="4000" b="1" dirty="0">
+                <a:solidFill>
+                  <a:srgbClr val="1E293B"/>
                 </a:solidFill>
                 <a:latin typeface="Georgia" pitchFamily="34" charset="0"/>
                 <a:ea typeface="Georgia" pitchFamily="34" charset="-122"/>
@@ -23054,7 +23142,7 @@
               </a:rPr>
               <a:t>The Manual Way: 1.5 Hours of You</a:t>
             </a:r>
-            <a:endParaRPr lang="en-US" sz="2800" dirty="0"/>
+            <a:endParaRPr lang="en-US" sz="4000" dirty="0"/>
           </a:p>
         </p:txBody>
       </p:sp>
@@ -23144,7 +23232,7 @@
             <a:r>
               <a:rPr lang="en-US" sz="1200" dirty="0">
                 <a:solidFill>
-                  <a:srgbClr val="1E1E1E"/>
+                  <a:srgbClr val="1E293B"/>
                 </a:solidFill>
                 <a:latin typeface="Calibri" pitchFamily="34" charset="0"/>
                 <a:ea typeface="Calibri" pitchFamily="34" charset="-122"/>
@@ -23281,7 +23369,7 @@
             <a:r>
               <a:rPr lang="en-US" sz="1200" dirty="0">
                 <a:solidFill>
-                  <a:srgbClr val="1E1E1E"/>
+                  <a:srgbClr val="1E293B"/>
                 </a:solidFill>
                 <a:latin typeface="Calibri" pitchFamily="34" charset="0"/>
                 <a:ea typeface="Calibri" pitchFamily="34" charset="-122"/>
@@ -23418,7 +23506,7 @@
             <a:r>
               <a:rPr lang="en-US" sz="1200" dirty="0">
                 <a:solidFill>
-                  <a:srgbClr val="1E1E1E"/>
+                  <a:srgbClr val="1E293B"/>
                 </a:solidFill>
                 <a:latin typeface="Calibri" pitchFamily="34" charset="0"/>
                 <a:ea typeface="Calibri" pitchFamily="34" charset="-122"/>
@@ -23555,7 +23643,7 @@
             <a:r>
               <a:rPr lang="en-US" sz="1200" dirty="0">
                 <a:solidFill>
-                  <a:srgbClr val="1E1E1E"/>
+                  <a:srgbClr val="1E293B"/>
                 </a:solidFill>
                 <a:latin typeface="Calibri" pitchFamily="34" charset="0"/>
                 <a:ea typeface="Calibri" pitchFamily="34" charset="-122"/>
@@ -23692,7 +23780,7 @@
             <a:r>
               <a:rPr lang="en-US" sz="1200" dirty="0">
                 <a:solidFill>
-                  <a:srgbClr val="1E1E1E"/>
+                  <a:srgbClr val="1E293B"/>
                 </a:solidFill>
                 <a:latin typeface="Calibri" pitchFamily="34" charset="0"/>
                 <a:ea typeface="Calibri" pitchFamily="34" charset="-122"/>
@@ -23829,7 +23917,7 @@
             <a:r>
               <a:rPr lang="en-US" sz="1200" dirty="0">
                 <a:solidFill>
-                  <a:srgbClr val="1E1E1E"/>
+                  <a:srgbClr val="1E293B"/>
                 </a:solidFill>
                 <a:latin typeface="Calibri" pitchFamily="34" charset="0"/>
                 <a:ea typeface="Calibri" pitchFamily="34" charset="-122"/>
@@ -23966,7 +24054,7 @@
             <a:r>
               <a:rPr lang="en-US" sz="1200" dirty="0">
                 <a:solidFill>
-                  <a:srgbClr val="1E1E1E"/>
+                  <a:srgbClr val="1E293B"/>
                 </a:solidFill>
                 <a:latin typeface="Calibri" pitchFamily="34" charset="0"/>
                 <a:ea typeface="Calibri" pitchFamily="34" charset="-122"/>
@@ -24093,7 +24181,7 @@
     <p:bg>
       <p:bgPr>
         <a:solidFill>
-          <a:srgbClr val="F5F5F5"/>
+          <a:srgbClr val="F8F9FA"/>
         </a:solidFill>
       </p:bgPr>
     </p:bg>
@@ -24120,7 +24208,7 @@
         <p:spPr>
           <a:xfrm>
             <a:off x="457200" y="274320"/>
-            <a:ext cx="8229600" cy="548640"/>
+            <a:ext cx="8229600" cy="731520"/>
           </a:xfrm>
           <a:prstGeom prst="rect">
             <a:avLst/>
@@ -24136,9 +24224,9 @@
               <a:buNone/>
             </a:pPr>
             <a:r>
-              <a:rPr lang="en-US" sz="2800" b="1" dirty="0">
-                <a:solidFill>
-                  <a:srgbClr val="1E1E1E"/>
+              <a:rPr lang="en-US" sz="4000" b="1" dirty="0">
+                <a:solidFill>
+                  <a:srgbClr val="1E293B"/>
                 </a:solidFill>
                 <a:latin typeface="Georgia" pitchFamily="34" charset="0"/>
                 <a:ea typeface="Georgia" pitchFamily="34" charset="-122"/>
@@ -24146,7 +24234,7 @@
               </a:rPr>
               <a:t>The Chained Way: 15 Minutes of Judgment</a:t>
             </a:r>
-            <a:endParaRPr lang="en-US" sz="2800" dirty="0"/>
+            <a:endParaRPr lang="en-US" sz="4000" dirty="0"/>
           </a:p>
         </p:txBody>
       </p:sp>
@@ -24263,7 +24351,7 @@
             <a:r>
               <a:rPr lang="en-US" sz="900" i="1" dirty="0">
                 <a:solidFill>
-                  <a:srgbClr val="1E1E1E"/>
+                  <a:srgbClr val="1E293B"/>
                 </a:solidFill>
                 <a:latin typeface="Calibri" pitchFamily="34" charset="0"/>
                 <a:ea typeface="Calibri" pitchFamily="34" charset="-122"/>
@@ -24427,7 +24515,7 @@
             <a:r>
               <a:rPr lang="en-US" sz="900" i="1" dirty="0">
                 <a:solidFill>
-                  <a:srgbClr val="1E1E1E"/>
+                  <a:srgbClr val="1E293B"/>
                 </a:solidFill>
                 <a:latin typeface="Calibri" pitchFamily="34" charset="0"/>
                 <a:ea typeface="Calibri" pitchFamily="34" charset="-122"/>
@@ -24591,7 +24679,7 @@
             <a:r>
               <a:rPr lang="en-US" sz="900" i="1" dirty="0">
                 <a:solidFill>
-                  <a:srgbClr val="1E1E1E"/>
+                  <a:srgbClr val="1E293B"/>
                 </a:solidFill>
                 <a:latin typeface="Calibri" pitchFamily="34" charset="0"/>
                 <a:ea typeface="Calibri" pitchFamily="34" charset="-122"/>
@@ -24755,7 +24843,7 @@
             <a:r>
               <a:rPr lang="en-US" sz="900" i="1" dirty="0">
                 <a:solidFill>
-                  <a:srgbClr val="1E1E1E"/>
+                  <a:srgbClr val="1E293B"/>
                 </a:solidFill>
                 <a:latin typeface="Calibri" pitchFamily="34" charset="0"/>
                 <a:ea typeface="Calibri" pitchFamily="34" charset="-122"/>
@@ -24894,7 +24982,7 @@
             <a:r>
               <a:rPr lang="en-US" sz="1000" dirty="0">
                 <a:solidFill>
-                  <a:srgbClr val="1E1E1E"/>
+                  <a:srgbClr val="1E293B"/>
                 </a:solidFill>
                 <a:latin typeface="Calibri" pitchFamily="34" charset="0"/>
                 <a:ea typeface="Calibri" pitchFamily="34" charset="-122"/>
@@ -24933,7 +25021,7 @@
             <a:r>
               <a:rPr lang="en-US" sz="1100" i="1" dirty="0">
                 <a:solidFill>
-                  <a:srgbClr val="4B5563"/>
+                  <a:srgbClr val="64748B"/>
                 </a:solidFill>
                 <a:latin typeface="Calibri" pitchFamily="34" charset="0"/>
                 <a:ea typeface="Calibri" pitchFamily="34" charset="-122"/>
@@ -24959,7 +25047,7 @@
     <p:bg>
       <p:bgPr>
         <a:solidFill>
-          <a:srgbClr val="F5F5F5"/>
+          <a:srgbClr val="F8F9FA"/>
         </a:solidFill>
       </p:bgPr>
     </p:bg>
@@ -24986,7 +25074,7 @@
         <p:spPr>
           <a:xfrm>
             <a:off x="457200" y="274320"/>
-            <a:ext cx="8229600" cy="548640"/>
+            <a:ext cx="8229600" cy="731520"/>
           </a:xfrm>
           <a:prstGeom prst="rect">
             <a:avLst/>
@@ -25002,9 +25090,9 @@
               <a:buNone/>
             </a:pPr>
             <a:r>
-              <a:rPr lang="en-US" sz="2800" b="1" dirty="0">
-                <a:solidFill>
-                  <a:srgbClr val="1E1E1E"/>
+              <a:rPr lang="en-US" sz="4000" b="1" dirty="0">
+                <a:solidFill>
+                  <a:srgbClr val="1E293B"/>
                 </a:solidFill>
                 <a:latin typeface="Georgia" pitchFamily="34" charset="0"/>
                 <a:ea typeface="Georgia" pitchFamily="34" charset="-122"/>
@@ -25012,7 +25100,7 @@
               </a:rPr>
               <a:t>From Asking to Orchestrating</a:t>
             </a:r>
-            <a:endParaRPr lang="en-US" sz="2800" dirty="0"/>
+            <a:endParaRPr lang="en-US" sz="4000" dirty="0"/>
           </a:p>
         </p:txBody>
       </p:sp>
@@ -25751,7 +25839,7 @@
             <a:r>
               <a:rPr lang="en-US" sz="1100" i="1" dirty="0">
                 <a:solidFill>
-                  <a:srgbClr val="4B5563"/>
+                  <a:srgbClr val="64748B"/>
                 </a:solidFill>
                 <a:latin typeface="Calibri" pitchFamily="34" charset="0"/>
                 <a:ea typeface="Calibri" pitchFamily="34" charset="-122"/>
@@ -25777,7 +25865,7 @@
     <p:bg>
       <p:bgPr>
         <a:solidFill>
-          <a:srgbClr val="F5F5F5"/>
+          <a:srgbClr val="F8F9FA"/>
         </a:solidFill>
       </p:bgPr>
     </p:bg>
@@ -25804,7 +25892,7 @@
         <p:spPr>
           <a:xfrm>
             <a:off x="457200" y="274320"/>
-            <a:ext cx="8229600" cy="548640"/>
+            <a:ext cx="8229600" cy="731520"/>
           </a:xfrm>
           <a:prstGeom prst="rect">
             <a:avLst/>
@@ -25820,9 +25908,9 @@
               <a:buNone/>
             </a:pPr>
             <a:r>
-              <a:rPr lang="en-US" sz="2800" b="1" dirty="0">
-                <a:solidFill>
-                  <a:srgbClr val="1E1E1E"/>
+              <a:rPr lang="en-US" sz="4000" b="1" dirty="0">
+                <a:solidFill>
+                  <a:srgbClr val="1E293B"/>
                 </a:solidFill>
                 <a:latin typeface="Georgia" pitchFamily="34" charset="0"/>
                 <a:ea typeface="Georgia" pitchFamily="34" charset="-122"/>
@@ -25830,7 +25918,7 @@
               </a:rPr>
               <a:t>Your AI Toolkit</a:t>
             </a:r>
-            <a:endParaRPr lang="en-US" sz="2800" dirty="0"/>
+            <a:endParaRPr lang="en-US" sz="4000" dirty="0"/>
           </a:p>
         </p:txBody>
       </p:sp>
@@ -26079,7 +26167,7 @@
                       <a:r>
                         <a:rPr lang="en-US" sz="1200" dirty="0">
                           <a:solidFill>
-                            <a:srgbClr val="1E1E1E"/>
+                            <a:srgbClr val="1E293B"/>
                           </a:solidFill>
                           <a:latin typeface="Calibri" pitchFamily="34" charset="0"/>
                           <a:ea typeface="Calibri" pitchFamily="34" charset="-122"/>
@@ -26144,7 +26232,7 @@
                       <a:r>
                         <a:rPr lang="en-US" sz="1200" dirty="0">
                           <a:solidFill>
-                            <a:srgbClr val="1E1E1E"/>
+                            <a:srgbClr val="1E293B"/>
                           </a:solidFill>
                           <a:latin typeface="Calibri" pitchFamily="34" charset="0"/>
                           <a:ea typeface="Calibri" pitchFamily="34" charset="-122"/>
@@ -26209,7 +26297,7 @@
                       <a:r>
                         <a:rPr lang="en-US" sz="1200" dirty="0">
                           <a:solidFill>
-                            <a:srgbClr val="1E1E1E"/>
+                            <a:srgbClr val="1E293B"/>
                           </a:solidFill>
                           <a:latin typeface="Calibri" pitchFamily="34" charset="0"/>
                           <a:ea typeface="Calibri" pitchFamily="34" charset="-122"/>
@@ -26276,7 +26364,7 @@
                       <a:r>
                         <a:rPr lang="en-US" sz="1200" dirty="0">
                           <a:solidFill>
-                            <a:srgbClr val="1E1E1E"/>
+                            <a:srgbClr val="1E293B"/>
                           </a:solidFill>
                           <a:latin typeface="Calibri" pitchFamily="34" charset="0"/>
                           <a:ea typeface="Calibri" pitchFamily="34" charset="-122"/>
@@ -26341,7 +26429,7 @@
                       <a:r>
                         <a:rPr lang="en-US" sz="1200" dirty="0">
                           <a:solidFill>
-                            <a:srgbClr val="1E1E1E"/>
+                            <a:srgbClr val="1E293B"/>
                           </a:solidFill>
                           <a:latin typeface="Calibri" pitchFamily="34" charset="0"/>
                           <a:ea typeface="Calibri" pitchFamily="34" charset="-122"/>
@@ -26406,7 +26494,7 @@
                       <a:r>
                         <a:rPr lang="en-US" sz="1200" dirty="0">
                           <a:solidFill>
-                            <a:srgbClr val="1E1E1E"/>
+                            <a:srgbClr val="1E293B"/>
                           </a:solidFill>
                           <a:latin typeface="Calibri" pitchFamily="34" charset="0"/>
                           <a:ea typeface="Calibri" pitchFamily="34" charset="-122"/>
@@ -26473,7 +26561,7 @@
                       <a:r>
                         <a:rPr lang="en-US" sz="1200" dirty="0">
                           <a:solidFill>
-                            <a:srgbClr val="1E1E1E"/>
+                            <a:srgbClr val="1E293B"/>
                           </a:solidFill>
                           <a:latin typeface="Calibri" pitchFamily="34" charset="0"/>
                           <a:ea typeface="Calibri" pitchFamily="34" charset="-122"/>
@@ -26538,7 +26626,7 @@
                       <a:r>
                         <a:rPr lang="en-US" sz="1200" dirty="0">
                           <a:solidFill>
-                            <a:srgbClr val="1E1E1E"/>
+                            <a:srgbClr val="1E293B"/>
                           </a:solidFill>
                           <a:latin typeface="Calibri" pitchFamily="34" charset="0"/>
                           <a:ea typeface="Calibri" pitchFamily="34" charset="-122"/>
@@ -26603,7 +26691,7 @@
                       <a:r>
                         <a:rPr lang="en-US" sz="1200" dirty="0">
                           <a:solidFill>
-                            <a:srgbClr val="1E1E1E"/>
+                            <a:srgbClr val="1E293B"/>
                           </a:solidFill>
                           <a:latin typeface="Calibri" pitchFamily="34" charset="0"/>
                           <a:ea typeface="Calibri" pitchFamily="34" charset="-122"/>
@@ -26670,7 +26758,7 @@
                       <a:r>
                         <a:rPr lang="en-US" sz="1200" dirty="0">
                           <a:solidFill>
-                            <a:srgbClr val="1E1E1E"/>
+                            <a:srgbClr val="1E293B"/>
                           </a:solidFill>
                           <a:latin typeface="Calibri" pitchFamily="34" charset="0"/>
                           <a:ea typeface="Calibri" pitchFamily="34" charset="-122"/>
@@ -26735,7 +26823,7 @@
                       <a:r>
                         <a:rPr lang="en-US" sz="1200" dirty="0">
                           <a:solidFill>
-                            <a:srgbClr val="1E1E1E"/>
+                            <a:srgbClr val="1E293B"/>
                           </a:solidFill>
                           <a:latin typeface="Calibri" pitchFamily="34" charset="0"/>
                           <a:ea typeface="Calibri" pitchFamily="34" charset="-122"/>
@@ -26800,7 +26888,7 @@
                       <a:r>
                         <a:rPr lang="en-US" sz="1200" dirty="0">
                           <a:solidFill>
-                            <a:srgbClr val="1E1E1E"/>
+                            <a:srgbClr val="1E293B"/>
                           </a:solidFill>
                           <a:latin typeface="Calibri" pitchFamily="34" charset="0"/>
                           <a:ea typeface="Calibri" pitchFamily="34" charset="-122"/>
@@ -26873,7 +26961,7 @@
     <p:bg>
       <p:bgPr>
         <a:solidFill>
-          <a:srgbClr val="F5F5F5"/>
+          <a:srgbClr val="F8F9FA"/>
         </a:solidFill>
       </p:bgPr>
     </p:bg>
@@ -26900,7 +26988,7 @@
         <p:spPr>
           <a:xfrm>
             <a:off x="457200" y="274320"/>
-            <a:ext cx="8229600" cy="548640"/>
+            <a:ext cx="8229600" cy="731520"/>
           </a:xfrm>
           <a:prstGeom prst="rect">
             <a:avLst/>
@@ -26916,9 +27004,9 @@
               <a:buNone/>
             </a:pPr>
             <a:r>
-              <a:rPr lang="en-US" sz="2800" b="1" dirty="0">
-                <a:solidFill>
-                  <a:srgbClr val="1E1E1E"/>
+              <a:rPr lang="en-US" sz="4000" b="1" dirty="0">
+                <a:solidFill>
+                  <a:srgbClr val="1E293B"/>
                 </a:solidFill>
                 <a:latin typeface="Georgia" pitchFamily="34" charset="0"/>
                 <a:ea typeface="Georgia" pitchFamily="34" charset="-122"/>
@@ -26926,7 +27014,7 @@
               </a:rPr>
               <a:t>The 30-Day Challenge</a:t>
             </a:r>
-            <a:endParaRPr lang="en-US" sz="2800" dirty="0"/>
+            <a:endParaRPr lang="en-US" sz="4000" dirty="0"/>
           </a:p>
         </p:txBody>
       </p:sp>
@@ -27161,7 +27249,7 @@
             <a:r>
               <a:rPr lang="en-US" sz="900" dirty="0">
                 <a:solidFill>
-                  <a:srgbClr val="4B5563"/>
+                  <a:srgbClr val="64748B"/>
                 </a:solidFill>
                 <a:latin typeface="Calibri" pitchFamily="34" charset="0"/>
                 <a:ea typeface="Calibri" pitchFamily="34" charset="-122"/>
@@ -27200,7 +27288,7 @@
             <a:r>
               <a:rPr lang="en-US" sz="1000" dirty="0">
                 <a:solidFill>
-                  <a:srgbClr val="1E1E1E"/>
+                  <a:srgbClr val="1E293B"/>
                 </a:solidFill>
                 <a:latin typeface="Calibri" pitchFamily="34" charset="0"/>
                 <a:ea typeface="Calibri" pitchFamily="34" charset="-122"/>
@@ -27217,7 +27305,7 @@
             <a:r>
               <a:rPr lang="en-US" sz="1000" dirty="0">
                 <a:solidFill>
-                  <a:srgbClr val="1E1E1E"/>
+                  <a:srgbClr val="1E293B"/>
                 </a:solidFill>
                 <a:latin typeface="Calibri" pitchFamily="34" charset="0"/>
                 <a:ea typeface="Calibri" pitchFamily="34" charset="-122"/>
@@ -27234,7 +27322,7 @@
             <a:r>
               <a:rPr lang="en-US" sz="1000" dirty="0">
                 <a:solidFill>
-                  <a:srgbClr val="1E1E1E"/>
+                  <a:srgbClr val="1E293B"/>
                 </a:solidFill>
                 <a:latin typeface="Calibri" pitchFamily="34" charset="0"/>
                 <a:ea typeface="Calibri" pitchFamily="34" charset="-122"/>
@@ -27418,7 +27506,7 @@
             <a:r>
               <a:rPr lang="en-US" sz="900" dirty="0">
                 <a:solidFill>
-                  <a:srgbClr val="4B5563"/>
+                  <a:srgbClr val="64748B"/>
                 </a:solidFill>
                 <a:latin typeface="Calibri" pitchFamily="34" charset="0"/>
                 <a:ea typeface="Calibri" pitchFamily="34" charset="-122"/>
@@ -27457,7 +27545,7 @@
             <a:r>
               <a:rPr lang="en-US" sz="1000" dirty="0">
                 <a:solidFill>
-                  <a:srgbClr val="1E1E1E"/>
+                  <a:srgbClr val="1E293B"/>
                 </a:solidFill>
                 <a:latin typeface="Calibri" pitchFamily="34" charset="0"/>
                 <a:ea typeface="Calibri" pitchFamily="34" charset="-122"/>
@@ -27474,7 +27562,7 @@
             <a:r>
               <a:rPr lang="en-US" sz="1000" dirty="0">
                 <a:solidFill>
-                  <a:srgbClr val="1E1E1E"/>
+                  <a:srgbClr val="1E293B"/>
                 </a:solidFill>
                 <a:latin typeface="Calibri" pitchFamily="34" charset="0"/>
                 <a:ea typeface="Calibri" pitchFamily="34" charset="-122"/>
@@ -27491,7 +27579,7 @@
             <a:r>
               <a:rPr lang="en-US" sz="1000" dirty="0">
                 <a:solidFill>
-                  <a:srgbClr val="1E1E1E"/>
+                  <a:srgbClr val="1E293B"/>
                 </a:solidFill>
                 <a:latin typeface="Calibri" pitchFamily="34" charset="0"/>
                 <a:ea typeface="Calibri" pitchFamily="34" charset="-122"/>
@@ -27675,7 +27763,7 @@
             <a:r>
               <a:rPr lang="en-US" sz="900" dirty="0">
                 <a:solidFill>
-                  <a:srgbClr val="4B5563"/>
+                  <a:srgbClr val="64748B"/>
                 </a:solidFill>
                 <a:latin typeface="Calibri" pitchFamily="34" charset="0"/>
                 <a:ea typeface="Calibri" pitchFamily="34" charset="-122"/>
@@ -27714,7 +27802,7 @@
             <a:r>
               <a:rPr lang="en-US" sz="1000" dirty="0">
                 <a:solidFill>
-                  <a:srgbClr val="1E1E1E"/>
+                  <a:srgbClr val="1E293B"/>
                 </a:solidFill>
                 <a:latin typeface="Calibri" pitchFamily="34" charset="0"/>
                 <a:ea typeface="Calibri" pitchFamily="34" charset="-122"/>
@@ -27731,7 +27819,7 @@
             <a:r>
               <a:rPr lang="en-US" sz="1000" dirty="0">
                 <a:solidFill>
-                  <a:srgbClr val="1E1E1E"/>
+                  <a:srgbClr val="1E293B"/>
                 </a:solidFill>
                 <a:latin typeface="Calibri" pitchFamily="34" charset="0"/>
                 <a:ea typeface="Calibri" pitchFamily="34" charset="-122"/>
@@ -27748,7 +27836,7 @@
             <a:r>
               <a:rPr lang="en-US" sz="1000" dirty="0">
                 <a:solidFill>
-                  <a:srgbClr val="1E1E1E"/>
+                  <a:srgbClr val="1E293B"/>
                 </a:solidFill>
                 <a:latin typeface="Calibri" pitchFamily="34" charset="0"/>
                 <a:ea typeface="Calibri" pitchFamily="34" charset="-122"/>
@@ -27932,7 +28020,7 @@
             <a:r>
               <a:rPr lang="en-US" sz="900" dirty="0">
                 <a:solidFill>
-                  <a:srgbClr val="4B5563"/>
+                  <a:srgbClr val="64748B"/>
                 </a:solidFill>
                 <a:latin typeface="Calibri" pitchFamily="34" charset="0"/>
                 <a:ea typeface="Calibri" pitchFamily="34" charset="-122"/>
@@ -27971,7 +28059,7 @@
             <a:r>
               <a:rPr lang="en-US" sz="1000" dirty="0">
                 <a:solidFill>
-                  <a:srgbClr val="1E1E1E"/>
+                  <a:srgbClr val="1E293B"/>
                 </a:solidFill>
                 <a:latin typeface="Calibri" pitchFamily="34" charset="0"/>
                 <a:ea typeface="Calibri" pitchFamily="34" charset="-122"/>
@@ -27988,7 +28076,7 @@
             <a:r>
               <a:rPr lang="en-US" sz="1000" dirty="0">
                 <a:solidFill>
-                  <a:srgbClr val="1E1E1E"/>
+                  <a:srgbClr val="1E293B"/>
                 </a:solidFill>
                 <a:latin typeface="Calibri" pitchFamily="34" charset="0"/>
                 <a:ea typeface="Calibri" pitchFamily="34" charset="-122"/>
@@ -28005,7 +28093,7 @@
             <a:r>
               <a:rPr lang="en-US" sz="1000" dirty="0">
                 <a:solidFill>
-                  <a:srgbClr val="1E1E1E"/>
+                  <a:srgbClr val="1E293B"/>
                 </a:solidFill>
                 <a:latin typeface="Calibri" pitchFamily="34" charset="0"/>
                 <a:ea typeface="Calibri" pitchFamily="34" charset="-122"/>
@@ -28044,7 +28132,7 @@
             <a:r>
               <a:rPr lang="en-US" sz="1100" i="1" dirty="0">
                 <a:solidFill>
-                  <a:srgbClr val="4B5563"/>
+                  <a:srgbClr val="64748B"/>
                 </a:solidFill>
                 <a:latin typeface="Calibri" pitchFamily="34" charset="0"/>
                 <a:ea typeface="Calibri" pitchFamily="34" charset="-122"/>
@@ -28070,7 +28158,7 @@
     <p:bg>
       <p:bgPr>
         <a:solidFill>
-          <a:srgbClr val="1A1A2E"/>
+          <a:srgbClr val="0F0F1A"/>
         </a:solidFill>
       </p:bgPr>
     </p:bg>
@@ -28090,7 +28178,29 @@
       </p:grpSpPr>
       <p:sp>
         <p:nvSpPr>
-          <p:cNvPr id="2" name="Text 0"/>
+          <p:cNvPr id="2" name="Shape 0"/>
+          <p:cNvSpPr/>
+          <p:nvPr/>
+        </p:nvSpPr>
+        <p:spPr>
+          <a:xfrm>
+            <a:off x="4572000" y="2286000"/>
+            <a:ext cx="7315200" cy="5486400"/>
+          </a:xfrm>
+          <a:prstGeom prst="ellipse">
+            <a:avLst/>
+          </a:prstGeom>
+          <a:solidFill>
+            <a:srgbClr val="00B4D8">
+              <a:alpha val="4000"/>
+            </a:srgbClr>
+          </a:solidFill>
+          <a:ln/>
+        </p:spPr>
+      </p:sp>
+      <p:sp>
+        <p:nvSpPr>
+          <p:cNvPr id="3" name="Text 1"/>
           <p:cNvSpPr/>
           <p:nvPr/>
         </p:nvSpPr>
@@ -28129,7 +28239,7 @@
       </p:sp>
       <p:sp>
         <p:nvSpPr>
-          <p:cNvPr id="3" name="Text 1"/>
+          <p:cNvPr id="4" name="Text 2"/>
           <p:cNvSpPr/>
           <p:nvPr/>
         </p:nvSpPr>
@@ -28168,7 +28278,7 @@
       </p:sp>
       <p:sp>
         <p:nvSpPr>
-          <p:cNvPr id="4" name="Text 2"/>
+          <p:cNvPr id="5" name="Text 3"/>
           <p:cNvSpPr/>
           <p:nvPr/>
         </p:nvSpPr>
@@ -28207,7 +28317,7 @@
       </p:sp>
       <p:sp>
         <p:nvSpPr>
-          <p:cNvPr id="5" name="Text 3"/>
+          <p:cNvPr id="6" name="Text 4"/>
           <p:cNvSpPr/>
           <p:nvPr/>
         </p:nvSpPr>
@@ -28246,7 +28356,7 @@
       </p:sp>
       <p:sp>
         <p:nvSpPr>
-          <p:cNvPr id="6" name="Text 4"/>
+          <p:cNvPr id="7" name="Text 5"/>
           <p:cNvSpPr/>
           <p:nvPr/>
         </p:nvSpPr>
@@ -28285,7 +28395,7 @@
       </p:sp>
       <p:sp>
         <p:nvSpPr>
-          <p:cNvPr id="7" name="Text 5"/>
+          <p:cNvPr id="8" name="Text 6"/>
           <p:cNvSpPr/>
           <p:nvPr/>
         </p:nvSpPr>
@@ -28324,7 +28434,7 @@
       </p:sp>
       <p:sp>
         <p:nvSpPr>
-          <p:cNvPr id="8" name="Text 6"/>
+          <p:cNvPr id="9" name="Text 7"/>
           <p:cNvSpPr/>
           <p:nvPr/>
         </p:nvSpPr>
@@ -28363,7 +28473,7 @@
       </p:sp>
       <p:sp>
         <p:nvSpPr>
-          <p:cNvPr id="9" name="Text 7"/>
+          <p:cNvPr id="10" name="Text 8"/>
           <p:cNvSpPr/>
           <p:nvPr/>
         </p:nvSpPr>
@@ -28402,7 +28512,7 @@
       </p:sp>
       <p:sp>
         <p:nvSpPr>
-          <p:cNvPr id="10" name="Text 8"/>
+          <p:cNvPr id="11" name="Text 9"/>
           <p:cNvSpPr/>
           <p:nvPr/>
         </p:nvSpPr>
@@ -28441,7 +28551,7 @@
       </p:sp>
       <p:sp>
         <p:nvSpPr>
-          <p:cNvPr id="11" name="Text 9"/>
+          <p:cNvPr id="12" name="Text 10"/>
           <p:cNvSpPr/>
           <p:nvPr/>
         </p:nvSpPr>
@@ -28480,7 +28590,7 @@
       </p:sp>
       <p:sp>
         <p:nvSpPr>
-          <p:cNvPr id="12" name="Text 10"/>
+          <p:cNvPr id="13" name="Text 11"/>
           <p:cNvSpPr/>
           <p:nvPr/>
         </p:nvSpPr>
@@ -28519,7 +28629,7 @@
       </p:sp>
       <p:sp>
         <p:nvSpPr>
-          <p:cNvPr id="13" name="Text 11"/>
+          <p:cNvPr id="14" name="Text 12"/>
           <p:cNvSpPr/>
           <p:nvPr/>
         </p:nvSpPr>
@@ -28558,7 +28668,7 @@
       </p:sp>
       <p:sp>
         <p:nvSpPr>
-          <p:cNvPr id="14" name="Shape 12"/>
+          <p:cNvPr id="15" name="Shape 13"/>
           <p:cNvSpPr/>
           <p:nvPr/>
         </p:nvSpPr>
@@ -28581,7 +28691,7 @@
       </p:sp>
       <p:sp>
         <p:nvSpPr>
-          <p:cNvPr id="15" name="Text 13"/>
+          <p:cNvPr id="16" name="Text 14"/>
           <p:cNvSpPr/>
           <p:nvPr/>
         </p:nvSpPr>
@@ -28649,7 +28759,7 @@
     <p:bg>
       <p:bgPr>
         <a:solidFill>
-          <a:srgbClr val="1A1A2E"/>
+          <a:srgbClr val="0F0F1A"/>
         </a:solidFill>
       </p:bgPr>
     </p:bg>
@@ -28669,7 +28779,29 @@
       </p:grpSpPr>
       <p:sp>
         <p:nvSpPr>
-          <p:cNvPr id="2" name="Text 0"/>
+          <p:cNvPr id="2" name="Shape 0"/>
+          <p:cNvSpPr/>
+          <p:nvPr/>
+        </p:nvSpPr>
+        <p:spPr>
+          <a:xfrm>
+            <a:off x="4572000" y="2286000"/>
+            <a:ext cx="7315200" cy="5486400"/>
+          </a:xfrm>
+          <a:prstGeom prst="ellipse">
+            <a:avLst/>
+          </a:prstGeom>
+          <a:solidFill>
+            <a:srgbClr val="00B4D8">
+              <a:alpha val="4000"/>
+            </a:srgbClr>
+          </a:solidFill>
+          <a:ln/>
+        </p:spPr>
+      </p:sp>
+      <p:sp>
+        <p:nvSpPr>
+          <p:cNvPr id="3" name="Text 1"/>
           <p:cNvSpPr/>
           <p:nvPr/>
         </p:nvSpPr>
@@ -28725,7 +28857,7 @@
       </p:sp>
       <p:sp>
         <p:nvSpPr>
-          <p:cNvPr id="3" name="Shape 1"/>
+          <p:cNvPr id="4" name="Shape 2"/>
           <p:cNvSpPr/>
           <p:nvPr/>
         </p:nvSpPr>
@@ -28748,7 +28880,7 @@
       </p:sp>
       <p:sp>
         <p:nvSpPr>
-          <p:cNvPr id="4" name="Text 2"/>
+          <p:cNvPr id="5" name="Text 3"/>
           <p:cNvSpPr/>
           <p:nvPr/>
         </p:nvSpPr>
@@ -28787,7 +28919,7 @@
       </p:sp>
       <p:sp>
         <p:nvSpPr>
-          <p:cNvPr id="5" name="Text 3"/>
+          <p:cNvPr id="6" name="Text 4"/>
           <p:cNvSpPr/>
           <p:nvPr/>
         </p:nvSpPr>
@@ -28838,7 +28970,7 @@
     <p:bg>
       <p:bgPr>
         <a:solidFill>
-          <a:srgbClr val="F5F5F5"/>
+          <a:srgbClr val="F8F9FA"/>
         </a:solidFill>
       </p:bgPr>
     </p:bg>
@@ -28865,7 +28997,7 @@
         <p:spPr>
           <a:xfrm>
             <a:off x="457200" y="274320"/>
-            <a:ext cx="8229600" cy="548640"/>
+            <a:ext cx="8229600" cy="731520"/>
           </a:xfrm>
           <a:prstGeom prst="rect">
             <a:avLst/>
@@ -28881,9 +29013,9 @@
               <a:buNone/>
             </a:pPr>
             <a:r>
-              <a:rPr lang="en-US" sz="2800" b="1" dirty="0">
-                <a:solidFill>
-                  <a:srgbClr val="1E1E1E"/>
+              <a:rPr lang="en-US" sz="4000" b="1" dirty="0">
+                <a:solidFill>
+                  <a:srgbClr val="1E293B"/>
                 </a:solidFill>
                 <a:latin typeface="Georgia" pitchFamily="34" charset="0"/>
                 <a:ea typeface="Georgia" pitchFamily="34" charset="-122"/>
@@ -28891,7 +29023,7 @@
               </a:rPr>
               <a:t>The AI Moment Is Now</a:t>
             </a:r>
-            <a:endParaRPr lang="en-US" sz="2800" dirty="0"/>
+            <a:endParaRPr lang="en-US" sz="4000" dirty="0"/>
           </a:p>
         </p:txBody>
       </p:sp>
@@ -29008,7 +29140,7 @@
             <a:r>
               <a:rPr lang="en-US" sz="1300" dirty="0">
                 <a:solidFill>
-                  <a:srgbClr val="1E1E1E"/>
+                  <a:srgbClr val="1E293B"/>
                 </a:solidFill>
                 <a:latin typeface="Calibri" pitchFamily="34" charset="0"/>
                 <a:ea typeface="Calibri" pitchFamily="34" charset="-122"/>
@@ -29025,7 +29157,7 @@
             <a:r>
               <a:rPr lang="en-US" sz="1300" dirty="0">
                 <a:solidFill>
-                  <a:srgbClr val="1E1E1E"/>
+                  <a:srgbClr val="1E293B"/>
                 </a:solidFill>
                 <a:latin typeface="Calibri" pitchFamily="34" charset="0"/>
                 <a:ea typeface="Calibri" pitchFamily="34" charset="-122"/>
@@ -29064,7 +29196,7 @@
             <a:r>
               <a:rPr lang="en-US" sz="900" i="1" dirty="0">
                 <a:solidFill>
-                  <a:srgbClr val="4B5563"/>
+                  <a:srgbClr val="64748B"/>
                 </a:solidFill>
                 <a:latin typeface="Calibri" pitchFamily="34" charset="0"/>
                 <a:ea typeface="Calibri" pitchFamily="34" charset="-122"/>
@@ -29081,7 +29213,7 @@
             <a:r>
               <a:rPr lang="en-US" sz="900" i="1" dirty="0">
                 <a:solidFill>
-                  <a:srgbClr val="4B5563"/>
+                  <a:srgbClr val="64748B"/>
                 </a:solidFill>
                 <a:latin typeface="Calibri" pitchFamily="34" charset="0"/>
                 <a:ea typeface="Calibri" pitchFamily="34" charset="-122"/>
@@ -29206,7 +29338,7 @@
             <a:r>
               <a:rPr lang="en-US" sz="1300" dirty="0">
                 <a:solidFill>
-                  <a:srgbClr val="1E1E1E"/>
+                  <a:srgbClr val="1E293B"/>
                 </a:solidFill>
                 <a:latin typeface="Calibri" pitchFamily="34" charset="0"/>
                 <a:ea typeface="Calibri" pitchFamily="34" charset="-122"/>
@@ -29223,7 +29355,7 @@
             <a:r>
               <a:rPr lang="en-US" sz="1300" dirty="0">
                 <a:solidFill>
-                  <a:srgbClr val="1E1E1E"/>
+                  <a:srgbClr val="1E293B"/>
                 </a:solidFill>
                 <a:latin typeface="Calibri" pitchFamily="34" charset="0"/>
                 <a:ea typeface="Calibri" pitchFamily="34" charset="-122"/>
@@ -29262,7 +29394,7 @@
             <a:r>
               <a:rPr lang="en-US" sz="900" i="1" dirty="0">
                 <a:solidFill>
-                  <a:srgbClr val="4B5563"/>
+                  <a:srgbClr val="64748B"/>
                 </a:solidFill>
                 <a:latin typeface="Calibri" pitchFamily="34" charset="0"/>
                 <a:ea typeface="Calibri" pitchFamily="34" charset="-122"/>
@@ -29387,7 +29519,7 @@
             <a:r>
               <a:rPr lang="en-US" sz="1300" dirty="0">
                 <a:solidFill>
-                  <a:srgbClr val="1E1E1E"/>
+                  <a:srgbClr val="1E293B"/>
                 </a:solidFill>
                 <a:latin typeface="Calibri" pitchFamily="34" charset="0"/>
                 <a:ea typeface="Calibri" pitchFamily="34" charset="-122"/>
@@ -29404,7 +29536,7 @@
             <a:r>
               <a:rPr lang="en-US" sz="1300" dirty="0">
                 <a:solidFill>
-                  <a:srgbClr val="1E1E1E"/>
+                  <a:srgbClr val="1E293B"/>
                 </a:solidFill>
                 <a:latin typeface="Calibri" pitchFamily="34" charset="0"/>
                 <a:ea typeface="Calibri" pitchFamily="34" charset="-122"/>
@@ -29443,7 +29575,7 @@
             <a:r>
               <a:rPr lang="en-US" sz="900" i="1" dirty="0">
                 <a:solidFill>
-                  <a:srgbClr val="4B5563"/>
+                  <a:srgbClr val="64748B"/>
                 </a:solidFill>
                 <a:latin typeface="Calibri" pitchFamily="34" charset="0"/>
                 <a:ea typeface="Calibri" pitchFamily="34" charset="-122"/>
@@ -29482,7 +29614,7 @@
             <a:r>
               <a:rPr lang="en-US" sz="1100" i="1" dirty="0">
                 <a:solidFill>
-                  <a:srgbClr val="4B5563"/>
+                  <a:srgbClr val="64748B"/>
                 </a:solidFill>
                 <a:latin typeface="Calibri" pitchFamily="34" charset="0"/>
                 <a:ea typeface="Calibri" pitchFamily="34" charset="-122"/>
@@ -29508,7 +29640,7 @@
     <p:bg>
       <p:bgPr>
         <a:solidFill>
-          <a:srgbClr val="F5F5F5"/>
+          <a:srgbClr val="0F0F1A"/>
         </a:solidFill>
       </p:bgPr>
     </p:bg>
@@ -29528,7 +29660,29 @@
       </p:grpSpPr>
       <p:sp>
         <p:nvSpPr>
-          <p:cNvPr id="2" name="Text 0"/>
+          <p:cNvPr id="2" name="Shape 0"/>
+          <p:cNvSpPr/>
+          <p:nvPr/>
+        </p:nvSpPr>
+        <p:spPr>
+          <a:xfrm>
+            <a:off x="4572000" y="2286000"/>
+            <a:ext cx="7315200" cy="5486400"/>
+          </a:xfrm>
+          <a:prstGeom prst="ellipse">
+            <a:avLst/>
+          </a:prstGeom>
+          <a:solidFill>
+            <a:srgbClr val="00B4D8">
+              <a:alpha val="4000"/>
+            </a:srgbClr>
+          </a:solidFill>
+          <a:ln/>
+        </p:spPr>
+      </p:sp>
+      <p:sp>
+        <p:nvSpPr>
+          <p:cNvPr id="3" name="Text 1"/>
           <p:cNvSpPr/>
           <p:nvPr/>
         </p:nvSpPr>
@@ -29551,9 +29705,9 @@
               <a:buNone/>
             </a:pPr>
             <a:r>
-              <a:rPr lang="en-US" sz="2400" b="1" dirty="0">
-                <a:solidFill>
-                  <a:srgbClr val="1E1E1E"/>
+              <a:rPr lang="en-US" sz="2600" b="1" dirty="0">
+                <a:solidFill>
+                  <a:srgbClr val="E0E4E8"/>
                 </a:solidFill>
                 <a:latin typeface="Georgia" pitchFamily="34" charset="0"/>
                 <a:ea typeface="Georgia" pitchFamily="34" charset="-122"/>
@@ -29561,16 +29715,16 @@
               </a:rPr>
               <a:t>The core skill for AI is talking —</a:t>
             </a:r>
-            <a:endParaRPr lang="en-US" sz="2400" dirty="0"/>
+            <a:endParaRPr lang="en-US" sz="2600" dirty="0"/>
           </a:p>
           <a:p>
             <a:pPr algn="ctr" indent="0" marL="0">
               <a:buNone/>
             </a:pPr>
             <a:r>
-              <a:rPr lang="en-US" sz="2400" b="1" dirty="0">
-                <a:solidFill>
-                  <a:srgbClr val="1E1E1E"/>
+              <a:rPr lang="en-US" sz="2600" b="1" dirty="0">
+                <a:solidFill>
+                  <a:srgbClr val="E0E4E8"/>
                 </a:solidFill>
                 <a:latin typeface="Georgia" pitchFamily="34" charset="0"/>
                 <a:ea typeface="Georgia" pitchFamily="34" charset="-122"/>
@@ -29578,13 +29732,13 @@
               </a:rPr>
               <a:t>and you already have it.</a:t>
             </a:r>
-            <a:endParaRPr lang="en-US" sz="2400" dirty="0"/>
-          </a:p>
-        </p:txBody>
-      </p:sp>
-      <p:sp>
-        <p:nvSpPr>
-          <p:cNvPr id="3" name="Text 1"/>
+            <a:endParaRPr lang="en-US" sz="2600" dirty="0"/>
+          </a:p>
+        </p:txBody>
+      </p:sp>
+      <p:sp>
+        <p:nvSpPr>
+          <p:cNvPr id="4" name="Text 2"/>
           <p:cNvSpPr/>
           <p:nvPr/>
         </p:nvSpPr>
@@ -29607,9 +29761,9 @@
               <a:buNone/>
             </a:pPr>
             <a:r>
-              <a:rPr lang="en-US" sz="1500" i="1" dirty="0">
-                <a:solidFill>
-                  <a:srgbClr val="4B5563"/>
+              <a:rPr lang="en-US" sz="1600" i="1" dirty="0">
+                <a:solidFill>
+                  <a:srgbClr val="94A3B8"/>
                 </a:solidFill>
                 <a:latin typeface="Calibri" pitchFamily="34" charset="0"/>
                 <a:ea typeface="Calibri" pitchFamily="34" charset="-122"/>
@@ -29617,22 +29771,22 @@
               </a:rPr>
               <a:t>You're not missing the skill. You're just using it wrong.</a:t>
             </a:r>
-            <a:endParaRPr lang="en-US" sz="1500" dirty="0"/>
+            <a:endParaRPr lang="en-US" sz="1600" dirty="0"/>
           </a:p>
           <a:p>
             <a:pPr algn="ctr" indent="0" marL="0">
               <a:buNone/>
             </a:pPr>
-            <a:endParaRPr lang="en-US" sz="1500" dirty="0"/>
+            <a:endParaRPr lang="en-US" sz="1600" dirty="0"/>
           </a:p>
           <a:p>
             <a:pPr algn="ctr" indent="0" marL="0">
               <a:buNone/>
             </a:pPr>
             <a:r>
-              <a:rPr lang="en-US" sz="1500" i="1" dirty="0">
-                <a:solidFill>
-                  <a:srgbClr val="4B5563"/>
+              <a:rPr lang="en-US" sz="1600" i="1" dirty="0">
+                <a:solidFill>
+                  <a:srgbClr val="94A3B8"/>
                 </a:solidFill>
                 <a:latin typeface="Calibri" pitchFamily="34" charset="0"/>
                 <a:ea typeface="Calibri" pitchFamily="34" charset="-122"/>
@@ -29640,13 +29794,13 @@
               </a:rPr>
               <a:t>This deck is your walkthrough. Each section levels you up.</a:t>
             </a:r>
-            <a:endParaRPr lang="en-US" sz="1500" dirty="0"/>
-          </a:p>
-        </p:txBody>
-      </p:sp>
-      <p:sp>
-        <p:nvSpPr>
-          <p:cNvPr id="4" name="Text 2"/>
+            <a:endParaRPr lang="en-US" sz="1600" dirty="0"/>
+          </a:p>
+        </p:txBody>
+      </p:sp>
+      <p:sp>
+        <p:nvSpPr>
+          <p:cNvPr id="5" name="Text 3"/>
           <p:cNvSpPr/>
           <p:nvPr/>
         </p:nvSpPr>
@@ -29671,7 +29825,7 @@
             <a:r>
               <a:rPr lang="en-US" sz="1100" i="1" dirty="0">
                 <a:solidFill>
-                  <a:srgbClr val="4B5563"/>
+                  <a:srgbClr val="64748B"/>
                 </a:solidFill>
                 <a:latin typeface="Calibri" pitchFamily="34" charset="0"/>
                 <a:ea typeface="Calibri" pitchFamily="34" charset="-122"/>
@@ -29697,7 +29851,7 @@
     <p:bg>
       <p:bgPr>
         <a:solidFill>
-          <a:srgbClr val="1A1A2E"/>
+          <a:srgbClr val="0F0F1A"/>
         </a:solidFill>
       </p:bgPr>
     </p:bg>
@@ -29717,7 +29871,29 @@
       </p:grpSpPr>
       <p:sp>
         <p:nvSpPr>
-          <p:cNvPr id="2" name="Text 0"/>
+          <p:cNvPr id="2" name="Shape 0"/>
+          <p:cNvSpPr/>
+          <p:nvPr/>
+        </p:nvSpPr>
+        <p:spPr>
+          <a:xfrm>
+            <a:off x="4572000" y="2286000"/>
+            <a:ext cx="7315200" cy="5486400"/>
+          </a:xfrm>
+          <a:prstGeom prst="ellipse">
+            <a:avLst/>
+          </a:prstGeom>
+          <a:solidFill>
+            <a:srgbClr val="00B4D8">
+              <a:alpha val="4000"/>
+            </a:srgbClr>
+          </a:solidFill>
+          <a:ln/>
+        </p:spPr>
+      </p:sp>
+      <p:sp>
+        <p:nvSpPr>
+          <p:cNvPr id="3" name="Text 1"/>
           <p:cNvSpPr/>
           <p:nvPr/>
         </p:nvSpPr>
@@ -29756,7 +29932,7 @@
       </p:sp>
       <p:sp>
         <p:nvSpPr>
-          <p:cNvPr id="3" name="Text 1"/>
+          <p:cNvPr id="4" name="Text 2"/>
           <p:cNvSpPr/>
           <p:nvPr/>
         </p:nvSpPr>
@@ -29795,7 +29971,7 @@
       </p:sp>
       <p:sp>
         <p:nvSpPr>
-          <p:cNvPr id="4" name="Text 2"/>
+          <p:cNvPr id="5" name="Text 3"/>
           <p:cNvSpPr/>
           <p:nvPr/>
         </p:nvSpPr>
@@ -29834,7 +30010,7 @@
       </p:sp>
       <p:sp>
         <p:nvSpPr>
-          <p:cNvPr id="5" name="Text 3"/>
+          <p:cNvPr id="6" name="Text 4"/>
           <p:cNvSpPr/>
           <p:nvPr/>
         </p:nvSpPr>
@@ -29873,7 +30049,7 @@
       </p:sp>
       <p:sp>
         <p:nvSpPr>
-          <p:cNvPr id="6" name="Text 4"/>
+          <p:cNvPr id="7" name="Text 5"/>
           <p:cNvSpPr/>
           <p:nvPr/>
         </p:nvSpPr>
@@ -29912,7 +30088,7 @@
       </p:sp>
       <p:sp>
         <p:nvSpPr>
-          <p:cNvPr id="7" name="Text 5"/>
+          <p:cNvPr id="8" name="Text 6"/>
           <p:cNvSpPr/>
           <p:nvPr/>
         </p:nvSpPr>
@@ -29951,7 +30127,7 @@
       </p:sp>
       <p:sp>
         <p:nvSpPr>
-          <p:cNvPr id="8" name="Text 6"/>
+          <p:cNvPr id="9" name="Text 7"/>
           <p:cNvSpPr/>
           <p:nvPr/>
         </p:nvSpPr>
@@ -29990,7 +30166,7 @@
       </p:sp>
       <p:sp>
         <p:nvSpPr>
-          <p:cNvPr id="9" name="Text 7"/>
+          <p:cNvPr id="10" name="Text 8"/>
           <p:cNvSpPr/>
           <p:nvPr/>
         </p:nvSpPr>
@@ -30029,7 +30205,7 @@
       </p:sp>
       <p:sp>
         <p:nvSpPr>
-          <p:cNvPr id="10" name="Text 8"/>
+          <p:cNvPr id="11" name="Text 9"/>
           <p:cNvSpPr/>
           <p:nvPr/>
         </p:nvSpPr>
@@ -30068,7 +30244,7 @@
       </p:sp>
       <p:sp>
         <p:nvSpPr>
-          <p:cNvPr id="11" name="Text 9"/>
+          <p:cNvPr id="12" name="Text 10"/>
           <p:cNvSpPr/>
           <p:nvPr/>
         </p:nvSpPr>
@@ -30107,7 +30283,7 @@
       </p:sp>
       <p:sp>
         <p:nvSpPr>
-          <p:cNvPr id="12" name="Text 10"/>
+          <p:cNvPr id="13" name="Text 11"/>
           <p:cNvSpPr/>
           <p:nvPr/>
         </p:nvSpPr>
@@ -30146,7 +30322,7 @@
       </p:sp>
       <p:sp>
         <p:nvSpPr>
-          <p:cNvPr id="13" name="Text 11"/>
+          <p:cNvPr id="14" name="Text 12"/>
           <p:cNvSpPr/>
           <p:nvPr/>
         </p:nvSpPr>
@@ -30185,7 +30361,7 @@
       </p:sp>
       <p:sp>
         <p:nvSpPr>
-          <p:cNvPr id="14" name="Text 12"/>
+          <p:cNvPr id="15" name="Text 13"/>
           <p:cNvSpPr/>
           <p:nvPr/>
         </p:nvSpPr>
@@ -30224,7 +30400,7 @@
       </p:sp>
       <p:sp>
         <p:nvSpPr>
-          <p:cNvPr id="15" name="Text 13"/>
+          <p:cNvPr id="16" name="Text 14"/>
           <p:cNvSpPr/>
           <p:nvPr/>
         </p:nvSpPr>
@@ -30263,7 +30439,7 @@
       </p:sp>
       <p:sp>
         <p:nvSpPr>
-          <p:cNvPr id="16" name="Text 14"/>
+          <p:cNvPr id="17" name="Text 15"/>
           <p:cNvSpPr/>
           <p:nvPr/>
         </p:nvSpPr>
@@ -30302,7 +30478,7 @@
       </p:sp>
       <p:sp>
         <p:nvSpPr>
-          <p:cNvPr id="17" name="Text 15"/>
+          <p:cNvPr id="18" name="Text 16"/>
           <p:cNvSpPr/>
           <p:nvPr/>
         </p:nvSpPr>
@@ -30341,7 +30517,7 @@
       </p:sp>
       <p:sp>
         <p:nvSpPr>
-          <p:cNvPr id="18" name="Text 16"/>
+          <p:cNvPr id="19" name="Text 17"/>
           <p:cNvSpPr/>
           <p:nvPr/>
         </p:nvSpPr>
@@ -30380,7 +30556,7 @@
       </p:sp>
       <p:sp>
         <p:nvSpPr>
-          <p:cNvPr id="19" name="Text 17"/>
+          <p:cNvPr id="20" name="Text 18"/>
           <p:cNvSpPr/>
           <p:nvPr/>
         </p:nvSpPr>
@@ -30419,7 +30595,7 @@
       </p:sp>
       <p:sp>
         <p:nvSpPr>
-          <p:cNvPr id="20" name="Text 18"/>
+          <p:cNvPr id="21" name="Text 19"/>
           <p:cNvSpPr/>
           <p:nvPr/>
         </p:nvSpPr>
@@ -30458,7 +30634,7 @@
       </p:sp>
       <p:sp>
         <p:nvSpPr>
-          <p:cNvPr id="21" name="Text 19"/>
+          <p:cNvPr id="22" name="Text 20"/>
           <p:cNvSpPr/>
           <p:nvPr/>
         </p:nvSpPr>
@@ -30497,7 +30673,7 @@
       </p:sp>
       <p:sp>
         <p:nvSpPr>
-          <p:cNvPr id="22" name="Text 20"/>
+          <p:cNvPr id="23" name="Text 21"/>
           <p:cNvSpPr/>
           <p:nvPr/>
         </p:nvSpPr>
@@ -30536,7 +30712,7 @@
       </p:sp>
       <p:sp>
         <p:nvSpPr>
-          <p:cNvPr id="23" name="Text 21"/>
+          <p:cNvPr id="24" name="Text 22"/>
           <p:cNvSpPr/>
           <p:nvPr/>
         </p:nvSpPr>
@@ -30575,7 +30751,7 @@
       </p:sp>
       <p:sp>
         <p:nvSpPr>
-          <p:cNvPr id="24" name="Text 22"/>
+          <p:cNvPr id="25" name="Text 23"/>
           <p:cNvSpPr/>
           <p:nvPr/>
         </p:nvSpPr>
@@ -30614,7 +30790,7 @@
       </p:sp>
       <p:sp>
         <p:nvSpPr>
-          <p:cNvPr id="25" name="Text 23"/>
+          <p:cNvPr id="26" name="Text 24"/>
           <p:cNvSpPr/>
           <p:nvPr/>
         </p:nvSpPr>
@@ -30653,7 +30829,7 @@
       </p:sp>
       <p:sp>
         <p:nvSpPr>
-          <p:cNvPr id="26" name="Text 24"/>
+          <p:cNvPr id="27" name="Text 25"/>
           <p:cNvSpPr/>
           <p:nvPr/>
         </p:nvSpPr>
@@ -30692,7 +30868,7 @@
       </p:sp>
       <p:sp>
         <p:nvSpPr>
-          <p:cNvPr id="27" name="Text 25"/>
+          <p:cNvPr id="28" name="Text 26"/>
           <p:cNvSpPr/>
           <p:nvPr/>
         </p:nvSpPr>
@@ -30731,7 +30907,7 @@
       </p:sp>
       <p:sp>
         <p:nvSpPr>
-          <p:cNvPr id="28" name="Text 26"/>
+          <p:cNvPr id="29" name="Text 27"/>
           <p:cNvSpPr/>
           <p:nvPr/>
         </p:nvSpPr>
@@ -30770,7 +30946,7 @@
       </p:sp>
       <p:sp>
         <p:nvSpPr>
-          <p:cNvPr id="29" name="Text 27"/>
+          <p:cNvPr id="30" name="Text 28"/>
           <p:cNvSpPr/>
           <p:nvPr/>
         </p:nvSpPr>
@@ -30809,7 +30985,7 @@
       </p:sp>
       <p:sp>
         <p:nvSpPr>
-          <p:cNvPr id="30" name="Text 28"/>
+          <p:cNvPr id="31" name="Text 29"/>
           <p:cNvSpPr/>
           <p:nvPr/>
         </p:nvSpPr>
@@ -30848,7 +31024,7 @@
       </p:sp>
       <p:sp>
         <p:nvSpPr>
-          <p:cNvPr id="31" name="Text 29"/>
+          <p:cNvPr id="32" name="Text 30"/>
           <p:cNvSpPr/>
           <p:nvPr/>
         </p:nvSpPr>
@@ -30887,7 +31063,7 @@
       </p:sp>
       <p:sp>
         <p:nvSpPr>
-          <p:cNvPr id="32" name="Text 30"/>
+          <p:cNvPr id="33" name="Text 31"/>
           <p:cNvSpPr/>
           <p:nvPr/>
         </p:nvSpPr>
@@ -30926,7 +31102,7 @@
       </p:sp>
       <p:sp>
         <p:nvSpPr>
-          <p:cNvPr id="33" name="Text 31"/>
+          <p:cNvPr id="34" name="Text 32"/>
           <p:cNvSpPr/>
           <p:nvPr/>
         </p:nvSpPr>
@@ -30965,7 +31141,7 @@
       </p:sp>
       <p:sp>
         <p:nvSpPr>
-          <p:cNvPr id="34" name="Text 32"/>
+          <p:cNvPr id="35" name="Text 33"/>
           <p:cNvSpPr/>
           <p:nvPr/>
         </p:nvSpPr>
@@ -30990,7 +31166,7 @@
             <a:r>
               <a:rPr lang="en-US" sz="1400" i="1" dirty="0">
                 <a:solidFill>
-                  <a:srgbClr val="4B5563"/>
+                  <a:srgbClr val="64748B"/>
                 </a:solidFill>
                 <a:latin typeface="Calibri" pitchFamily="34" charset="0"/>
                 <a:ea typeface="Calibri" pitchFamily="34" charset="-122"/>
@@ -31016,7 +31192,7 @@
     <p:bg>
       <p:bgPr>
         <a:solidFill>
-          <a:srgbClr val="1A1A2E"/>
+          <a:srgbClr val="0F0F1A"/>
         </a:solidFill>
       </p:bgPr>
     </p:bg>
@@ -31036,7 +31212,29 @@
       </p:grpSpPr>
       <p:sp>
         <p:nvSpPr>
-          <p:cNvPr id="2" name="Text 0"/>
+          <p:cNvPr id="2" name="Shape 0"/>
+          <p:cNvSpPr/>
+          <p:nvPr/>
+        </p:nvSpPr>
+        <p:spPr>
+          <a:xfrm>
+            <a:off x="4572000" y="2286000"/>
+            <a:ext cx="7315200" cy="5486400"/>
+          </a:xfrm>
+          <a:prstGeom prst="ellipse">
+            <a:avLst/>
+          </a:prstGeom>
+          <a:solidFill>
+            <a:srgbClr val="00B4D8">
+              <a:alpha val="4000"/>
+            </a:srgbClr>
+          </a:solidFill>
+          <a:ln/>
+        </p:spPr>
+      </p:sp>
+      <p:sp>
+        <p:nvSpPr>
+          <p:cNvPr id="3" name="Text 1"/>
           <p:cNvSpPr/>
           <p:nvPr/>
         </p:nvSpPr>
@@ -31075,7 +31273,7 @@
       </p:sp>
       <p:sp>
         <p:nvSpPr>
-          <p:cNvPr id="3" name="Text 1"/>
+          <p:cNvPr id="4" name="Text 2"/>
           <p:cNvSpPr/>
           <p:nvPr/>
         </p:nvSpPr>
@@ -31114,7 +31312,7 @@
       </p:sp>
       <p:sp>
         <p:nvSpPr>
-          <p:cNvPr id="4" name="Text 2"/>
+          <p:cNvPr id="5" name="Text 3"/>
           <p:cNvSpPr/>
           <p:nvPr/>
         </p:nvSpPr>
@@ -31153,7 +31351,7 @@
       </p:sp>
       <p:sp>
         <p:nvSpPr>
-          <p:cNvPr id="5" name="Text 3"/>
+          <p:cNvPr id="6" name="Text 4"/>
           <p:cNvSpPr/>
           <p:nvPr/>
         </p:nvSpPr>
@@ -31192,7 +31390,7 @@
       </p:sp>
       <p:sp>
         <p:nvSpPr>
-          <p:cNvPr id="6" name="Text 4"/>
+          <p:cNvPr id="7" name="Text 5"/>
           <p:cNvSpPr/>
           <p:nvPr/>
         </p:nvSpPr>
@@ -31231,7 +31429,7 @@
       </p:sp>
       <p:sp>
         <p:nvSpPr>
-          <p:cNvPr id="7" name="Text 5"/>
+          <p:cNvPr id="8" name="Text 6"/>
           <p:cNvSpPr/>
           <p:nvPr/>
         </p:nvSpPr>
@@ -31270,7 +31468,7 @@
       </p:sp>
       <p:sp>
         <p:nvSpPr>
-          <p:cNvPr id="8" name="Text 6"/>
+          <p:cNvPr id="9" name="Text 7"/>
           <p:cNvSpPr/>
           <p:nvPr/>
         </p:nvSpPr>
@@ -31309,7 +31507,7 @@
       </p:sp>
       <p:sp>
         <p:nvSpPr>
-          <p:cNvPr id="9" name="Text 7"/>
+          <p:cNvPr id="10" name="Text 8"/>
           <p:cNvSpPr/>
           <p:nvPr/>
         </p:nvSpPr>
@@ -31348,7 +31546,7 @@
       </p:sp>
       <p:sp>
         <p:nvSpPr>
-          <p:cNvPr id="10" name="Shape 8"/>
+          <p:cNvPr id="11" name="Shape 9"/>
           <p:cNvSpPr/>
           <p:nvPr/>
         </p:nvSpPr>
@@ -31375,7 +31573,7 @@
       </p:sp>
       <p:sp>
         <p:nvSpPr>
-          <p:cNvPr id="11" name="Text 9"/>
+          <p:cNvPr id="12" name="Text 10"/>
           <p:cNvSpPr/>
           <p:nvPr/>
         </p:nvSpPr>
@@ -31431,7 +31629,7 @@
       </p:sp>
       <p:sp>
         <p:nvSpPr>
-          <p:cNvPr id="12" name="Shape 10"/>
+          <p:cNvPr id="13" name="Shape 11"/>
           <p:cNvSpPr/>
           <p:nvPr/>
         </p:nvSpPr>
@@ -31458,7 +31656,7 @@
       </p:sp>
       <p:sp>
         <p:nvSpPr>
-          <p:cNvPr id="13" name="Text 11"/>
+          <p:cNvPr id="14" name="Text 12"/>
           <p:cNvSpPr/>
           <p:nvPr/>
         </p:nvSpPr>
@@ -31514,7 +31712,7 @@
       </p:sp>
       <p:sp>
         <p:nvSpPr>
-          <p:cNvPr id="14" name="Shape 12"/>
+          <p:cNvPr id="15" name="Shape 13"/>
           <p:cNvSpPr/>
           <p:nvPr/>
         </p:nvSpPr>
@@ -31541,7 +31739,7 @@
       </p:sp>
       <p:sp>
         <p:nvSpPr>
-          <p:cNvPr id="15" name="Text 13"/>
+          <p:cNvPr id="16" name="Text 14"/>
           <p:cNvSpPr/>
           <p:nvPr/>
         </p:nvSpPr>
@@ -31597,7 +31795,7 @@
       </p:sp>
       <p:sp>
         <p:nvSpPr>
-          <p:cNvPr id="16" name="Shape 14"/>
+          <p:cNvPr id="17" name="Shape 15"/>
           <p:cNvSpPr/>
           <p:nvPr/>
         </p:nvSpPr>
@@ -31624,7 +31822,7 @@
       </p:sp>
       <p:sp>
         <p:nvSpPr>
-          <p:cNvPr id="17" name="Text 15"/>
+          <p:cNvPr id="18" name="Text 16"/>
           <p:cNvSpPr/>
           <p:nvPr/>
         </p:nvSpPr>
@@ -31680,7 +31878,7 @@
       </p:sp>
       <p:sp>
         <p:nvSpPr>
-          <p:cNvPr id="18" name="Text 16"/>
+          <p:cNvPr id="19" name="Text 17"/>
           <p:cNvSpPr/>
           <p:nvPr/>
         </p:nvSpPr>
@@ -31731,7 +31929,7 @@
     <p:bg>
       <p:bgPr>
         <a:solidFill>
-          <a:srgbClr val="F5F5F5"/>
+          <a:srgbClr val="F8F9FA"/>
         </a:solidFill>
       </p:bgPr>
     </p:bg>
@@ -31758,7 +31956,7 @@
         <p:spPr>
           <a:xfrm>
             <a:off x="457200" y="274320"/>
-            <a:ext cx="8229600" cy="548640"/>
+            <a:ext cx="8229600" cy="731520"/>
           </a:xfrm>
           <a:prstGeom prst="rect">
             <a:avLst/>
@@ -31774,9 +31972,9 @@
               <a:buNone/>
             </a:pPr>
             <a:r>
-              <a:rPr lang="en-US" sz="2800" b="1" dirty="0">
-                <a:solidFill>
-                  <a:srgbClr val="1E1E1E"/>
+              <a:rPr lang="en-US" sz="4000" b="1" dirty="0">
+                <a:solidFill>
+                  <a:srgbClr val="1E293B"/>
                 </a:solidFill>
                 <a:latin typeface="Georgia" pitchFamily="34" charset="0"/>
                 <a:ea typeface="Georgia" pitchFamily="34" charset="-122"/>
@@ -31784,7 +31982,7 @@
               </a:rPr>
               <a:t>The AI Stack, Simply</a:t>
             </a:r>
-            <a:endParaRPr lang="en-US" sz="2800" dirty="0"/>
+            <a:endParaRPr lang="en-US" sz="4000" dirty="0"/>
           </a:p>
         </p:txBody>
       </p:sp>
@@ -31886,7 +32084,7 @@
             <a:r>
               <a:rPr lang="en-US" sz="1600" b="1" dirty="0">
                 <a:solidFill>
-                  <a:srgbClr val="1E1E1E"/>
+                  <a:srgbClr val="1E293B"/>
                 </a:solidFill>
                 <a:latin typeface="Georgia" pitchFamily="34" charset="0"/>
                 <a:ea typeface="Georgia" pitchFamily="34" charset="-122"/>
@@ -31925,7 +32123,7 @@
             <a:r>
               <a:rPr lang="en-US" sz="1000" i="1" dirty="0">
                 <a:solidFill>
-                  <a:srgbClr val="4B5563"/>
+                  <a:srgbClr val="64748B"/>
                 </a:solidFill>
                 <a:latin typeface="Calibri" pitchFamily="34" charset="0"/>
                 <a:ea typeface="Calibri" pitchFamily="34" charset="-122"/>
@@ -31964,7 +32162,7 @@
             <a:r>
               <a:rPr lang="en-US" sz="1200" dirty="0">
                 <a:solidFill>
-                  <a:srgbClr val="1E1E1E"/>
+                  <a:srgbClr val="1E293B"/>
                 </a:solidFill>
                 <a:latin typeface="Calibri" pitchFamily="34" charset="0"/>
                 <a:ea typeface="Calibri" pitchFamily="34" charset="-122"/>
@@ -32074,7 +32272,7 @@
             <a:r>
               <a:rPr lang="en-US" sz="1600" b="1" dirty="0">
                 <a:solidFill>
-                  <a:srgbClr val="1E1E1E"/>
+                  <a:srgbClr val="1E293B"/>
                 </a:solidFill>
                 <a:latin typeface="Georgia" pitchFamily="34" charset="0"/>
                 <a:ea typeface="Georgia" pitchFamily="34" charset="-122"/>
@@ -32113,7 +32311,7 @@
             <a:r>
               <a:rPr lang="en-US" sz="1000" i="1" dirty="0">
                 <a:solidFill>
-                  <a:srgbClr val="4B5563"/>
+                  <a:srgbClr val="64748B"/>
                 </a:solidFill>
                 <a:latin typeface="Calibri" pitchFamily="34" charset="0"/>
                 <a:ea typeface="Calibri" pitchFamily="34" charset="-122"/>
@@ -32152,7 +32350,7 @@
             <a:r>
               <a:rPr lang="en-US" sz="1200" dirty="0">
                 <a:solidFill>
-                  <a:srgbClr val="1E1E1E"/>
+                  <a:srgbClr val="1E293B"/>
                 </a:solidFill>
                 <a:latin typeface="Calibri" pitchFamily="34" charset="0"/>
                 <a:ea typeface="Calibri" pitchFamily="34" charset="-122"/>
@@ -32262,7 +32460,7 @@
             <a:r>
               <a:rPr lang="en-US" sz="1600" b="1" dirty="0">
                 <a:solidFill>
-                  <a:srgbClr val="1E1E1E"/>
+                  <a:srgbClr val="1E293B"/>
                 </a:solidFill>
                 <a:latin typeface="Georgia" pitchFamily="34" charset="0"/>
                 <a:ea typeface="Georgia" pitchFamily="34" charset="-122"/>
@@ -32301,7 +32499,7 @@
             <a:r>
               <a:rPr lang="en-US" sz="1000" i="1" dirty="0">
                 <a:solidFill>
-                  <a:srgbClr val="4B5563"/>
+                  <a:srgbClr val="64748B"/>
                 </a:solidFill>
                 <a:latin typeface="Calibri" pitchFamily="34" charset="0"/>
                 <a:ea typeface="Calibri" pitchFamily="34" charset="-122"/>
@@ -32340,7 +32538,7 @@
             <a:r>
               <a:rPr lang="en-US" sz="1200" dirty="0">
                 <a:solidFill>
-                  <a:srgbClr val="1E1E1E"/>
+                  <a:srgbClr val="1E293B"/>
                 </a:solidFill>
                 <a:latin typeface="Calibri" pitchFamily="34" charset="0"/>
                 <a:ea typeface="Calibri" pitchFamily="34" charset="-122"/>
@@ -32450,7 +32648,7 @@
             <a:r>
               <a:rPr lang="en-US" sz="1600" b="1" dirty="0">
                 <a:solidFill>
-                  <a:srgbClr val="1E1E1E"/>
+                  <a:srgbClr val="1E293B"/>
                 </a:solidFill>
                 <a:latin typeface="Georgia" pitchFamily="34" charset="0"/>
                 <a:ea typeface="Georgia" pitchFamily="34" charset="-122"/>
@@ -32489,7 +32687,7 @@
             <a:r>
               <a:rPr lang="en-US" sz="1000" i="1" dirty="0">
                 <a:solidFill>
-                  <a:srgbClr val="4B5563"/>
+                  <a:srgbClr val="64748B"/>
                 </a:solidFill>
                 <a:latin typeface="Calibri" pitchFamily="34" charset="0"/>
                 <a:ea typeface="Calibri" pitchFamily="34" charset="-122"/>
@@ -32528,7 +32726,7 @@
             <a:r>
               <a:rPr lang="en-US" sz="1200" dirty="0">
                 <a:solidFill>
-                  <a:srgbClr val="1E1E1E"/>
+                  <a:srgbClr val="1E293B"/>
                 </a:solidFill>
                 <a:latin typeface="Calibri" pitchFamily="34" charset="0"/>
                 <a:ea typeface="Calibri" pitchFamily="34" charset="-122"/>

--- a/Getting-Agents-to-Give-Up-Their-Secrets.pptx
+++ b/Getting-Agents-to-Give-Up-Their-Secrets.pptx
@@ -12395,7 +12395,7 @@
               <a:buNone/>
             </a:pPr>
             <a:r>
-              <a:rPr lang="en-US" sz="1800" dirty="0">
+              <a:rPr lang="en-US" sz="2200" dirty="0">
                 <a:solidFill>
                   <a:srgbClr val="1E293B"/>
                 </a:solidFill>
@@ -12405,14 +12405,14 @@
               </a:rPr>
               <a:t>Write me a proposal for</a:t>
             </a:r>
-            <a:endParaRPr lang="en-US" sz="1800" dirty="0"/>
+            <a:endParaRPr lang="en-US" sz="2200" dirty="0"/>
           </a:p>
           <a:p>
             <a:pPr indent="0" marL="0">
               <a:buNone/>
             </a:pPr>
             <a:r>
-              <a:rPr lang="en-US" sz="1800" dirty="0">
+              <a:rPr lang="en-US" sz="2200" dirty="0">
                 <a:solidFill>
                   <a:srgbClr val="1E293B"/>
                 </a:solidFill>
@@ -12422,7 +12422,7 @@
               </a:rPr>
               <a:t>improving our onboarding process.</a:t>
             </a:r>
-            <a:endParaRPr lang="en-US" sz="1800" dirty="0"/>
+            <a:endParaRPr lang="en-US" sz="2200" dirty="0"/>
           </a:p>
         </p:txBody>
       </p:sp>
@@ -12491,7 +12491,7 @@
               <a:buNone/>
             </a:pPr>
             <a:r>
-              <a:rPr lang="en-US" sz="1800" dirty="0">
+              <a:rPr lang="en-US" sz="2200" dirty="0">
                 <a:solidFill>
                   <a:srgbClr val="1E293B"/>
                 </a:solidFill>
@@ -12501,14 +12501,14 @@
               </a:rPr>
               <a:t>You are a senior HR operations</a:t>
             </a:r>
-            <a:endParaRPr lang="en-US" sz="1800" dirty="0"/>
+            <a:endParaRPr lang="en-US" sz="2200" dirty="0"/>
           </a:p>
           <a:p>
             <a:pPr indent="0" marL="0">
               <a:buNone/>
             </a:pPr>
             <a:r>
-              <a:rPr lang="en-US" sz="1800" dirty="0">
+              <a:rPr lang="en-US" sz="2200" dirty="0">
                 <a:solidFill>
                   <a:srgbClr val="1E293B"/>
                 </a:solidFill>
@@ -12518,14 +12518,14 @@
               </a:rPr>
               <a:t>consultant. Write me a proposal for</a:t>
             </a:r>
-            <a:endParaRPr lang="en-US" sz="1800" dirty="0"/>
+            <a:endParaRPr lang="en-US" sz="2200" dirty="0"/>
           </a:p>
           <a:p>
             <a:pPr indent="0" marL="0">
               <a:buNone/>
             </a:pPr>
             <a:r>
-              <a:rPr lang="en-US" sz="1800" dirty="0">
+              <a:rPr lang="en-US" sz="2200" dirty="0">
                 <a:solidFill>
                   <a:srgbClr val="1E293B"/>
                 </a:solidFill>
@@ -12535,7 +12535,7 @@
               </a:rPr>
               <a:t>improving our onboarding process.</a:t>
             </a:r>
-            <a:endParaRPr lang="en-US" sz="1800" dirty="0"/>
+            <a:endParaRPr lang="en-US" sz="2200" dirty="0"/>
           </a:p>
         </p:txBody>
       </p:sp>
@@ -12714,7 +12714,7 @@
               <a:buNone/>
             </a:pPr>
             <a:r>
-              <a:rPr lang="en-US" sz="1800" dirty="0">
+              <a:rPr lang="en-US" sz="2200" dirty="0">
                 <a:solidFill>
                   <a:srgbClr val="1E293B"/>
                 </a:solidFill>
@@ -12724,14 +12724,14 @@
               </a:rPr>
               <a:t>Write me a proposal for</a:t>
             </a:r>
-            <a:endParaRPr lang="en-US" sz="1800" dirty="0"/>
+            <a:endParaRPr lang="en-US" sz="2200" dirty="0"/>
           </a:p>
           <a:p>
             <a:pPr indent="0" marL="0">
               <a:buNone/>
             </a:pPr>
             <a:r>
-              <a:rPr lang="en-US" sz="1800" dirty="0">
+              <a:rPr lang="en-US" sz="2200" dirty="0">
                 <a:solidFill>
                   <a:srgbClr val="1E293B"/>
                 </a:solidFill>
@@ -12741,7 +12741,7 @@
               </a:rPr>
               <a:t>improving our onboarding process.</a:t>
             </a:r>
-            <a:endParaRPr lang="en-US" sz="1800" dirty="0"/>
+            <a:endParaRPr lang="en-US" sz="2200" dirty="0"/>
           </a:p>
         </p:txBody>
       </p:sp>
@@ -12810,7 +12810,7 @@
               <a:buNone/>
             </a:pPr>
             <a:r>
-              <a:rPr lang="en-US" sz="1800" dirty="0">
+              <a:rPr lang="en-US" sz="2200" dirty="0">
                 <a:solidFill>
                   <a:srgbClr val="1E293B"/>
                 </a:solidFill>
@@ -12820,14 +12820,14 @@
               </a:rPr>
               <a:t>Write a proposal for reducing</a:t>
             </a:r>
-            <a:endParaRPr lang="en-US" sz="1800" dirty="0"/>
+            <a:endParaRPr lang="en-US" sz="2200" dirty="0"/>
           </a:p>
           <a:p>
             <a:pPr indent="0" marL="0">
               <a:buNone/>
             </a:pPr>
             <a:r>
-              <a:rPr lang="en-US" sz="1800" dirty="0">
+              <a:rPr lang="en-US" sz="2200" dirty="0">
                 <a:solidFill>
                   <a:srgbClr val="1E293B"/>
                 </a:solidFill>
@@ -12837,14 +12837,14 @@
               </a:rPr>
               <a:t>onboarding from 4 to 2 weeks,</a:t>
             </a:r>
-            <a:endParaRPr lang="en-US" sz="1800" dirty="0"/>
+            <a:endParaRPr lang="en-US" sz="2200" dirty="0"/>
           </a:p>
           <a:p>
             <a:pPr indent="0" marL="0">
               <a:buNone/>
             </a:pPr>
             <a:r>
-              <a:rPr lang="en-US" sz="1800" dirty="0">
+              <a:rPr lang="en-US" sz="2200" dirty="0">
                 <a:solidFill>
                   <a:srgbClr val="1E293B"/>
                 </a:solidFill>
@@ -12854,7 +12854,7 @@
               </a:rPr>
               <a:t>for the VP of People, under 2 pages.</a:t>
             </a:r>
-            <a:endParaRPr lang="en-US" sz="1800" dirty="0"/>
+            <a:endParaRPr lang="en-US" sz="2200" dirty="0"/>
           </a:p>
         </p:txBody>
       </p:sp>
@@ -13033,7 +13033,7 @@
               <a:buNone/>
             </a:pPr>
             <a:r>
-              <a:rPr lang="en-US" sz="1800" dirty="0">
+              <a:rPr lang="en-US" sz="2200" dirty="0">
                 <a:solidFill>
                   <a:srgbClr val="1E293B"/>
                 </a:solidFill>
@@ -13043,14 +13043,14 @@
               </a:rPr>
               <a:t>Write the proposal, draft an email,</a:t>
             </a:r>
-            <a:endParaRPr lang="en-US" sz="1800" dirty="0"/>
+            <a:endParaRPr lang="en-US" sz="2200" dirty="0"/>
           </a:p>
           <a:p>
             <a:pPr indent="0" marL="0">
               <a:buNone/>
             </a:pPr>
             <a:r>
-              <a:rPr lang="en-US" sz="1800" dirty="0">
+              <a:rPr lang="en-US" sz="2200" dirty="0">
                 <a:solidFill>
                   <a:srgbClr val="1E293B"/>
                 </a:solidFill>
@@ -13060,14 +13060,14 @@
               </a:rPr>
               <a:t>create a budget spreadsheet,</a:t>
             </a:r>
-            <a:endParaRPr lang="en-US" sz="1800" dirty="0"/>
+            <a:endParaRPr lang="en-US" sz="2200" dirty="0"/>
           </a:p>
           <a:p>
             <a:pPr indent="0" marL="0">
               <a:buNone/>
             </a:pPr>
             <a:r>
-              <a:rPr lang="en-US" sz="1800" dirty="0">
+              <a:rPr lang="en-US" sz="2200" dirty="0">
                 <a:solidFill>
                   <a:srgbClr val="1E293B"/>
                 </a:solidFill>
@@ -13077,7 +13077,7 @@
               </a:rPr>
               <a:t>and summarize risks.</a:t>
             </a:r>
-            <a:endParaRPr lang="en-US" sz="1800" dirty="0"/>
+            <a:endParaRPr lang="en-US" sz="2200" dirty="0"/>
           </a:p>
         </p:txBody>
       </p:sp>
@@ -13146,7 +13146,7 @@
               <a:buNone/>
             </a:pPr>
             <a:r>
-              <a:rPr lang="en-US" sz="1800" dirty="0">
+              <a:rPr lang="en-US" sz="2200" dirty="0">
                 <a:solidFill>
                   <a:srgbClr val="1E293B"/>
                 </a:solidFill>
@@ -13156,14 +13156,14 @@
               </a:rPr>
               <a:t>Structure the proposal with:</a:t>
             </a:r>
-            <a:endParaRPr lang="en-US" sz="1800" dirty="0"/>
+            <a:endParaRPr lang="en-US" sz="2200" dirty="0"/>
           </a:p>
           <a:p>
             <a:pPr indent="0" marL="0">
               <a:buNone/>
             </a:pPr>
             <a:r>
-              <a:rPr lang="en-US" sz="1800" dirty="0">
+              <a:rPr lang="en-US" sz="2200" dirty="0">
                 <a:solidFill>
                   <a:srgbClr val="1E293B"/>
                 </a:solidFill>
@@ -13173,14 +13173,14 @@
               </a:rPr>
               <a:t>1. Problem statement</a:t>
             </a:r>
-            <a:endParaRPr lang="en-US" sz="1800" dirty="0"/>
+            <a:endParaRPr lang="en-US" sz="2200" dirty="0"/>
           </a:p>
           <a:p>
             <a:pPr indent="0" marL="0">
               <a:buNone/>
             </a:pPr>
             <a:r>
-              <a:rPr lang="en-US" sz="1800" dirty="0">
+              <a:rPr lang="en-US" sz="2200" dirty="0">
                 <a:solidFill>
                   <a:srgbClr val="1E293B"/>
                 </a:solidFill>
@@ -13190,14 +13190,14 @@
               </a:rPr>
               <a:t>2. Proposed solution</a:t>
             </a:r>
-            <a:endParaRPr lang="en-US" sz="1800" dirty="0"/>
+            <a:endParaRPr lang="en-US" sz="2200" dirty="0"/>
           </a:p>
           <a:p>
             <a:pPr indent="0" marL="0">
               <a:buNone/>
             </a:pPr>
             <a:r>
-              <a:rPr lang="en-US" sz="1800" dirty="0">
+              <a:rPr lang="en-US" sz="2200" dirty="0">
                 <a:solidFill>
                   <a:srgbClr val="1E293B"/>
                 </a:solidFill>
@@ -13207,14 +13207,14 @@
               </a:rPr>
               <a:t>3. Expected outcomes</a:t>
             </a:r>
-            <a:endParaRPr lang="en-US" sz="1800" dirty="0"/>
+            <a:endParaRPr lang="en-US" sz="2200" dirty="0"/>
           </a:p>
           <a:p>
             <a:pPr indent="0" marL="0">
               <a:buNone/>
             </a:pPr>
             <a:r>
-              <a:rPr lang="en-US" sz="1800" dirty="0">
+              <a:rPr lang="en-US" sz="2200" dirty="0">
                 <a:solidFill>
                   <a:srgbClr val="1E293B"/>
                 </a:solidFill>
@@ -13224,7 +13224,7 @@
               </a:rPr>
               <a:t>4. Timeline</a:t>
             </a:r>
-            <a:endParaRPr lang="en-US" sz="1800" dirty="0"/>
+            <a:endParaRPr lang="en-US" sz="2200" dirty="0"/>
           </a:p>
         </p:txBody>
       </p:sp>
@@ -13403,7 +13403,7 @@
               <a:buNone/>
             </a:pPr>
             <a:r>
-              <a:rPr lang="en-US" sz="1800" dirty="0">
+              <a:rPr lang="en-US" sz="2200" dirty="0">
                 <a:solidFill>
                   <a:srgbClr val="1E293B"/>
                 </a:solidFill>
@@ -13413,14 +13413,14 @@
               </a:rPr>
               <a:t>Don't you think reducing</a:t>
             </a:r>
-            <a:endParaRPr lang="en-US" sz="1800" dirty="0"/>
+            <a:endParaRPr lang="en-US" sz="2200" dirty="0"/>
           </a:p>
           <a:p>
             <a:pPr indent="0" marL="0">
               <a:buNone/>
             </a:pPr>
             <a:r>
-              <a:rPr lang="en-US" sz="1800" dirty="0">
+              <a:rPr lang="en-US" sz="2200" dirty="0">
                 <a:solidFill>
                   <a:srgbClr val="1E293B"/>
                 </a:solidFill>
@@ -13430,14 +13430,14 @@
               </a:rPr>
               <a:t>onboarding to 2 weeks</a:t>
             </a:r>
-            <a:endParaRPr lang="en-US" sz="1800" dirty="0"/>
+            <a:endParaRPr lang="en-US" sz="2200" dirty="0"/>
           </a:p>
           <a:p>
             <a:pPr indent="0" marL="0">
               <a:buNone/>
             </a:pPr>
             <a:r>
-              <a:rPr lang="en-US" sz="1800" dirty="0">
+              <a:rPr lang="en-US" sz="2200" dirty="0">
                 <a:solidFill>
                   <a:srgbClr val="1E293B"/>
                 </a:solidFill>
@@ -13447,7 +13447,7 @@
               </a:rPr>
               <a:t>would be great?</a:t>
             </a:r>
-            <a:endParaRPr lang="en-US" sz="1800" dirty="0"/>
+            <a:endParaRPr lang="en-US" sz="2200" dirty="0"/>
           </a:p>
         </p:txBody>
       </p:sp>
@@ -13516,7 +13516,7 @@
               <a:buNone/>
             </a:pPr>
             <a:r>
-              <a:rPr lang="en-US" sz="1800" dirty="0">
+              <a:rPr lang="en-US" sz="2200" dirty="0">
                 <a:solidFill>
                   <a:srgbClr val="1E293B"/>
                 </a:solidFill>
@@ -13526,14 +13526,14 @@
               </a:rPr>
               <a:t>Be radically honest about challenges.</a:t>
             </a:r>
-            <a:endParaRPr lang="en-US" sz="1800" dirty="0"/>
+            <a:endParaRPr lang="en-US" sz="2200" dirty="0"/>
           </a:p>
           <a:p>
             <a:pPr indent="0" marL="0">
               <a:buNone/>
             </a:pPr>
             <a:r>
-              <a:rPr lang="en-US" sz="1800" dirty="0">
+              <a:rPr lang="en-US" sz="2200" dirty="0">
                 <a:solidFill>
                   <a:srgbClr val="1E293B"/>
                 </a:solidFill>
@@ -13543,14 +13543,14 @@
               </a:rPr>
               <a:t>Think step by step.</a:t>
             </a:r>
-            <a:endParaRPr lang="en-US" sz="1800" dirty="0"/>
+            <a:endParaRPr lang="en-US" sz="2200" dirty="0"/>
           </a:p>
           <a:p>
             <a:pPr indent="0" marL="0">
               <a:buNone/>
             </a:pPr>
             <a:r>
-              <a:rPr lang="en-US" sz="1800" dirty="0">
+              <a:rPr lang="en-US" sz="2200" dirty="0">
                 <a:solidFill>
                   <a:srgbClr val="1E293B"/>
                 </a:solidFill>
@@ -13560,7 +13560,7 @@
               </a:rPr>
               <a:t>Challenge my assumptions.</a:t>
             </a:r>
-            <a:endParaRPr lang="en-US" sz="1800" dirty="0"/>
+            <a:endParaRPr lang="en-US" sz="2200" dirty="0"/>
           </a:p>
         </p:txBody>
       </p:sp>
@@ -13739,7 +13739,7 @@
               <a:buNone/>
             </a:pPr>
             <a:r>
-              <a:rPr lang="en-US" sz="1800" dirty="0">
+              <a:rPr lang="en-US" sz="2200" dirty="0">
                 <a:solidFill>
                   <a:srgbClr val="1E293B"/>
                 </a:solidFill>
@@ -13749,14 +13749,14 @@
               </a:rPr>
               <a:t>(No format guidance)</a:t>
             </a:r>
-            <a:endParaRPr lang="en-US" sz="1800" dirty="0"/>
+            <a:endParaRPr lang="en-US" sz="2200" dirty="0"/>
           </a:p>
           <a:p>
             <a:pPr indent="0" marL="0">
               <a:buNone/>
             </a:pPr>
             <a:r>
-              <a:rPr lang="en-US" sz="1800" dirty="0">
+              <a:rPr lang="en-US" sz="2200" dirty="0">
                 <a:solidFill>
                   <a:srgbClr val="1E293B"/>
                 </a:solidFill>
@@ -13766,14 +13766,14 @@
               </a:rPr>
               <a:t>→ Random format, 5-page essay</a:t>
             </a:r>
-            <a:endParaRPr lang="en-US" sz="1800" dirty="0"/>
+            <a:endParaRPr lang="en-US" sz="2200" dirty="0"/>
           </a:p>
           <a:p>
             <a:pPr indent="0" marL="0">
               <a:buNone/>
             </a:pPr>
             <a:r>
-              <a:rPr lang="en-US" sz="1800" dirty="0">
+              <a:rPr lang="en-US" sz="2200" dirty="0">
                 <a:solidFill>
                   <a:srgbClr val="1E293B"/>
                 </a:solidFill>
@@ -13783,7 +13783,7 @@
               </a:rPr>
               <a:t>when you needed bullets.</a:t>
             </a:r>
-            <a:endParaRPr lang="en-US" sz="1800" dirty="0"/>
+            <a:endParaRPr lang="en-US" sz="2200" dirty="0"/>
           </a:p>
         </p:txBody>
       </p:sp>
@@ -13852,7 +13852,7 @@
               <a:buNone/>
             </a:pPr>
             <a:r>
-              <a:rPr lang="en-US" sz="1800" dirty="0">
+              <a:rPr lang="en-US" sz="2200" dirty="0">
                 <a:solidFill>
                   <a:srgbClr val="1E293B"/>
                 </a:solidFill>
@@ -13862,14 +13862,14 @@
               </a:rPr>
               <a:t>One-page executive brief with</a:t>
             </a:r>
-            <a:endParaRPr lang="en-US" sz="1800" dirty="0"/>
+            <a:endParaRPr lang="en-US" sz="2200" dirty="0"/>
           </a:p>
           <a:p>
             <a:pPr indent="0" marL="0">
               <a:buNone/>
             </a:pPr>
             <a:r>
-              <a:rPr lang="en-US" sz="1800" dirty="0">
+              <a:rPr lang="en-US" sz="2200" dirty="0">
                 <a:solidFill>
                   <a:srgbClr val="1E293B"/>
                 </a:solidFill>
@@ -13879,14 +13879,14 @@
               </a:rPr>
               <a:t>bullet points. Data-driven language.</a:t>
             </a:r>
-            <a:endParaRPr lang="en-US" sz="1800" dirty="0"/>
+            <a:endParaRPr lang="en-US" sz="2200" dirty="0"/>
           </a:p>
           <a:p>
             <a:pPr indent="0" marL="0">
               <a:buNone/>
             </a:pPr>
             <a:r>
-              <a:rPr lang="en-US" sz="1800" dirty="0">
+              <a:rPr lang="en-US" sz="2200" dirty="0">
                 <a:solidFill>
                   <a:srgbClr val="1E293B"/>
                 </a:solidFill>
@@ -13896,7 +13896,7 @@
               </a:rPr>
               <a:t>Reader has 2 minutes.</a:t>
             </a:r>
-            <a:endParaRPr lang="en-US" sz="1800" dirty="0"/>
+            <a:endParaRPr lang="en-US" sz="2200" dirty="0"/>
           </a:p>
         </p:txBody>
       </p:sp>
@@ -17532,7 +17532,7 @@
               <a:buNone/>
             </a:pPr>
             <a:r>
-              <a:rPr lang="en-US" sz="2000" dirty="0">
+              <a:rPr lang="en-US" sz="2200" dirty="0">
                 <a:solidFill>
                   <a:srgbClr val="1E293B"/>
                 </a:solidFill>
@@ -17542,14 +17542,14 @@
               </a:rPr>
               <a:t>You copy-paste</a:t>
             </a:r>
-            <a:endParaRPr lang="en-US" sz="2000" dirty="0"/>
+            <a:endParaRPr lang="en-US" sz="2200" dirty="0"/>
           </a:p>
           <a:p>
             <a:pPr algn="ctr" indent="0" marL="0">
               <a:buNone/>
             </a:pPr>
             <a:r>
-              <a:rPr lang="en-US" sz="2000" dirty="0">
+              <a:rPr lang="en-US" sz="2200" dirty="0">
                 <a:solidFill>
                   <a:srgbClr val="1E293B"/>
                 </a:solidFill>
@@ -17559,14 +17559,14 @@
               </a:rPr>
               <a:t>You forget the budget memo</a:t>
             </a:r>
-            <a:endParaRPr lang="en-US" sz="2000" dirty="0"/>
+            <a:endParaRPr lang="en-US" sz="2200" dirty="0"/>
           </a:p>
           <a:p>
             <a:pPr algn="ctr" indent="0" marL="0">
               <a:buNone/>
             </a:pPr>
             <a:r>
-              <a:rPr lang="en-US" sz="2000" dirty="0">
+              <a:rPr lang="en-US" sz="2200" dirty="0">
                 <a:solidFill>
                   <a:srgbClr val="1E293B"/>
                 </a:solidFill>
@@ -17576,7 +17576,7 @@
               </a:rPr>
               <a:t>VP asks — too late</a:t>
             </a:r>
-            <a:endParaRPr lang="en-US" sz="2000" dirty="0"/>
+            <a:endParaRPr lang="en-US" sz="2200" dirty="0"/>
           </a:p>
         </p:txBody>
       </p:sp>
@@ -17667,7 +17667,7 @@
               <a:buNone/>
             </a:pPr>
             <a:r>
-              <a:rPr lang="en-US" sz="2000" dirty="0">
+              <a:rPr lang="en-US" sz="2200" dirty="0">
                 <a:solidFill>
                   <a:srgbClr val="1E293B"/>
                 </a:solidFill>
@@ -17677,14 +17677,14 @@
               </a:rPr>
               <a:t>Agent reads directly</a:t>
             </a:r>
-            <a:endParaRPr lang="en-US" sz="2000" dirty="0"/>
+            <a:endParaRPr lang="en-US" sz="2200" dirty="0"/>
           </a:p>
           <a:p>
             <a:pPr algn="ctr" indent="0" marL="0">
               <a:buNone/>
             </a:pPr>
             <a:r>
-              <a:rPr lang="en-US" sz="2000" dirty="0">
+              <a:rPr lang="en-US" sz="2200" dirty="0">
                 <a:solidFill>
                   <a:srgbClr val="1E293B"/>
                 </a:solidFill>
@@ -17694,14 +17694,14 @@
               </a:rPr>
               <a:t>Finds what you forgot</a:t>
             </a:r>
-            <a:endParaRPr lang="en-US" sz="2000" dirty="0"/>
+            <a:endParaRPr lang="en-US" sz="2200" dirty="0"/>
           </a:p>
           <a:p>
             <a:pPr algn="ctr" indent="0" marL="0">
               <a:buNone/>
             </a:pPr>
             <a:r>
-              <a:rPr lang="en-US" sz="2000" dirty="0">
+              <a:rPr lang="en-US" sz="2200" dirty="0">
                 <a:solidFill>
                   <a:srgbClr val="1E293B"/>
                 </a:solidFill>
@@ -17711,7 +17711,7 @@
               </a:rPr>
               <a:t>Flags what you missed</a:t>
             </a:r>
-            <a:endParaRPr lang="en-US" sz="2000" dirty="0"/>
+            <a:endParaRPr lang="en-US" sz="2200" dirty="0"/>
           </a:p>
         </p:txBody>
       </p:sp>
@@ -17777,8 +17777,8 @@
         </p:nvSpPr>
         <p:spPr>
           <a:xfrm>
-            <a:off x="914400" y="1097280"/>
-            <a:ext cx="7315200" cy="2560320"/>
+            <a:off x="914400" y="548640"/>
+            <a:ext cx="7315200" cy="1828800"/>
           </a:xfrm>
           <a:prstGeom prst="rect">
             <a:avLst/>
@@ -17787,7 +17787,7 @@
           <a:ln/>
         </p:spPr>
         <p:txBody>
-          <a:bodyPr wrap="square" lIns="0" tIns="0" rIns="0" bIns="0" rtlCol="0" anchor="ctr"/>
+          <a:bodyPr wrap="square" lIns="0" tIns="0" rIns="0" bIns="0" rtlCol="0" anchor="b"/>
           <a:lstStyle/>
           <a:p>
             <a:pPr algn="ctr" indent="0" marL="0">
@@ -17816,8 +17816,8 @@
         </p:nvSpPr>
         <p:spPr>
           <a:xfrm>
-            <a:off x="1371600" y="3657600"/>
-            <a:ext cx="6400800" cy="731520"/>
+            <a:off x="1371600" y="2560320"/>
+            <a:ext cx="6400800" cy="1828800"/>
           </a:xfrm>
           <a:prstGeom prst="rect">
             <a:avLst/>
@@ -20722,7 +20722,7 @@
               <a:buNone/>
             </a:pPr>
             <a:r>
-              <a:rPr lang="en-US" sz="2000" dirty="0">
+              <a:rPr lang="en-US" sz="2200" dirty="0">
                 <a:solidFill>
                   <a:srgbClr val="94A3B8"/>
                 </a:solidFill>
@@ -20732,7 +20732,7 @@
               </a:rPr>
               <a:t>Effort. Every. Time.</a:t>
             </a:r>
-            <a:endParaRPr lang="en-US" sz="2000" dirty="0"/>
+            <a:endParaRPr lang="en-US" sz="2200" dirty="0"/>
           </a:p>
         </p:txBody>
       </p:sp>
@@ -20823,7 +20823,7 @@
               <a:buNone/>
             </a:pPr>
             <a:r>
-              <a:rPr lang="en-US" sz="2000" dirty="0">
+              <a:rPr lang="en-US" sz="2200" dirty="0">
                 <a:solidFill>
                   <a:srgbClr val="00B4D8"/>
                 </a:solidFill>
@@ -20833,7 +20833,7 @@
               </a:rPr>
               <a:t>Compounds permanently.</a:t>
             </a:r>
-            <a:endParaRPr lang="en-US" sz="2000" dirty="0"/>
+            <a:endParaRPr lang="en-US" sz="2200" dirty="0"/>
           </a:p>
         </p:txBody>
       </p:sp>

--- a/Getting-Agents-to-Give-Up-Their-Secrets.pptx
+++ b/Getting-Agents-to-Give-Up-Their-Secrets.pptx
@@ -12042,6 +12042,45 @@
           </a:p>
         </p:txBody>
       </p:sp>
+      <p:sp>
+        <p:nvSpPr>
+          <p:cNvPr id="4" name="Text 2"/>
+          <p:cNvSpPr/>
+          <p:nvPr/>
+        </p:nvSpPr>
+        <p:spPr>
+          <a:xfrm>
+            <a:off x="914400" y="2651760"/>
+            <a:ext cx="7315200" cy="548640"/>
+          </a:xfrm>
+          <a:prstGeom prst="rect">
+            <a:avLst/>
+          </a:prstGeom>
+          <a:noFill/>
+          <a:ln/>
+        </p:spPr>
+        <p:txBody>
+          <a:bodyPr wrap="square" lIns="0" tIns="0" rIns="0" bIns="0" rtlCol="0" anchor="ctr"/>
+          <a:lstStyle/>
+          <a:p>
+            <a:pPr algn="ctr" indent="0" marL="0">
+              <a:buNone/>
+            </a:pPr>
+            <a:r>
+              <a:rPr lang="en-US" sz="2800" i="1" dirty="0">
+                <a:solidFill>
+                  <a:srgbClr val="00B4D8"/>
+                </a:solidFill>
+                <a:latin typeface="Calibri" pitchFamily="34" charset="0"/>
+                <a:ea typeface="Calibri" pitchFamily="34" charset="-122"/>
+                <a:cs typeface="Calibri" pitchFamily="34" charset="-120"/>
+              </a:rPr>
+              <a:t>How to Stop Getting Useless Answers</a:t>
+            </a:r>
+            <a:endParaRPr lang="en-US" sz="2800" dirty="0"/>
+          </a:p>
+        </p:txBody>
+      </p:sp>
     </p:spTree>
   </p:cSld>
   <p:clrMapOvr>
@@ -15120,7 +15159,7 @@
       </p:sp>
       <p:pic>
         <p:nvPicPr>
-          <p:cNvPr id="4" name="Image 0" descr="preencoded.png">    </p:cNvPr>
+          <p:cNvPr id="4" name="Image 0" descr="/Users/michaelengland/Developer/michaelengland/ai-best-practices/icons/fish.png">    </p:cNvPr>
           <p:cNvPicPr>
             <a:picLocks noChangeAspect="1"/>
           </p:cNvPicPr>
@@ -15685,8 +15724,8 @@
         </p:nvSpPr>
         <p:spPr>
           <a:xfrm>
-            <a:off x="685800" y="2011680"/>
-            <a:ext cx="1737360" cy="731520"/>
+            <a:off x="457200" y="2011680"/>
+            <a:ext cx="1920240" cy="731520"/>
           </a:xfrm>
           <a:prstGeom prst="roundRect">
             <a:avLst>
@@ -15714,8 +15753,8 @@
         </p:nvSpPr>
         <p:spPr>
           <a:xfrm>
-            <a:off x="685800" y="2011680"/>
-            <a:ext cx="1737360" cy="731520"/>
+            <a:off x="457200" y="2011680"/>
+            <a:ext cx="1920240" cy="731520"/>
           </a:xfrm>
           <a:prstGeom prst="rect">
             <a:avLst/>
@@ -15731,7 +15770,7 @@
               <a:buNone/>
             </a:pPr>
             <a:r>
-              <a:rPr lang="en-US" sz="2800" b="1" dirty="0">
+              <a:rPr lang="en-US" sz="2200" b="1" dirty="0">
                 <a:solidFill>
                   <a:srgbClr val="FFFFFF"/>
                 </a:solidFill>
@@ -15741,7 +15780,7 @@
               </a:rPr>
               <a:t>AI Skeptic</a:t>
             </a:r>
-            <a:endParaRPr lang="en-US" sz="2800" dirty="0"/>
+            <a:endParaRPr lang="en-US" sz="2200" dirty="0"/>
           </a:p>
         </p:txBody>
       </p:sp>
@@ -15753,8 +15792,8 @@
         </p:nvSpPr>
         <p:spPr>
           <a:xfrm>
-            <a:off x="2423160" y="2011680"/>
-            <a:ext cx="274320" cy="731520"/>
+            <a:off x="2377440" y="2011680"/>
+            <a:ext cx="182880" cy="731520"/>
           </a:xfrm>
           <a:prstGeom prst="rect">
             <a:avLst/>
@@ -15770,7 +15809,7 @@
               <a:buNone/>
             </a:pPr>
             <a:r>
-              <a:rPr lang="en-US" sz="2800" dirty="0">
+              <a:rPr lang="en-US" sz="2200" dirty="0">
                 <a:solidFill>
                   <a:srgbClr val="00B4D8"/>
                 </a:solidFill>
@@ -15780,7 +15819,7 @@
               </a:rPr>
               <a:t>→</a:t>
             </a:r>
-            <a:endParaRPr lang="en-US" sz="2800" dirty="0"/>
+            <a:endParaRPr lang="en-US" sz="2200" dirty="0"/>
           </a:p>
         </p:txBody>
       </p:sp>
@@ -15792,8 +15831,8 @@
         </p:nvSpPr>
         <p:spPr>
           <a:xfrm>
-            <a:off x="2697480" y="2011680"/>
-            <a:ext cx="1737360" cy="731520"/>
+            <a:off x="2560320" y="2011680"/>
+            <a:ext cx="1920240" cy="731520"/>
           </a:xfrm>
           <a:prstGeom prst="roundRect">
             <a:avLst>
@@ -15821,8 +15860,8 @@
         </p:nvSpPr>
         <p:spPr>
           <a:xfrm>
-            <a:off x="2697480" y="2011680"/>
-            <a:ext cx="1737360" cy="731520"/>
+            <a:off x="2560320" y="2011680"/>
+            <a:ext cx="1920240" cy="731520"/>
           </a:xfrm>
           <a:prstGeom prst="rect">
             <a:avLst/>
@@ -15838,7 +15877,7 @@
               <a:buNone/>
             </a:pPr>
             <a:r>
-              <a:rPr lang="en-US" sz="2800" b="1" dirty="0">
+              <a:rPr lang="en-US" sz="2200" b="1" dirty="0">
                 <a:solidFill>
                   <a:srgbClr val="FFFFFF"/>
                 </a:solidFill>
@@ -15848,7 +15887,7 @@
               </a:rPr>
               <a:t>AI Questioner</a:t>
             </a:r>
-            <a:endParaRPr lang="en-US" sz="2800" dirty="0"/>
+            <a:endParaRPr lang="en-US" sz="2200" dirty="0"/>
           </a:p>
         </p:txBody>
       </p:sp>
@@ -15860,8 +15899,8 @@
         </p:nvSpPr>
         <p:spPr>
           <a:xfrm>
-            <a:off x="4434840" y="2011680"/>
-            <a:ext cx="274320" cy="731520"/>
+            <a:off x="4480560" y="2011680"/>
+            <a:ext cx="182880" cy="731520"/>
           </a:xfrm>
           <a:prstGeom prst="rect">
             <a:avLst/>
@@ -15877,7 +15916,7 @@
               <a:buNone/>
             </a:pPr>
             <a:r>
-              <a:rPr lang="en-US" sz="2800" dirty="0">
+              <a:rPr lang="en-US" sz="2200" dirty="0">
                 <a:solidFill>
                   <a:srgbClr val="00B4D8"/>
                 </a:solidFill>
@@ -15887,7 +15926,7 @@
               </a:rPr>
               <a:t>→</a:t>
             </a:r>
-            <a:endParaRPr lang="en-US" sz="2800" dirty="0"/>
+            <a:endParaRPr lang="en-US" sz="2200" dirty="0"/>
           </a:p>
         </p:txBody>
       </p:sp>
@@ -15899,8 +15938,8 @@
         </p:nvSpPr>
         <p:spPr>
           <a:xfrm>
-            <a:off x="4709160" y="2011680"/>
-            <a:ext cx="1737360" cy="731520"/>
+            <a:off x="4663440" y="2011680"/>
+            <a:ext cx="1920240" cy="731520"/>
           </a:xfrm>
           <a:prstGeom prst="roundRect">
             <a:avLst>
@@ -15928,8 +15967,8 @@
         </p:nvSpPr>
         <p:spPr>
           <a:xfrm>
-            <a:off x="4709160" y="2011680"/>
-            <a:ext cx="1737360" cy="731520"/>
+            <a:off x="4663440" y="2011680"/>
+            <a:ext cx="1920240" cy="731520"/>
           </a:xfrm>
           <a:prstGeom prst="rect">
             <a:avLst/>
@@ -15945,7 +15984,7 @@
               <a:buNone/>
             </a:pPr>
             <a:r>
-              <a:rPr lang="en-US" sz="2800" b="1" dirty="0">
+              <a:rPr lang="en-US" sz="2200" b="1" dirty="0">
                 <a:solidFill>
                   <a:srgbClr val="FFFFFF"/>
                 </a:solidFill>
@@ -15955,7 +15994,7 @@
               </a:rPr>
               <a:t>AI Viber</a:t>
             </a:r>
-            <a:endParaRPr lang="en-US" sz="2800" dirty="0"/>
+            <a:endParaRPr lang="en-US" sz="2200" dirty="0"/>
           </a:p>
         </p:txBody>
       </p:sp>
@@ -15967,8 +16006,8 @@
         </p:nvSpPr>
         <p:spPr>
           <a:xfrm>
-            <a:off x="6446520" y="2011680"/>
-            <a:ext cx="274320" cy="731520"/>
+            <a:off x="6583680" y="2011680"/>
+            <a:ext cx="182880" cy="731520"/>
           </a:xfrm>
           <a:prstGeom prst="rect">
             <a:avLst/>
@@ -15984,7 +16023,7 @@
               <a:buNone/>
             </a:pPr>
             <a:r>
-              <a:rPr lang="en-US" sz="2800" dirty="0">
+              <a:rPr lang="en-US" sz="2200" dirty="0">
                 <a:solidFill>
                   <a:srgbClr val="00B4D8"/>
                 </a:solidFill>
@@ -15994,7 +16033,7 @@
               </a:rPr>
               <a:t>→</a:t>
             </a:r>
-            <a:endParaRPr lang="en-US" sz="2800" dirty="0"/>
+            <a:endParaRPr lang="en-US" sz="2200" dirty="0"/>
           </a:p>
         </p:txBody>
       </p:sp>
@@ -16006,8 +16045,8 @@
         </p:nvSpPr>
         <p:spPr>
           <a:xfrm>
-            <a:off x="6720840" y="2011680"/>
-            <a:ext cx="1737360" cy="731520"/>
+            <a:off x="6766560" y="2011680"/>
+            <a:ext cx="1920240" cy="731520"/>
           </a:xfrm>
           <a:prstGeom prst="roundRect">
             <a:avLst>
@@ -16035,8 +16074,8 @@
         </p:nvSpPr>
         <p:spPr>
           <a:xfrm>
-            <a:off x="6720840" y="2011680"/>
-            <a:ext cx="1737360" cy="731520"/>
+            <a:off x="6766560" y="2011680"/>
+            <a:ext cx="1920240" cy="731520"/>
           </a:xfrm>
           <a:prstGeom prst="rect">
             <a:avLst/>
@@ -16052,7 +16091,7 @@
               <a:buNone/>
             </a:pPr>
             <a:r>
-              <a:rPr lang="en-US" sz="2800" b="1" dirty="0">
+              <a:rPr lang="en-US" sz="2200" b="1" dirty="0">
                 <a:solidFill>
                   <a:srgbClr val="FFFFFF"/>
                 </a:solidFill>
@@ -16062,7 +16101,7 @@
               </a:rPr>
               <a:t>AI-First</a:t>
             </a:r>
-            <a:endParaRPr lang="en-US" sz="2800" dirty="0"/>
+            <a:endParaRPr lang="en-US" sz="2200" dirty="0"/>
           </a:p>
         </p:txBody>
       </p:sp>
@@ -17060,7 +17099,7 @@
       </p:sp>
       <p:pic>
         <p:nvPicPr>
-          <p:cNvPr id="3" name="Image 0" descr="preencoded.png">    </p:cNvPr>
+          <p:cNvPr id="3" name="Image 0" descr="/Users/michaelengland/Developer/michaelengland/ai-best-practices/icons/globeW.png">    </p:cNvPr>
           <p:cNvPicPr>
             <a:picLocks noChangeAspect="1"/>
           </p:cNvPicPr>
@@ -17123,7 +17162,7 @@
       </p:sp>
       <p:pic>
         <p:nvPicPr>
-          <p:cNvPr id="5" name="Image 1" descr="preencoded.png">    </p:cNvPr>
+          <p:cNvPr id="5" name="Image 1" descr="/Users/michaelengland/Developer/michaelengland/ai-best-practices/icons/envelopeW.png">    </p:cNvPr>
           <p:cNvPicPr>
             <a:picLocks noChangeAspect="1"/>
           </p:cNvPicPr>
@@ -17186,7 +17225,7 @@
       </p:sp>
       <p:pic>
         <p:nvPicPr>
-          <p:cNvPr id="7" name="Image 2" descr="preencoded.png">    </p:cNvPr>
+          <p:cNvPr id="7" name="Image 2" descr="/Users/michaelengland/Developer/michaelengland/ai-best-practices/icons/puzzleW.png">    </p:cNvPr>
           <p:cNvPicPr>
             <a:picLocks noChangeAspect="1"/>
           </p:cNvPicPr>
@@ -17249,7 +17288,7 @@
       </p:sp>
       <p:pic>
         <p:nvPicPr>
-          <p:cNvPr id="9" name="Image 3" descr="preencoded.png">    </p:cNvPr>
+          <p:cNvPr id="9" name="Image 3" descr="/Users/michaelengland/Developer/michaelengland/ai-best-practices/icons/databaseW.png">    </p:cNvPr>
           <p:cNvPicPr>
             <a:picLocks noChangeAspect="1"/>
           </p:cNvPicPr>
@@ -17312,7 +17351,7 @@
       </p:sp>
       <p:pic>
         <p:nvPicPr>
-          <p:cNvPr id="11" name="Image 4" descr="preencoded.png">    </p:cNvPr>
+          <p:cNvPr id="11" name="Image 4" descr="/Users/michaelengland/Developer/michaelengland/ai-best-practices/icons/calendarW.png">    </p:cNvPr>
           <p:cNvPicPr>
             <a:picLocks noChangeAspect="1"/>
           </p:cNvPicPr>
@@ -17375,7 +17414,7 @@
       </p:sp>
       <p:pic>
         <p:nvPicPr>
-          <p:cNvPr id="13" name="Image 5" descr="preencoded.png">    </p:cNvPr>
+          <p:cNvPr id="13" name="Image 5" descr="/Users/michaelengland/Developer/michaelengland/ai-best-practices/icons/arrowW.png">    </p:cNvPr>
           <p:cNvPicPr>
             <a:picLocks noChangeAspect="1"/>
           </p:cNvPicPr>
@@ -18053,8 +18092,8 @@
         </p:nvSpPr>
         <p:spPr>
           <a:xfrm>
-            <a:off x="685800" y="1645920"/>
-            <a:ext cx="1737360" cy="731520"/>
+            <a:off x="457200" y="1645920"/>
+            <a:ext cx="1920240" cy="731520"/>
           </a:xfrm>
           <a:prstGeom prst="roundRect">
             <a:avLst>
@@ -18082,8 +18121,8 @@
         </p:nvSpPr>
         <p:spPr>
           <a:xfrm>
-            <a:off x="685800" y="1645920"/>
-            <a:ext cx="1737360" cy="731520"/>
+            <a:off x="457200" y="1645920"/>
+            <a:ext cx="1920240" cy="731520"/>
           </a:xfrm>
           <a:prstGeom prst="rect">
             <a:avLst/>
@@ -18099,7 +18138,7 @@
               <a:buNone/>
             </a:pPr>
             <a:r>
-              <a:rPr lang="en-US" sz="2800" b="1" dirty="0">
+              <a:rPr lang="en-US" sz="2200" b="1" dirty="0">
                 <a:solidFill>
                   <a:srgbClr val="94A3B8"/>
                 </a:solidFill>
@@ -18109,7 +18148,7 @@
               </a:rPr>
               <a:t>AI Skeptic</a:t>
             </a:r>
-            <a:endParaRPr lang="en-US" sz="2800" dirty="0"/>
+            <a:endParaRPr lang="en-US" sz="2200" dirty="0"/>
           </a:p>
         </p:txBody>
       </p:sp>
@@ -18121,8 +18160,8 @@
         </p:nvSpPr>
         <p:spPr>
           <a:xfrm>
-            <a:off x="2423160" y="1645920"/>
-            <a:ext cx="274320" cy="731520"/>
+            <a:off x="2377440" y="1645920"/>
+            <a:ext cx="182880" cy="731520"/>
           </a:xfrm>
           <a:prstGeom prst="rect">
             <a:avLst/>
@@ -18138,7 +18177,7 @@
               <a:buNone/>
             </a:pPr>
             <a:r>
-              <a:rPr lang="en-US" sz="2800" dirty="0">
+              <a:rPr lang="en-US" sz="2200" dirty="0">
                 <a:solidFill>
                   <a:srgbClr val="94A3B8"/>
                 </a:solidFill>
@@ -18148,7 +18187,7 @@
               </a:rPr>
               <a:t>→</a:t>
             </a:r>
-            <a:endParaRPr lang="en-US" sz="2800" dirty="0"/>
+            <a:endParaRPr lang="en-US" sz="2200" dirty="0"/>
           </a:p>
         </p:txBody>
       </p:sp>
@@ -18160,8 +18199,8 @@
         </p:nvSpPr>
         <p:spPr>
           <a:xfrm>
-            <a:off x="2697480" y="1645920"/>
-            <a:ext cx="1737360" cy="731520"/>
+            <a:off x="2560320" y="1645920"/>
+            <a:ext cx="1920240" cy="731520"/>
           </a:xfrm>
           <a:prstGeom prst="roundRect">
             <a:avLst>
@@ -18187,8 +18226,8 @@
         </p:nvSpPr>
         <p:spPr>
           <a:xfrm>
-            <a:off x="2697480" y="1645920"/>
-            <a:ext cx="1737360" cy="731520"/>
+            <a:off x="2560320" y="1645920"/>
+            <a:ext cx="1920240" cy="731520"/>
           </a:xfrm>
           <a:prstGeom prst="rect">
             <a:avLst/>
@@ -18204,7 +18243,7 @@
               <a:buNone/>
             </a:pPr>
             <a:r>
-              <a:rPr lang="en-US" sz="2800" b="1" dirty="0">
+              <a:rPr lang="en-US" sz="2200" b="1" dirty="0">
                 <a:solidFill>
                   <a:srgbClr val="FFFFFF"/>
                 </a:solidFill>
@@ -18214,7 +18253,7 @@
               </a:rPr>
               <a:t>AI Questioner</a:t>
             </a:r>
-            <a:endParaRPr lang="en-US" sz="2800" dirty="0"/>
+            <a:endParaRPr lang="en-US" sz="2200" dirty="0"/>
           </a:p>
         </p:txBody>
       </p:sp>
@@ -18226,8 +18265,8 @@
         </p:nvSpPr>
         <p:spPr>
           <a:xfrm>
-            <a:off x="4434840" y="1645920"/>
-            <a:ext cx="274320" cy="731520"/>
+            <a:off x="4480560" y="1645920"/>
+            <a:ext cx="182880" cy="731520"/>
           </a:xfrm>
           <a:prstGeom prst="rect">
             <a:avLst/>
@@ -18243,7 +18282,7 @@
               <a:buNone/>
             </a:pPr>
             <a:r>
-              <a:rPr lang="en-US" sz="2800" dirty="0">
+              <a:rPr lang="en-US" sz="2200" dirty="0">
                 <a:solidFill>
                   <a:srgbClr val="94A3B8"/>
                 </a:solidFill>
@@ -18253,7 +18292,7 @@
               </a:rPr>
               <a:t>→</a:t>
             </a:r>
-            <a:endParaRPr lang="en-US" sz="2800" dirty="0"/>
+            <a:endParaRPr lang="en-US" sz="2200" dirty="0"/>
           </a:p>
         </p:txBody>
       </p:sp>
@@ -18265,8 +18304,8 @@
         </p:nvSpPr>
         <p:spPr>
           <a:xfrm>
-            <a:off x="4709160" y="1645920"/>
-            <a:ext cx="1737360" cy="731520"/>
+            <a:off x="4663440" y="1645920"/>
+            <a:ext cx="1920240" cy="731520"/>
           </a:xfrm>
           <a:prstGeom prst="roundRect">
             <a:avLst>
@@ -18294,8 +18333,8 @@
         </p:nvSpPr>
         <p:spPr>
           <a:xfrm>
-            <a:off x="4709160" y="1645920"/>
-            <a:ext cx="1737360" cy="731520"/>
+            <a:off x="4663440" y="1645920"/>
+            <a:ext cx="1920240" cy="731520"/>
           </a:xfrm>
           <a:prstGeom prst="rect">
             <a:avLst/>
@@ -18311,7 +18350,7 @@
               <a:buNone/>
             </a:pPr>
             <a:r>
-              <a:rPr lang="en-US" sz="2800" b="1" dirty="0">
+              <a:rPr lang="en-US" sz="2200" b="1" dirty="0">
                 <a:solidFill>
                   <a:srgbClr val="94A3B8"/>
                 </a:solidFill>
@@ -18321,7 +18360,7 @@
               </a:rPr>
               <a:t>AI Viber</a:t>
             </a:r>
-            <a:endParaRPr lang="en-US" sz="2800" dirty="0"/>
+            <a:endParaRPr lang="en-US" sz="2200" dirty="0"/>
           </a:p>
         </p:txBody>
       </p:sp>
@@ -18333,8 +18372,8 @@
         </p:nvSpPr>
         <p:spPr>
           <a:xfrm>
-            <a:off x="6446520" y="1645920"/>
-            <a:ext cx="274320" cy="731520"/>
+            <a:off x="6583680" y="1645920"/>
+            <a:ext cx="182880" cy="731520"/>
           </a:xfrm>
           <a:prstGeom prst="rect">
             <a:avLst/>
@@ -18350,7 +18389,7 @@
               <a:buNone/>
             </a:pPr>
             <a:r>
-              <a:rPr lang="en-US" sz="2800" dirty="0">
+              <a:rPr lang="en-US" sz="2200" dirty="0">
                 <a:solidFill>
                   <a:srgbClr val="94A3B8"/>
                 </a:solidFill>
@@ -18360,7 +18399,7 @@
               </a:rPr>
               <a:t>→</a:t>
             </a:r>
-            <a:endParaRPr lang="en-US" sz="2800" dirty="0"/>
+            <a:endParaRPr lang="en-US" sz="2200" dirty="0"/>
           </a:p>
         </p:txBody>
       </p:sp>
@@ -18372,8 +18411,8 @@
         </p:nvSpPr>
         <p:spPr>
           <a:xfrm>
-            <a:off x="6720840" y="1645920"/>
-            <a:ext cx="1737360" cy="731520"/>
+            <a:off x="6766560" y="1645920"/>
+            <a:ext cx="1920240" cy="731520"/>
           </a:xfrm>
           <a:prstGeom prst="roundRect">
             <a:avLst>
@@ -18401,8 +18440,8 @@
         </p:nvSpPr>
         <p:spPr>
           <a:xfrm>
-            <a:off x="6720840" y="1645920"/>
-            <a:ext cx="1737360" cy="731520"/>
+            <a:off x="6766560" y="1645920"/>
+            <a:ext cx="1920240" cy="731520"/>
           </a:xfrm>
           <a:prstGeom prst="rect">
             <a:avLst/>
@@ -18418,7 +18457,7 @@
               <a:buNone/>
             </a:pPr>
             <a:r>
-              <a:rPr lang="en-US" sz="2800" b="1" dirty="0">
+              <a:rPr lang="en-US" sz="2200" b="1" dirty="0">
                 <a:solidFill>
                   <a:srgbClr val="94A3B8"/>
                 </a:solidFill>
@@ -18428,7 +18467,7 @@
               </a:rPr>
               <a:t>AI-First</a:t>
             </a:r>
-            <a:endParaRPr lang="en-US" sz="2800" dirty="0"/>
+            <a:endParaRPr lang="en-US" sz="2200" dirty="0"/>
           </a:p>
         </p:txBody>
       </p:sp>
@@ -18764,7 +18803,7 @@
       </p:sp>
       <p:pic>
         <p:nvPicPr>
-          <p:cNvPr id="3" name="Image 0" descr="preencoded.png">    </p:cNvPr>
+          <p:cNvPr id="3" name="Image 0" descr="/Users/michaelengland/Developer/michaelengland/ai-best-practices/icons/user.png">    </p:cNvPr>
           <p:cNvPicPr>
             <a:picLocks noChangeAspect="1"/>
           </p:cNvPicPr>
@@ -18850,7 +18889,7 @@
       </p:sp>
       <p:pic>
         <p:nvPicPr>
-          <p:cNvPr id="6" name="Image 1" descr="preencoded.png">    </p:cNvPr>
+          <p:cNvPr id="6" name="Image 1" descr="/Users/michaelengland/Developer/michaelengland/ai-best-practices/icons/user.png">    </p:cNvPr>
           <p:cNvPicPr>
             <a:picLocks noChangeAspect="1"/>
           </p:cNvPicPr>
@@ -18913,7 +18952,7 @@
       </p:sp>
       <p:pic>
         <p:nvPicPr>
-          <p:cNvPr id="8" name="Image 2" descr="preencoded.png">    </p:cNvPr>
+          <p:cNvPr id="8" name="Image 2" descr="/Users/michaelengland/Developer/michaelengland/ai-best-practices/icons/user.png">    </p:cNvPr>
           <p:cNvPicPr>
             <a:picLocks noChangeAspect="1"/>
           </p:cNvPicPr>
@@ -18976,7 +19015,7 @@
       </p:sp>
       <p:pic>
         <p:nvPicPr>
-          <p:cNvPr id="10" name="Image 3" descr="preencoded.png">    </p:cNvPr>
+          <p:cNvPr id="10" name="Image 3" descr="/Users/michaelengland/Developer/michaelengland/ai-best-practices/icons/user.png">    </p:cNvPr>
           <p:cNvPicPr>
             <a:picLocks noChangeAspect="1"/>
           </p:cNvPicPr>
@@ -19039,7 +19078,7 @@
       </p:sp>
       <p:pic>
         <p:nvPicPr>
-          <p:cNvPr id="12" name="Image 4" descr="preencoded.png">    </p:cNvPr>
+          <p:cNvPr id="12" name="Image 4" descr="/Users/michaelengland/Developer/michaelengland/ai-best-practices/icons/user.png">    </p:cNvPr>
           <p:cNvPicPr>
             <a:picLocks noChangeAspect="1"/>
           </p:cNvPicPr>
@@ -21476,8 +21515,8 @@
         </p:nvSpPr>
         <p:spPr>
           <a:xfrm>
-            <a:off x="685800" y="1280160"/>
-            <a:ext cx="1737360" cy="914400"/>
+            <a:off x="457200" y="1280160"/>
+            <a:ext cx="1920240" cy="914400"/>
           </a:xfrm>
           <a:prstGeom prst="rect">
             <a:avLst/>
@@ -21493,7 +21532,7 @@
               <a:buNone/>
             </a:pPr>
             <a:r>
-              <a:rPr lang="en-US" sz="2800" b="1" dirty="0">
+              <a:rPr lang="en-US" sz="2200" b="1" dirty="0">
                 <a:solidFill>
                   <a:srgbClr val="9CA3AF"/>
                 </a:solidFill>
@@ -21503,7 +21542,7 @@
               </a:rPr>
               <a:t>AI Skeptic</a:t>
             </a:r>
-            <a:endParaRPr lang="en-US" sz="2800" dirty="0"/>
+            <a:endParaRPr lang="en-US" sz="2200" dirty="0"/>
           </a:p>
         </p:txBody>
       </p:sp>
@@ -21515,8 +21554,8 @@
         </p:nvSpPr>
         <p:spPr>
           <a:xfrm>
-            <a:off x="685800" y="2560320"/>
-            <a:ext cx="1737360" cy="731520"/>
+            <a:off x="457200" y="2560320"/>
+            <a:ext cx="1920240" cy="731520"/>
           </a:xfrm>
           <a:prstGeom prst="rect">
             <a:avLst/>
@@ -21554,8 +21593,8 @@
         </p:nvSpPr>
         <p:spPr>
           <a:xfrm>
-            <a:off x="2423160" y="1737360"/>
-            <a:ext cx="274320" cy="548640"/>
+            <a:off x="2377440" y="1737360"/>
+            <a:ext cx="182880" cy="548640"/>
           </a:xfrm>
           <a:prstGeom prst="rect">
             <a:avLst/>
@@ -21593,8 +21632,8 @@
         </p:nvSpPr>
         <p:spPr>
           <a:xfrm>
-            <a:off x="2697480" y="1280160"/>
-            <a:ext cx="1737360" cy="914400"/>
+            <a:off x="2560320" y="1280160"/>
+            <a:ext cx="1920240" cy="914400"/>
           </a:xfrm>
           <a:prstGeom prst="rect">
             <a:avLst/>
@@ -21610,7 +21649,7 @@
               <a:buNone/>
             </a:pPr>
             <a:r>
-              <a:rPr lang="en-US" sz="2800" b="1" dirty="0">
+              <a:rPr lang="en-US" sz="2200" b="1" dirty="0">
                 <a:solidFill>
                   <a:srgbClr val="6B7280"/>
                 </a:solidFill>
@@ -21620,7 +21659,7 @@
               </a:rPr>
               <a:t>AI Questioner</a:t>
             </a:r>
-            <a:endParaRPr lang="en-US" sz="2800" dirty="0"/>
+            <a:endParaRPr lang="en-US" sz="2200" dirty="0"/>
           </a:p>
         </p:txBody>
       </p:sp>
@@ -21632,8 +21671,8 @@
         </p:nvSpPr>
         <p:spPr>
           <a:xfrm>
-            <a:off x="2697480" y="2560320"/>
-            <a:ext cx="1737360" cy="731520"/>
+            <a:off x="2560320" y="2560320"/>
+            <a:ext cx="1920240" cy="731520"/>
           </a:xfrm>
           <a:prstGeom prst="rect">
             <a:avLst/>
@@ -21671,8 +21710,8 @@
         </p:nvSpPr>
         <p:spPr>
           <a:xfrm>
-            <a:off x="4434840" y="1737360"/>
-            <a:ext cx="274320" cy="548640"/>
+            <a:off x="4480560" y="1737360"/>
+            <a:ext cx="182880" cy="548640"/>
           </a:xfrm>
           <a:prstGeom prst="rect">
             <a:avLst/>
@@ -21710,8 +21749,8 @@
         </p:nvSpPr>
         <p:spPr>
           <a:xfrm>
-            <a:off x="4709160" y="1280160"/>
-            <a:ext cx="1737360" cy="914400"/>
+            <a:off x="4663440" y="1280160"/>
+            <a:ext cx="1920240" cy="914400"/>
           </a:xfrm>
           <a:prstGeom prst="rect">
             <a:avLst/>
@@ -21727,7 +21766,7 @@
               <a:buNone/>
             </a:pPr>
             <a:r>
-              <a:rPr lang="en-US" sz="2800" b="1" dirty="0">
+              <a:rPr lang="en-US" sz="2200" b="1" dirty="0">
                 <a:solidFill>
                   <a:srgbClr val="00B4D8"/>
                 </a:solidFill>
@@ -21737,7 +21776,7 @@
               </a:rPr>
               <a:t>AI Viber</a:t>
             </a:r>
-            <a:endParaRPr lang="en-US" sz="2800" dirty="0"/>
+            <a:endParaRPr lang="en-US" sz="2200" dirty="0"/>
           </a:p>
         </p:txBody>
       </p:sp>
@@ -21749,8 +21788,8 @@
         </p:nvSpPr>
         <p:spPr>
           <a:xfrm>
-            <a:off x="4709160" y="2560320"/>
-            <a:ext cx="1737360" cy="731520"/>
+            <a:off x="4663440" y="2560320"/>
+            <a:ext cx="1920240" cy="731520"/>
           </a:xfrm>
           <a:prstGeom prst="rect">
             <a:avLst/>
@@ -21788,8 +21827,8 @@
         </p:nvSpPr>
         <p:spPr>
           <a:xfrm>
-            <a:off x="6446520" y="1737360"/>
-            <a:ext cx="274320" cy="548640"/>
+            <a:off x="6583680" y="1737360"/>
+            <a:ext cx="182880" cy="548640"/>
           </a:xfrm>
           <a:prstGeom prst="rect">
             <a:avLst/>
@@ -21827,8 +21866,8 @@
         </p:nvSpPr>
         <p:spPr>
           <a:xfrm>
-            <a:off x="6720840" y="1280160"/>
-            <a:ext cx="1737360" cy="914400"/>
+            <a:off x="6766560" y="1280160"/>
+            <a:ext cx="1920240" cy="914400"/>
           </a:xfrm>
           <a:prstGeom prst="rect">
             <a:avLst/>
@@ -21844,7 +21883,7 @@
               <a:buNone/>
             </a:pPr>
             <a:r>
-              <a:rPr lang="en-US" sz="2800" b="1" dirty="0">
+              <a:rPr lang="en-US" sz="2200" b="1" dirty="0">
                 <a:solidFill>
                   <a:srgbClr val="00B4D8"/>
                 </a:solidFill>
@@ -21854,7 +21893,7 @@
               </a:rPr>
               <a:t>AI-First</a:t>
             </a:r>
-            <a:endParaRPr lang="en-US" sz="2800" dirty="0"/>
+            <a:endParaRPr lang="en-US" sz="2200" dirty="0"/>
           </a:p>
         </p:txBody>
       </p:sp>
@@ -21866,8 +21905,8 @@
         </p:nvSpPr>
         <p:spPr>
           <a:xfrm>
-            <a:off x="6720840" y="2560320"/>
-            <a:ext cx="1737360" cy="731520"/>
+            <a:off x="6766560" y="2560320"/>
+            <a:ext cx="1920240" cy="731520"/>
           </a:xfrm>
           <a:prstGeom prst="rect">
             <a:avLst/>
@@ -24092,8 +24131,8 @@
         </p:nvSpPr>
         <p:spPr>
           <a:xfrm>
-            <a:off x="457200" y="1097280"/>
-            <a:ext cx="1828800" cy="548640"/>
+            <a:off x="228600" y="1097280"/>
+            <a:ext cx="2286000" cy="548640"/>
           </a:xfrm>
           <a:prstGeom prst="rect">
             <a:avLst/>
@@ -24109,7 +24148,7 @@
               <a:buNone/>
             </a:pPr>
             <a:r>
-              <a:rPr lang="en-US" sz="2800" b="1" dirty="0">
+              <a:rPr lang="en-US" sz="2400" b="1" dirty="0">
                 <a:solidFill>
                   <a:srgbClr val="FFFFFF"/>
                 </a:solidFill>
@@ -24119,7 +24158,7 @@
               </a:rPr>
               <a:t>PCs</a:t>
             </a:r>
-            <a:endParaRPr lang="en-US" sz="2800" dirty="0"/>
+            <a:endParaRPr lang="en-US" sz="2400" dirty="0"/>
           </a:p>
         </p:txBody>
       </p:sp>
@@ -24131,8 +24170,8 @@
         </p:nvSpPr>
         <p:spPr>
           <a:xfrm>
-            <a:off x="457200" y="1645920"/>
-            <a:ext cx="1828800" cy="457200"/>
+            <a:off x="228600" y="1645920"/>
+            <a:ext cx="2286000" cy="457200"/>
           </a:xfrm>
           <a:prstGeom prst="rect">
             <a:avLst/>
@@ -24148,7 +24187,7 @@
               <a:buNone/>
             </a:pPr>
             <a:r>
-              <a:rPr lang="en-US" sz="2800" dirty="0">
+              <a:rPr lang="en-US" sz="2400" dirty="0">
                 <a:solidFill>
                   <a:srgbClr val="94A3B8"/>
                 </a:solidFill>
@@ -24158,7 +24197,7 @@
               </a:rPr>
               <a:t>1980s</a:t>
             </a:r>
-            <a:endParaRPr lang="en-US" sz="2800" dirty="0"/>
+            <a:endParaRPr lang="en-US" sz="2400" dirty="0"/>
           </a:p>
         </p:txBody>
       </p:sp>
@@ -24190,8 +24229,8 @@
         </p:nvSpPr>
         <p:spPr>
           <a:xfrm>
-            <a:off x="2606040" y="1097280"/>
-            <a:ext cx="1828800" cy="548640"/>
+            <a:off x="2377440" y="1097280"/>
+            <a:ext cx="2286000" cy="548640"/>
           </a:xfrm>
           <a:prstGeom prst="rect">
             <a:avLst/>
@@ -24207,7 +24246,7 @@
               <a:buNone/>
             </a:pPr>
             <a:r>
-              <a:rPr lang="en-US" sz="2800" b="1" dirty="0">
+              <a:rPr lang="en-US" sz="2400" b="1" dirty="0">
                 <a:solidFill>
                   <a:srgbClr val="FFFFFF"/>
                 </a:solidFill>
@@ -24217,7 +24256,7 @@
               </a:rPr>
               <a:t>Internet</a:t>
             </a:r>
-            <a:endParaRPr lang="en-US" sz="2800" dirty="0"/>
+            <a:endParaRPr lang="en-US" sz="2400" dirty="0"/>
           </a:p>
         </p:txBody>
       </p:sp>
@@ -24229,8 +24268,8 @@
         </p:nvSpPr>
         <p:spPr>
           <a:xfrm>
-            <a:off x="2606040" y="1645920"/>
-            <a:ext cx="1828800" cy="457200"/>
+            <a:off x="2377440" y="1645920"/>
+            <a:ext cx="2286000" cy="457200"/>
           </a:xfrm>
           <a:prstGeom prst="rect">
             <a:avLst/>
@@ -24246,7 +24285,7 @@
               <a:buNone/>
             </a:pPr>
             <a:r>
-              <a:rPr lang="en-US" sz="2800" dirty="0">
+              <a:rPr lang="en-US" sz="2400" dirty="0">
                 <a:solidFill>
                   <a:srgbClr val="94A3B8"/>
                 </a:solidFill>
@@ -24256,7 +24295,7 @@
               </a:rPr>
               <a:t>1990s</a:t>
             </a:r>
-            <a:endParaRPr lang="en-US" sz="2800" dirty="0"/>
+            <a:endParaRPr lang="en-US" sz="2400" dirty="0"/>
           </a:p>
         </p:txBody>
       </p:sp>
@@ -24288,8 +24327,8 @@
         </p:nvSpPr>
         <p:spPr>
           <a:xfrm>
-            <a:off x="4754880" y="1097280"/>
-            <a:ext cx="1828800" cy="548640"/>
+            <a:off x="4526280" y="1097280"/>
+            <a:ext cx="2286000" cy="548640"/>
           </a:xfrm>
           <a:prstGeom prst="rect">
             <a:avLst/>
@@ -24305,7 +24344,7 @@
               <a:buNone/>
             </a:pPr>
             <a:r>
-              <a:rPr lang="en-US" sz="2800" b="1" dirty="0">
+              <a:rPr lang="en-US" sz="2400" b="1" dirty="0">
                 <a:solidFill>
                   <a:srgbClr val="FFFFFF"/>
                 </a:solidFill>
@@ -24315,7 +24354,7 @@
               </a:rPr>
               <a:t>Smartphones</a:t>
             </a:r>
-            <a:endParaRPr lang="en-US" sz="2800" dirty="0"/>
+            <a:endParaRPr lang="en-US" sz="2400" dirty="0"/>
           </a:p>
         </p:txBody>
       </p:sp>
@@ -24327,8 +24366,8 @@
         </p:nvSpPr>
         <p:spPr>
           <a:xfrm>
-            <a:off x="4754880" y="1645920"/>
-            <a:ext cx="1828800" cy="457200"/>
+            <a:off x="4526280" y="1645920"/>
+            <a:ext cx="2286000" cy="457200"/>
           </a:xfrm>
           <a:prstGeom prst="rect">
             <a:avLst/>
@@ -24344,7 +24383,7 @@
               <a:buNone/>
             </a:pPr>
             <a:r>
-              <a:rPr lang="en-US" sz="2800" dirty="0">
+              <a:rPr lang="en-US" sz="2400" dirty="0">
                 <a:solidFill>
                   <a:srgbClr val="94A3B8"/>
                 </a:solidFill>
@@ -24354,7 +24393,7 @@
               </a:rPr>
               <a:t>2010s</a:t>
             </a:r>
-            <a:endParaRPr lang="en-US" sz="2800" dirty="0"/>
+            <a:endParaRPr lang="en-US" sz="2400" dirty="0"/>
           </a:p>
         </p:txBody>
       </p:sp>
@@ -24386,8 +24425,8 @@
         </p:nvSpPr>
         <p:spPr>
           <a:xfrm>
-            <a:off x="6903720" y="1097280"/>
-            <a:ext cx="1828800" cy="548640"/>
+            <a:off x="6675120" y="1097280"/>
+            <a:ext cx="2286000" cy="548640"/>
           </a:xfrm>
           <a:prstGeom prst="rect">
             <a:avLst/>
@@ -24403,7 +24442,7 @@
               <a:buNone/>
             </a:pPr>
             <a:r>
-              <a:rPr lang="en-US" sz="2800" b="1" dirty="0">
+              <a:rPr lang="en-US" sz="2400" b="1" dirty="0">
                 <a:solidFill>
                   <a:srgbClr val="FFFFFF"/>
                 </a:solidFill>
@@ -24413,7 +24452,7 @@
               </a:rPr>
               <a:t>AI</a:t>
             </a:r>
-            <a:endParaRPr lang="en-US" sz="2800" dirty="0"/>
+            <a:endParaRPr lang="en-US" sz="2400" dirty="0"/>
           </a:p>
         </p:txBody>
       </p:sp>
@@ -24425,8 +24464,8 @@
         </p:nvSpPr>
         <p:spPr>
           <a:xfrm>
-            <a:off x="6903720" y="1645920"/>
-            <a:ext cx="1828800" cy="457200"/>
+            <a:off x="6675120" y="1645920"/>
+            <a:ext cx="2286000" cy="457200"/>
           </a:xfrm>
           <a:prstGeom prst="rect">
             <a:avLst/>
@@ -24442,7 +24481,7 @@
               <a:buNone/>
             </a:pPr>
             <a:r>
-              <a:rPr lang="en-US" sz="2800" dirty="0">
+              <a:rPr lang="en-US" sz="2400" dirty="0">
                 <a:solidFill>
                   <a:srgbClr val="94A3B8"/>
                 </a:solidFill>
@@ -24452,7 +24491,7 @@
               </a:rPr>
               <a:t>Now</a:t>
             </a:r>
-            <a:endParaRPr lang="en-US" sz="2800" dirty="0"/>
+            <a:endParaRPr lang="en-US" sz="2400" dirty="0"/>
           </a:p>
         </p:txBody>
       </p:sp>

--- a/Getting-Agents-to-Give-Up-Their-Secrets.pptx
+++ b/Getting-Agents-to-Give-Up-Their-Secrets.pptx
@@ -9164,12 +9164,12 @@
         </p:nvSpPr>
         <p:spPr>
           <a:xfrm>
-            <a:off x="457200" y="731520"/>
-            <a:ext cx="2926080" cy="822960"/>
+            <a:off x="457200" y="548640"/>
+            <a:ext cx="3474720" cy="1097280"/>
           </a:xfrm>
           <a:prstGeom prst="roundRect">
             <a:avLst>
-              <a:gd name="adj" fmla="val 11111"/>
+              <a:gd name="adj" fmla="val 8333"/>
             </a:avLst>
           </a:prstGeom>
           <a:solidFill>
@@ -9186,8 +9186,8 @@
         </p:nvSpPr>
         <p:spPr>
           <a:xfrm>
-            <a:off x="594360" y="731520"/>
-            <a:ext cx="2651760" cy="822960"/>
+            <a:off x="594360" y="548640"/>
+            <a:ext cx="3200400" cy="1097280"/>
           </a:xfrm>
           <a:prstGeom prst="rect">
             <a:avLst/>
@@ -9203,7 +9203,7 @@
               <a:buNone/>
             </a:pPr>
             <a:r>
-              <a:rPr lang="en-US" sz="2800" b="1" dirty="0">
+              <a:rPr lang="en-US" sz="2200" b="1" dirty="0">
                 <a:solidFill>
                   <a:srgbClr val="FFFFFF"/>
                 </a:solidFill>
@@ -9213,14 +9213,14 @@
               </a:rPr>
               <a:t>What's the difference</a:t>
             </a:r>
-            <a:endParaRPr lang="en-US" sz="2800" dirty="0"/>
+            <a:endParaRPr lang="en-US" sz="2200" dirty="0"/>
           </a:p>
           <a:p>
             <a:pPr indent="0" marL="0">
               <a:buNone/>
             </a:pPr>
             <a:r>
-              <a:rPr lang="en-US" sz="2800" b="1" dirty="0">
+              <a:rPr lang="en-US" sz="2200" b="1" dirty="0">
                 <a:solidFill>
                   <a:srgbClr val="FFFFFF"/>
                 </a:solidFill>
@@ -9230,7 +9230,7 @@
               </a:rPr>
               <a:t>between ChatGPT and GPT?</a:t>
             </a:r>
-            <a:endParaRPr lang="en-US" sz="2800" dirty="0"/>
+            <a:endParaRPr lang="en-US" sz="2200" dirty="0"/>
           </a:p>
         </p:txBody>
       </p:sp>
@@ -9242,12 +9242,12 @@
         </p:nvSpPr>
         <p:spPr>
           <a:xfrm>
-            <a:off x="5029200" y="1097280"/>
-            <a:ext cx="2926080" cy="822960"/>
+            <a:off x="5029200" y="914400"/>
+            <a:ext cx="3474720" cy="1097280"/>
           </a:xfrm>
           <a:prstGeom prst="roundRect">
             <a:avLst>
-              <a:gd name="adj" fmla="val 11111"/>
+              <a:gd name="adj" fmla="val 8333"/>
             </a:avLst>
           </a:prstGeom>
           <a:solidFill>
@@ -9264,8 +9264,8 @@
         </p:nvSpPr>
         <p:spPr>
           <a:xfrm>
-            <a:off x="5166360" y="1097280"/>
-            <a:ext cx="2651760" cy="822960"/>
+            <a:off x="5166360" y="914400"/>
+            <a:ext cx="3200400" cy="1097280"/>
           </a:xfrm>
           <a:prstGeom prst="rect">
             <a:avLst/>
@@ -9281,7 +9281,7 @@
               <a:buNone/>
             </a:pPr>
             <a:r>
-              <a:rPr lang="en-US" sz="2800" b="1" dirty="0">
+              <a:rPr lang="en-US" sz="2200" b="1" dirty="0">
                 <a:solidFill>
                   <a:srgbClr val="FFFFFF"/>
                 </a:solidFill>
@@ -9291,14 +9291,14 @@
               </a:rPr>
               <a:t>Is Claude the same</a:t>
             </a:r>
-            <a:endParaRPr lang="en-US" sz="2800" dirty="0"/>
+            <a:endParaRPr lang="en-US" sz="2200" dirty="0"/>
           </a:p>
           <a:p>
             <a:pPr indent="0" marL="0">
               <a:buNone/>
             </a:pPr>
             <a:r>
-              <a:rPr lang="en-US" sz="2800" b="1" dirty="0">
+              <a:rPr lang="en-US" sz="2200" b="1" dirty="0">
                 <a:solidFill>
                   <a:srgbClr val="FFFFFF"/>
                 </a:solidFill>
@@ -9308,7 +9308,7 @@
               </a:rPr>
               <a:t>as ChatGPT?</a:t>
             </a:r>
-            <a:endParaRPr lang="en-US" sz="2800" dirty="0"/>
+            <a:endParaRPr lang="en-US" sz="2200" dirty="0"/>
           </a:p>
         </p:txBody>
       </p:sp>
@@ -9320,12 +9320,12 @@
         </p:nvSpPr>
         <p:spPr>
           <a:xfrm>
-            <a:off x="1371600" y="2743200"/>
-            <a:ext cx="2926080" cy="822960"/>
+            <a:off x="1371600" y="2560320"/>
+            <a:ext cx="3474720" cy="1097280"/>
           </a:xfrm>
           <a:prstGeom prst="roundRect">
             <a:avLst>
-              <a:gd name="adj" fmla="val 11111"/>
+              <a:gd name="adj" fmla="val 8333"/>
             </a:avLst>
           </a:prstGeom>
           <a:solidFill>
@@ -9342,8 +9342,8 @@
         </p:nvSpPr>
         <p:spPr>
           <a:xfrm>
-            <a:off x="1508760" y="2743200"/>
-            <a:ext cx="2651760" cy="822960"/>
+            <a:off x="1508760" y="2560320"/>
+            <a:ext cx="3200400" cy="1097280"/>
           </a:xfrm>
           <a:prstGeom prst="rect">
             <a:avLst/>
@@ -9359,7 +9359,7 @@
               <a:buNone/>
             </a:pPr>
             <a:r>
-              <a:rPr lang="en-US" sz="2800" b="1" dirty="0">
+              <a:rPr lang="en-US" sz="2200" b="1" dirty="0">
                 <a:solidFill>
                   <a:srgbClr val="FFFFFF"/>
                 </a:solidFill>
@@ -9369,14 +9369,14 @@
               </a:rPr>
               <a:t>What even is</a:t>
             </a:r>
-            <a:endParaRPr lang="en-US" sz="2800" dirty="0"/>
+            <a:endParaRPr lang="en-US" sz="2200" dirty="0"/>
           </a:p>
           <a:p>
             <a:pPr indent="0" marL="0">
               <a:buNone/>
             </a:pPr>
             <a:r>
-              <a:rPr lang="en-US" sz="2800" b="1" dirty="0">
+              <a:rPr lang="en-US" sz="2200" b="1" dirty="0">
                 <a:solidFill>
                   <a:srgbClr val="FFFFFF"/>
                 </a:solidFill>
@@ -9386,7 +9386,7 @@
               </a:rPr>
               <a:t>an agent?</a:t>
             </a:r>
-            <a:endParaRPr lang="en-US" sz="2800" dirty="0"/>
+            <a:endParaRPr lang="en-US" sz="2200" dirty="0"/>
           </a:p>
         </p:txBody>
       </p:sp>
@@ -9398,12 +9398,12 @@
         </p:nvSpPr>
         <p:spPr>
           <a:xfrm>
-            <a:off x="5486400" y="2926080"/>
-            <a:ext cx="2926080" cy="822960"/>
+            <a:off x="5029200" y="2926080"/>
+            <a:ext cx="3474720" cy="1097280"/>
           </a:xfrm>
           <a:prstGeom prst="roundRect">
             <a:avLst>
-              <a:gd name="adj" fmla="val 11111"/>
+              <a:gd name="adj" fmla="val 8333"/>
             </a:avLst>
           </a:prstGeom>
           <a:solidFill>
@@ -9420,8 +9420,8 @@
         </p:nvSpPr>
         <p:spPr>
           <a:xfrm>
-            <a:off x="5623560" y="2926080"/>
-            <a:ext cx="2651760" cy="822960"/>
+            <a:off x="5166360" y="2926080"/>
+            <a:ext cx="3200400" cy="1097280"/>
           </a:xfrm>
           <a:prstGeom prst="rect">
             <a:avLst/>
@@ -9437,7 +9437,7 @@
               <a:buNone/>
             </a:pPr>
             <a:r>
-              <a:rPr lang="en-US" sz="2800" b="1" dirty="0">
+              <a:rPr lang="en-US" sz="2200" b="1" dirty="0">
                 <a:solidFill>
                   <a:srgbClr val="FFFFFF"/>
                 </a:solidFill>
@@ -9447,14 +9447,14 @@
               </a:rPr>
               <a:t>Do I need to know</a:t>
             </a:r>
-            <a:endParaRPr lang="en-US" sz="2800" dirty="0"/>
+            <a:endParaRPr lang="en-US" sz="2200" dirty="0"/>
           </a:p>
           <a:p>
             <a:pPr indent="0" marL="0">
               <a:buNone/>
             </a:pPr>
             <a:r>
-              <a:rPr lang="en-US" sz="2800" b="1" dirty="0">
+              <a:rPr lang="en-US" sz="2200" b="1" dirty="0">
                 <a:solidFill>
                   <a:srgbClr val="FFFFFF"/>
                 </a:solidFill>
@@ -9464,7 +9464,7 @@
               </a:rPr>
               <a:t>what a token is?</a:t>
             </a:r>
-            <a:endParaRPr lang="en-US" sz="2800" dirty="0"/>
+            <a:endParaRPr lang="en-US" sz="2200" dirty="0"/>
           </a:p>
         </p:txBody>
       </p:sp>
@@ -11540,7 +11540,7 @@
                 <a:ea typeface="Calibri" pitchFamily="34" charset="-122"/>
                 <a:cs typeface="Calibri" pitchFamily="34" charset="-120"/>
               </a:rPr>
-              <a:t>arguing with ChatGPT.</a:t>
+              <a:t>on a one-page summary using ChatGPT.</a:t>
             </a:r>
             <a:endParaRPr lang="en-US" sz="2800" dirty="0"/>
           </a:p>
@@ -11557,7 +11557,7 @@
                 <a:ea typeface="Calibri" pitchFamily="34" charset="-122"/>
                 <a:cs typeface="Calibri" pitchFamily="34" charset="-120"/>
               </a:rPr>
-              <a:t>The same task took 2 minutes.</a:t>
+              <a:t>The right approach took 2 minutes.</a:t>
             </a:r>
             <a:endParaRPr lang="en-US" sz="2800" dirty="0"/>
           </a:p>
@@ -14886,7 +14886,7 @@
         </p:nvSpPr>
         <p:spPr>
           <a:xfrm>
-            <a:off x="457200" y="1645920"/>
+            <a:off x="457200" y="1371600"/>
             <a:ext cx="3840480" cy="914400"/>
           </a:xfrm>
           <a:prstGeom prst="rect">
@@ -14925,7 +14925,7 @@
         </p:nvSpPr>
         <p:spPr>
           <a:xfrm>
-            <a:off x="457200" y="2651760"/>
+            <a:off x="457200" y="2743200"/>
             <a:ext cx="3840480" cy="731520"/>
           </a:xfrm>
           <a:prstGeom prst="rect">
@@ -14942,7 +14942,7 @@
               <a:buNone/>
             </a:pPr>
             <a:r>
-              <a:rPr lang="en-US" sz="2800" dirty="0">
+              <a:rPr lang="en-US" sz="2400" dirty="0">
                 <a:solidFill>
                   <a:srgbClr val="94A3B8"/>
                 </a:solidFill>
@@ -14952,7 +14952,7 @@
               </a:rPr>
               <a:t>Could be for any company.</a:t>
             </a:r>
-            <a:endParaRPr lang="en-US" sz="2800" dirty="0"/>
+            <a:endParaRPr lang="en-US" sz="2400" dirty="0"/>
           </a:p>
         </p:txBody>
       </p:sp>
@@ -14987,7 +14987,7 @@
         </p:nvSpPr>
         <p:spPr>
           <a:xfrm>
-            <a:off x="4846320" y="1645920"/>
+            <a:off x="4846320" y="1371600"/>
             <a:ext cx="3840480" cy="914400"/>
           </a:xfrm>
           <a:prstGeom prst="rect">
@@ -15043,7 +15043,7 @@
         </p:nvSpPr>
         <p:spPr>
           <a:xfrm>
-            <a:off x="4846320" y="2651760"/>
+            <a:off x="4846320" y="2743200"/>
             <a:ext cx="3840480" cy="731520"/>
           </a:xfrm>
           <a:prstGeom prst="rect">
@@ -15060,7 +15060,7 @@
               <a:buNone/>
             </a:pPr>
             <a:r>
-              <a:rPr lang="en-US" sz="2800" dirty="0">
+              <a:rPr lang="en-US" sz="2400" dirty="0">
                 <a:solidFill>
                   <a:srgbClr val="00B4D8"/>
                 </a:solidFill>
@@ -15070,7 +15070,7 @@
               </a:rPr>
               <a:t>Same prompt + your context.</a:t>
             </a:r>
-            <a:endParaRPr lang="en-US" sz="2800" dirty="0"/>
+            <a:endParaRPr lang="en-US" sz="2400" dirty="0"/>
           </a:p>
         </p:txBody>
       </p:sp>
@@ -17554,7 +17554,7 @@
         </p:nvSpPr>
         <p:spPr>
           <a:xfrm>
-            <a:off x="457200" y="1554480"/>
+            <a:off x="457200" y="1737360"/>
             <a:ext cx="3840480" cy="2286000"/>
           </a:xfrm>
           <a:prstGeom prst="rect">
@@ -17689,7 +17689,7 @@
         </p:nvSpPr>
         <p:spPr>
           <a:xfrm>
-            <a:off x="4846320" y="1554480"/>
+            <a:off x="4846320" y="1737360"/>
             <a:ext cx="3840480" cy="2286000"/>
           </a:xfrm>
           <a:prstGeom prst="rect">
@@ -17816,7 +17816,7 @@
         </p:nvSpPr>
         <p:spPr>
           <a:xfrm>
-            <a:off x="914400" y="548640"/>
+            <a:off x="914400" y="365760"/>
             <a:ext cx="7315200" cy="1828800"/>
           </a:xfrm>
           <a:prstGeom prst="rect">
@@ -17855,7 +17855,7 @@
         </p:nvSpPr>
         <p:spPr>
           <a:xfrm>
-            <a:off x="1371600" y="2560320"/>
+            <a:off x="1371600" y="2377440"/>
             <a:ext cx="6400800" cy="1828800"/>
           </a:xfrm>
           <a:prstGeom prst="rect">
@@ -21489,13 +21489,52 @@
       </p:sp>
       <p:sp>
         <p:nvSpPr>
-          <p:cNvPr id="3" name="Shape 1"/>
-          <p:cNvSpPr/>
-          <p:nvPr/>
-        </p:nvSpPr>
-        <p:spPr>
-          <a:xfrm>
-            <a:off x="457200" y="2377440"/>
+          <p:cNvPr id="3" name="Text 1"/>
+          <p:cNvSpPr/>
+          <p:nvPr/>
+        </p:nvSpPr>
+        <p:spPr>
+          <a:xfrm>
+            <a:off x="914400" y="365760"/>
+            <a:ext cx="7315200" cy="731520"/>
+          </a:xfrm>
+          <a:prstGeom prst="rect">
+            <a:avLst/>
+          </a:prstGeom>
+          <a:noFill/>
+          <a:ln/>
+        </p:spPr>
+        <p:txBody>
+          <a:bodyPr wrap="square" lIns="0" tIns="0" rIns="0" bIns="0" rtlCol="0" anchor="ctr"/>
+          <a:lstStyle/>
+          <a:p>
+            <a:pPr algn="ctr" indent="0" marL="0">
+              <a:buNone/>
+            </a:pPr>
+            <a:r>
+              <a:rPr lang="en-US" sz="3600" b="1" dirty="0">
+                <a:solidFill>
+                  <a:srgbClr val="FFFFFF"/>
+                </a:solidFill>
+                <a:latin typeface="Georgia" pitchFamily="34" charset="0"/>
+                <a:ea typeface="Georgia" pitchFamily="34" charset="-122"/>
+                <a:cs typeface="Georgia" pitchFamily="34" charset="-120"/>
+              </a:rPr>
+              <a:t>Look how far you've come.</a:t>
+            </a:r>
+            <a:endParaRPr lang="en-US" sz="3600" dirty="0"/>
+          </a:p>
+        </p:txBody>
+      </p:sp>
+      <p:sp>
+        <p:nvSpPr>
+          <p:cNvPr id="4" name="Shape 2"/>
+          <p:cNvSpPr/>
+          <p:nvPr/>
+        </p:nvSpPr>
+        <p:spPr>
+          <a:xfrm>
+            <a:off x="457200" y="2560320"/>
             <a:ext cx="8229600" cy="54864"/>
           </a:xfrm>
           <a:prstGeom prst="rect">
@@ -21509,13 +21548,13 @@
       </p:sp>
       <p:sp>
         <p:nvSpPr>
-          <p:cNvPr id="4" name="Text 2"/>
-          <p:cNvSpPr/>
-          <p:nvPr/>
-        </p:nvSpPr>
-        <p:spPr>
-          <a:xfrm>
-            <a:off x="457200" y="1280160"/>
+          <p:cNvPr id="5" name="Text 3"/>
+          <p:cNvSpPr/>
+          <p:nvPr/>
+        </p:nvSpPr>
+        <p:spPr>
+          <a:xfrm>
+            <a:off x="457200" y="1463040"/>
             <a:ext cx="1920240" cy="914400"/>
           </a:xfrm>
           <a:prstGeom prst="rect">
@@ -21548,13 +21587,13 @@
       </p:sp>
       <p:sp>
         <p:nvSpPr>
-          <p:cNvPr id="5" name="Text 3"/>
-          <p:cNvSpPr/>
-          <p:nvPr/>
-        </p:nvSpPr>
-        <p:spPr>
-          <a:xfrm>
-            <a:off x="457200" y="2560320"/>
+          <p:cNvPr id="6" name="Text 4"/>
+          <p:cNvSpPr/>
+          <p:nvPr/>
+        </p:nvSpPr>
+        <p:spPr>
+          <a:xfrm>
+            <a:off x="457200" y="2743200"/>
             <a:ext cx="1920240" cy="731520"/>
           </a:xfrm>
           <a:prstGeom prst="rect">
@@ -21587,13 +21626,13 @@
       </p:sp>
       <p:sp>
         <p:nvSpPr>
-          <p:cNvPr id="6" name="Text 4"/>
-          <p:cNvSpPr/>
-          <p:nvPr/>
-        </p:nvSpPr>
-        <p:spPr>
-          <a:xfrm>
-            <a:off x="2377440" y="1737360"/>
+          <p:cNvPr id="7" name="Text 5"/>
+          <p:cNvSpPr/>
+          <p:nvPr/>
+        </p:nvSpPr>
+        <p:spPr>
+          <a:xfrm>
+            <a:off x="2377440" y="1920240"/>
             <a:ext cx="182880" cy="548640"/>
           </a:xfrm>
           <a:prstGeom prst="rect">
@@ -21626,13 +21665,13 @@
       </p:sp>
       <p:sp>
         <p:nvSpPr>
-          <p:cNvPr id="7" name="Text 5"/>
-          <p:cNvSpPr/>
-          <p:nvPr/>
-        </p:nvSpPr>
-        <p:spPr>
-          <a:xfrm>
-            <a:off x="2560320" y="1280160"/>
+          <p:cNvPr id="8" name="Text 6"/>
+          <p:cNvSpPr/>
+          <p:nvPr/>
+        </p:nvSpPr>
+        <p:spPr>
+          <a:xfrm>
+            <a:off x="2560320" y="1463040"/>
             <a:ext cx="1920240" cy="914400"/>
           </a:xfrm>
           <a:prstGeom prst="rect">
@@ -21665,13 +21704,13 @@
       </p:sp>
       <p:sp>
         <p:nvSpPr>
-          <p:cNvPr id="8" name="Text 6"/>
-          <p:cNvSpPr/>
-          <p:nvPr/>
-        </p:nvSpPr>
-        <p:spPr>
-          <a:xfrm>
-            <a:off x="2560320" y="2560320"/>
+          <p:cNvPr id="9" name="Text 7"/>
+          <p:cNvSpPr/>
+          <p:nvPr/>
+        </p:nvSpPr>
+        <p:spPr>
+          <a:xfrm>
+            <a:off x="2560320" y="2743200"/>
             <a:ext cx="1920240" cy="731520"/>
           </a:xfrm>
           <a:prstGeom prst="rect">
@@ -21704,13 +21743,13 @@
       </p:sp>
       <p:sp>
         <p:nvSpPr>
-          <p:cNvPr id="9" name="Text 7"/>
-          <p:cNvSpPr/>
-          <p:nvPr/>
-        </p:nvSpPr>
-        <p:spPr>
-          <a:xfrm>
-            <a:off x="4480560" y="1737360"/>
+          <p:cNvPr id="10" name="Text 8"/>
+          <p:cNvSpPr/>
+          <p:nvPr/>
+        </p:nvSpPr>
+        <p:spPr>
+          <a:xfrm>
+            <a:off x="4480560" y="1920240"/>
             <a:ext cx="182880" cy="548640"/>
           </a:xfrm>
           <a:prstGeom prst="rect">
@@ -21743,13 +21782,13 @@
       </p:sp>
       <p:sp>
         <p:nvSpPr>
-          <p:cNvPr id="10" name="Text 8"/>
-          <p:cNvSpPr/>
-          <p:nvPr/>
-        </p:nvSpPr>
-        <p:spPr>
-          <a:xfrm>
-            <a:off x="4663440" y="1280160"/>
+          <p:cNvPr id="11" name="Text 9"/>
+          <p:cNvSpPr/>
+          <p:nvPr/>
+        </p:nvSpPr>
+        <p:spPr>
+          <a:xfrm>
+            <a:off x="4663440" y="1463040"/>
             <a:ext cx="1920240" cy="914400"/>
           </a:xfrm>
           <a:prstGeom prst="rect">
@@ -21782,13 +21821,13 @@
       </p:sp>
       <p:sp>
         <p:nvSpPr>
-          <p:cNvPr id="11" name="Text 9"/>
-          <p:cNvSpPr/>
-          <p:nvPr/>
-        </p:nvSpPr>
-        <p:spPr>
-          <a:xfrm>
-            <a:off x="4663440" y="2560320"/>
+          <p:cNvPr id="12" name="Text 10"/>
+          <p:cNvSpPr/>
+          <p:nvPr/>
+        </p:nvSpPr>
+        <p:spPr>
+          <a:xfrm>
+            <a:off x="4663440" y="2743200"/>
             <a:ext cx="1920240" cy="731520"/>
           </a:xfrm>
           <a:prstGeom prst="rect">
@@ -21821,13 +21860,13 @@
       </p:sp>
       <p:sp>
         <p:nvSpPr>
-          <p:cNvPr id="12" name="Text 10"/>
-          <p:cNvSpPr/>
-          <p:nvPr/>
-        </p:nvSpPr>
-        <p:spPr>
-          <a:xfrm>
-            <a:off x="6583680" y="1737360"/>
+          <p:cNvPr id="13" name="Text 11"/>
+          <p:cNvSpPr/>
+          <p:nvPr/>
+        </p:nvSpPr>
+        <p:spPr>
+          <a:xfrm>
+            <a:off x="6583680" y="1920240"/>
             <a:ext cx="182880" cy="548640"/>
           </a:xfrm>
           <a:prstGeom prst="rect">
@@ -21860,13 +21899,13 @@
       </p:sp>
       <p:sp>
         <p:nvSpPr>
-          <p:cNvPr id="13" name="Text 11"/>
-          <p:cNvSpPr/>
-          <p:nvPr/>
-        </p:nvSpPr>
-        <p:spPr>
-          <a:xfrm>
-            <a:off x="6766560" y="1280160"/>
+          <p:cNvPr id="14" name="Text 12"/>
+          <p:cNvSpPr/>
+          <p:nvPr/>
+        </p:nvSpPr>
+        <p:spPr>
+          <a:xfrm>
+            <a:off x="6766560" y="1463040"/>
             <a:ext cx="1920240" cy="914400"/>
           </a:xfrm>
           <a:prstGeom prst="rect">
@@ -21899,13 +21938,13 @@
       </p:sp>
       <p:sp>
         <p:nvSpPr>
-          <p:cNvPr id="14" name="Text 12"/>
-          <p:cNvSpPr/>
-          <p:nvPr/>
-        </p:nvSpPr>
-        <p:spPr>
-          <a:xfrm>
-            <a:off x="6766560" y="2560320"/>
+          <p:cNvPr id="15" name="Text 13"/>
+          <p:cNvSpPr/>
+          <p:nvPr/>
+        </p:nvSpPr>
+        <p:spPr>
+          <a:xfrm>
+            <a:off x="6766560" y="2743200"/>
             <a:ext cx="1920240" cy="731520"/>
           </a:xfrm>
           <a:prstGeom prst="rect">

--- a/Getting-Agents-to-Give-Up-Their-Secrets.pptx
+++ b/Getting-Agents-to-Give-Up-Their-Secrets.pptx
@@ -73,12 +73,9 @@
     <p:sldId id="321" r:id="rId67"/>
     <p:sldId id="322" r:id="rId68"/>
     <p:sldId id="323" r:id="rId69"/>
-    <p:sldId id="324" r:id="rId70"/>
-    <p:sldId id="325" r:id="rId71"/>
-    <p:sldId id="326" r:id="rId72"/>
   </p:sldIdLst>
   <p:notesMasterIdLst>
-    <p:notesMasterId r:id="rId73"/>
+    <p:notesMasterId r:id="rId70"/>
   </p:notesMasterIdLst>
   <p:sldSz cx="9144000" cy="5143500"/>
   <p:notesSz cx="5143500" cy="9144000"/>
@@ -6022,12 +6019,7 @@
           <a:p>
             <a:r>
               <a:rPr lang="en-US" dirty="0"/>
-              <a:t>Don't rush this — let the audience see how far they've come. The spectrum from slide 4 is now a journey they've completed.
-• AI Skeptic — Levels 0–1 got you past this
-• AI Questioner — Levels 2–3 got you past this
-• AI Viber — Level 4 got you past this
-• AI-First — Level 5 brought you here
-You walked in as a Questioner. This deck just showed you the path to AI-First. Transition: Here are the tools to keep going.</a:t>
+              <a:t>Emotional reset before the callback. Pause. Let the pacing shift.</a:t>
             </a:r>
             <a:endParaRPr lang="en-US" dirty="0"/>
           </a:p>
@@ -6115,12 +6107,7 @@
           <a:p>
             <a:r>
               <a:rPr lang="en-US" dirty="0"/>
-              <a:t>Practical, not exhaustive. Know which tool to try first for your role:
-• General purpose — ChatGPT, Claude, Gemini. Free tiers available. Start here.
-• In your workflow — Microsoft Copilot, Gemini in Workspace. Already in your work tools.
-• For developers — GitHub Copilot, Cursor, Claude Code. AI-first coding.
-• For connections — MCP servers, Zapier AI, custom integrations. Level 4–5 territory.
-Transition: Here's your challenge.</a:t>
+              <a:t>Callback to slide 2. The person who spent 45 minutes copy-pasting into ChatGPT. They learned to prompt with specificity (became a Viber, Levels 2–3). They let the agent find what it needed (started going AI-First, Level 4). They chained the whole workflow (full AI-First, Level 5). They were a Questioner who became AI-First. Transition: The punchline.</a:t>
             </a:r>
             <a:endParaRPr lang="en-US" dirty="0"/>
           </a:p>
@@ -6208,12 +6195,7 @@
           <a:p>
             <a:r>
               <a:rPr lang="en-US" dirty="0"/>
-              <a:t>One task. Four weeks. Four persona crossings.
-• Week 1 (Questioner) — Level 2. Specific, structured prompt. Compare to manual. Notice the phrasing difference.
-• Week 2 (Viber) — Level 3. Add context. Ask AI to ask clarifying questions. Notice the jump.
-• Week 3 (AI-First) — Level 4. Agent with connections. Let it pull context itself. Notice what it finds.
-• Week 4 (Orchestrator) — Level 5. Break into phases. Chain them. Compare to Week 1. You're orchestrating.
-Four weeks. One task. Same journey this deck just took you on. Most actionable takeaway. Transition: Let's come back to where we started.</a:t>
+              <a:t>The same task. Two minutes. That's the trick. Now you know it too. Let this land. Long pause. This is the emotional peak of the entire deck. Everything from slide 1 has been building to this moment. Transition: One final thought.</a:t>
             </a:r>
             <a:endParaRPr lang="en-US" dirty="0"/>
           </a:p>
@@ -6301,7 +6283,7 @@
           <a:p>
             <a:r>
               <a:rPr lang="en-US" dirty="0"/>
-              <a:t>Emotional reset before the callback. Pause. Let the pacing shift.</a:t>
+              <a:t>Clean exit. The secret was in knowing how to work with it. One task, this week — not 'transform everything.' Getting Agents to Give Up Their Secrets.</a:t>
             </a:r>
             <a:endParaRPr lang="en-US" dirty="0"/>
           </a:p>
@@ -6325,94 +6307,6 @@
             <a:fld id="{F7021451-1387-4CA6-816F-3879F97B5CBC}" type="slidenum">
               <a:rPr lang="en-US"/>
               <a:t>68</a:t>
-            </a:fld>
-            <a:endParaRPr lang="en-US"/>
-          </a:p>
-        </p:txBody>
-      </p:sp>
-    </p:spTree>
-    <p:extLst>
-      <p:ext uri="{BB962C8B-B14F-4D97-AF65-F5344CB8AC3E}">
-        <p14:creationId xmlns:p14="http://schemas.microsoft.com/office/powerpoint/2010/main" val="1024086991"/>
-      </p:ext>
-    </p:extLst>
-  </p:cSld>
-  <p:clrMapOvr>
-    <a:masterClrMapping/>
-  </p:clrMapOvr>
-</p:notes>
-</file>
-
-<file path=ppt/notesSlides/notesSlide69.xml><?xml version="1.0" encoding="utf-8"?>
-<p:notes xmlns:a="http://schemas.openxmlformats.org/drawingml/2006/main" xmlns:r="http://schemas.openxmlformats.org/officeDocument/2006/relationships" xmlns:p="http://schemas.openxmlformats.org/presentationml/2006/main">
-  <p:cSld>
-    <p:spTree>
-      <p:nvGrpSpPr>
-        <p:cNvPr id="1" name=""/>
-        <p:cNvGrpSpPr/>
-        <p:nvPr/>
-      </p:nvGrpSpPr>
-      <p:grpSpPr>
-        <a:xfrm>
-          <a:off x="0" y="0"/>
-          <a:ext cx="0" cy="0"/>
-          <a:chOff x="0" y="0"/>
-          <a:chExt cx="0" cy="0"/>
-        </a:xfrm>
-      </p:grpSpPr>
-      <p:sp>
-        <p:nvSpPr>
-          <p:cNvPr id="2" name="Slide Image Placeholder 1"/>
-          <p:cNvSpPr>
-            <a:spLocks noGrp="1" noRot="1" noChangeAspect="1"/>
-          </p:cNvSpPr>
-          <p:nvPr>
-            <p:ph type="sldImg"/>
-          </p:nvPr>
-        </p:nvSpPr>
-        <p:spPr/>
-      </p:sp>
-      <p:sp>
-        <p:nvSpPr>
-          <p:cNvPr id="3" name="Notes Placeholder 2"/>
-          <p:cNvSpPr>
-            <a:spLocks noGrp="1"/>
-          </p:cNvSpPr>
-          <p:nvPr>
-            <p:ph type="body" idx="1"/>
-          </p:nvPr>
-        </p:nvSpPr>
-        <p:spPr/>
-        <p:txBody>
-          <a:bodyPr/>
-          <a:lstStyle/>
-          <a:p>
-            <a:r>
-              <a:rPr lang="en-US" dirty="0"/>
-              <a:t>Callback to slide 2. The person who spent 45 minutes copy-pasting into ChatGPT. They learned to prompt with specificity (became a Viber, Levels 2–3). They let the agent find what it needed (started going AI-First, Level 4). They chained the whole workflow (full AI-First, Level 5). They were a Questioner who became AI-First. Transition: The punchline.</a:t>
-            </a:r>
-            <a:endParaRPr lang="en-US" dirty="0"/>
-          </a:p>
-        </p:txBody>
-      </p:sp>
-      <p:sp>
-        <p:nvSpPr>
-          <p:cNvPr id="4" name="Slide Number Placeholder 3"/>
-          <p:cNvSpPr>
-            <a:spLocks noGrp="1"/>
-          </p:cNvSpPr>
-          <p:nvPr>
-            <p:ph type="sldNum" sz="quarter" idx="10"/>
-          </p:nvPr>
-        </p:nvSpPr>
-        <p:spPr/>
-        <p:txBody>
-          <a:bodyPr/>
-          <a:lstStyle/>
-          <a:p>
-            <a:fld id="{F7021451-1387-4CA6-816F-3879F97B5CBC}" type="slidenum">
-              <a:rPr lang="en-US"/>
-              <a:t>69</a:t>
             </a:fld>
             <a:endParaRPr lang="en-US"/>
           </a:p>
@@ -6501,182 +6395,6 @@
             <a:fld id="{F7021451-1387-4CA6-816F-3879F97B5CBC}" type="slidenum">
               <a:rPr lang="en-US"/>
               <a:t>7</a:t>
-            </a:fld>
-            <a:endParaRPr lang="en-US"/>
-          </a:p>
-        </p:txBody>
-      </p:sp>
-    </p:spTree>
-    <p:extLst>
-      <p:ext uri="{BB962C8B-B14F-4D97-AF65-F5344CB8AC3E}">
-        <p14:creationId xmlns:p14="http://schemas.microsoft.com/office/powerpoint/2010/main" val="1024086991"/>
-      </p:ext>
-    </p:extLst>
-  </p:cSld>
-  <p:clrMapOvr>
-    <a:masterClrMapping/>
-  </p:clrMapOvr>
-</p:notes>
-</file>
-
-<file path=ppt/notesSlides/notesSlide70.xml><?xml version="1.0" encoding="utf-8"?>
-<p:notes xmlns:a="http://schemas.openxmlformats.org/drawingml/2006/main" xmlns:r="http://schemas.openxmlformats.org/officeDocument/2006/relationships" xmlns:p="http://schemas.openxmlformats.org/presentationml/2006/main">
-  <p:cSld>
-    <p:spTree>
-      <p:nvGrpSpPr>
-        <p:cNvPr id="1" name=""/>
-        <p:cNvGrpSpPr/>
-        <p:nvPr/>
-      </p:nvGrpSpPr>
-      <p:grpSpPr>
-        <a:xfrm>
-          <a:off x="0" y="0"/>
-          <a:ext cx="0" cy="0"/>
-          <a:chOff x="0" y="0"/>
-          <a:chExt cx="0" cy="0"/>
-        </a:xfrm>
-      </p:grpSpPr>
-      <p:sp>
-        <p:nvSpPr>
-          <p:cNvPr id="2" name="Slide Image Placeholder 1"/>
-          <p:cNvSpPr>
-            <a:spLocks noGrp="1" noRot="1" noChangeAspect="1"/>
-          </p:cNvSpPr>
-          <p:nvPr>
-            <p:ph type="sldImg"/>
-          </p:nvPr>
-        </p:nvSpPr>
-        <p:spPr/>
-      </p:sp>
-      <p:sp>
-        <p:nvSpPr>
-          <p:cNvPr id="3" name="Notes Placeholder 2"/>
-          <p:cNvSpPr>
-            <a:spLocks noGrp="1"/>
-          </p:cNvSpPr>
-          <p:nvPr>
-            <p:ph type="body" idx="1"/>
-          </p:nvPr>
-        </p:nvSpPr>
-        <p:spPr/>
-        <p:txBody>
-          <a:bodyPr/>
-          <a:lstStyle/>
-          <a:p>
-            <a:r>
-              <a:rPr lang="en-US" dirty="0"/>
-              <a:t>The same task. Two minutes. That's the trick. Now you know it too. Let this land. Long pause. This is the emotional peak of the entire deck. Everything from slide 1 has been building to this moment. Transition: One final thought.</a:t>
-            </a:r>
-            <a:endParaRPr lang="en-US" dirty="0"/>
-          </a:p>
-        </p:txBody>
-      </p:sp>
-      <p:sp>
-        <p:nvSpPr>
-          <p:cNvPr id="4" name="Slide Number Placeholder 3"/>
-          <p:cNvSpPr>
-            <a:spLocks noGrp="1"/>
-          </p:cNvSpPr>
-          <p:nvPr>
-            <p:ph type="sldNum" sz="quarter" idx="10"/>
-          </p:nvPr>
-        </p:nvSpPr>
-        <p:spPr/>
-        <p:txBody>
-          <a:bodyPr/>
-          <a:lstStyle/>
-          <a:p>
-            <a:fld id="{F7021451-1387-4CA6-816F-3879F97B5CBC}" type="slidenum">
-              <a:rPr lang="en-US"/>
-              <a:t>70</a:t>
-            </a:fld>
-            <a:endParaRPr lang="en-US"/>
-          </a:p>
-        </p:txBody>
-      </p:sp>
-    </p:spTree>
-    <p:extLst>
-      <p:ext uri="{BB962C8B-B14F-4D97-AF65-F5344CB8AC3E}">
-        <p14:creationId xmlns:p14="http://schemas.microsoft.com/office/powerpoint/2010/main" val="1024086991"/>
-      </p:ext>
-    </p:extLst>
-  </p:cSld>
-  <p:clrMapOvr>
-    <a:masterClrMapping/>
-  </p:clrMapOvr>
-</p:notes>
-</file>
-
-<file path=ppt/notesSlides/notesSlide71.xml><?xml version="1.0" encoding="utf-8"?>
-<p:notes xmlns:a="http://schemas.openxmlformats.org/drawingml/2006/main" xmlns:r="http://schemas.openxmlformats.org/officeDocument/2006/relationships" xmlns:p="http://schemas.openxmlformats.org/presentationml/2006/main">
-  <p:cSld>
-    <p:spTree>
-      <p:nvGrpSpPr>
-        <p:cNvPr id="1" name=""/>
-        <p:cNvGrpSpPr/>
-        <p:nvPr/>
-      </p:nvGrpSpPr>
-      <p:grpSpPr>
-        <a:xfrm>
-          <a:off x="0" y="0"/>
-          <a:ext cx="0" cy="0"/>
-          <a:chOff x="0" y="0"/>
-          <a:chExt cx="0" cy="0"/>
-        </a:xfrm>
-      </p:grpSpPr>
-      <p:sp>
-        <p:nvSpPr>
-          <p:cNvPr id="2" name="Slide Image Placeholder 1"/>
-          <p:cNvSpPr>
-            <a:spLocks noGrp="1" noRot="1" noChangeAspect="1"/>
-          </p:cNvSpPr>
-          <p:nvPr>
-            <p:ph type="sldImg"/>
-          </p:nvPr>
-        </p:nvSpPr>
-        <p:spPr/>
-      </p:sp>
-      <p:sp>
-        <p:nvSpPr>
-          <p:cNvPr id="3" name="Notes Placeholder 2"/>
-          <p:cNvSpPr>
-            <a:spLocks noGrp="1"/>
-          </p:cNvSpPr>
-          <p:nvPr>
-            <p:ph type="body" idx="1"/>
-          </p:nvPr>
-        </p:nvSpPr>
-        <p:spPr/>
-        <p:txBody>
-          <a:bodyPr/>
-          <a:lstStyle/>
-          <a:p>
-            <a:r>
-              <a:rPr lang="en-US" dirty="0"/>
-              <a:t>Clean exit. The secret was in knowing how to work with it. One task, this week — not 'transform everything.' Getting Agents to Give Up Their Secrets.</a:t>
-            </a:r>
-            <a:endParaRPr lang="en-US" dirty="0"/>
-          </a:p>
-        </p:txBody>
-      </p:sp>
-      <p:sp>
-        <p:nvSpPr>
-          <p:cNvPr id="4" name="Slide Number Placeholder 3"/>
-          <p:cNvSpPr>
-            <a:spLocks noGrp="1"/>
-          </p:cNvSpPr>
-          <p:nvPr>
-            <p:ph type="sldNum" sz="quarter" idx="10"/>
-          </p:nvPr>
-        </p:nvSpPr>
-        <p:spPr/>
-        <p:txBody>
-          <a:bodyPr/>
-          <a:lstStyle/>
-          <a:p>
-            <a:fld id="{F7021451-1387-4CA6-816F-3879F97B5CBC}" type="slidenum">
-              <a:rPr lang="en-US"/>
-              <a:t>71</a:t>
             </a:fld>
             <a:endParaRPr lang="en-US"/>
           </a:p>
@@ -11270,6 +10988,45 @@
           </a:p>
         </p:txBody>
       </p:sp>
+      <p:sp>
+        <p:nvSpPr>
+          <p:cNvPr id="5" name="Text 3"/>
+          <p:cNvSpPr/>
+          <p:nvPr/>
+        </p:nvSpPr>
+        <p:spPr>
+          <a:xfrm>
+            <a:off x="457200" y="4572000"/>
+            <a:ext cx="8229600" cy="365760"/>
+          </a:xfrm>
+          <a:prstGeom prst="rect">
+            <a:avLst/>
+          </a:prstGeom>
+          <a:noFill/>
+          <a:ln/>
+        </p:spPr>
+        <p:txBody>
+          <a:bodyPr wrap="square" lIns="0" tIns="0" rIns="0" bIns="0" rtlCol="0" anchor="b"/>
+          <a:lstStyle/>
+          <a:p>
+            <a:pPr algn="r" indent="0" marL="0">
+              <a:buNone/>
+            </a:pPr>
+            <a:r>
+              <a:rPr lang="en-US" sz="1100" dirty="0">
+                <a:solidFill>
+                  <a:srgbClr val="94A3B8"/>
+                </a:solidFill>
+                <a:latin typeface="Calibri" pitchFamily="34" charset="0"/>
+                <a:ea typeface="Calibri" pitchFamily="34" charset="-122"/>
+                <a:cs typeface="Calibri" pitchFamily="34" charset="-120"/>
+              </a:rPr>
+              <a:t>Second Talent</a:t>
+            </a:r>
+            <a:endParaRPr lang="en-US" sz="1100" dirty="0"/>
+          </a:p>
+        </p:txBody>
+      </p:sp>
     </p:spTree>
   </p:cSld>
   <p:clrMapOvr>
@@ -11436,6 +11193,45 @@
           </a:p>
         </p:txBody>
       </p:sp>
+      <p:sp>
+        <p:nvSpPr>
+          <p:cNvPr id="5" name="Text 3"/>
+          <p:cNvSpPr/>
+          <p:nvPr/>
+        </p:nvSpPr>
+        <p:spPr>
+          <a:xfrm>
+            <a:off x="457200" y="4572000"/>
+            <a:ext cx="8229600" cy="365760"/>
+          </a:xfrm>
+          <a:prstGeom prst="rect">
+            <a:avLst/>
+          </a:prstGeom>
+          <a:noFill/>
+          <a:ln/>
+        </p:spPr>
+        <p:txBody>
+          <a:bodyPr wrap="square" lIns="0" tIns="0" rIns="0" bIns="0" rtlCol="0" anchor="b"/>
+          <a:lstStyle/>
+          <a:p>
+            <a:pPr algn="r" indent="0" marL="0">
+              <a:buNone/>
+            </a:pPr>
+            <a:r>
+              <a:rPr lang="en-US" sz="1100" dirty="0">
+                <a:solidFill>
+                  <a:srgbClr val="94A3B8"/>
+                </a:solidFill>
+                <a:latin typeface="Calibri" pitchFamily="34" charset="0"/>
+                <a:ea typeface="Calibri" pitchFamily="34" charset="-122"/>
+                <a:cs typeface="Calibri" pitchFamily="34" charset="-120"/>
+              </a:rPr>
+              <a:t>Addy Osmani</a:t>
+            </a:r>
+            <a:endParaRPr lang="en-US" sz="1100" dirty="0"/>
+          </a:p>
+        </p:txBody>
+      </p:sp>
     </p:spTree>
   </p:cSld>
   <p:clrMapOvr>
@@ -11839,6 +11635,45 @@
           </a:p>
         </p:txBody>
       </p:sp>
+      <p:sp>
+        <p:nvSpPr>
+          <p:cNvPr id="5" name="Text 3"/>
+          <p:cNvSpPr/>
+          <p:nvPr/>
+        </p:nvSpPr>
+        <p:spPr>
+          <a:xfrm>
+            <a:off x="457200" y="4572000"/>
+            <a:ext cx="8229600" cy="365760"/>
+          </a:xfrm>
+          <a:prstGeom prst="rect">
+            <a:avLst/>
+          </a:prstGeom>
+          <a:noFill/>
+          <a:ln/>
+        </p:spPr>
+        <p:txBody>
+          <a:bodyPr wrap="square" lIns="0" tIns="0" rIns="0" bIns="0" rtlCol="0" anchor="b"/>
+          <a:lstStyle/>
+          <a:p>
+            <a:pPr algn="r" indent="0" marL="0">
+              <a:buNone/>
+            </a:pPr>
+            <a:r>
+              <a:rPr lang="en-US" sz="1100" dirty="0">
+                <a:solidFill>
+                  <a:srgbClr val="94A3B8"/>
+                </a:solidFill>
+                <a:latin typeface="Calibri" pitchFamily="34" charset="0"/>
+                <a:ea typeface="Calibri" pitchFamily="34" charset="-122"/>
+                <a:cs typeface="Calibri" pitchFamily="34" charset="-120"/>
+              </a:rPr>
+              <a:t>Microsoft Q2 2026 earnings</a:t>
+            </a:r>
+            <a:endParaRPr lang="en-US" sz="1100" dirty="0"/>
+          </a:p>
+        </p:txBody>
+      </p:sp>
     </p:spTree>
   </p:cSld>
   <p:clrMapOvr>
@@ -20648,6 +20483,45 @@
           </a:p>
         </p:txBody>
       </p:sp>
+      <p:sp>
+        <p:nvSpPr>
+          <p:cNvPr id="5" name="Text 3"/>
+          <p:cNvSpPr/>
+          <p:nvPr/>
+        </p:nvSpPr>
+        <p:spPr>
+          <a:xfrm>
+            <a:off x="457200" y="4572000"/>
+            <a:ext cx="8229600" cy="365760"/>
+          </a:xfrm>
+          <a:prstGeom prst="rect">
+            <a:avLst/>
+          </a:prstGeom>
+          <a:noFill/>
+          <a:ln/>
+        </p:spPr>
+        <p:txBody>
+          <a:bodyPr wrap="square" lIns="0" tIns="0" rIns="0" bIns="0" rtlCol="0" anchor="b"/>
+          <a:lstStyle/>
+          <a:p>
+            <a:pPr algn="r" indent="0" marL="0">
+              <a:buNone/>
+            </a:pPr>
+            <a:r>
+              <a:rPr lang="en-US" sz="1100" dirty="0">
+                <a:solidFill>
+                  <a:srgbClr val="94A3B8"/>
+                </a:solidFill>
+                <a:latin typeface="Calibri" pitchFamily="34" charset="0"/>
+                <a:ea typeface="Calibri" pitchFamily="34" charset="-122"/>
+                <a:cs typeface="Calibri" pitchFamily="34" charset="-120"/>
+              </a:rPr>
+              <a:t>DataReportal 2026</a:t>
+            </a:r>
+            <a:endParaRPr lang="en-US" sz="1100" dirty="0"/>
+          </a:p>
+        </p:txBody>
+      </p:sp>
     </p:spTree>
   </p:cSld>
   <p:clrMapOvr>
@@ -21135,6 +21009,45 @@
           </a:p>
         </p:txBody>
       </p:sp>
+      <p:sp>
+        <p:nvSpPr>
+          <p:cNvPr id="5" name="Text 3"/>
+          <p:cNvSpPr/>
+          <p:nvPr/>
+        </p:nvSpPr>
+        <p:spPr>
+          <a:xfrm>
+            <a:off x="457200" y="4572000"/>
+            <a:ext cx="8229600" cy="365760"/>
+          </a:xfrm>
+          <a:prstGeom prst="rect">
+            <a:avLst/>
+          </a:prstGeom>
+          <a:noFill/>
+          <a:ln/>
+        </p:spPr>
+        <p:txBody>
+          <a:bodyPr wrap="square" lIns="0" tIns="0" rIns="0" bIns="0" rtlCol="0" anchor="b"/>
+          <a:lstStyle/>
+          <a:p>
+            <a:pPr algn="r" indent="0" marL="0">
+              <a:buNone/>
+            </a:pPr>
+            <a:r>
+              <a:rPr lang="en-US" sz="1100" dirty="0">
+                <a:solidFill>
+                  <a:srgbClr val="94A3B8"/>
+                </a:solidFill>
+                <a:latin typeface="Calibri" pitchFamily="34" charset="0"/>
+                <a:ea typeface="Calibri" pitchFamily="34" charset="-122"/>
+                <a:cs typeface="Calibri" pitchFamily="34" charset="-120"/>
+              </a:rPr>
+              <a:t>Illustrative estimate</a:t>
+            </a:r>
+            <a:endParaRPr lang="en-US" sz="1100" dirty="0"/>
+          </a:p>
+        </p:txBody>
+      </p:sp>
     </p:spTree>
   </p:cSld>
   <p:clrMapOvr>
@@ -21495,8 +21408,8 @@
         </p:nvSpPr>
         <p:spPr>
           <a:xfrm>
-            <a:off x="914400" y="365760"/>
-            <a:ext cx="7315200" cy="731520"/>
+            <a:off x="1371600" y="1828800"/>
+            <a:ext cx="6400800" cy="1463040"/>
           </a:xfrm>
           <a:prstGeom prst="rect">
             <a:avLst/>
@@ -21512,466 +21425,17 @@
               <a:buNone/>
             </a:pPr>
             <a:r>
-              <a:rPr lang="en-US" sz="3600" b="1" dirty="0">
-                <a:solidFill>
-                  <a:srgbClr val="FFFFFF"/>
+              <a:rPr lang="en-US" sz="2800" i="1" dirty="0">
+                <a:solidFill>
+                  <a:srgbClr val="00B4D8"/>
                 </a:solidFill>
                 <a:latin typeface="Georgia" pitchFamily="34" charset="0"/>
                 <a:ea typeface="Georgia" pitchFamily="34" charset="-122"/>
                 <a:cs typeface="Georgia" pitchFamily="34" charset="-120"/>
               </a:rPr>
-              <a:t>Look how far you've come.</a:t>
-            </a:r>
-            <a:endParaRPr lang="en-US" sz="3600" dirty="0"/>
-          </a:p>
-        </p:txBody>
-      </p:sp>
-      <p:sp>
-        <p:nvSpPr>
-          <p:cNvPr id="4" name="Shape 2"/>
-          <p:cNvSpPr/>
-          <p:nvPr/>
-        </p:nvSpPr>
-        <p:spPr>
-          <a:xfrm>
-            <a:off x="457200" y="2560320"/>
-            <a:ext cx="8229600" cy="54864"/>
-          </a:xfrm>
-          <a:prstGeom prst="rect">
-            <a:avLst/>
-          </a:prstGeom>
-          <a:solidFill>
-            <a:srgbClr val="00B4D8"/>
-          </a:solidFill>
-          <a:ln/>
-        </p:spPr>
-      </p:sp>
-      <p:sp>
-        <p:nvSpPr>
-          <p:cNvPr id="5" name="Text 3"/>
-          <p:cNvSpPr/>
-          <p:nvPr/>
-        </p:nvSpPr>
-        <p:spPr>
-          <a:xfrm>
-            <a:off x="457200" y="1463040"/>
-            <a:ext cx="1920240" cy="914400"/>
-          </a:xfrm>
-          <a:prstGeom prst="rect">
-            <a:avLst/>
-          </a:prstGeom>
-          <a:noFill/>
-          <a:ln/>
-        </p:spPr>
-        <p:txBody>
-          <a:bodyPr wrap="square" lIns="0" tIns="0" rIns="0" bIns="0" rtlCol="0" anchor="b"/>
-          <a:lstStyle/>
-          <a:p>
-            <a:pPr algn="ctr" indent="0" marL="0">
-              <a:buNone/>
-            </a:pPr>
-            <a:r>
-              <a:rPr lang="en-US" sz="2200" b="1" dirty="0">
-                <a:solidFill>
-                  <a:srgbClr val="9CA3AF"/>
-                </a:solidFill>
-                <a:latin typeface="Georgia" pitchFamily="34" charset="0"/>
-                <a:ea typeface="Georgia" pitchFamily="34" charset="-122"/>
-                <a:cs typeface="Georgia" pitchFamily="34" charset="-120"/>
-              </a:rPr>
-              <a:t>AI Skeptic</a:t>
-            </a:r>
-            <a:endParaRPr lang="en-US" sz="2200" dirty="0"/>
-          </a:p>
-        </p:txBody>
-      </p:sp>
-      <p:sp>
-        <p:nvSpPr>
-          <p:cNvPr id="6" name="Text 4"/>
-          <p:cNvSpPr/>
-          <p:nvPr/>
-        </p:nvSpPr>
-        <p:spPr>
-          <a:xfrm>
-            <a:off x="457200" y="2743200"/>
-            <a:ext cx="1920240" cy="731520"/>
-          </a:xfrm>
-          <a:prstGeom prst="rect">
-            <a:avLst/>
-          </a:prstGeom>
-          <a:noFill/>
-          <a:ln/>
-        </p:spPr>
-        <p:txBody>
-          <a:bodyPr wrap="square" lIns="0" tIns="0" rIns="0" bIns="0" rtlCol="0" anchor="t"/>
-          <a:lstStyle/>
-          <a:p>
-            <a:pPr algn="ctr" indent="0" marL="0">
-              <a:buNone/>
-            </a:pPr>
-            <a:r>
-              <a:rPr lang="en-US" sz="2000" i="1" dirty="0">
-                <a:solidFill>
-                  <a:srgbClr val="9CA3AF"/>
-                </a:solidFill>
-                <a:latin typeface="Calibri" pitchFamily="34" charset="0"/>
-                <a:ea typeface="Calibri" pitchFamily="34" charset="-122"/>
-                <a:cs typeface="Calibri" pitchFamily="34" charset="-120"/>
-              </a:rPr>
-              <a:t>Levels 0–1</a:t>
-            </a:r>
-            <a:endParaRPr lang="en-US" sz="2000" dirty="0"/>
-          </a:p>
-        </p:txBody>
-      </p:sp>
-      <p:sp>
-        <p:nvSpPr>
-          <p:cNvPr id="7" name="Text 5"/>
-          <p:cNvSpPr/>
-          <p:nvPr/>
-        </p:nvSpPr>
-        <p:spPr>
-          <a:xfrm>
-            <a:off x="2377440" y="1920240"/>
-            <a:ext cx="182880" cy="548640"/>
-          </a:xfrm>
-          <a:prstGeom prst="rect">
-            <a:avLst/>
-          </a:prstGeom>
-          <a:noFill/>
-          <a:ln/>
-        </p:spPr>
-        <p:txBody>
-          <a:bodyPr wrap="square" lIns="0" tIns="0" rIns="0" bIns="0" rtlCol="0" anchor="ctr"/>
-          <a:lstStyle/>
-          <a:p>
-            <a:pPr algn="ctr" indent="0" marL="0">
-              <a:buNone/>
-            </a:pPr>
-            <a:r>
-              <a:rPr lang="en-US" sz="2800" dirty="0">
-                <a:solidFill>
-                  <a:srgbClr val="00B4D8"/>
-                </a:solidFill>
-                <a:latin typeface="Calibri" pitchFamily="34" charset="0"/>
-                <a:ea typeface="Calibri" pitchFamily="34" charset="-122"/>
-                <a:cs typeface="Calibri" pitchFamily="34" charset="-120"/>
-              </a:rPr>
-              <a:t>→</a:t>
+              <a:t>Let's come back to where we started.</a:t>
             </a:r>
             <a:endParaRPr lang="en-US" sz="2800" dirty="0"/>
-          </a:p>
-        </p:txBody>
-      </p:sp>
-      <p:sp>
-        <p:nvSpPr>
-          <p:cNvPr id="8" name="Text 6"/>
-          <p:cNvSpPr/>
-          <p:nvPr/>
-        </p:nvSpPr>
-        <p:spPr>
-          <a:xfrm>
-            <a:off x="2560320" y="1463040"/>
-            <a:ext cx="1920240" cy="914400"/>
-          </a:xfrm>
-          <a:prstGeom prst="rect">
-            <a:avLst/>
-          </a:prstGeom>
-          <a:noFill/>
-          <a:ln/>
-        </p:spPr>
-        <p:txBody>
-          <a:bodyPr wrap="square" lIns="0" tIns="0" rIns="0" bIns="0" rtlCol="0" anchor="b"/>
-          <a:lstStyle/>
-          <a:p>
-            <a:pPr algn="ctr" indent="0" marL="0">
-              <a:buNone/>
-            </a:pPr>
-            <a:r>
-              <a:rPr lang="en-US" sz="2200" b="1" dirty="0">
-                <a:solidFill>
-                  <a:srgbClr val="6B7280"/>
-                </a:solidFill>
-                <a:latin typeface="Georgia" pitchFamily="34" charset="0"/>
-                <a:ea typeface="Georgia" pitchFamily="34" charset="-122"/>
-                <a:cs typeface="Georgia" pitchFamily="34" charset="-120"/>
-              </a:rPr>
-              <a:t>AI Questioner</a:t>
-            </a:r>
-            <a:endParaRPr lang="en-US" sz="2200" dirty="0"/>
-          </a:p>
-        </p:txBody>
-      </p:sp>
-      <p:sp>
-        <p:nvSpPr>
-          <p:cNvPr id="9" name="Text 7"/>
-          <p:cNvSpPr/>
-          <p:nvPr/>
-        </p:nvSpPr>
-        <p:spPr>
-          <a:xfrm>
-            <a:off x="2560320" y="2743200"/>
-            <a:ext cx="1920240" cy="731520"/>
-          </a:xfrm>
-          <a:prstGeom prst="rect">
-            <a:avLst/>
-          </a:prstGeom>
-          <a:noFill/>
-          <a:ln/>
-        </p:spPr>
-        <p:txBody>
-          <a:bodyPr wrap="square" lIns="0" tIns="0" rIns="0" bIns="0" rtlCol="0" anchor="t"/>
-          <a:lstStyle/>
-          <a:p>
-            <a:pPr algn="ctr" indent="0" marL="0">
-              <a:buNone/>
-            </a:pPr>
-            <a:r>
-              <a:rPr lang="en-US" sz="2000" i="1" dirty="0">
-                <a:solidFill>
-                  <a:srgbClr val="6B7280"/>
-                </a:solidFill>
-                <a:latin typeface="Calibri" pitchFamily="34" charset="0"/>
-                <a:ea typeface="Calibri" pitchFamily="34" charset="-122"/>
-                <a:cs typeface="Calibri" pitchFamily="34" charset="-120"/>
-              </a:rPr>
-              <a:t>Levels 2–3</a:t>
-            </a:r>
-            <a:endParaRPr lang="en-US" sz="2000" dirty="0"/>
-          </a:p>
-        </p:txBody>
-      </p:sp>
-      <p:sp>
-        <p:nvSpPr>
-          <p:cNvPr id="10" name="Text 8"/>
-          <p:cNvSpPr/>
-          <p:nvPr/>
-        </p:nvSpPr>
-        <p:spPr>
-          <a:xfrm>
-            <a:off x="4480560" y="1920240"/>
-            <a:ext cx="182880" cy="548640"/>
-          </a:xfrm>
-          <a:prstGeom prst="rect">
-            <a:avLst/>
-          </a:prstGeom>
-          <a:noFill/>
-          <a:ln/>
-        </p:spPr>
-        <p:txBody>
-          <a:bodyPr wrap="square" lIns="0" tIns="0" rIns="0" bIns="0" rtlCol="0" anchor="ctr"/>
-          <a:lstStyle/>
-          <a:p>
-            <a:pPr algn="ctr" indent="0" marL="0">
-              <a:buNone/>
-            </a:pPr>
-            <a:r>
-              <a:rPr lang="en-US" sz="2800" dirty="0">
-                <a:solidFill>
-                  <a:srgbClr val="00B4D8"/>
-                </a:solidFill>
-                <a:latin typeface="Calibri" pitchFamily="34" charset="0"/>
-                <a:ea typeface="Calibri" pitchFamily="34" charset="-122"/>
-                <a:cs typeface="Calibri" pitchFamily="34" charset="-120"/>
-              </a:rPr>
-              <a:t>→</a:t>
-            </a:r>
-            <a:endParaRPr lang="en-US" sz="2800" dirty="0"/>
-          </a:p>
-        </p:txBody>
-      </p:sp>
-      <p:sp>
-        <p:nvSpPr>
-          <p:cNvPr id="11" name="Text 9"/>
-          <p:cNvSpPr/>
-          <p:nvPr/>
-        </p:nvSpPr>
-        <p:spPr>
-          <a:xfrm>
-            <a:off x="4663440" y="1463040"/>
-            <a:ext cx="1920240" cy="914400"/>
-          </a:xfrm>
-          <a:prstGeom prst="rect">
-            <a:avLst/>
-          </a:prstGeom>
-          <a:noFill/>
-          <a:ln/>
-        </p:spPr>
-        <p:txBody>
-          <a:bodyPr wrap="square" lIns="0" tIns="0" rIns="0" bIns="0" rtlCol="0" anchor="b"/>
-          <a:lstStyle/>
-          <a:p>
-            <a:pPr algn="ctr" indent="0" marL="0">
-              <a:buNone/>
-            </a:pPr>
-            <a:r>
-              <a:rPr lang="en-US" sz="2200" b="1" dirty="0">
-                <a:solidFill>
-                  <a:srgbClr val="00B4D8"/>
-                </a:solidFill>
-                <a:latin typeface="Georgia" pitchFamily="34" charset="0"/>
-                <a:ea typeface="Georgia" pitchFamily="34" charset="-122"/>
-                <a:cs typeface="Georgia" pitchFamily="34" charset="-120"/>
-              </a:rPr>
-              <a:t>AI Viber</a:t>
-            </a:r>
-            <a:endParaRPr lang="en-US" sz="2200" dirty="0"/>
-          </a:p>
-        </p:txBody>
-      </p:sp>
-      <p:sp>
-        <p:nvSpPr>
-          <p:cNvPr id="12" name="Text 10"/>
-          <p:cNvSpPr/>
-          <p:nvPr/>
-        </p:nvSpPr>
-        <p:spPr>
-          <a:xfrm>
-            <a:off x="4663440" y="2743200"/>
-            <a:ext cx="1920240" cy="731520"/>
-          </a:xfrm>
-          <a:prstGeom prst="rect">
-            <a:avLst/>
-          </a:prstGeom>
-          <a:noFill/>
-          <a:ln/>
-        </p:spPr>
-        <p:txBody>
-          <a:bodyPr wrap="square" lIns="0" tIns="0" rIns="0" bIns="0" rtlCol="0" anchor="t"/>
-          <a:lstStyle/>
-          <a:p>
-            <a:pPr algn="ctr" indent="0" marL="0">
-              <a:buNone/>
-            </a:pPr>
-            <a:r>
-              <a:rPr lang="en-US" sz="2000" i="1" dirty="0">
-                <a:solidFill>
-                  <a:srgbClr val="00B4D8"/>
-                </a:solidFill>
-                <a:latin typeface="Calibri" pitchFamily="34" charset="0"/>
-                <a:ea typeface="Calibri" pitchFamily="34" charset="-122"/>
-                <a:cs typeface="Calibri" pitchFamily="34" charset="-120"/>
-              </a:rPr>
-              <a:t>Level 4</a:t>
-            </a:r>
-            <a:endParaRPr lang="en-US" sz="2000" dirty="0"/>
-          </a:p>
-        </p:txBody>
-      </p:sp>
-      <p:sp>
-        <p:nvSpPr>
-          <p:cNvPr id="13" name="Text 11"/>
-          <p:cNvSpPr/>
-          <p:nvPr/>
-        </p:nvSpPr>
-        <p:spPr>
-          <a:xfrm>
-            <a:off x="6583680" y="1920240"/>
-            <a:ext cx="182880" cy="548640"/>
-          </a:xfrm>
-          <a:prstGeom prst="rect">
-            <a:avLst/>
-          </a:prstGeom>
-          <a:noFill/>
-          <a:ln/>
-        </p:spPr>
-        <p:txBody>
-          <a:bodyPr wrap="square" lIns="0" tIns="0" rIns="0" bIns="0" rtlCol="0" anchor="ctr"/>
-          <a:lstStyle/>
-          <a:p>
-            <a:pPr algn="ctr" indent="0" marL="0">
-              <a:buNone/>
-            </a:pPr>
-            <a:r>
-              <a:rPr lang="en-US" sz="2800" dirty="0">
-                <a:solidFill>
-                  <a:srgbClr val="00B4D8"/>
-                </a:solidFill>
-                <a:latin typeface="Calibri" pitchFamily="34" charset="0"/>
-                <a:ea typeface="Calibri" pitchFamily="34" charset="-122"/>
-                <a:cs typeface="Calibri" pitchFamily="34" charset="-120"/>
-              </a:rPr>
-              <a:t>→</a:t>
-            </a:r>
-            <a:endParaRPr lang="en-US" sz="2800" dirty="0"/>
-          </a:p>
-        </p:txBody>
-      </p:sp>
-      <p:sp>
-        <p:nvSpPr>
-          <p:cNvPr id="14" name="Text 12"/>
-          <p:cNvSpPr/>
-          <p:nvPr/>
-        </p:nvSpPr>
-        <p:spPr>
-          <a:xfrm>
-            <a:off x="6766560" y="1463040"/>
-            <a:ext cx="1920240" cy="914400"/>
-          </a:xfrm>
-          <a:prstGeom prst="rect">
-            <a:avLst/>
-          </a:prstGeom>
-          <a:noFill/>
-          <a:ln/>
-        </p:spPr>
-        <p:txBody>
-          <a:bodyPr wrap="square" lIns="0" tIns="0" rIns="0" bIns="0" rtlCol="0" anchor="b"/>
-          <a:lstStyle/>
-          <a:p>
-            <a:pPr algn="ctr" indent="0" marL="0">
-              <a:buNone/>
-            </a:pPr>
-            <a:r>
-              <a:rPr lang="en-US" sz="2200" b="1" dirty="0">
-                <a:solidFill>
-                  <a:srgbClr val="00B4D8"/>
-                </a:solidFill>
-                <a:latin typeface="Georgia" pitchFamily="34" charset="0"/>
-                <a:ea typeface="Georgia" pitchFamily="34" charset="-122"/>
-                <a:cs typeface="Georgia" pitchFamily="34" charset="-120"/>
-              </a:rPr>
-              <a:t>AI-First</a:t>
-            </a:r>
-            <a:endParaRPr lang="en-US" sz="2200" dirty="0"/>
-          </a:p>
-        </p:txBody>
-      </p:sp>
-      <p:sp>
-        <p:nvSpPr>
-          <p:cNvPr id="15" name="Text 13"/>
-          <p:cNvSpPr/>
-          <p:nvPr/>
-        </p:nvSpPr>
-        <p:spPr>
-          <a:xfrm>
-            <a:off x="6766560" y="2743200"/>
-            <a:ext cx="1920240" cy="731520"/>
-          </a:xfrm>
-          <a:prstGeom prst="rect">
-            <a:avLst/>
-          </a:prstGeom>
-          <a:noFill/>
-          <a:ln/>
-        </p:spPr>
-        <p:txBody>
-          <a:bodyPr wrap="square" lIns="0" tIns="0" rIns="0" bIns="0" rtlCol="0" anchor="t"/>
-          <a:lstStyle/>
-          <a:p>
-            <a:pPr algn="ctr" indent="0" marL="0">
-              <a:buNone/>
-            </a:pPr>
-            <a:r>
-              <a:rPr lang="en-US" sz="2000" i="1" dirty="0">
-                <a:solidFill>
-                  <a:srgbClr val="00B4D8"/>
-                </a:solidFill>
-                <a:latin typeface="Calibri" pitchFamily="34" charset="0"/>
-                <a:ea typeface="Calibri" pitchFamily="34" charset="-122"/>
-                <a:cs typeface="Calibri" pitchFamily="34" charset="-120"/>
-              </a:rPr>
-              <a:t>Level 5</a:t>
-            </a:r>
-            <a:endParaRPr lang="en-US" sz="2000" dirty="0"/>
           </a:p>
         </p:txBody>
       </p:sp>
@@ -22037,8 +21501,8 @@
         </p:nvSpPr>
         <p:spPr>
           <a:xfrm>
-            <a:off x="457200" y="365760"/>
-            <a:ext cx="8229600" cy="731520"/>
+            <a:off x="914400" y="1097280"/>
+            <a:ext cx="7315200" cy="2560320"/>
           </a:xfrm>
           <a:prstGeom prst="rect">
             <a:avLst/>
@@ -22054,7 +21518,7 @@
               <a:buNone/>
             </a:pPr>
             <a:r>
-              <a:rPr lang="en-US" sz="4400" b="1" dirty="0">
+              <a:rPr lang="en-US" sz="4800" b="1" dirty="0">
                 <a:solidFill>
                   <a:srgbClr val="FFFFFF"/>
                 </a:solidFill>
@@ -22062,1037 +21526,29 @@
                 <a:ea typeface="Georgia" pitchFamily="34" charset="-122"/>
                 <a:cs typeface="Georgia" pitchFamily="34" charset="-120"/>
               </a:rPr>
-              <a:t>Your AI Toolkit</a:t>
-            </a:r>
-            <a:endParaRPr lang="en-US" sz="4400" dirty="0"/>
-          </a:p>
-        </p:txBody>
-      </p:sp>
-      <p:graphicFrame>
-        <p:nvGraphicFramePr>
-          <p:cNvPr id="67" name="Table 0"/>
-          <p:cNvGraphicFramePr>
-            <a:graphicFrameLocks noGrp="1"/>
-          </p:cNvGraphicFramePr>
-          <p:nvPr>
-            <p:extLst>
-              <p:ext uri="{D42A27DB-BD31-4B8C-83A1-F6EECF244321}">
-                <p14:modId xmlns:p14="http://schemas.microsoft.com/office/powerpoint/2010/main" val="1579011935"/>
-              </p:ext>
-            </p:extLst>
-          </p:nvPr>
-        </p:nvGraphicFramePr>
-        <p:xfrm>
-          <a:off x="457200" y="1280160"/>
-          <a:ext cx="8229600" cy="914400"/>
-        </p:xfrm>
-        <a:graphic>
-          <a:graphicData uri="http://schemas.openxmlformats.org/drawingml/2006/table">
-            <a:tbl>
-              <a:tblPr/>
-              <a:tblGrid>
-                <a:gridCol w="2011680"/>
-                <a:gridCol w="3474720"/>
-                <a:gridCol w="2743200"/>
-              </a:tblGrid>
-              <a:tr h="548640">
-                <a:tc>
-                  <a:txBody>
-                    <a:bodyPr/>
-                    <a:lstStyle/>
-                    <a:p>
-                      <a:pPr indent="0" marL="0">
-                        <a:buNone/>
-                      </a:pPr>
-                      <a:r>
-                        <a:rPr lang="en-US" sz="2000" b="1" dirty="0">
-                          <a:solidFill>
-                            <a:srgbClr val="FFFFFF"/>
-                          </a:solidFill>
-                          <a:latin typeface="Calibri" pitchFamily="34" charset="0"/>
-                          <a:ea typeface="Calibri" pitchFamily="34" charset="-122"/>
-                          <a:cs typeface="Calibri" pitchFamily="34" charset="-120"/>
-                        </a:rPr>
-                        <a:t>Category</a:t>
-                      </a:r>
-                      <a:endParaRPr lang="en-US" sz="2000" dirty="0">
-                        <a:latin typeface="Calibri" charset="0"/>
-                        <a:ea typeface="Calibri" charset="0"/>
-                        <a:cs typeface="Calibri" charset="0"/>
-                      </a:endParaRPr>
-                    </a:p>
-                  </a:txBody>
-                  <a:tcPr marL="91440" marR="91440" marT="45720" marB="45720">
-                    <a:lnL w="12700" cap="flat" cmpd="sng" algn="ctr">
-                      <a:solidFill>
-                        <a:srgbClr val="3A3A5E"/>
-                      </a:solidFill>
-                      <a:prstDash val="solid"/>
-                      <a:round/>
-                      <a:headEnd type="none" w="med" len="med"/>
-                      <a:tailEnd type="none" w="med" len="med"/>
-                    </a:lnL>
-                    <a:lnR w="12700" cap="flat" cmpd="sng" algn="ctr">
-                      <a:solidFill>
-                        <a:srgbClr val="3A3A5E"/>
-                      </a:solidFill>
-                      <a:prstDash val="solid"/>
-                      <a:round/>
-                      <a:headEnd type="none" w="med" len="med"/>
-                      <a:tailEnd type="none" w="med" len="med"/>
-                    </a:lnR>
-                    <a:lnT w="12700" cap="flat" cmpd="sng" algn="ctr">
-                      <a:solidFill>
-                        <a:srgbClr val="3A3A5E"/>
-                      </a:solidFill>
-                      <a:prstDash val="solid"/>
-                      <a:round/>
-                      <a:headEnd type="none" w="med" len="med"/>
-                      <a:tailEnd type="none" w="med" len="med"/>
-                    </a:lnT>
-                    <a:lnB w="12700" cap="flat" cmpd="sng" algn="ctr">
-                      <a:solidFill>
-                        <a:srgbClr val="3A3A5E"/>
-                      </a:solidFill>
-                      <a:prstDash val="solid"/>
-                      <a:round/>
-                      <a:headEnd type="none" w="med" len="med"/>
-                      <a:tailEnd type="none" w="med" len="med"/>
-                    </a:lnB>
-                    <a:solidFill>
-                      <a:srgbClr val="00B4D8"/>
-                    </a:solidFill>
-                  </a:tcPr>
-                </a:tc>
-                <a:tc>
-                  <a:txBody>
-                    <a:bodyPr/>
-                    <a:lstStyle/>
-                    <a:p>
-                      <a:pPr indent="0" marL="0">
-                        <a:buNone/>
-                      </a:pPr>
-                      <a:r>
-                        <a:rPr lang="en-US" sz="2000" b="1" dirty="0">
-                          <a:solidFill>
-                            <a:srgbClr val="FFFFFF"/>
-                          </a:solidFill>
-                          <a:latin typeface="Calibri" pitchFamily="34" charset="0"/>
-                          <a:ea typeface="Calibri" pitchFamily="34" charset="-122"/>
-                          <a:cs typeface="Calibri" pitchFamily="34" charset="-120"/>
-                        </a:rPr>
-                        <a:t>Tools</a:t>
-                      </a:r>
-                      <a:endParaRPr lang="en-US" sz="2000" dirty="0">
-                        <a:latin typeface="Calibri" charset="0"/>
-                        <a:ea typeface="Calibri" charset="0"/>
-                        <a:cs typeface="Calibri" charset="0"/>
-                      </a:endParaRPr>
-                    </a:p>
-                  </a:txBody>
-                  <a:tcPr marL="91440" marR="91440" marT="45720" marB="45720">
-                    <a:lnL w="12700" cap="flat" cmpd="sng" algn="ctr">
-                      <a:solidFill>
-                        <a:srgbClr val="3A3A5E"/>
-                      </a:solidFill>
-                      <a:prstDash val="solid"/>
-                      <a:round/>
-                      <a:headEnd type="none" w="med" len="med"/>
-                      <a:tailEnd type="none" w="med" len="med"/>
-                    </a:lnL>
-                    <a:lnR w="12700" cap="flat" cmpd="sng" algn="ctr">
-                      <a:solidFill>
-                        <a:srgbClr val="3A3A5E"/>
-                      </a:solidFill>
-                      <a:prstDash val="solid"/>
-                      <a:round/>
-                      <a:headEnd type="none" w="med" len="med"/>
-                      <a:tailEnd type="none" w="med" len="med"/>
-                    </a:lnR>
-                    <a:lnT w="12700" cap="flat" cmpd="sng" algn="ctr">
-                      <a:solidFill>
-                        <a:srgbClr val="3A3A5E"/>
-                      </a:solidFill>
-                      <a:prstDash val="solid"/>
-                      <a:round/>
-                      <a:headEnd type="none" w="med" len="med"/>
-                      <a:tailEnd type="none" w="med" len="med"/>
-                    </a:lnT>
-                    <a:lnB w="12700" cap="flat" cmpd="sng" algn="ctr">
-                      <a:solidFill>
-                        <a:srgbClr val="3A3A5E"/>
-                      </a:solidFill>
-                      <a:prstDash val="solid"/>
-                      <a:round/>
-                      <a:headEnd type="none" w="med" len="med"/>
-                      <a:tailEnd type="none" w="med" len="med"/>
-                    </a:lnB>
-                    <a:solidFill>
-                      <a:srgbClr val="00B4D8"/>
-                    </a:solidFill>
-                  </a:tcPr>
-                </a:tc>
-                <a:tc>
-                  <a:txBody>
-                    <a:bodyPr/>
-                    <a:lstStyle/>
-                    <a:p>
-                      <a:pPr indent="0" marL="0">
-                        <a:buNone/>
-                      </a:pPr>
-                      <a:r>
-                        <a:rPr lang="en-US" sz="2000" b="1" dirty="0">
-                          <a:solidFill>
-                            <a:srgbClr val="FFFFFF"/>
-                          </a:solidFill>
-                          <a:latin typeface="Calibri" pitchFamily="34" charset="0"/>
-                          <a:ea typeface="Calibri" pitchFamily="34" charset="-122"/>
-                          <a:cs typeface="Calibri" pitchFamily="34" charset="-120"/>
-                        </a:rPr>
-                        <a:t>Notes</a:t>
-                      </a:r>
-                      <a:endParaRPr lang="en-US" sz="2000" dirty="0">
-                        <a:latin typeface="Calibri" charset="0"/>
-                        <a:ea typeface="Calibri" charset="0"/>
-                        <a:cs typeface="Calibri" charset="0"/>
-                      </a:endParaRPr>
-                    </a:p>
-                  </a:txBody>
-                  <a:tcPr marL="91440" marR="91440" marT="45720" marB="45720">
-                    <a:lnL w="12700" cap="flat" cmpd="sng" algn="ctr">
-                      <a:solidFill>
-                        <a:srgbClr val="3A3A5E"/>
-                      </a:solidFill>
-                      <a:prstDash val="solid"/>
-                      <a:round/>
-                      <a:headEnd type="none" w="med" len="med"/>
-                      <a:tailEnd type="none" w="med" len="med"/>
-                    </a:lnL>
-                    <a:lnR w="12700" cap="flat" cmpd="sng" algn="ctr">
-                      <a:solidFill>
-                        <a:srgbClr val="3A3A5E"/>
-                      </a:solidFill>
-                      <a:prstDash val="solid"/>
-                      <a:round/>
-                      <a:headEnd type="none" w="med" len="med"/>
-                      <a:tailEnd type="none" w="med" len="med"/>
-                    </a:lnR>
-                    <a:lnT w="12700" cap="flat" cmpd="sng" algn="ctr">
-                      <a:solidFill>
-                        <a:srgbClr val="3A3A5E"/>
-                      </a:solidFill>
-                      <a:prstDash val="solid"/>
-                      <a:round/>
-                      <a:headEnd type="none" w="med" len="med"/>
-                      <a:tailEnd type="none" w="med" len="med"/>
-                    </a:lnT>
-                    <a:lnB w="12700" cap="flat" cmpd="sng" algn="ctr">
-                      <a:solidFill>
-                        <a:srgbClr val="3A3A5E"/>
-                      </a:solidFill>
-                      <a:prstDash val="solid"/>
-                      <a:round/>
-                      <a:headEnd type="none" w="med" len="med"/>
-                      <a:tailEnd type="none" w="med" len="med"/>
-                    </a:lnB>
-                    <a:solidFill>
-                      <a:srgbClr val="00B4D8"/>
-                    </a:solidFill>
-                  </a:tcPr>
-                </a:tc>
-              </a:tr>
-              <a:tr h="640080">
-                <a:tc>
-                  <a:txBody>
-                    <a:bodyPr/>
-                    <a:lstStyle/>
-                    <a:p>
-                      <a:pPr indent="0" marL="0">
-                        <a:buNone/>
-                      </a:pPr>
-                      <a:r>
-                        <a:rPr lang="en-US" sz="2000" dirty="0">
-                          <a:solidFill>
-                            <a:srgbClr val="E0E4E8"/>
-                          </a:solidFill>
-                          <a:latin typeface="Calibri" pitchFamily="34" charset="0"/>
-                          <a:ea typeface="Calibri" pitchFamily="34" charset="-122"/>
-                          <a:cs typeface="Calibri" pitchFamily="34" charset="-120"/>
-                        </a:rPr>
-                        <a:t>General</a:t>
-                      </a:r>
-                      <a:endParaRPr lang="en-US" sz="2000" dirty="0">
-                        <a:latin typeface="Calibri" charset="0"/>
-                        <a:ea typeface="Calibri" charset="0"/>
-                        <a:cs typeface="Calibri" charset="0"/>
-                      </a:endParaRPr>
-                    </a:p>
-                  </a:txBody>
-                  <a:tcPr marL="91440" marR="91440" marT="45720" marB="45720">
-                    <a:lnL w="12700" cap="flat" cmpd="sng" algn="ctr">
-                      <a:solidFill>
-                        <a:srgbClr val="3A3A5E"/>
-                      </a:solidFill>
-                      <a:prstDash val="solid"/>
-                      <a:round/>
-                      <a:headEnd type="none" w="med" len="med"/>
-                      <a:tailEnd type="none" w="med" len="med"/>
-                    </a:lnL>
-                    <a:lnR w="12700" cap="flat" cmpd="sng" algn="ctr">
-                      <a:solidFill>
-                        <a:srgbClr val="3A3A5E"/>
-                      </a:solidFill>
-                      <a:prstDash val="solid"/>
-                      <a:round/>
-                      <a:headEnd type="none" w="med" len="med"/>
-                      <a:tailEnd type="none" w="med" len="med"/>
-                    </a:lnR>
-                    <a:lnT w="12700" cap="flat" cmpd="sng" algn="ctr">
-                      <a:solidFill>
-                        <a:srgbClr val="3A3A5E"/>
-                      </a:solidFill>
-                      <a:prstDash val="solid"/>
-                      <a:round/>
-                      <a:headEnd type="none" w="med" len="med"/>
-                      <a:tailEnd type="none" w="med" len="med"/>
-                    </a:lnT>
-                    <a:lnB w="12700" cap="flat" cmpd="sng" algn="ctr">
-                      <a:solidFill>
-                        <a:srgbClr val="3A3A5E"/>
-                      </a:solidFill>
-                      <a:prstDash val="solid"/>
-                      <a:round/>
-                      <a:headEnd type="none" w="med" len="med"/>
-                      <a:tailEnd type="none" w="med" len="med"/>
-                    </a:lnB>
-                  </a:tcPr>
-                </a:tc>
-                <a:tc>
-                  <a:txBody>
-                    <a:bodyPr/>
-                    <a:lstStyle/>
-                    <a:p>
-                      <a:pPr indent="0" marL="0">
-                        <a:buNone/>
-                      </a:pPr>
-                      <a:r>
-                        <a:rPr lang="en-US" sz="2000" dirty="0">
-                          <a:solidFill>
-                            <a:srgbClr val="E0E4E8"/>
-                          </a:solidFill>
-                          <a:latin typeface="Calibri" pitchFamily="34" charset="0"/>
-                          <a:ea typeface="Calibri" pitchFamily="34" charset="-122"/>
-                          <a:cs typeface="Calibri" pitchFamily="34" charset="-120"/>
-                        </a:rPr>
-                        <a:t>ChatGPT, Claude, Gemini</a:t>
-                      </a:r>
-                      <a:endParaRPr lang="en-US" sz="2000" dirty="0">
-                        <a:latin typeface="Calibri" charset="0"/>
-                        <a:ea typeface="Calibri" charset="0"/>
-                        <a:cs typeface="Calibri" charset="0"/>
-                      </a:endParaRPr>
-                    </a:p>
-                  </a:txBody>
-                  <a:tcPr marL="91440" marR="91440" marT="45720" marB="45720">
-                    <a:lnL w="12700" cap="flat" cmpd="sng" algn="ctr">
-                      <a:solidFill>
-                        <a:srgbClr val="3A3A5E"/>
-                      </a:solidFill>
-                      <a:prstDash val="solid"/>
-                      <a:round/>
-                      <a:headEnd type="none" w="med" len="med"/>
-                      <a:tailEnd type="none" w="med" len="med"/>
-                    </a:lnL>
-                    <a:lnR w="12700" cap="flat" cmpd="sng" algn="ctr">
-                      <a:solidFill>
-                        <a:srgbClr val="3A3A5E"/>
-                      </a:solidFill>
-                      <a:prstDash val="solid"/>
-                      <a:round/>
-                      <a:headEnd type="none" w="med" len="med"/>
-                      <a:tailEnd type="none" w="med" len="med"/>
-                    </a:lnR>
-                    <a:lnT w="12700" cap="flat" cmpd="sng" algn="ctr">
-                      <a:solidFill>
-                        <a:srgbClr val="3A3A5E"/>
-                      </a:solidFill>
-                      <a:prstDash val="solid"/>
-                      <a:round/>
-                      <a:headEnd type="none" w="med" len="med"/>
-                      <a:tailEnd type="none" w="med" len="med"/>
-                    </a:lnT>
-                    <a:lnB w="12700" cap="flat" cmpd="sng" algn="ctr">
-                      <a:solidFill>
-                        <a:srgbClr val="3A3A5E"/>
-                      </a:solidFill>
-                      <a:prstDash val="solid"/>
-                      <a:round/>
-                      <a:headEnd type="none" w="med" len="med"/>
-                      <a:tailEnd type="none" w="med" len="med"/>
-                    </a:lnB>
-                  </a:tcPr>
-                </a:tc>
-                <a:tc>
-                  <a:txBody>
-                    <a:bodyPr/>
-                    <a:lstStyle/>
-                    <a:p>
-                      <a:pPr indent="0" marL="0">
-                        <a:buNone/>
-                      </a:pPr>
-                      <a:r>
-                        <a:rPr lang="en-US" sz="2000" dirty="0">
-                          <a:solidFill>
-                            <a:srgbClr val="E0E4E8"/>
-                          </a:solidFill>
-                          <a:latin typeface="Calibri" pitchFamily="34" charset="0"/>
-                          <a:ea typeface="Calibri" pitchFamily="34" charset="-122"/>
-                          <a:cs typeface="Calibri" pitchFamily="34" charset="-120"/>
-                        </a:rPr>
-                        <a:t>Start here</a:t>
-                      </a:r>
-                      <a:endParaRPr lang="en-US" sz="2000" dirty="0">
-                        <a:latin typeface="Calibri" charset="0"/>
-                        <a:ea typeface="Calibri" charset="0"/>
-                        <a:cs typeface="Calibri" charset="0"/>
-                      </a:endParaRPr>
-                    </a:p>
-                  </a:txBody>
-                  <a:tcPr marL="91440" marR="91440" marT="45720" marB="45720">
-                    <a:lnL w="12700" cap="flat" cmpd="sng" algn="ctr">
-                      <a:solidFill>
-                        <a:srgbClr val="3A3A5E"/>
-                      </a:solidFill>
-                      <a:prstDash val="solid"/>
-                      <a:round/>
-                      <a:headEnd type="none" w="med" len="med"/>
-                      <a:tailEnd type="none" w="med" len="med"/>
-                    </a:lnL>
-                    <a:lnR w="12700" cap="flat" cmpd="sng" algn="ctr">
-                      <a:solidFill>
-                        <a:srgbClr val="3A3A5E"/>
-                      </a:solidFill>
-                      <a:prstDash val="solid"/>
-                      <a:round/>
-                      <a:headEnd type="none" w="med" len="med"/>
-                      <a:tailEnd type="none" w="med" len="med"/>
-                    </a:lnR>
-                    <a:lnT w="12700" cap="flat" cmpd="sng" algn="ctr">
-                      <a:solidFill>
-                        <a:srgbClr val="3A3A5E"/>
-                      </a:solidFill>
-                      <a:prstDash val="solid"/>
-                      <a:round/>
-                      <a:headEnd type="none" w="med" len="med"/>
-                      <a:tailEnd type="none" w="med" len="med"/>
-                    </a:lnT>
-                    <a:lnB w="12700" cap="flat" cmpd="sng" algn="ctr">
-                      <a:solidFill>
-                        <a:srgbClr val="3A3A5E"/>
-                      </a:solidFill>
-                      <a:prstDash val="solid"/>
-                      <a:round/>
-                      <a:headEnd type="none" w="med" len="med"/>
-                      <a:tailEnd type="none" w="med" len="med"/>
-                    </a:lnB>
-                  </a:tcPr>
-                </a:tc>
-              </a:tr>
-              <a:tr h="640080">
-                <a:tc>
-                  <a:txBody>
-                    <a:bodyPr/>
-                    <a:lstStyle/>
-                    <a:p>
-                      <a:pPr indent="0" marL="0">
-                        <a:buNone/>
-                      </a:pPr>
-                      <a:r>
-                        <a:rPr lang="en-US" sz="2000" dirty="0">
-                          <a:solidFill>
-                            <a:srgbClr val="E0E4E8"/>
-                          </a:solidFill>
-                          <a:latin typeface="Calibri" pitchFamily="34" charset="0"/>
-                          <a:ea typeface="Calibri" pitchFamily="34" charset="-122"/>
-                          <a:cs typeface="Calibri" pitchFamily="34" charset="-120"/>
-                        </a:rPr>
-                        <a:t>Workflow</a:t>
-                      </a:r>
-                      <a:endParaRPr lang="en-US" sz="2000" dirty="0">
-                        <a:latin typeface="Calibri" charset="0"/>
-                        <a:ea typeface="Calibri" charset="0"/>
-                        <a:cs typeface="Calibri" charset="0"/>
-                      </a:endParaRPr>
-                    </a:p>
-                  </a:txBody>
-                  <a:tcPr marL="91440" marR="91440" marT="45720" marB="45720">
-                    <a:lnL w="12700" cap="flat" cmpd="sng" algn="ctr">
-                      <a:solidFill>
-                        <a:srgbClr val="3A3A5E"/>
-                      </a:solidFill>
-                      <a:prstDash val="solid"/>
-                      <a:round/>
-                      <a:headEnd type="none" w="med" len="med"/>
-                      <a:tailEnd type="none" w="med" len="med"/>
-                    </a:lnL>
-                    <a:lnR w="12700" cap="flat" cmpd="sng" algn="ctr">
-                      <a:solidFill>
-                        <a:srgbClr val="3A3A5E"/>
-                      </a:solidFill>
-                      <a:prstDash val="solid"/>
-                      <a:round/>
-                      <a:headEnd type="none" w="med" len="med"/>
-                      <a:tailEnd type="none" w="med" len="med"/>
-                    </a:lnR>
-                    <a:lnT w="12700" cap="flat" cmpd="sng" algn="ctr">
-                      <a:solidFill>
-                        <a:srgbClr val="3A3A5E"/>
-                      </a:solidFill>
-                      <a:prstDash val="solid"/>
-                      <a:round/>
-                      <a:headEnd type="none" w="med" len="med"/>
-                      <a:tailEnd type="none" w="med" len="med"/>
-                    </a:lnT>
-                    <a:lnB w="12700" cap="flat" cmpd="sng" algn="ctr">
-                      <a:solidFill>
-                        <a:srgbClr val="3A3A5E"/>
-                      </a:solidFill>
-                      <a:prstDash val="solid"/>
-                      <a:round/>
-                      <a:headEnd type="none" w="med" len="med"/>
-                      <a:tailEnd type="none" w="med" len="med"/>
-                    </a:lnB>
-                  </a:tcPr>
-                </a:tc>
-                <a:tc>
-                  <a:txBody>
-                    <a:bodyPr/>
-                    <a:lstStyle/>
-                    <a:p>
-                      <a:pPr indent="0" marL="0">
-                        <a:buNone/>
-                      </a:pPr>
-                      <a:r>
-                        <a:rPr lang="en-US" sz="2000" dirty="0">
-                          <a:solidFill>
-                            <a:srgbClr val="E0E4E8"/>
-                          </a:solidFill>
-                          <a:latin typeface="Calibri" pitchFamily="34" charset="0"/>
-                          <a:ea typeface="Calibri" pitchFamily="34" charset="-122"/>
-                          <a:cs typeface="Calibri" pitchFamily="34" charset="-120"/>
-                        </a:rPr>
-                        <a:t>Copilot, Gemini Workspace</a:t>
-                      </a:r>
-                      <a:endParaRPr lang="en-US" sz="2000" dirty="0">
-                        <a:latin typeface="Calibri" charset="0"/>
-                        <a:ea typeface="Calibri" charset="0"/>
-                        <a:cs typeface="Calibri" charset="0"/>
-                      </a:endParaRPr>
-                    </a:p>
-                  </a:txBody>
-                  <a:tcPr marL="91440" marR="91440" marT="45720" marB="45720">
-                    <a:lnL w="12700" cap="flat" cmpd="sng" algn="ctr">
-                      <a:solidFill>
-                        <a:srgbClr val="3A3A5E"/>
-                      </a:solidFill>
-                      <a:prstDash val="solid"/>
-                      <a:round/>
-                      <a:headEnd type="none" w="med" len="med"/>
-                      <a:tailEnd type="none" w="med" len="med"/>
-                    </a:lnL>
-                    <a:lnR w="12700" cap="flat" cmpd="sng" algn="ctr">
-                      <a:solidFill>
-                        <a:srgbClr val="3A3A5E"/>
-                      </a:solidFill>
-                      <a:prstDash val="solid"/>
-                      <a:round/>
-                      <a:headEnd type="none" w="med" len="med"/>
-                      <a:tailEnd type="none" w="med" len="med"/>
-                    </a:lnR>
-                    <a:lnT w="12700" cap="flat" cmpd="sng" algn="ctr">
-                      <a:solidFill>
-                        <a:srgbClr val="3A3A5E"/>
-                      </a:solidFill>
-                      <a:prstDash val="solid"/>
-                      <a:round/>
-                      <a:headEnd type="none" w="med" len="med"/>
-                      <a:tailEnd type="none" w="med" len="med"/>
-                    </a:lnT>
-                    <a:lnB w="12700" cap="flat" cmpd="sng" algn="ctr">
-                      <a:solidFill>
-                        <a:srgbClr val="3A3A5E"/>
-                      </a:solidFill>
-                      <a:prstDash val="solid"/>
-                      <a:round/>
-                      <a:headEnd type="none" w="med" len="med"/>
-                      <a:tailEnd type="none" w="med" len="med"/>
-                    </a:lnB>
-                  </a:tcPr>
-                </a:tc>
-                <a:tc>
-                  <a:txBody>
-                    <a:bodyPr/>
-                    <a:lstStyle/>
-                    <a:p>
-                      <a:pPr indent="0" marL="0">
-                        <a:buNone/>
-                      </a:pPr>
-                      <a:r>
-                        <a:rPr lang="en-US" sz="2000" dirty="0">
-                          <a:solidFill>
-                            <a:srgbClr val="E0E4E8"/>
-                          </a:solidFill>
-                          <a:latin typeface="Calibri" pitchFamily="34" charset="0"/>
-                          <a:ea typeface="Calibri" pitchFamily="34" charset="-122"/>
-                          <a:cs typeface="Calibri" pitchFamily="34" charset="-120"/>
-                        </a:rPr>
-                        <a:t>In your tools</a:t>
-                      </a:r>
-                      <a:endParaRPr lang="en-US" sz="2000" dirty="0">
-                        <a:latin typeface="Calibri" charset="0"/>
-                        <a:ea typeface="Calibri" charset="0"/>
-                        <a:cs typeface="Calibri" charset="0"/>
-                      </a:endParaRPr>
-                    </a:p>
-                  </a:txBody>
-                  <a:tcPr marL="91440" marR="91440" marT="45720" marB="45720">
-                    <a:lnL w="12700" cap="flat" cmpd="sng" algn="ctr">
-                      <a:solidFill>
-                        <a:srgbClr val="3A3A5E"/>
-                      </a:solidFill>
-                      <a:prstDash val="solid"/>
-                      <a:round/>
-                      <a:headEnd type="none" w="med" len="med"/>
-                      <a:tailEnd type="none" w="med" len="med"/>
-                    </a:lnL>
-                    <a:lnR w="12700" cap="flat" cmpd="sng" algn="ctr">
-                      <a:solidFill>
-                        <a:srgbClr val="3A3A5E"/>
-                      </a:solidFill>
-                      <a:prstDash val="solid"/>
-                      <a:round/>
-                      <a:headEnd type="none" w="med" len="med"/>
-                      <a:tailEnd type="none" w="med" len="med"/>
-                    </a:lnR>
-                    <a:lnT w="12700" cap="flat" cmpd="sng" algn="ctr">
-                      <a:solidFill>
-                        <a:srgbClr val="3A3A5E"/>
-                      </a:solidFill>
-                      <a:prstDash val="solid"/>
-                      <a:round/>
-                      <a:headEnd type="none" w="med" len="med"/>
-                      <a:tailEnd type="none" w="med" len="med"/>
-                    </a:lnT>
-                    <a:lnB w="12700" cap="flat" cmpd="sng" algn="ctr">
-                      <a:solidFill>
-                        <a:srgbClr val="3A3A5E"/>
-                      </a:solidFill>
-                      <a:prstDash val="solid"/>
-                      <a:round/>
-                      <a:headEnd type="none" w="med" len="med"/>
-                      <a:tailEnd type="none" w="med" len="med"/>
-                    </a:lnB>
-                  </a:tcPr>
-                </a:tc>
-              </a:tr>
-              <a:tr h="640080">
-                <a:tc>
-                  <a:txBody>
-                    <a:bodyPr/>
-                    <a:lstStyle/>
-                    <a:p>
-                      <a:pPr indent="0" marL="0">
-                        <a:buNone/>
-                      </a:pPr>
-                      <a:r>
-                        <a:rPr lang="en-US" sz="2000" dirty="0">
-                          <a:solidFill>
-                            <a:srgbClr val="E0E4E8"/>
-                          </a:solidFill>
-                          <a:latin typeface="Calibri" pitchFamily="34" charset="0"/>
-                          <a:ea typeface="Calibri" pitchFamily="34" charset="-122"/>
-                          <a:cs typeface="Calibri" pitchFamily="34" charset="-120"/>
-                        </a:rPr>
-                        <a:t>Dev</a:t>
-                      </a:r>
-                      <a:endParaRPr lang="en-US" sz="2000" dirty="0">
-                        <a:latin typeface="Calibri" charset="0"/>
-                        <a:ea typeface="Calibri" charset="0"/>
-                        <a:cs typeface="Calibri" charset="0"/>
-                      </a:endParaRPr>
-                    </a:p>
-                  </a:txBody>
-                  <a:tcPr marL="91440" marR="91440" marT="45720" marB="45720">
-                    <a:lnL w="12700" cap="flat" cmpd="sng" algn="ctr">
-                      <a:solidFill>
-                        <a:srgbClr val="3A3A5E"/>
-                      </a:solidFill>
-                      <a:prstDash val="solid"/>
-                      <a:round/>
-                      <a:headEnd type="none" w="med" len="med"/>
-                      <a:tailEnd type="none" w="med" len="med"/>
-                    </a:lnL>
-                    <a:lnR w="12700" cap="flat" cmpd="sng" algn="ctr">
-                      <a:solidFill>
-                        <a:srgbClr val="3A3A5E"/>
-                      </a:solidFill>
-                      <a:prstDash val="solid"/>
-                      <a:round/>
-                      <a:headEnd type="none" w="med" len="med"/>
-                      <a:tailEnd type="none" w="med" len="med"/>
-                    </a:lnR>
-                    <a:lnT w="12700" cap="flat" cmpd="sng" algn="ctr">
-                      <a:solidFill>
-                        <a:srgbClr val="3A3A5E"/>
-                      </a:solidFill>
-                      <a:prstDash val="solid"/>
-                      <a:round/>
-                      <a:headEnd type="none" w="med" len="med"/>
-                      <a:tailEnd type="none" w="med" len="med"/>
-                    </a:lnT>
-                    <a:lnB w="12700" cap="flat" cmpd="sng" algn="ctr">
-                      <a:solidFill>
-                        <a:srgbClr val="3A3A5E"/>
-                      </a:solidFill>
-                      <a:prstDash val="solid"/>
-                      <a:round/>
-                      <a:headEnd type="none" w="med" len="med"/>
-                      <a:tailEnd type="none" w="med" len="med"/>
-                    </a:lnB>
-                  </a:tcPr>
-                </a:tc>
-                <a:tc>
-                  <a:txBody>
-                    <a:bodyPr/>
-                    <a:lstStyle/>
-                    <a:p>
-                      <a:pPr indent="0" marL="0">
-                        <a:buNone/>
-                      </a:pPr>
-                      <a:r>
-                        <a:rPr lang="en-US" sz="2000" dirty="0">
-                          <a:solidFill>
-                            <a:srgbClr val="E0E4E8"/>
-                          </a:solidFill>
-                          <a:latin typeface="Calibri" pitchFamily="34" charset="0"/>
-                          <a:ea typeface="Calibri" pitchFamily="34" charset="-122"/>
-                          <a:cs typeface="Calibri" pitchFamily="34" charset="-120"/>
-                        </a:rPr>
-                        <a:t>Copilot, Cursor, Claude Code</a:t>
-                      </a:r>
-                      <a:endParaRPr lang="en-US" sz="2000" dirty="0">
-                        <a:latin typeface="Calibri" charset="0"/>
-                        <a:ea typeface="Calibri" charset="0"/>
-                        <a:cs typeface="Calibri" charset="0"/>
-                      </a:endParaRPr>
-                    </a:p>
-                  </a:txBody>
-                  <a:tcPr marL="91440" marR="91440" marT="45720" marB="45720">
-                    <a:lnL w="12700" cap="flat" cmpd="sng" algn="ctr">
-                      <a:solidFill>
-                        <a:srgbClr val="3A3A5E"/>
-                      </a:solidFill>
-                      <a:prstDash val="solid"/>
-                      <a:round/>
-                      <a:headEnd type="none" w="med" len="med"/>
-                      <a:tailEnd type="none" w="med" len="med"/>
-                    </a:lnL>
-                    <a:lnR w="12700" cap="flat" cmpd="sng" algn="ctr">
-                      <a:solidFill>
-                        <a:srgbClr val="3A3A5E"/>
-                      </a:solidFill>
-                      <a:prstDash val="solid"/>
-                      <a:round/>
-                      <a:headEnd type="none" w="med" len="med"/>
-                      <a:tailEnd type="none" w="med" len="med"/>
-                    </a:lnR>
-                    <a:lnT w="12700" cap="flat" cmpd="sng" algn="ctr">
-                      <a:solidFill>
-                        <a:srgbClr val="3A3A5E"/>
-                      </a:solidFill>
-                      <a:prstDash val="solid"/>
-                      <a:round/>
-                      <a:headEnd type="none" w="med" len="med"/>
-                      <a:tailEnd type="none" w="med" len="med"/>
-                    </a:lnT>
-                    <a:lnB w="12700" cap="flat" cmpd="sng" algn="ctr">
-                      <a:solidFill>
-                        <a:srgbClr val="3A3A5E"/>
-                      </a:solidFill>
-                      <a:prstDash val="solid"/>
-                      <a:round/>
-                      <a:headEnd type="none" w="med" len="med"/>
-                      <a:tailEnd type="none" w="med" len="med"/>
-                    </a:lnB>
-                  </a:tcPr>
-                </a:tc>
-                <a:tc>
-                  <a:txBody>
-                    <a:bodyPr/>
-                    <a:lstStyle/>
-                    <a:p>
-                      <a:pPr indent="0" marL="0">
-                        <a:buNone/>
-                      </a:pPr>
-                      <a:r>
-                        <a:rPr lang="en-US" sz="2000" dirty="0">
-                          <a:solidFill>
-                            <a:srgbClr val="E0E4E8"/>
-                          </a:solidFill>
-                          <a:latin typeface="Calibri" pitchFamily="34" charset="0"/>
-                          <a:ea typeface="Calibri" pitchFamily="34" charset="-122"/>
-                          <a:cs typeface="Calibri" pitchFamily="34" charset="-120"/>
-                        </a:rPr>
-                        <a:t>AI-first coding</a:t>
-                      </a:r>
-                      <a:endParaRPr lang="en-US" sz="2000" dirty="0">
-                        <a:latin typeface="Calibri" charset="0"/>
-                        <a:ea typeface="Calibri" charset="0"/>
-                        <a:cs typeface="Calibri" charset="0"/>
-                      </a:endParaRPr>
-                    </a:p>
-                  </a:txBody>
-                  <a:tcPr marL="91440" marR="91440" marT="45720" marB="45720">
-                    <a:lnL w="12700" cap="flat" cmpd="sng" algn="ctr">
-                      <a:solidFill>
-                        <a:srgbClr val="3A3A5E"/>
-                      </a:solidFill>
-                      <a:prstDash val="solid"/>
-                      <a:round/>
-                      <a:headEnd type="none" w="med" len="med"/>
-                      <a:tailEnd type="none" w="med" len="med"/>
-                    </a:lnL>
-                    <a:lnR w="12700" cap="flat" cmpd="sng" algn="ctr">
-                      <a:solidFill>
-                        <a:srgbClr val="3A3A5E"/>
-                      </a:solidFill>
-                      <a:prstDash val="solid"/>
-                      <a:round/>
-                      <a:headEnd type="none" w="med" len="med"/>
-                      <a:tailEnd type="none" w="med" len="med"/>
-                    </a:lnR>
-                    <a:lnT w="12700" cap="flat" cmpd="sng" algn="ctr">
-                      <a:solidFill>
-                        <a:srgbClr val="3A3A5E"/>
-                      </a:solidFill>
-                      <a:prstDash val="solid"/>
-                      <a:round/>
-                      <a:headEnd type="none" w="med" len="med"/>
-                      <a:tailEnd type="none" w="med" len="med"/>
-                    </a:lnT>
-                    <a:lnB w="12700" cap="flat" cmpd="sng" algn="ctr">
-                      <a:solidFill>
-                        <a:srgbClr val="3A3A5E"/>
-                      </a:solidFill>
-                      <a:prstDash val="solid"/>
-                      <a:round/>
-                      <a:headEnd type="none" w="med" len="med"/>
-                      <a:tailEnd type="none" w="med" len="med"/>
-                    </a:lnB>
-                  </a:tcPr>
-                </a:tc>
-              </a:tr>
-              <a:tr h="640080">
-                <a:tc>
-                  <a:txBody>
-                    <a:bodyPr/>
-                    <a:lstStyle/>
-                    <a:p>
-                      <a:pPr indent="0" marL="0">
-                        <a:buNone/>
-                      </a:pPr>
-                      <a:r>
-                        <a:rPr lang="en-US" sz="2000" dirty="0">
-                          <a:solidFill>
-                            <a:srgbClr val="E0E4E8"/>
-                          </a:solidFill>
-                          <a:latin typeface="Calibri" pitchFamily="34" charset="0"/>
-                          <a:ea typeface="Calibri" pitchFamily="34" charset="-122"/>
-                          <a:cs typeface="Calibri" pitchFamily="34" charset="-120"/>
-                        </a:rPr>
-                        <a:t>Connections</a:t>
-                      </a:r>
-                      <a:endParaRPr lang="en-US" sz="2000" dirty="0">
-                        <a:latin typeface="Calibri" charset="0"/>
-                        <a:ea typeface="Calibri" charset="0"/>
-                        <a:cs typeface="Calibri" charset="0"/>
-                      </a:endParaRPr>
-                    </a:p>
-                  </a:txBody>
-                  <a:tcPr marL="91440" marR="91440" marT="45720" marB="45720">
-                    <a:lnL w="12700" cap="flat" cmpd="sng" algn="ctr">
-                      <a:solidFill>
-                        <a:srgbClr val="3A3A5E"/>
-                      </a:solidFill>
-                      <a:prstDash val="solid"/>
-                      <a:round/>
-                      <a:headEnd type="none" w="med" len="med"/>
-                      <a:tailEnd type="none" w="med" len="med"/>
-                    </a:lnL>
-                    <a:lnR w="12700" cap="flat" cmpd="sng" algn="ctr">
-                      <a:solidFill>
-                        <a:srgbClr val="3A3A5E"/>
-                      </a:solidFill>
-                      <a:prstDash val="solid"/>
-                      <a:round/>
-                      <a:headEnd type="none" w="med" len="med"/>
-                      <a:tailEnd type="none" w="med" len="med"/>
-                    </a:lnR>
-                    <a:lnT w="12700" cap="flat" cmpd="sng" algn="ctr">
-                      <a:solidFill>
-                        <a:srgbClr val="3A3A5E"/>
-                      </a:solidFill>
-                      <a:prstDash val="solid"/>
-                      <a:round/>
-                      <a:headEnd type="none" w="med" len="med"/>
-                      <a:tailEnd type="none" w="med" len="med"/>
-                    </a:lnT>
-                    <a:lnB w="12700" cap="flat" cmpd="sng" algn="ctr">
-                      <a:solidFill>
-                        <a:srgbClr val="3A3A5E"/>
-                      </a:solidFill>
-                      <a:prstDash val="solid"/>
-                      <a:round/>
-                      <a:headEnd type="none" w="med" len="med"/>
-                      <a:tailEnd type="none" w="med" len="med"/>
-                    </a:lnB>
-                  </a:tcPr>
-                </a:tc>
-                <a:tc>
-                  <a:txBody>
-                    <a:bodyPr/>
-                    <a:lstStyle/>
-                    <a:p>
-                      <a:pPr indent="0" marL="0">
-                        <a:buNone/>
-                      </a:pPr>
-                      <a:r>
-                        <a:rPr lang="en-US" sz="2000" dirty="0">
-                          <a:solidFill>
-                            <a:srgbClr val="E0E4E8"/>
-                          </a:solidFill>
-                          <a:latin typeface="Calibri" pitchFamily="34" charset="0"/>
-                          <a:ea typeface="Calibri" pitchFamily="34" charset="-122"/>
-                          <a:cs typeface="Calibri" pitchFamily="34" charset="-120"/>
-                        </a:rPr>
-                        <a:t>MCP, Zapier AI, custom</a:t>
-                      </a:r>
-                      <a:endParaRPr lang="en-US" sz="2000" dirty="0">
-                        <a:latin typeface="Calibri" charset="0"/>
-                        <a:ea typeface="Calibri" charset="0"/>
-                        <a:cs typeface="Calibri" charset="0"/>
-                      </a:endParaRPr>
-                    </a:p>
-                  </a:txBody>
-                  <a:tcPr marL="91440" marR="91440" marT="45720" marB="45720">
-                    <a:lnL w="12700" cap="flat" cmpd="sng" algn="ctr">
-                      <a:solidFill>
-                        <a:srgbClr val="3A3A5E"/>
-                      </a:solidFill>
-                      <a:prstDash val="solid"/>
-                      <a:round/>
-                      <a:headEnd type="none" w="med" len="med"/>
-                      <a:tailEnd type="none" w="med" len="med"/>
-                    </a:lnL>
-                    <a:lnR w="12700" cap="flat" cmpd="sng" algn="ctr">
-                      <a:solidFill>
-                        <a:srgbClr val="3A3A5E"/>
-                      </a:solidFill>
-                      <a:prstDash val="solid"/>
-                      <a:round/>
-                      <a:headEnd type="none" w="med" len="med"/>
-                      <a:tailEnd type="none" w="med" len="med"/>
-                    </a:lnR>
-                    <a:lnT w="12700" cap="flat" cmpd="sng" algn="ctr">
-                      <a:solidFill>
-                        <a:srgbClr val="3A3A5E"/>
-                      </a:solidFill>
-                      <a:prstDash val="solid"/>
-                      <a:round/>
-                      <a:headEnd type="none" w="med" len="med"/>
-                      <a:tailEnd type="none" w="med" len="med"/>
-                    </a:lnT>
-                    <a:lnB w="12700" cap="flat" cmpd="sng" algn="ctr">
-                      <a:solidFill>
-                        <a:srgbClr val="3A3A5E"/>
-                      </a:solidFill>
-                      <a:prstDash val="solid"/>
-                      <a:round/>
-                      <a:headEnd type="none" w="med" len="med"/>
-                      <a:tailEnd type="none" w="med" len="med"/>
-                    </a:lnB>
-                  </a:tcPr>
-                </a:tc>
-                <a:tc>
-                  <a:txBody>
-                    <a:bodyPr/>
-                    <a:lstStyle/>
-                    <a:p>
-                      <a:pPr indent="0" marL="0">
-                        <a:buNone/>
-                      </a:pPr>
-                      <a:r>
-                        <a:rPr lang="en-US" sz="2000" dirty="0">
-                          <a:solidFill>
-                            <a:srgbClr val="E0E4E8"/>
-                          </a:solidFill>
-                          <a:latin typeface="Calibri" pitchFamily="34" charset="0"/>
-                          <a:ea typeface="Calibri" pitchFamily="34" charset="-122"/>
-                          <a:cs typeface="Calibri" pitchFamily="34" charset="-120"/>
-                        </a:rPr>
-                        <a:t>Level 4–5</a:t>
-                      </a:r>
-                      <a:endParaRPr lang="en-US" sz="2000" dirty="0">
-                        <a:latin typeface="Calibri" charset="0"/>
-                        <a:ea typeface="Calibri" charset="0"/>
-                        <a:cs typeface="Calibri" charset="0"/>
-                      </a:endParaRPr>
-                    </a:p>
-                  </a:txBody>
-                  <a:tcPr marL="91440" marR="91440" marT="45720" marB="45720">
-                    <a:lnL w="12700" cap="flat" cmpd="sng" algn="ctr">
-                      <a:solidFill>
-                        <a:srgbClr val="3A3A5E"/>
-                      </a:solidFill>
-                      <a:prstDash val="solid"/>
-                      <a:round/>
-                      <a:headEnd type="none" w="med" len="med"/>
-                      <a:tailEnd type="none" w="med" len="med"/>
-                    </a:lnL>
-                    <a:lnR w="12700" cap="flat" cmpd="sng" algn="ctr">
-                      <a:solidFill>
-                        <a:srgbClr val="3A3A5E"/>
-                      </a:solidFill>
-                      <a:prstDash val="solid"/>
-                      <a:round/>
-                      <a:headEnd type="none" w="med" len="med"/>
-                      <a:tailEnd type="none" w="med" len="med"/>
-                    </a:lnR>
-                    <a:lnT w="12700" cap="flat" cmpd="sng" algn="ctr">
-                      <a:solidFill>
-                        <a:srgbClr val="3A3A5E"/>
-                      </a:solidFill>
-                      <a:prstDash val="solid"/>
-                      <a:round/>
-                      <a:headEnd type="none" w="med" len="med"/>
-                      <a:tailEnd type="none" w="med" len="med"/>
-                    </a:lnT>
-                    <a:lnB w="12700" cap="flat" cmpd="sng" algn="ctr">
-                      <a:solidFill>
-                        <a:srgbClr val="3A3A5E"/>
-                      </a:solidFill>
-                      <a:prstDash val="solid"/>
-                      <a:round/>
-                      <a:headEnd type="none" w="med" len="med"/>
-                      <a:tailEnd type="none" w="med" len="med"/>
-                    </a:lnB>
-                  </a:tcPr>
-                </a:tc>
-              </a:tr>
-            </a:tbl>
-          </a:graphicData>
-        </a:graphic>
-      </p:graphicFrame>
+              <a:t>Remember the</a:t>
+            </a:r>
+            <a:endParaRPr lang="en-US" sz="4800" dirty="0"/>
+          </a:p>
+          <a:p>
+            <a:pPr algn="ctr" indent="0" marL="0">
+              <a:buNone/>
+            </a:pPr>
+            <a:r>
+              <a:rPr lang="en-US" sz="4800" b="1" dirty="0">
+                <a:solidFill>
+                  <a:srgbClr val="FFFFFF"/>
+                </a:solidFill>
+                <a:latin typeface="Georgia" pitchFamily="34" charset="0"/>
+                <a:ea typeface="Georgia" pitchFamily="34" charset="-122"/>
+                <a:cs typeface="Georgia" pitchFamily="34" charset="-120"/>
+              </a:rPr>
+              <a:t>45-minute conversation?</a:t>
+            </a:r>
+            <a:endParaRPr lang="en-US" sz="4800" dirty="0"/>
+          </a:p>
+        </p:txBody>
+      </p:sp>
     </p:spTree>
   </p:cSld>
   <p:clrMapOvr>
@@ -23149,54 +21605,14 @@
       </p:sp>
       <p:sp>
         <p:nvSpPr>
-          <p:cNvPr id="3" name="Shape 1"/>
-          <p:cNvSpPr/>
-          <p:nvPr/>
-        </p:nvSpPr>
-        <p:spPr>
-          <a:xfrm>
-            <a:off x="457200" y="2377440"/>
-            <a:ext cx="8229600" cy="54864"/>
-          </a:xfrm>
-          <a:prstGeom prst="rect">
-            <a:avLst/>
-          </a:prstGeom>
-          <a:solidFill>
-            <a:srgbClr val="00B4D8"/>
-          </a:solidFill>
-          <a:ln/>
-        </p:spPr>
-      </p:sp>
-      <p:sp>
-        <p:nvSpPr>
-          <p:cNvPr id="4" name="Shape 2"/>
-          <p:cNvSpPr/>
-          <p:nvPr/>
-        </p:nvSpPr>
-        <p:spPr>
-          <a:xfrm>
-            <a:off x="1280160" y="2130552"/>
-            <a:ext cx="548640" cy="548640"/>
-          </a:xfrm>
-          <a:prstGeom prst="ellipse">
-            <a:avLst/>
-          </a:prstGeom>
-          <a:solidFill>
-            <a:srgbClr val="00B4D8"/>
-          </a:solidFill>
-          <a:ln/>
-        </p:spPr>
-      </p:sp>
-      <p:sp>
-        <p:nvSpPr>
-          <p:cNvPr id="5" name="Text 3"/>
-          <p:cNvSpPr/>
-          <p:nvPr/>
-        </p:nvSpPr>
-        <p:spPr>
-          <a:xfrm>
-            <a:off x="640080" y="2926080"/>
-            <a:ext cx="1828800" cy="1097280"/>
+          <p:cNvPr id="3" name="Text 1"/>
+          <p:cNvSpPr/>
+          <p:nvPr/>
+        </p:nvSpPr>
+        <p:spPr>
+          <a:xfrm>
+            <a:off x="914400" y="1097280"/>
+            <a:ext cx="7315200" cy="2560320"/>
           </a:xfrm>
           <a:prstGeom prst="rect">
             <a:avLst/>
@@ -23205,269 +21621,41 @@
           <a:ln/>
         </p:spPr>
         <p:txBody>
-          <a:bodyPr wrap="square" lIns="0" tIns="0" rIns="0" bIns="0" rtlCol="0" anchor="t"/>
+          <a:bodyPr wrap="square" lIns="0" tIns="0" rIns="0" bIns="0" rtlCol="0" anchor="ctr"/>
           <a:lstStyle/>
           <a:p>
             <a:pPr algn="ctr" indent="0" marL="0">
               <a:buNone/>
             </a:pPr>
             <a:r>
-              <a:rPr lang="en-US" sz="2400" dirty="0">
-                <a:solidFill>
-                  <a:srgbClr val="00B4D8"/>
-                </a:solidFill>
-                <a:latin typeface="Calibri" pitchFamily="34" charset="0"/>
-                <a:ea typeface="Calibri" pitchFamily="34" charset="-122"/>
-                <a:cs typeface="Calibri" pitchFamily="34" charset="-120"/>
-              </a:rPr>
-              <a:t>Week 1</a:t>
-            </a:r>
-            <a:endParaRPr lang="en-US" sz="2400" dirty="0"/>
+              <a:rPr lang="en-US" sz="7200" b="1" dirty="0">
+                <a:solidFill>
+                  <a:srgbClr val="FFFFFF"/>
+                </a:solidFill>
+                <a:latin typeface="Georgia" pitchFamily="34" charset="0"/>
+                <a:ea typeface="Georgia" pitchFamily="34" charset="-122"/>
+                <a:cs typeface="Georgia" pitchFamily="34" charset="-120"/>
+              </a:rPr>
+              <a:t>Two minutes.</a:t>
+            </a:r>
+            <a:endParaRPr lang="en-US" sz="7200" dirty="0"/>
           </a:p>
           <a:p>
             <a:pPr algn="ctr" indent="0" marL="0">
               <a:buNone/>
             </a:pPr>
             <a:r>
-              <a:rPr lang="en-US" sz="2400" dirty="0">
-                <a:solidFill>
-                  <a:srgbClr val="00B4D8"/>
-                </a:solidFill>
-                <a:latin typeface="Calibri" pitchFamily="34" charset="0"/>
-                <a:ea typeface="Calibri" pitchFamily="34" charset="-122"/>
-                <a:cs typeface="Calibri" pitchFamily="34" charset="-120"/>
-              </a:rPr>
-              <a:t>Questioner</a:t>
-            </a:r>
-            <a:endParaRPr lang="en-US" sz="2400" dirty="0"/>
-          </a:p>
-        </p:txBody>
-      </p:sp>
-      <p:sp>
-        <p:nvSpPr>
-          <p:cNvPr id="6" name="Shape 4"/>
-          <p:cNvSpPr/>
-          <p:nvPr/>
-        </p:nvSpPr>
-        <p:spPr>
-          <a:xfrm>
-            <a:off x="3291840" y="2130552"/>
-            <a:ext cx="548640" cy="548640"/>
-          </a:xfrm>
-          <a:prstGeom prst="ellipse">
-            <a:avLst/>
-          </a:prstGeom>
-          <a:solidFill>
-            <a:srgbClr val="00B4D8"/>
-          </a:solidFill>
-          <a:ln/>
-        </p:spPr>
-      </p:sp>
-      <p:sp>
-        <p:nvSpPr>
-          <p:cNvPr id="7" name="Text 5"/>
-          <p:cNvSpPr/>
-          <p:nvPr/>
-        </p:nvSpPr>
-        <p:spPr>
-          <a:xfrm>
-            <a:off x="2651760" y="2926080"/>
-            <a:ext cx="1828800" cy="1097280"/>
-          </a:xfrm>
-          <a:prstGeom prst="rect">
-            <a:avLst/>
-          </a:prstGeom>
-          <a:noFill/>
-          <a:ln/>
-        </p:spPr>
-        <p:txBody>
-          <a:bodyPr wrap="square" lIns="0" tIns="0" rIns="0" bIns="0" rtlCol="0" anchor="t"/>
-          <a:lstStyle/>
-          <a:p>
-            <a:pPr algn="ctr" indent="0" marL="0">
-              <a:buNone/>
-            </a:pPr>
-            <a:r>
-              <a:rPr lang="en-US" sz="2400" dirty="0">
-                <a:solidFill>
-                  <a:srgbClr val="00B4D8"/>
-                </a:solidFill>
-                <a:latin typeface="Calibri" pitchFamily="34" charset="0"/>
-                <a:ea typeface="Calibri" pitchFamily="34" charset="-122"/>
-                <a:cs typeface="Calibri" pitchFamily="34" charset="-120"/>
-              </a:rPr>
-              <a:t>Week 2</a:t>
-            </a:r>
-            <a:endParaRPr lang="en-US" sz="2400" dirty="0"/>
-          </a:p>
-          <a:p>
-            <a:pPr algn="ctr" indent="0" marL="0">
-              <a:buNone/>
-            </a:pPr>
-            <a:r>
-              <a:rPr lang="en-US" sz="2400" dirty="0">
-                <a:solidFill>
-                  <a:srgbClr val="00B4D8"/>
-                </a:solidFill>
-                <a:latin typeface="Calibri" pitchFamily="34" charset="0"/>
-                <a:ea typeface="Calibri" pitchFamily="34" charset="-122"/>
-                <a:cs typeface="Calibri" pitchFamily="34" charset="-120"/>
-              </a:rPr>
-              <a:t>Viber</a:t>
-            </a:r>
-            <a:endParaRPr lang="en-US" sz="2400" dirty="0"/>
-          </a:p>
-        </p:txBody>
-      </p:sp>
-      <p:sp>
-        <p:nvSpPr>
-          <p:cNvPr id="8" name="Shape 6"/>
-          <p:cNvSpPr/>
-          <p:nvPr/>
-        </p:nvSpPr>
-        <p:spPr>
-          <a:xfrm>
-            <a:off x="5303520" y="2130552"/>
-            <a:ext cx="548640" cy="548640"/>
-          </a:xfrm>
-          <a:prstGeom prst="ellipse">
-            <a:avLst/>
-          </a:prstGeom>
-          <a:solidFill>
-            <a:srgbClr val="00B4D8"/>
-          </a:solidFill>
-          <a:ln/>
-        </p:spPr>
-      </p:sp>
-      <p:sp>
-        <p:nvSpPr>
-          <p:cNvPr id="9" name="Text 7"/>
-          <p:cNvSpPr/>
-          <p:nvPr/>
-        </p:nvSpPr>
-        <p:spPr>
-          <a:xfrm>
-            <a:off x="4663440" y="2926080"/>
-            <a:ext cx="1828800" cy="1097280"/>
-          </a:xfrm>
-          <a:prstGeom prst="rect">
-            <a:avLst/>
-          </a:prstGeom>
-          <a:noFill/>
-          <a:ln/>
-        </p:spPr>
-        <p:txBody>
-          <a:bodyPr wrap="square" lIns="0" tIns="0" rIns="0" bIns="0" rtlCol="0" anchor="t"/>
-          <a:lstStyle/>
-          <a:p>
-            <a:pPr algn="ctr" indent="0" marL="0">
-              <a:buNone/>
-            </a:pPr>
-            <a:r>
-              <a:rPr lang="en-US" sz="2400" dirty="0">
-                <a:solidFill>
-                  <a:srgbClr val="00B4D8"/>
-                </a:solidFill>
-                <a:latin typeface="Calibri" pitchFamily="34" charset="0"/>
-                <a:ea typeface="Calibri" pitchFamily="34" charset="-122"/>
-                <a:cs typeface="Calibri" pitchFamily="34" charset="-120"/>
-              </a:rPr>
-              <a:t>Week 3</a:t>
-            </a:r>
-            <a:endParaRPr lang="en-US" sz="2400" dirty="0"/>
-          </a:p>
-          <a:p>
-            <a:pPr algn="ctr" indent="0" marL="0">
-              <a:buNone/>
-            </a:pPr>
-            <a:r>
-              <a:rPr lang="en-US" sz="2400" dirty="0">
-                <a:solidFill>
-                  <a:srgbClr val="00B4D8"/>
-                </a:solidFill>
-                <a:latin typeface="Calibri" pitchFamily="34" charset="0"/>
-                <a:ea typeface="Calibri" pitchFamily="34" charset="-122"/>
-                <a:cs typeface="Calibri" pitchFamily="34" charset="-120"/>
-              </a:rPr>
-              <a:t>AI-First</a:t>
-            </a:r>
-            <a:endParaRPr lang="en-US" sz="2400" dirty="0"/>
-          </a:p>
-        </p:txBody>
-      </p:sp>
-      <p:sp>
-        <p:nvSpPr>
-          <p:cNvPr id="10" name="Shape 8"/>
-          <p:cNvSpPr/>
-          <p:nvPr/>
-        </p:nvSpPr>
-        <p:spPr>
-          <a:xfrm>
-            <a:off x="7315200" y="2130552"/>
-            <a:ext cx="548640" cy="548640"/>
-          </a:xfrm>
-          <a:prstGeom prst="ellipse">
-            <a:avLst/>
-          </a:prstGeom>
-          <a:solidFill>
-            <a:srgbClr val="2D936C"/>
-          </a:solidFill>
-          <a:ln/>
-        </p:spPr>
-      </p:sp>
-      <p:sp>
-        <p:nvSpPr>
-          <p:cNvPr id="11" name="Text 9"/>
-          <p:cNvSpPr/>
-          <p:nvPr/>
-        </p:nvSpPr>
-        <p:spPr>
-          <a:xfrm>
-            <a:off x="6675120" y="2926080"/>
-            <a:ext cx="1828800" cy="1097280"/>
-          </a:xfrm>
-          <a:prstGeom prst="rect">
-            <a:avLst/>
-          </a:prstGeom>
-          <a:noFill/>
-          <a:ln/>
-        </p:spPr>
-        <p:txBody>
-          <a:bodyPr wrap="square" lIns="0" tIns="0" rIns="0" bIns="0" rtlCol="0" anchor="t"/>
-          <a:lstStyle/>
-          <a:p>
-            <a:pPr algn="ctr" indent="0" marL="0">
-              <a:buNone/>
-            </a:pPr>
-            <a:r>
-              <a:rPr lang="en-US" sz="2400" dirty="0">
-                <a:solidFill>
-                  <a:srgbClr val="2D936C"/>
-                </a:solidFill>
-                <a:latin typeface="Calibri" pitchFamily="34" charset="0"/>
-                <a:ea typeface="Calibri" pitchFamily="34" charset="-122"/>
-                <a:cs typeface="Calibri" pitchFamily="34" charset="-120"/>
-              </a:rPr>
-              <a:t>Week 4</a:t>
-            </a:r>
-            <a:endParaRPr lang="en-US" sz="2400" dirty="0"/>
-          </a:p>
-          <a:p>
-            <a:pPr algn="ctr" indent="0" marL="0">
-              <a:buNone/>
-            </a:pPr>
-            <a:r>
-              <a:rPr lang="en-US" sz="2400" dirty="0">
-                <a:solidFill>
-                  <a:srgbClr val="2D936C"/>
-                </a:solidFill>
-                <a:latin typeface="Calibri" pitchFamily="34" charset="0"/>
-                <a:ea typeface="Calibri" pitchFamily="34" charset="-122"/>
-                <a:cs typeface="Calibri" pitchFamily="34" charset="-120"/>
-              </a:rPr>
-              <a:t>Orchestrator</a:t>
-            </a:r>
-            <a:endParaRPr lang="en-US" sz="2400" dirty="0"/>
+              <a:rPr lang="en-US" sz="7200" b="1" dirty="0">
+                <a:solidFill>
+                  <a:srgbClr val="FFFFFF"/>
+                </a:solidFill>
+                <a:latin typeface="Georgia" pitchFamily="34" charset="0"/>
+                <a:ea typeface="Georgia" pitchFamily="34" charset="-122"/>
+                <a:cs typeface="Georgia" pitchFamily="34" charset="-120"/>
+              </a:rPr>
+              <a:t>That’s the trick.</a:t>
+            </a:r>
+            <a:endParaRPr lang="en-US" sz="7200" dirty="0"/>
           </a:p>
         </p:txBody>
       </p:sp>
@@ -23533,8 +21721,8 @@
         </p:nvSpPr>
         <p:spPr>
           <a:xfrm>
-            <a:off x="1371600" y="1828800"/>
-            <a:ext cx="6400800" cy="1463040"/>
+            <a:off x="914400" y="1097280"/>
+            <a:ext cx="7315200" cy="2560320"/>
           </a:xfrm>
           <a:prstGeom prst="rect">
             <a:avLst/>
@@ -23550,100 +21738,24 @@
               <a:buNone/>
             </a:pPr>
             <a:r>
-              <a:rPr lang="en-US" sz="2800" i="1" dirty="0">
-                <a:solidFill>
-                  <a:srgbClr val="00B4D8"/>
+              <a:rPr lang="en-US" sz="4400" b="1" dirty="0">
+                <a:solidFill>
+                  <a:srgbClr val="FFFFFF"/>
                 </a:solidFill>
                 <a:latin typeface="Georgia" pitchFamily="34" charset="0"/>
                 <a:ea typeface="Georgia" pitchFamily="34" charset="-122"/>
                 <a:cs typeface="Georgia" pitchFamily="34" charset="-120"/>
               </a:rPr>
-              <a:t>Let's come back to where we started.</a:t>
-            </a:r>
-            <a:endParaRPr lang="en-US" sz="2800" dirty="0"/>
-          </a:p>
-        </p:txBody>
-      </p:sp>
-    </p:spTree>
-  </p:cSld>
-  <p:clrMapOvr>
-    <a:masterClrMapping/>
-  </p:clrMapOvr>
-</p:sld>
-</file>
-
-<file path=ppt/slides/slide69.xml><?xml version="1.0" encoding="utf-8"?>
-<p:sld xmlns:a="http://schemas.openxmlformats.org/drawingml/2006/main" xmlns:r="http://schemas.openxmlformats.org/officeDocument/2006/relationships" xmlns:p="http://schemas.openxmlformats.org/presentationml/2006/main">
-  <p:cSld name="Slide 69">
-    <p:bg>
-      <p:bgPr>
-        <a:solidFill>
-          <a:srgbClr val="0F0F1A"/>
-        </a:solidFill>
-      </p:bgPr>
-    </p:bg>
-    <p:spTree>
-      <p:nvGrpSpPr>
-        <p:cNvPr id="1" name=""/>
-        <p:cNvGrpSpPr/>
-        <p:nvPr/>
-      </p:nvGrpSpPr>
-      <p:grpSpPr>
-        <a:xfrm>
-          <a:off x="0" y="0"/>
-          <a:ext cx="0" cy="0"/>
-          <a:chOff x="0" y="0"/>
-          <a:chExt cx="0" cy="0"/>
-        </a:xfrm>
-      </p:grpSpPr>
-      <p:sp>
-        <p:nvSpPr>
-          <p:cNvPr id="2" name="Shape 0"/>
-          <p:cNvSpPr/>
-          <p:nvPr/>
-        </p:nvSpPr>
-        <p:spPr>
-          <a:xfrm>
-            <a:off x="4572000" y="2286000"/>
-            <a:ext cx="7315200" cy="5486400"/>
-          </a:xfrm>
-          <a:prstGeom prst="ellipse">
-            <a:avLst/>
-          </a:prstGeom>
-          <a:solidFill>
-            <a:srgbClr val="00B4D8">
-              <a:alpha val="4000"/>
-            </a:srgbClr>
-          </a:solidFill>
-          <a:ln/>
-        </p:spPr>
-      </p:sp>
-      <p:sp>
-        <p:nvSpPr>
-          <p:cNvPr id="3" name="Text 1"/>
-          <p:cNvSpPr/>
-          <p:nvPr/>
-        </p:nvSpPr>
-        <p:spPr>
-          <a:xfrm>
-            <a:off x="914400" y="1097280"/>
-            <a:ext cx="7315200" cy="2560320"/>
-          </a:xfrm>
-          <a:prstGeom prst="rect">
-            <a:avLst/>
-          </a:prstGeom>
-          <a:noFill/>
-          <a:ln/>
-        </p:spPr>
-        <p:txBody>
-          <a:bodyPr wrap="square" lIns="0" tIns="0" rIns="0" bIns="0" rtlCol="0" anchor="ctr"/>
-          <a:lstStyle/>
+              <a:t>The secret was never</a:t>
+            </a:r>
+            <a:endParaRPr lang="en-US" sz="4400" dirty="0"/>
+          </a:p>
           <a:p>
             <a:pPr algn="ctr" indent="0" marL="0">
               <a:buNone/>
             </a:pPr>
             <a:r>
-              <a:rPr lang="en-US" sz="4800" b="1" dirty="0">
+              <a:rPr lang="en-US" sz="4400" b="1" dirty="0">
                 <a:solidFill>
                   <a:srgbClr val="FFFFFF"/>
                 </a:solidFill>
@@ -23651,26 +21763,48 @@
                 <a:ea typeface="Georgia" pitchFamily="34" charset="-122"/>
                 <a:cs typeface="Georgia" pitchFamily="34" charset="-120"/>
               </a:rPr>
-              <a:t>Remember the</a:t>
-            </a:r>
-            <a:endParaRPr lang="en-US" sz="4800" dirty="0"/>
-          </a:p>
+              <a:t>in the AI.</a:t>
+            </a:r>
+            <a:endParaRPr lang="en-US" sz="4400" dirty="0"/>
+          </a:p>
+        </p:txBody>
+      </p:sp>
+      <p:sp>
+        <p:nvSpPr>
+          <p:cNvPr id="4" name="Text 2"/>
+          <p:cNvSpPr/>
+          <p:nvPr/>
+        </p:nvSpPr>
+        <p:spPr>
+          <a:xfrm>
+            <a:off x="1371600" y="3657600"/>
+            <a:ext cx="6400800" cy="731520"/>
+          </a:xfrm>
+          <a:prstGeom prst="rect">
+            <a:avLst/>
+          </a:prstGeom>
+          <a:noFill/>
+          <a:ln/>
+        </p:spPr>
+        <p:txBody>
+          <a:bodyPr wrap="square" lIns="0" tIns="0" rIns="0" bIns="0" rtlCol="0" anchor="t"/>
+          <a:lstStyle/>
           <a:p>
             <a:pPr algn="ctr" indent="0" marL="0">
               <a:buNone/>
             </a:pPr>
             <a:r>
-              <a:rPr lang="en-US" sz="4800" b="1" dirty="0">
-                <a:solidFill>
-                  <a:srgbClr val="FFFFFF"/>
-                </a:solidFill>
-                <a:latin typeface="Georgia" pitchFamily="34" charset="0"/>
-                <a:ea typeface="Georgia" pitchFamily="34" charset="-122"/>
-                <a:cs typeface="Georgia" pitchFamily="34" charset="-120"/>
-              </a:rPr>
-              <a:t>45-minute conversation?</a:t>
-            </a:r>
-            <a:endParaRPr lang="en-US" sz="4800" dirty="0"/>
+              <a:rPr lang="en-US" sz="2800" dirty="0">
+                <a:solidFill>
+                  <a:srgbClr val="94A3B8"/>
+                </a:solidFill>
+                <a:latin typeface="Calibri" pitchFamily="34" charset="0"/>
+                <a:ea typeface="Calibri" pitchFamily="34" charset="-122"/>
+                <a:cs typeface="Calibri" pitchFamily="34" charset="-120"/>
+              </a:rPr>
+              <a:t>Now go try it — one task, this week.</a:t>
+            </a:r>
+            <a:endParaRPr lang="en-US" sz="2800" dirty="0"/>
           </a:p>
         </p:txBody>
       </p:sp>
@@ -23806,70 +21940,16 @@
           </a:p>
         </p:txBody>
       </p:sp>
-    </p:spTree>
-  </p:cSld>
-  <p:clrMapOvr>
-    <a:masterClrMapping/>
-  </p:clrMapOvr>
-</p:sld>
-</file>
-
-<file path=ppt/slides/slide70.xml><?xml version="1.0" encoding="utf-8"?>
-<p:sld xmlns:a="http://schemas.openxmlformats.org/drawingml/2006/main" xmlns:r="http://schemas.openxmlformats.org/officeDocument/2006/relationships" xmlns:p="http://schemas.openxmlformats.org/presentationml/2006/main">
-  <p:cSld name="Slide 70">
-    <p:bg>
-      <p:bgPr>
-        <a:solidFill>
-          <a:srgbClr val="0F0F1A"/>
-        </a:solidFill>
-      </p:bgPr>
-    </p:bg>
-    <p:spTree>
-      <p:nvGrpSpPr>
-        <p:cNvPr id="1" name=""/>
-        <p:cNvGrpSpPr/>
-        <p:nvPr/>
-      </p:nvGrpSpPr>
-      <p:grpSpPr>
-        <a:xfrm>
-          <a:off x="0" y="0"/>
-          <a:ext cx="0" cy="0"/>
-          <a:chOff x="0" y="0"/>
-          <a:chExt cx="0" cy="0"/>
-        </a:xfrm>
-      </p:grpSpPr>
-      <p:sp>
-        <p:nvSpPr>
-          <p:cNvPr id="2" name="Shape 0"/>
-          <p:cNvSpPr/>
-          <p:nvPr/>
-        </p:nvSpPr>
-        <p:spPr>
-          <a:xfrm>
-            <a:off x="4572000" y="2286000"/>
-            <a:ext cx="7315200" cy="5486400"/>
-          </a:xfrm>
-          <a:prstGeom prst="ellipse">
-            <a:avLst/>
-          </a:prstGeom>
-          <a:solidFill>
-            <a:srgbClr val="00B4D8">
-              <a:alpha val="4000"/>
-            </a:srgbClr>
-          </a:solidFill>
-          <a:ln/>
-        </p:spPr>
-      </p:sp>
-      <p:sp>
-        <p:nvSpPr>
-          <p:cNvPr id="3" name="Text 1"/>
-          <p:cNvSpPr/>
-          <p:nvPr/>
-        </p:nvSpPr>
-        <p:spPr>
-          <a:xfrm>
-            <a:off x="914400" y="1097280"/>
-            <a:ext cx="7315200" cy="2560320"/>
+      <p:sp>
+        <p:nvSpPr>
+          <p:cNvPr id="5" name="Text 3"/>
+          <p:cNvSpPr/>
+          <p:nvPr/>
+        </p:nvSpPr>
+        <p:spPr>
+          <a:xfrm>
+            <a:off x="457200" y="4572000"/>
+            <a:ext cx="8229600" cy="365760"/>
           </a:xfrm>
           <a:prstGeom prst="rect">
             <a:avLst/>
@@ -23878,180 +21958,14 @@
           <a:ln/>
         </p:spPr>
         <p:txBody>
-          <a:bodyPr wrap="square" lIns="0" tIns="0" rIns="0" bIns="0" rtlCol="0" anchor="ctr"/>
-          <a:lstStyle/>
-          <a:p>
-            <a:pPr algn="ctr" indent="0" marL="0">
-              <a:buNone/>
-            </a:pPr>
-            <a:r>
-              <a:rPr lang="en-US" sz="7200" b="1" dirty="0">
-                <a:solidFill>
-                  <a:srgbClr val="FFFFFF"/>
-                </a:solidFill>
-                <a:latin typeface="Georgia" pitchFamily="34" charset="0"/>
-                <a:ea typeface="Georgia" pitchFamily="34" charset="-122"/>
-                <a:cs typeface="Georgia" pitchFamily="34" charset="-120"/>
-              </a:rPr>
-              <a:t>Two minutes.</a:t>
-            </a:r>
-            <a:endParaRPr lang="en-US" sz="7200" dirty="0"/>
-          </a:p>
-          <a:p>
-            <a:pPr algn="ctr" indent="0" marL="0">
-              <a:buNone/>
-            </a:pPr>
-            <a:r>
-              <a:rPr lang="en-US" sz="7200" b="1" dirty="0">
-                <a:solidFill>
-                  <a:srgbClr val="FFFFFF"/>
-                </a:solidFill>
-                <a:latin typeface="Georgia" pitchFamily="34" charset="0"/>
-                <a:ea typeface="Georgia" pitchFamily="34" charset="-122"/>
-                <a:cs typeface="Georgia" pitchFamily="34" charset="-120"/>
-              </a:rPr>
-              <a:t>That’s the trick.</a:t>
-            </a:r>
-            <a:endParaRPr lang="en-US" sz="7200" dirty="0"/>
-          </a:p>
-        </p:txBody>
-      </p:sp>
-    </p:spTree>
-  </p:cSld>
-  <p:clrMapOvr>
-    <a:masterClrMapping/>
-  </p:clrMapOvr>
-</p:sld>
-</file>
-
-<file path=ppt/slides/slide71.xml><?xml version="1.0" encoding="utf-8"?>
-<p:sld xmlns:a="http://schemas.openxmlformats.org/drawingml/2006/main" xmlns:r="http://schemas.openxmlformats.org/officeDocument/2006/relationships" xmlns:p="http://schemas.openxmlformats.org/presentationml/2006/main">
-  <p:cSld name="Slide 71">
-    <p:bg>
-      <p:bgPr>
-        <a:solidFill>
-          <a:srgbClr val="0F0F1A"/>
-        </a:solidFill>
-      </p:bgPr>
-    </p:bg>
-    <p:spTree>
-      <p:nvGrpSpPr>
-        <p:cNvPr id="1" name=""/>
-        <p:cNvGrpSpPr/>
-        <p:nvPr/>
-      </p:nvGrpSpPr>
-      <p:grpSpPr>
-        <a:xfrm>
-          <a:off x="0" y="0"/>
-          <a:ext cx="0" cy="0"/>
-          <a:chOff x="0" y="0"/>
-          <a:chExt cx="0" cy="0"/>
-        </a:xfrm>
-      </p:grpSpPr>
-      <p:sp>
-        <p:nvSpPr>
-          <p:cNvPr id="2" name="Shape 0"/>
-          <p:cNvSpPr/>
-          <p:nvPr/>
-        </p:nvSpPr>
-        <p:spPr>
-          <a:xfrm>
-            <a:off x="4572000" y="2286000"/>
-            <a:ext cx="7315200" cy="5486400"/>
-          </a:xfrm>
-          <a:prstGeom prst="ellipse">
-            <a:avLst/>
-          </a:prstGeom>
-          <a:solidFill>
-            <a:srgbClr val="00B4D8">
-              <a:alpha val="4000"/>
-            </a:srgbClr>
-          </a:solidFill>
-          <a:ln/>
-        </p:spPr>
-      </p:sp>
-      <p:sp>
-        <p:nvSpPr>
-          <p:cNvPr id="3" name="Text 1"/>
-          <p:cNvSpPr/>
-          <p:nvPr/>
-        </p:nvSpPr>
-        <p:spPr>
-          <a:xfrm>
-            <a:off x="914400" y="1097280"/>
-            <a:ext cx="7315200" cy="2560320"/>
-          </a:xfrm>
-          <a:prstGeom prst="rect">
-            <a:avLst/>
-          </a:prstGeom>
-          <a:noFill/>
-          <a:ln/>
-        </p:spPr>
-        <p:txBody>
-          <a:bodyPr wrap="square" lIns="0" tIns="0" rIns="0" bIns="0" rtlCol="0" anchor="ctr"/>
-          <a:lstStyle/>
-          <a:p>
-            <a:pPr algn="ctr" indent="0" marL="0">
-              <a:buNone/>
-            </a:pPr>
-            <a:r>
-              <a:rPr lang="en-US" sz="4400" b="1" dirty="0">
-                <a:solidFill>
-                  <a:srgbClr val="FFFFFF"/>
-                </a:solidFill>
-                <a:latin typeface="Georgia" pitchFamily="34" charset="0"/>
-                <a:ea typeface="Georgia" pitchFamily="34" charset="-122"/>
-                <a:cs typeface="Georgia" pitchFamily="34" charset="-120"/>
-              </a:rPr>
-              <a:t>The secret was never</a:t>
-            </a:r>
-            <a:endParaRPr lang="en-US" sz="4400" dirty="0"/>
-          </a:p>
-          <a:p>
-            <a:pPr algn="ctr" indent="0" marL="0">
-              <a:buNone/>
-            </a:pPr>
-            <a:r>
-              <a:rPr lang="en-US" sz="4400" b="1" dirty="0">
-                <a:solidFill>
-                  <a:srgbClr val="FFFFFF"/>
-                </a:solidFill>
-                <a:latin typeface="Georgia" pitchFamily="34" charset="0"/>
-                <a:ea typeface="Georgia" pitchFamily="34" charset="-122"/>
-                <a:cs typeface="Georgia" pitchFamily="34" charset="-120"/>
-              </a:rPr>
-              <a:t>in the AI.</a:t>
-            </a:r>
-            <a:endParaRPr lang="en-US" sz="4400" dirty="0"/>
-          </a:p>
-        </p:txBody>
-      </p:sp>
-      <p:sp>
-        <p:nvSpPr>
-          <p:cNvPr id="4" name="Text 2"/>
-          <p:cNvSpPr/>
-          <p:nvPr/>
-        </p:nvSpPr>
-        <p:spPr>
-          <a:xfrm>
-            <a:off x="1371600" y="3657600"/>
-            <a:ext cx="6400800" cy="731520"/>
-          </a:xfrm>
-          <a:prstGeom prst="rect">
-            <a:avLst/>
-          </a:prstGeom>
-          <a:noFill/>
-          <a:ln/>
-        </p:spPr>
-        <p:txBody>
-          <a:bodyPr wrap="square" lIns="0" tIns="0" rIns="0" bIns="0" rtlCol="0" anchor="t"/>
-          <a:lstStyle/>
-          <a:p>
-            <a:pPr algn="ctr" indent="0" marL="0">
-              <a:buNone/>
-            </a:pPr>
-            <a:r>
-              <a:rPr lang="en-US" sz="2800" dirty="0">
+          <a:bodyPr wrap="square" lIns="0" tIns="0" rIns="0" bIns="0" rtlCol="0" anchor="b"/>
+          <a:lstStyle/>
+          <a:p>
+            <a:pPr algn="r" indent="0" marL="0">
+              <a:buNone/>
+            </a:pPr>
+            <a:r>
+              <a:rPr lang="en-US" sz="1100" dirty="0">
                 <a:solidFill>
                   <a:srgbClr val="94A3B8"/>
                 </a:solidFill>
@@ -24059,9 +21973,9 @@
                 <a:ea typeface="Calibri" pitchFamily="34" charset="-122"/>
                 <a:cs typeface="Calibri" pitchFamily="34" charset="-120"/>
               </a:rPr>
-              <a:t>Now go try it — one task, this week.</a:t>
-            </a:r>
-            <a:endParaRPr lang="en-US" sz="2800" dirty="0"/>
+              <a:t>Reuters</a:t>
+            </a:r>
+            <a:endParaRPr lang="en-US" sz="1100" dirty="0"/>
           </a:p>
         </p:txBody>
       </p:sp>
@@ -24663,6 +22577,45 @@
               <a:t>in annual value. Only 31% in full production.</a:t>
             </a:r>
             <a:endParaRPr lang="en-US" sz="2800" dirty="0"/>
+          </a:p>
+        </p:txBody>
+      </p:sp>
+      <p:sp>
+        <p:nvSpPr>
+          <p:cNvPr id="5" name="Text 3"/>
+          <p:cNvSpPr/>
+          <p:nvPr/>
+        </p:nvSpPr>
+        <p:spPr>
+          <a:xfrm>
+            <a:off x="457200" y="4572000"/>
+            <a:ext cx="8229600" cy="365760"/>
+          </a:xfrm>
+          <a:prstGeom prst="rect">
+            <a:avLst/>
+          </a:prstGeom>
+          <a:noFill/>
+          <a:ln/>
+        </p:spPr>
+        <p:txBody>
+          <a:bodyPr wrap="square" lIns="0" tIns="0" rIns="0" bIns="0" rtlCol="0" anchor="b"/>
+          <a:lstStyle/>
+          <a:p>
+            <a:pPr algn="r" indent="0" marL="0">
+              <a:buNone/>
+            </a:pPr>
+            <a:r>
+              <a:rPr lang="en-US" sz="1100" dirty="0">
+                <a:solidFill>
+                  <a:srgbClr val="94A3B8"/>
+                </a:solidFill>
+                <a:latin typeface="Calibri" pitchFamily="34" charset="0"/>
+                <a:ea typeface="Calibri" pitchFamily="34" charset="-122"/>
+                <a:cs typeface="Calibri" pitchFamily="34" charset="-120"/>
+              </a:rPr>
+              <a:t>McKinsey Global Institute, ServiceNow</a:t>
+            </a:r>
+            <a:endParaRPr lang="en-US" sz="1100" dirty="0"/>
           </a:p>
         </p:txBody>
       </p:sp>

--- a/Getting-Agents-to-Give-Up-Their-Secrets.pptx
+++ b/Getting-Agents-to-Give-Up-Their-Secrets.pptx
@@ -21543,7 +21543,7 @@
                 <a:ea typeface="Georgia" pitchFamily="34" charset="-122"/>
                 <a:cs typeface="Georgia" pitchFamily="34" charset="-120"/>
               </a:rPr>
-              <a:t>45-minute conversation?</a:t>
+              <a:t>45-minute summary?</a:t>
             </a:r>
             <a:endParaRPr lang="en-US" sz="4800" dirty="0"/>
           </a:p>
